--- a/docs/images/figures.pptx
+++ b/docs/images/figures.pptx
@@ -6,7 +6,8 @@
   </p:sldMasterIdLst>
   <p:sldIdLst>
     <p:sldId id="256" r:id="rId2"/>
-    <p:sldId id="257" r:id="rId3"/>
+    <p:sldId id="259" r:id="rId3"/>
+    <p:sldId id="257" r:id="rId4"/>
   </p:sldIdLst>
   <p:sldSz cx="12192000" cy="6858000"/>
   <p:notesSz cx="6858000" cy="9144000"/>
@@ -105,6 +106,11 @@
       </a:defRPr>
     </a:lvl9pPr>
   </p:defaultTextStyle>
+  <p:extLst>
+    <p:ext uri="{EFAFB233-063F-42B5-8137-9DF3F51BA10A}">
+      <p15:sldGuideLst xmlns:p15="http://schemas.microsoft.com/office/powerpoint/2012/main"/>
+    </p:ext>
+  </p:extLst>
 </p:presentation>
 </file>
 
@@ -255,7 +261,7 @@
           <a:p>
             <a:fld id="{8701E5DF-D4F1-1A4F-81CB-A9594971EC9A}" type="datetimeFigureOut">
               <a:rPr kumimoji="1" lang="ja-JP" altLang="en-US" smtClean="0"/>
-              <a:t>2022/12/20</a:t>
+              <a:t>2022/12/26</a:t>
             </a:fld>
             <a:endParaRPr kumimoji="1" lang="ja-JP" altLang="en-US"/>
           </a:p>
@@ -485,7 +491,7 @@
           <a:p>
             <a:fld id="{8701E5DF-D4F1-1A4F-81CB-A9594971EC9A}" type="datetimeFigureOut">
               <a:rPr kumimoji="1" lang="ja-JP" altLang="en-US" smtClean="0"/>
-              <a:t>2022/12/20</a:t>
+              <a:t>2022/12/26</a:t>
             </a:fld>
             <a:endParaRPr kumimoji="1" lang="ja-JP" altLang="en-US"/>
           </a:p>
@@ -725,7 +731,7 @@
           <a:p>
             <a:fld id="{8701E5DF-D4F1-1A4F-81CB-A9594971EC9A}" type="datetimeFigureOut">
               <a:rPr kumimoji="1" lang="ja-JP" altLang="en-US" smtClean="0"/>
-              <a:t>2022/12/20</a:t>
+              <a:t>2022/12/26</a:t>
             </a:fld>
             <a:endParaRPr kumimoji="1" lang="ja-JP" altLang="en-US"/>
           </a:p>
@@ -955,7 +961,7 @@
           <a:p>
             <a:fld id="{8701E5DF-D4F1-1A4F-81CB-A9594971EC9A}" type="datetimeFigureOut">
               <a:rPr kumimoji="1" lang="ja-JP" altLang="en-US" smtClean="0"/>
-              <a:t>2022/12/20</a:t>
+              <a:t>2022/12/26</a:t>
             </a:fld>
             <a:endParaRPr kumimoji="1" lang="ja-JP" altLang="en-US"/>
           </a:p>
@@ -1230,7 +1236,7 @@
           <a:p>
             <a:fld id="{8701E5DF-D4F1-1A4F-81CB-A9594971EC9A}" type="datetimeFigureOut">
               <a:rPr kumimoji="1" lang="ja-JP" altLang="en-US" smtClean="0"/>
-              <a:t>2022/12/20</a:t>
+              <a:t>2022/12/26</a:t>
             </a:fld>
             <a:endParaRPr kumimoji="1" lang="ja-JP" altLang="en-US"/>
           </a:p>
@@ -1559,7 +1565,7 @@
           <a:p>
             <a:fld id="{8701E5DF-D4F1-1A4F-81CB-A9594971EC9A}" type="datetimeFigureOut">
               <a:rPr kumimoji="1" lang="ja-JP" altLang="en-US" smtClean="0"/>
-              <a:t>2022/12/20</a:t>
+              <a:t>2022/12/26</a:t>
             </a:fld>
             <a:endParaRPr kumimoji="1" lang="ja-JP" altLang="en-US"/>
           </a:p>
@@ -2035,7 +2041,7 @@
           <a:p>
             <a:fld id="{8701E5DF-D4F1-1A4F-81CB-A9594971EC9A}" type="datetimeFigureOut">
               <a:rPr kumimoji="1" lang="ja-JP" altLang="en-US" smtClean="0"/>
-              <a:t>2022/12/20</a:t>
+              <a:t>2022/12/26</a:t>
             </a:fld>
             <a:endParaRPr kumimoji="1" lang="ja-JP" altLang="en-US"/>
           </a:p>
@@ -2176,7 +2182,7 @@
           <a:p>
             <a:fld id="{8701E5DF-D4F1-1A4F-81CB-A9594971EC9A}" type="datetimeFigureOut">
               <a:rPr kumimoji="1" lang="ja-JP" altLang="en-US" smtClean="0"/>
-              <a:t>2022/12/20</a:t>
+              <a:t>2022/12/26</a:t>
             </a:fld>
             <a:endParaRPr kumimoji="1" lang="ja-JP" altLang="en-US"/>
           </a:p>
@@ -2289,7 +2295,7 @@
           <a:p>
             <a:fld id="{8701E5DF-D4F1-1A4F-81CB-A9594971EC9A}" type="datetimeFigureOut">
               <a:rPr kumimoji="1" lang="ja-JP" altLang="en-US" smtClean="0"/>
-              <a:t>2022/12/20</a:t>
+              <a:t>2022/12/26</a:t>
             </a:fld>
             <a:endParaRPr kumimoji="1" lang="ja-JP" altLang="en-US"/>
           </a:p>
@@ -2632,7 +2638,7 @@
           <a:p>
             <a:fld id="{8701E5DF-D4F1-1A4F-81CB-A9594971EC9A}" type="datetimeFigureOut">
               <a:rPr kumimoji="1" lang="ja-JP" altLang="en-US" smtClean="0"/>
-              <a:t>2022/12/20</a:t>
+              <a:t>2022/12/26</a:t>
             </a:fld>
             <a:endParaRPr kumimoji="1" lang="ja-JP" altLang="en-US"/>
           </a:p>
@@ -2920,7 +2926,7 @@
           <a:p>
             <a:fld id="{8701E5DF-D4F1-1A4F-81CB-A9594971EC9A}" type="datetimeFigureOut">
               <a:rPr kumimoji="1" lang="ja-JP" altLang="en-US" smtClean="0"/>
-              <a:t>2022/12/20</a:t>
+              <a:t>2022/12/26</a:t>
             </a:fld>
             <a:endParaRPr kumimoji="1" lang="ja-JP" altLang="en-US"/>
           </a:p>
@@ -3193,7 +3199,7 @@
           <a:p>
             <a:fld id="{8701E5DF-D4F1-1A4F-81CB-A9594971EC9A}" type="datetimeFigureOut">
               <a:rPr kumimoji="1" lang="ja-JP" altLang="en-US" smtClean="0"/>
-              <a:t>2022/12/20</a:t>
+              <a:t>2022/12/26</a:t>
             </a:fld>
             <a:endParaRPr kumimoji="1" lang="ja-JP" altLang="en-US"/>
           </a:p>
@@ -3694,6 +3700,5250 @@
           <a:chExt cx="0" cy="0"/>
         </a:xfrm>
       </p:grpSpPr>
+      <p:sp>
+        <p:nvSpPr>
+          <p:cNvPr id="4" name="四角形: 角を丸くする 1">
+            <a:extLst>
+              <a:ext uri="{FF2B5EF4-FFF2-40B4-BE49-F238E27FC236}">
+                <a16:creationId xmlns:a16="http://schemas.microsoft.com/office/drawing/2014/main" id="{A88EB2B1-9172-8D56-873D-28464A1C767F}"/>
+              </a:ext>
+            </a:extLst>
+          </p:cNvPr>
+          <p:cNvSpPr/>
+          <p:nvPr/>
+        </p:nvSpPr>
+        <p:spPr>
+          <a:xfrm>
+            <a:off x="474837" y="703204"/>
+            <a:ext cx="4330543" cy="2930531"/>
+          </a:xfrm>
+          <a:prstGeom prst="roundRect">
+            <a:avLst>
+              <a:gd name="adj" fmla="val 12418"/>
+            </a:avLst>
+          </a:prstGeom>
+        </p:spPr>
+        <p:style>
+          <a:lnRef idx="2">
+            <a:schemeClr val="accent1"/>
+          </a:lnRef>
+          <a:fillRef idx="1">
+            <a:schemeClr val="lt1"/>
+          </a:fillRef>
+          <a:effectRef idx="0">
+            <a:schemeClr val="accent1"/>
+          </a:effectRef>
+          <a:fontRef idx="minor">
+            <a:schemeClr val="dk1"/>
+          </a:fontRef>
+        </p:style>
+        <p:txBody>
+          <a:bodyPr rtlCol="0" anchor="ctr"/>
+          <a:lstStyle>
+            <a:defPPr>
+              <a:defRPr lang="ja-JP"/>
+            </a:defPPr>
+            <a:lvl1pPr marL="0" algn="l" defTabSz="914400" rtl="0" eaLnBrk="1" latinLnBrk="0" hangingPunct="1">
+              <a:defRPr kumimoji="1" sz="1800" kern="1200">
+                <a:solidFill>
+                  <a:schemeClr val="dk1"/>
+                </a:solidFill>
+                <a:latin typeface="+mn-lt"/>
+                <a:ea typeface="+mn-ea"/>
+                <a:cs typeface="+mn-cs"/>
+              </a:defRPr>
+            </a:lvl1pPr>
+            <a:lvl2pPr marL="457200" algn="l" defTabSz="914400" rtl="0" eaLnBrk="1" latinLnBrk="0" hangingPunct="1">
+              <a:defRPr kumimoji="1" sz="1800" kern="1200">
+                <a:solidFill>
+                  <a:schemeClr val="dk1"/>
+                </a:solidFill>
+                <a:latin typeface="+mn-lt"/>
+                <a:ea typeface="+mn-ea"/>
+                <a:cs typeface="+mn-cs"/>
+              </a:defRPr>
+            </a:lvl2pPr>
+            <a:lvl3pPr marL="914400" algn="l" defTabSz="914400" rtl="0" eaLnBrk="1" latinLnBrk="0" hangingPunct="1">
+              <a:defRPr kumimoji="1" sz="1800" kern="1200">
+                <a:solidFill>
+                  <a:schemeClr val="dk1"/>
+                </a:solidFill>
+                <a:latin typeface="+mn-lt"/>
+                <a:ea typeface="+mn-ea"/>
+                <a:cs typeface="+mn-cs"/>
+              </a:defRPr>
+            </a:lvl3pPr>
+            <a:lvl4pPr marL="1371600" algn="l" defTabSz="914400" rtl="0" eaLnBrk="1" latinLnBrk="0" hangingPunct="1">
+              <a:defRPr kumimoji="1" sz="1800" kern="1200">
+                <a:solidFill>
+                  <a:schemeClr val="dk1"/>
+                </a:solidFill>
+                <a:latin typeface="+mn-lt"/>
+                <a:ea typeface="+mn-ea"/>
+                <a:cs typeface="+mn-cs"/>
+              </a:defRPr>
+            </a:lvl4pPr>
+            <a:lvl5pPr marL="1828800" algn="l" defTabSz="914400" rtl="0" eaLnBrk="1" latinLnBrk="0" hangingPunct="1">
+              <a:defRPr kumimoji="1" sz="1800" kern="1200">
+                <a:solidFill>
+                  <a:schemeClr val="dk1"/>
+                </a:solidFill>
+                <a:latin typeface="+mn-lt"/>
+                <a:ea typeface="+mn-ea"/>
+                <a:cs typeface="+mn-cs"/>
+              </a:defRPr>
+            </a:lvl5pPr>
+            <a:lvl6pPr marL="2286000" algn="l" defTabSz="914400" rtl="0" eaLnBrk="1" latinLnBrk="0" hangingPunct="1">
+              <a:defRPr kumimoji="1" sz="1800" kern="1200">
+                <a:solidFill>
+                  <a:schemeClr val="dk1"/>
+                </a:solidFill>
+                <a:latin typeface="+mn-lt"/>
+                <a:ea typeface="+mn-ea"/>
+                <a:cs typeface="+mn-cs"/>
+              </a:defRPr>
+            </a:lvl6pPr>
+            <a:lvl7pPr marL="2743200" algn="l" defTabSz="914400" rtl="0" eaLnBrk="1" latinLnBrk="0" hangingPunct="1">
+              <a:defRPr kumimoji="1" sz="1800" kern="1200">
+                <a:solidFill>
+                  <a:schemeClr val="dk1"/>
+                </a:solidFill>
+                <a:latin typeface="+mn-lt"/>
+                <a:ea typeface="+mn-ea"/>
+                <a:cs typeface="+mn-cs"/>
+              </a:defRPr>
+            </a:lvl7pPr>
+            <a:lvl8pPr marL="3200400" algn="l" defTabSz="914400" rtl="0" eaLnBrk="1" latinLnBrk="0" hangingPunct="1">
+              <a:defRPr kumimoji="1" sz="1800" kern="1200">
+                <a:solidFill>
+                  <a:schemeClr val="dk1"/>
+                </a:solidFill>
+                <a:latin typeface="+mn-lt"/>
+                <a:ea typeface="+mn-ea"/>
+                <a:cs typeface="+mn-cs"/>
+              </a:defRPr>
+            </a:lvl8pPr>
+            <a:lvl9pPr marL="3657600" algn="l" defTabSz="914400" rtl="0" eaLnBrk="1" latinLnBrk="0" hangingPunct="1">
+              <a:defRPr kumimoji="1" sz="1800" kern="1200">
+                <a:solidFill>
+                  <a:schemeClr val="dk1"/>
+                </a:solidFill>
+                <a:latin typeface="+mn-lt"/>
+                <a:ea typeface="+mn-ea"/>
+                <a:cs typeface="+mn-cs"/>
+              </a:defRPr>
+            </a:lvl9pPr>
+          </a:lstStyle>
+          <a:p>
+            <a:pPr algn="ctr"/>
+            <a:endParaRPr kumimoji="1" lang="ja-JP" altLang="en-US"/>
+          </a:p>
+        </p:txBody>
+      </p:sp>
+      <p:sp>
+        <p:nvSpPr>
+          <p:cNvPr id="15" name="四角形: メモ 66">
+            <a:extLst>
+              <a:ext uri="{FF2B5EF4-FFF2-40B4-BE49-F238E27FC236}">
+                <a16:creationId xmlns:a16="http://schemas.microsoft.com/office/drawing/2014/main" id="{26EDA997-50A3-BD59-D7EE-BAC813A8D2FE}"/>
+              </a:ext>
+            </a:extLst>
+          </p:cNvPr>
+          <p:cNvSpPr/>
+          <p:nvPr/>
+        </p:nvSpPr>
+        <p:spPr>
+          <a:xfrm>
+            <a:off x="6095999" y="3809882"/>
+            <a:ext cx="6011917" cy="2622718"/>
+          </a:xfrm>
+          <a:prstGeom prst="foldedCorner">
+            <a:avLst/>
+          </a:prstGeom>
+        </p:spPr>
+        <p:style>
+          <a:lnRef idx="2">
+            <a:schemeClr val="accent1"/>
+          </a:lnRef>
+          <a:fillRef idx="1">
+            <a:schemeClr val="lt1"/>
+          </a:fillRef>
+          <a:effectRef idx="0">
+            <a:schemeClr val="accent1"/>
+          </a:effectRef>
+          <a:fontRef idx="minor">
+            <a:schemeClr val="dk1"/>
+          </a:fontRef>
+        </p:style>
+        <p:txBody>
+          <a:bodyPr rtlCol="0" anchor="t"/>
+          <a:lstStyle>
+            <a:defPPr>
+              <a:defRPr lang="ja-JP"/>
+            </a:defPPr>
+            <a:lvl1pPr marL="0" algn="l" defTabSz="914400" rtl="0" eaLnBrk="1" latinLnBrk="0" hangingPunct="1">
+              <a:defRPr kumimoji="1" sz="1800" kern="1200">
+                <a:solidFill>
+                  <a:schemeClr val="dk1"/>
+                </a:solidFill>
+                <a:latin typeface="+mn-lt"/>
+                <a:ea typeface="+mn-ea"/>
+                <a:cs typeface="+mn-cs"/>
+              </a:defRPr>
+            </a:lvl1pPr>
+            <a:lvl2pPr marL="457200" algn="l" defTabSz="914400" rtl="0" eaLnBrk="1" latinLnBrk="0" hangingPunct="1">
+              <a:defRPr kumimoji="1" sz="1800" kern="1200">
+                <a:solidFill>
+                  <a:schemeClr val="dk1"/>
+                </a:solidFill>
+                <a:latin typeface="+mn-lt"/>
+                <a:ea typeface="+mn-ea"/>
+                <a:cs typeface="+mn-cs"/>
+              </a:defRPr>
+            </a:lvl2pPr>
+            <a:lvl3pPr marL="914400" algn="l" defTabSz="914400" rtl="0" eaLnBrk="1" latinLnBrk="0" hangingPunct="1">
+              <a:defRPr kumimoji="1" sz="1800" kern="1200">
+                <a:solidFill>
+                  <a:schemeClr val="dk1"/>
+                </a:solidFill>
+                <a:latin typeface="+mn-lt"/>
+                <a:ea typeface="+mn-ea"/>
+                <a:cs typeface="+mn-cs"/>
+              </a:defRPr>
+            </a:lvl3pPr>
+            <a:lvl4pPr marL="1371600" algn="l" defTabSz="914400" rtl="0" eaLnBrk="1" latinLnBrk="0" hangingPunct="1">
+              <a:defRPr kumimoji="1" sz="1800" kern="1200">
+                <a:solidFill>
+                  <a:schemeClr val="dk1"/>
+                </a:solidFill>
+                <a:latin typeface="+mn-lt"/>
+                <a:ea typeface="+mn-ea"/>
+                <a:cs typeface="+mn-cs"/>
+              </a:defRPr>
+            </a:lvl4pPr>
+            <a:lvl5pPr marL="1828800" algn="l" defTabSz="914400" rtl="0" eaLnBrk="1" latinLnBrk="0" hangingPunct="1">
+              <a:defRPr kumimoji="1" sz="1800" kern="1200">
+                <a:solidFill>
+                  <a:schemeClr val="dk1"/>
+                </a:solidFill>
+                <a:latin typeface="+mn-lt"/>
+                <a:ea typeface="+mn-ea"/>
+                <a:cs typeface="+mn-cs"/>
+              </a:defRPr>
+            </a:lvl5pPr>
+            <a:lvl6pPr marL="2286000" algn="l" defTabSz="914400" rtl="0" eaLnBrk="1" latinLnBrk="0" hangingPunct="1">
+              <a:defRPr kumimoji="1" sz="1800" kern="1200">
+                <a:solidFill>
+                  <a:schemeClr val="dk1"/>
+                </a:solidFill>
+                <a:latin typeface="+mn-lt"/>
+                <a:ea typeface="+mn-ea"/>
+                <a:cs typeface="+mn-cs"/>
+              </a:defRPr>
+            </a:lvl6pPr>
+            <a:lvl7pPr marL="2743200" algn="l" defTabSz="914400" rtl="0" eaLnBrk="1" latinLnBrk="0" hangingPunct="1">
+              <a:defRPr kumimoji="1" sz="1800" kern="1200">
+                <a:solidFill>
+                  <a:schemeClr val="dk1"/>
+                </a:solidFill>
+                <a:latin typeface="+mn-lt"/>
+                <a:ea typeface="+mn-ea"/>
+                <a:cs typeface="+mn-cs"/>
+              </a:defRPr>
+            </a:lvl7pPr>
+            <a:lvl8pPr marL="3200400" algn="l" defTabSz="914400" rtl="0" eaLnBrk="1" latinLnBrk="0" hangingPunct="1">
+              <a:defRPr kumimoji="1" sz="1800" kern="1200">
+                <a:solidFill>
+                  <a:schemeClr val="dk1"/>
+                </a:solidFill>
+                <a:latin typeface="+mn-lt"/>
+                <a:ea typeface="+mn-ea"/>
+                <a:cs typeface="+mn-cs"/>
+              </a:defRPr>
+            </a:lvl8pPr>
+            <a:lvl9pPr marL="3657600" algn="l" defTabSz="914400" rtl="0" eaLnBrk="1" latinLnBrk="0" hangingPunct="1">
+              <a:defRPr kumimoji="1" sz="1800" kern="1200">
+                <a:solidFill>
+                  <a:schemeClr val="dk1"/>
+                </a:solidFill>
+                <a:latin typeface="+mn-lt"/>
+                <a:ea typeface="+mn-ea"/>
+                <a:cs typeface="+mn-cs"/>
+              </a:defRPr>
+            </a:lvl9pPr>
+          </a:lstStyle>
+          <a:p>
+            <a:pPr algn="ctr"/>
+            <a:endParaRPr kumimoji="1" lang="ja-JP" altLang="en-US" dirty="0"/>
+          </a:p>
+        </p:txBody>
+      </p:sp>
+      <p:cxnSp>
+        <p:nvCxnSpPr>
+          <p:cNvPr id="61" name="直線矢印コネクタ 60">
+            <a:extLst>
+              <a:ext uri="{FF2B5EF4-FFF2-40B4-BE49-F238E27FC236}">
+                <a16:creationId xmlns:a16="http://schemas.microsoft.com/office/drawing/2014/main" id="{74819F9A-B7D4-B0FE-96F5-F1C996B77C47}"/>
+              </a:ext>
+            </a:extLst>
+          </p:cNvPr>
+          <p:cNvCxnSpPr>
+            <a:cxnSpLocks/>
+          </p:cNvCxnSpPr>
+          <p:nvPr/>
+        </p:nvCxnSpPr>
+        <p:spPr>
+          <a:xfrm>
+            <a:off x="4514539" y="2308058"/>
+            <a:ext cx="3888255" cy="3112663"/>
+          </a:xfrm>
+          <a:prstGeom prst="straightConnector1">
+            <a:avLst/>
+          </a:prstGeom>
+          <a:ln w="28575">
+            <a:solidFill>
+              <a:schemeClr val="accent4"/>
+            </a:solidFill>
+            <a:headEnd type="none" w="med" len="med"/>
+            <a:tailEnd type="arrow" w="med" len="med"/>
+          </a:ln>
+        </p:spPr>
+        <p:style>
+          <a:lnRef idx="1">
+            <a:schemeClr val="accent1"/>
+          </a:lnRef>
+          <a:fillRef idx="0">
+            <a:schemeClr val="accent1"/>
+          </a:fillRef>
+          <a:effectRef idx="0">
+            <a:schemeClr val="accent1"/>
+          </a:effectRef>
+          <a:fontRef idx="minor">
+            <a:schemeClr val="tx1"/>
+          </a:fontRef>
+        </p:style>
+      </p:cxnSp>
+      <p:cxnSp>
+        <p:nvCxnSpPr>
+          <p:cNvPr id="63" name="直線矢印コネクタ 62">
+            <a:extLst>
+              <a:ext uri="{FF2B5EF4-FFF2-40B4-BE49-F238E27FC236}">
+                <a16:creationId xmlns:a16="http://schemas.microsoft.com/office/drawing/2014/main" id="{DB88E96A-29E1-D9A7-75B9-41B0E24CC36B}"/>
+              </a:ext>
+            </a:extLst>
+          </p:cNvPr>
+          <p:cNvCxnSpPr>
+            <a:cxnSpLocks/>
+          </p:cNvCxnSpPr>
+          <p:nvPr/>
+        </p:nvCxnSpPr>
+        <p:spPr>
+          <a:xfrm>
+            <a:off x="4488919" y="1272497"/>
+            <a:ext cx="5937343" cy="4123679"/>
+          </a:xfrm>
+          <a:prstGeom prst="straightConnector1">
+            <a:avLst/>
+          </a:prstGeom>
+          <a:ln w="28575">
+            <a:solidFill>
+              <a:schemeClr val="accent5"/>
+            </a:solidFill>
+            <a:headEnd type="none" w="med" len="med"/>
+            <a:tailEnd type="arrow" w="med" len="med"/>
+          </a:ln>
+        </p:spPr>
+        <p:style>
+          <a:lnRef idx="1">
+            <a:schemeClr val="accent1"/>
+          </a:lnRef>
+          <a:fillRef idx="0">
+            <a:schemeClr val="accent1"/>
+          </a:fillRef>
+          <a:effectRef idx="0">
+            <a:schemeClr val="accent1"/>
+          </a:effectRef>
+          <a:fontRef idx="minor">
+            <a:schemeClr val="tx1"/>
+          </a:fontRef>
+        </p:style>
+      </p:cxnSp>
+      <p:pic>
+        <p:nvPicPr>
+          <p:cNvPr id="2" name="グラフィックス 3">
+            <a:extLst>
+              <a:ext uri="{FF2B5EF4-FFF2-40B4-BE49-F238E27FC236}">
+                <a16:creationId xmlns:a16="http://schemas.microsoft.com/office/drawing/2014/main" id="{400BD1C3-0A9D-8ED9-0CAA-D008A52AAAB4}"/>
+              </a:ext>
+            </a:extLst>
+          </p:cNvPr>
+          <p:cNvPicPr>
+            <a:picLocks noChangeAspect="1"/>
+          </p:cNvPicPr>
+          <p:nvPr/>
+        </p:nvPicPr>
+        <p:blipFill>
+          <a:blip r:embed="rId2">
+            <a:extLst>
+              <a:ext uri="{28A0092B-C50C-407E-A947-70E740481C1C}">
+                <a14:useLocalDpi xmlns:a14="http://schemas.microsoft.com/office/drawing/2010/main" val="0"/>
+              </a:ext>
+              <a:ext uri="{96DAC541-7B7A-43D3-8B79-37D633B846F1}">
+                <asvg:svgBlip xmlns:asvg="http://schemas.microsoft.com/office/drawing/2016/SVG/main" r:embed="rId3"/>
+              </a:ext>
+            </a:extLst>
+          </a:blip>
+          <a:stretch>
+            <a:fillRect/>
+          </a:stretch>
+        </p:blipFill>
+        <p:spPr>
+          <a:xfrm>
+            <a:off x="112217" y="318203"/>
+            <a:ext cx="787813" cy="787813"/>
+          </a:xfrm>
+          <a:prstGeom prst="rect">
+            <a:avLst/>
+          </a:prstGeom>
+        </p:spPr>
+      </p:pic>
+      <p:sp>
+        <p:nvSpPr>
+          <p:cNvPr id="3" name="テキスト ボックス 4">
+            <a:extLst>
+              <a:ext uri="{FF2B5EF4-FFF2-40B4-BE49-F238E27FC236}">
+                <a16:creationId xmlns:a16="http://schemas.microsoft.com/office/drawing/2014/main" id="{0528726D-89D2-6E53-FB6F-EC656253743E}"/>
+              </a:ext>
+            </a:extLst>
+          </p:cNvPr>
+          <p:cNvSpPr txBox="1"/>
+          <p:nvPr/>
+        </p:nvSpPr>
+        <p:spPr>
+          <a:xfrm>
+            <a:off x="661845" y="396644"/>
+            <a:ext cx="4386263" cy="307777"/>
+          </a:xfrm>
+          <a:prstGeom prst="rect">
+            <a:avLst/>
+          </a:prstGeom>
+          <a:noFill/>
+        </p:spPr>
+        <p:txBody>
+          <a:bodyPr wrap="square" rtlCol="0">
+            <a:spAutoFit/>
+          </a:bodyPr>
+          <a:lstStyle>
+            <a:defPPr>
+              <a:defRPr lang="ja-JP"/>
+            </a:defPPr>
+            <a:lvl1pPr marL="0" algn="l" defTabSz="914400" rtl="0" eaLnBrk="1" latinLnBrk="0" hangingPunct="1">
+              <a:defRPr kumimoji="1" sz="1800" kern="1200">
+                <a:solidFill>
+                  <a:schemeClr val="tx1"/>
+                </a:solidFill>
+                <a:latin typeface="+mn-lt"/>
+                <a:ea typeface="+mn-ea"/>
+                <a:cs typeface="+mn-cs"/>
+              </a:defRPr>
+            </a:lvl1pPr>
+            <a:lvl2pPr marL="457200" algn="l" defTabSz="914400" rtl="0" eaLnBrk="1" latinLnBrk="0" hangingPunct="1">
+              <a:defRPr kumimoji="1" sz="1800" kern="1200">
+                <a:solidFill>
+                  <a:schemeClr val="tx1"/>
+                </a:solidFill>
+                <a:latin typeface="+mn-lt"/>
+                <a:ea typeface="+mn-ea"/>
+                <a:cs typeface="+mn-cs"/>
+              </a:defRPr>
+            </a:lvl2pPr>
+            <a:lvl3pPr marL="914400" algn="l" defTabSz="914400" rtl="0" eaLnBrk="1" latinLnBrk="0" hangingPunct="1">
+              <a:defRPr kumimoji="1" sz="1800" kern="1200">
+                <a:solidFill>
+                  <a:schemeClr val="tx1"/>
+                </a:solidFill>
+                <a:latin typeface="+mn-lt"/>
+                <a:ea typeface="+mn-ea"/>
+                <a:cs typeface="+mn-cs"/>
+              </a:defRPr>
+            </a:lvl3pPr>
+            <a:lvl4pPr marL="1371600" algn="l" defTabSz="914400" rtl="0" eaLnBrk="1" latinLnBrk="0" hangingPunct="1">
+              <a:defRPr kumimoji="1" sz="1800" kern="1200">
+                <a:solidFill>
+                  <a:schemeClr val="tx1"/>
+                </a:solidFill>
+                <a:latin typeface="+mn-lt"/>
+                <a:ea typeface="+mn-ea"/>
+                <a:cs typeface="+mn-cs"/>
+              </a:defRPr>
+            </a:lvl4pPr>
+            <a:lvl5pPr marL="1828800" algn="l" defTabSz="914400" rtl="0" eaLnBrk="1" latinLnBrk="0" hangingPunct="1">
+              <a:defRPr kumimoji="1" sz="1800" kern="1200">
+                <a:solidFill>
+                  <a:schemeClr val="tx1"/>
+                </a:solidFill>
+                <a:latin typeface="+mn-lt"/>
+                <a:ea typeface="+mn-ea"/>
+                <a:cs typeface="+mn-cs"/>
+              </a:defRPr>
+            </a:lvl5pPr>
+            <a:lvl6pPr marL="2286000" algn="l" defTabSz="914400" rtl="0" eaLnBrk="1" latinLnBrk="0" hangingPunct="1">
+              <a:defRPr kumimoji="1" sz="1800" kern="1200">
+                <a:solidFill>
+                  <a:schemeClr val="tx1"/>
+                </a:solidFill>
+                <a:latin typeface="+mn-lt"/>
+                <a:ea typeface="+mn-ea"/>
+                <a:cs typeface="+mn-cs"/>
+              </a:defRPr>
+            </a:lvl6pPr>
+            <a:lvl7pPr marL="2743200" algn="l" defTabSz="914400" rtl="0" eaLnBrk="1" latinLnBrk="0" hangingPunct="1">
+              <a:defRPr kumimoji="1" sz="1800" kern="1200">
+                <a:solidFill>
+                  <a:schemeClr val="tx1"/>
+                </a:solidFill>
+                <a:latin typeface="+mn-lt"/>
+                <a:ea typeface="+mn-ea"/>
+                <a:cs typeface="+mn-cs"/>
+              </a:defRPr>
+            </a:lvl7pPr>
+            <a:lvl8pPr marL="3200400" algn="l" defTabSz="914400" rtl="0" eaLnBrk="1" latinLnBrk="0" hangingPunct="1">
+              <a:defRPr kumimoji="1" sz="1800" kern="1200">
+                <a:solidFill>
+                  <a:schemeClr val="tx1"/>
+                </a:solidFill>
+                <a:latin typeface="+mn-lt"/>
+                <a:ea typeface="+mn-ea"/>
+                <a:cs typeface="+mn-cs"/>
+              </a:defRPr>
+            </a:lvl8pPr>
+            <a:lvl9pPr marL="3657600" algn="l" defTabSz="914400" rtl="0" eaLnBrk="1" latinLnBrk="0" hangingPunct="1">
+              <a:defRPr kumimoji="1" sz="1800" kern="1200">
+                <a:solidFill>
+                  <a:schemeClr val="tx1"/>
+                </a:solidFill>
+                <a:latin typeface="+mn-lt"/>
+                <a:ea typeface="+mn-ea"/>
+                <a:cs typeface="+mn-cs"/>
+              </a:defRPr>
+            </a:lvl9pPr>
+          </a:lstStyle>
+          <a:p>
+            <a:r>
+              <a:rPr kumimoji="1" lang="en-US" altLang="ja-JP" sz="1400" dirty="0"/>
+              <a:t>Azure Active Directory </a:t>
+            </a:r>
+            <a:endParaRPr lang="en-US" altLang="ja-JP" sz="1400" dirty="0"/>
+          </a:p>
+        </p:txBody>
+      </p:sp>
+      <p:sp>
+        <p:nvSpPr>
+          <p:cNvPr id="7" name="四角形: 角を丸くする 48">
+            <a:extLst>
+              <a:ext uri="{FF2B5EF4-FFF2-40B4-BE49-F238E27FC236}">
+                <a16:creationId xmlns:a16="http://schemas.microsoft.com/office/drawing/2014/main" id="{731763BA-02F7-F122-7391-ACBF97EC42FC}"/>
+              </a:ext>
+            </a:extLst>
+          </p:cNvPr>
+          <p:cNvSpPr/>
+          <p:nvPr/>
+        </p:nvSpPr>
+        <p:spPr>
+          <a:xfrm>
+            <a:off x="6268464" y="2424902"/>
+            <a:ext cx="1889335" cy="881481"/>
+          </a:xfrm>
+          <a:prstGeom prst="roundRect">
+            <a:avLst/>
+          </a:prstGeom>
+          <a:ln/>
+        </p:spPr>
+        <p:style>
+          <a:lnRef idx="2">
+            <a:schemeClr val="accent2"/>
+          </a:lnRef>
+          <a:fillRef idx="1">
+            <a:schemeClr val="lt1"/>
+          </a:fillRef>
+          <a:effectRef idx="0">
+            <a:schemeClr val="accent2"/>
+          </a:effectRef>
+          <a:fontRef idx="minor">
+            <a:schemeClr val="dk1"/>
+          </a:fontRef>
+        </p:style>
+        <p:txBody>
+          <a:bodyPr rtlCol="0" anchor="ctr"/>
+          <a:lstStyle>
+            <a:defPPr>
+              <a:defRPr lang="ja-JP"/>
+            </a:defPPr>
+            <a:lvl1pPr marL="0" algn="l" defTabSz="914400" rtl="0" eaLnBrk="1" latinLnBrk="0" hangingPunct="1">
+              <a:defRPr kumimoji="1" sz="1800" kern="1200">
+                <a:solidFill>
+                  <a:schemeClr val="dk1"/>
+                </a:solidFill>
+                <a:latin typeface="+mn-lt"/>
+                <a:ea typeface="+mn-ea"/>
+                <a:cs typeface="+mn-cs"/>
+              </a:defRPr>
+            </a:lvl1pPr>
+            <a:lvl2pPr marL="457200" algn="l" defTabSz="914400" rtl="0" eaLnBrk="1" latinLnBrk="0" hangingPunct="1">
+              <a:defRPr kumimoji="1" sz="1800" kern="1200">
+                <a:solidFill>
+                  <a:schemeClr val="dk1"/>
+                </a:solidFill>
+                <a:latin typeface="+mn-lt"/>
+                <a:ea typeface="+mn-ea"/>
+                <a:cs typeface="+mn-cs"/>
+              </a:defRPr>
+            </a:lvl2pPr>
+            <a:lvl3pPr marL="914400" algn="l" defTabSz="914400" rtl="0" eaLnBrk="1" latinLnBrk="0" hangingPunct="1">
+              <a:defRPr kumimoji="1" sz="1800" kern="1200">
+                <a:solidFill>
+                  <a:schemeClr val="dk1"/>
+                </a:solidFill>
+                <a:latin typeface="+mn-lt"/>
+                <a:ea typeface="+mn-ea"/>
+                <a:cs typeface="+mn-cs"/>
+              </a:defRPr>
+            </a:lvl3pPr>
+            <a:lvl4pPr marL="1371600" algn="l" defTabSz="914400" rtl="0" eaLnBrk="1" latinLnBrk="0" hangingPunct="1">
+              <a:defRPr kumimoji="1" sz="1800" kern="1200">
+                <a:solidFill>
+                  <a:schemeClr val="dk1"/>
+                </a:solidFill>
+                <a:latin typeface="+mn-lt"/>
+                <a:ea typeface="+mn-ea"/>
+                <a:cs typeface="+mn-cs"/>
+              </a:defRPr>
+            </a:lvl4pPr>
+            <a:lvl5pPr marL="1828800" algn="l" defTabSz="914400" rtl="0" eaLnBrk="1" latinLnBrk="0" hangingPunct="1">
+              <a:defRPr kumimoji="1" sz="1800" kern="1200">
+                <a:solidFill>
+                  <a:schemeClr val="dk1"/>
+                </a:solidFill>
+                <a:latin typeface="+mn-lt"/>
+                <a:ea typeface="+mn-ea"/>
+                <a:cs typeface="+mn-cs"/>
+              </a:defRPr>
+            </a:lvl5pPr>
+            <a:lvl6pPr marL="2286000" algn="l" defTabSz="914400" rtl="0" eaLnBrk="1" latinLnBrk="0" hangingPunct="1">
+              <a:defRPr kumimoji="1" sz="1800" kern="1200">
+                <a:solidFill>
+                  <a:schemeClr val="dk1"/>
+                </a:solidFill>
+                <a:latin typeface="+mn-lt"/>
+                <a:ea typeface="+mn-ea"/>
+                <a:cs typeface="+mn-cs"/>
+              </a:defRPr>
+            </a:lvl6pPr>
+            <a:lvl7pPr marL="2743200" algn="l" defTabSz="914400" rtl="0" eaLnBrk="1" latinLnBrk="0" hangingPunct="1">
+              <a:defRPr kumimoji="1" sz="1800" kern="1200">
+                <a:solidFill>
+                  <a:schemeClr val="dk1"/>
+                </a:solidFill>
+                <a:latin typeface="+mn-lt"/>
+                <a:ea typeface="+mn-ea"/>
+                <a:cs typeface="+mn-cs"/>
+              </a:defRPr>
+            </a:lvl7pPr>
+            <a:lvl8pPr marL="3200400" algn="l" defTabSz="914400" rtl="0" eaLnBrk="1" latinLnBrk="0" hangingPunct="1">
+              <a:defRPr kumimoji="1" sz="1800" kern="1200">
+                <a:solidFill>
+                  <a:schemeClr val="dk1"/>
+                </a:solidFill>
+                <a:latin typeface="+mn-lt"/>
+                <a:ea typeface="+mn-ea"/>
+                <a:cs typeface="+mn-cs"/>
+              </a:defRPr>
+            </a:lvl8pPr>
+            <a:lvl9pPr marL="3657600" algn="l" defTabSz="914400" rtl="0" eaLnBrk="1" latinLnBrk="0" hangingPunct="1">
+              <a:defRPr kumimoji="1" sz="1800" kern="1200">
+                <a:solidFill>
+                  <a:schemeClr val="dk1"/>
+                </a:solidFill>
+                <a:latin typeface="+mn-lt"/>
+                <a:ea typeface="+mn-ea"/>
+                <a:cs typeface="+mn-cs"/>
+              </a:defRPr>
+            </a:lvl9pPr>
+          </a:lstStyle>
+          <a:p>
+            <a:pPr algn="ctr"/>
+            <a:endParaRPr kumimoji="1" lang="ja-JP" altLang="en-US"/>
+          </a:p>
+        </p:txBody>
+      </p:sp>
+      <p:sp>
+        <p:nvSpPr>
+          <p:cNvPr id="8" name="テキスト ボックス 50">
+            <a:extLst>
+              <a:ext uri="{FF2B5EF4-FFF2-40B4-BE49-F238E27FC236}">
+                <a16:creationId xmlns:a16="http://schemas.microsoft.com/office/drawing/2014/main" id="{289A59A7-7ACD-B0E9-0F00-C153B9FEF260}"/>
+              </a:ext>
+            </a:extLst>
+          </p:cNvPr>
+          <p:cNvSpPr txBox="1"/>
+          <p:nvPr/>
+        </p:nvSpPr>
+        <p:spPr>
+          <a:xfrm>
+            <a:off x="5628086" y="2418007"/>
+            <a:ext cx="3128212" cy="307777"/>
+          </a:xfrm>
+          <a:prstGeom prst="rect">
+            <a:avLst/>
+          </a:prstGeom>
+          <a:noFill/>
+        </p:spPr>
+        <p:txBody>
+          <a:bodyPr wrap="square">
+            <a:spAutoFit/>
+          </a:bodyPr>
+          <a:lstStyle>
+            <a:defPPr>
+              <a:defRPr lang="ja-JP"/>
+            </a:defPPr>
+            <a:lvl1pPr marL="0" algn="l" defTabSz="914400" rtl="0" eaLnBrk="1" latinLnBrk="0" hangingPunct="1">
+              <a:defRPr kumimoji="1" sz="1800" kern="1200">
+                <a:solidFill>
+                  <a:schemeClr val="tx1"/>
+                </a:solidFill>
+                <a:latin typeface="+mn-lt"/>
+                <a:ea typeface="+mn-ea"/>
+                <a:cs typeface="+mn-cs"/>
+              </a:defRPr>
+            </a:lvl1pPr>
+            <a:lvl2pPr marL="457200" algn="l" defTabSz="914400" rtl="0" eaLnBrk="1" latinLnBrk="0" hangingPunct="1">
+              <a:defRPr kumimoji="1" sz="1800" kern="1200">
+                <a:solidFill>
+                  <a:schemeClr val="tx1"/>
+                </a:solidFill>
+                <a:latin typeface="+mn-lt"/>
+                <a:ea typeface="+mn-ea"/>
+                <a:cs typeface="+mn-cs"/>
+              </a:defRPr>
+            </a:lvl2pPr>
+            <a:lvl3pPr marL="914400" algn="l" defTabSz="914400" rtl="0" eaLnBrk="1" latinLnBrk="0" hangingPunct="1">
+              <a:defRPr kumimoji="1" sz="1800" kern="1200">
+                <a:solidFill>
+                  <a:schemeClr val="tx1"/>
+                </a:solidFill>
+                <a:latin typeface="+mn-lt"/>
+                <a:ea typeface="+mn-ea"/>
+                <a:cs typeface="+mn-cs"/>
+              </a:defRPr>
+            </a:lvl3pPr>
+            <a:lvl4pPr marL="1371600" algn="l" defTabSz="914400" rtl="0" eaLnBrk="1" latinLnBrk="0" hangingPunct="1">
+              <a:defRPr kumimoji="1" sz="1800" kern="1200">
+                <a:solidFill>
+                  <a:schemeClr val="tx1"/>
+                </a:solidFill>
+                <a:latin typeface="+mn-lt"/>
+                <a:ea typeface="+mn-ea"/>
+                <a:cs typeface="+mn-cs"/>
+              </a:defRPr>
+            </a:lvl4pPr>
+            <a:lvl5pPr marL="1828800" algn="l" defTabSz="914400" rtl="0" eaLnBrk="1" latinLnBrk="0" hangingPunct="1">
+              <a:defRPr kumimoji="1" sz="1800" kern="1200">
+                <a:solidFill>
+                  <a:schemeClr val="tx1"/>
+                </a:solidFill>
+                <a:latin typeface="+mn-lt"/>
+                <a:ea typeface="+mn-ea"/>
+                <a:cs typeface="+mn-cs"/>
+              </a:defRPr>
+            </a:lvl5pPr>
+            <a:lvl6pPr marL="2286000" algn="l" defTabSz="914400" rtl="0" eaLnBrk="1" latinLnBrk="0" hangingPunct="1">
+              <a:defRPr kumimoji="1" sz="1800" kern="1200">
+                <a:solidFill>
+                  <a:schemeClr val="tx1"/>
+                </a:solidFill>
+                <a:latin typeface="+mn-lt"/>
+                <a:ea typeface="+mn-ea"/>
+                <a:cs typeface="+mn-cs"/>
+              </a:defRPr>
+            </a:lvl6pPr>
+            <a:lvl7pPr marL="2743200" algn="l" defTabSz="914400" rtl="0" eaLnBrk="1" latinLnBrk="0" hangingPunct="1">
+              <a:defRPr kumimoji="1" sz="1800" kern="1200">
+                <a:solidFill>
+                  <a:schemeClr val="tx1"/>
+                </a:solidFill>
+                <a:latin typeface="+mn-lt"/>
+                <a:ea typeface="+mn-ea"/>
+                <a:cs typeface="+mn-cs"/>
+              </a:defRPr>
+            </a:lvl7pPr>
+            <a:lvl8pPr marL="3200400" algn="l" defTabSz="914400" rtl="0" eaLnBrk="1" latinLnBrk="0" hangingPunct="1">
+              <a:defRPr kumimoji="1" sz="1800" kern="1200">
+                <a:solidFill>
+                  <a:schemeClr val="tx1"/>
+                </a:solidFill>
+                <a:latin typeface="+mn-lt"/>
+                <a:ea typeface="+mn-ea"/>
+                <a:cs typeface="+mn-cs"/>
+              </a:defRPr>
+            </a:lvl8pPr>
+            <a:lvl9pPr marL="3657600" algn="l" defTabSz="914400" rtl="0" eaLnBrk="1" latinLnBrk="0" hangingPunct="1">
+              <a:defRPr kumimoji="1" sz="1800" kern="1200">
+                <a:solidFill>
+                  <a:schemeClr val="tx1"/>
+                </a:solidFill>
+                <a:latin typeface="+mn-lt"/>
+                <a:ea typeface="+mn-ea"/>
+                <a:cs typeface="+mn-cs"/>
+              </a:defRPr>
+            </a:lvl9pPr>
+          </a:lstStyle>
+          <a:p>
+            <a:pPr algn="ctr"/>
+            <a:r>
+              <a:rPr kumimoji="1" lang="en-US" altLang="ja-JP" sz="1400" dirty="0"/>
+              <a:t>Developer Environment</a:t>
+            </a:r>
+            <a:endParaRPr kumimoji="1" lang="ja-JP" altLang="en-US" sz="1400" dirty="0"/>
+          </a:p>
+        </p:txBody>
+      </p:sp>
+      <p:sp>
+        <p:nvSpPr>
+          <p:cNvPr id="9" name="四角形: 角を丸くする 54">
+            <a:extLst>
+              <a:ext uri="{FF2B5EF4-FFF2-40B4-BE49-F238E27FC236}">
+                <a16:creationId xmlns:a16="http://schemas.microsoft.com/office/drawing/2014/main" id="{9AA40153-0F5D-B40A-543D-20F092525A61}"/>
+              </a:ext>
+            </a:extLst>
+          </p:cNvPr>
+          <p:cNvSpPr/>
+          <p:nvPr/>
+        </p:nvSpPr>
+        <p:spPr>
+          <a:xfrm>
+            <a:off x="6535807" y="2710434"/>
+            <a:ext cx="1362075" cy="529070"/>
+          </a:xfrm>
+          <a:prstGeom prst="roundRect">
+            <a:avLst/>
+          </a:prstGeom>
+        </p:spPr>
+        <p:style>
+          <a:lnRef idx="1">
+            <a:schemeClr val="accent3"/>
+          </a:lnRef>
+          <a:fillRef idx="2">
+            <a:schemeClr val="accent3"/>
+          </a:fillRef>
+          <a:effectRef idx="1">
+            <a:schemeClr val="accent3"/>
+          </a:effectRef>
+          <a:fontRef idx="minor">
+            <a:schemeClr val="dk1"/>
+          </a:fontRef>
+        </p:style>
+        <p:txBody>
+          <a:bodyPr wrap="none" rtlCol="0" anchor="ctr"/>
+          <a:lstStyle>
+            <a:defPPr>
+              <a:defRPr lang="ja-JP"/>
+            </a:defPPr>
+            <a:lvl1pPr marL="0" algn="l" defTabSz="914400" rtl="0" eaLnBrk="1" latinLnBrk="0" hangingPunct="1">
+              <a:defRPr kumimoji="1" sz="1800" kern="1200">
+                <a:solidFill>
+                  <a:schemeClr val="dk1"/>
+                </a:solidFill>
+                <a:latin typeface="+mn-lt"/>
+                <a:ea typeface="+mn-ea"/>
+                <a:cs typeface="+mn-cs"/>
+              </a:defRPr>
+            </a:lvl1pPr>
+            <a:lvl2pPr marL="457200" algn="l" defTabSz="914400" rtl="0" eaLnBrk="1" latinLnBrk="0" hangingPunct="1">
+              <a:defRPr kumimoji="1" sz="1800" kern="1200">
+                <a:solidFill>
+                  <a:schemeClr val="dk1"/>
+                </a:solidFill>
+                <a:latin typeface="+mn-lt"/>
+                <a:ea typeface="+mn-ea"/>
+                <a:cs typeface="+mn-cs"/>
+              </a:defRPr>
+            </a:lvl2pPr>
+            <a:lvl3pPr marL="914400" algn="l" defTabSz="914400" rtl="0" eaLnBrk="1" latinLnBrk="0" hangingPunct="1">
+              <a:defRPr kumimoji="1" sz="1800" kern="1200">
+                <a:solidFill>
+                  <a:schemeClr val="dk1"/>
+                </a:solidFill>
+                <a:latin typeface="+mn-lt"/>
+                <a:ea typeface="+mn-ea"/>
+                <a:cs typeface="+mn-cs"/>
+              </a:defRPr>
+            </a:lvl3pPr>
+            <a:lvl4pPr marL="1371600" algn="l" defTabSz="914400" rtl="0" eaLnBrk="1" latinLnBrk="0" hangingPunct="1">
+              <a:defRPr kumimoji="1" sz="1800" kern="1200">
+                <a:solidFill>
+                  <a:schemeClr val="dk1"/>
+                </a:solidFill>
+                <a:latin typeface="+mn-lt"/>
+                <a:ea typeface="+mn-ea"/>
+                <a:cs typeface="+mn-cs"/>
+              </a:defRPr>
+            </a:lvl4pPr>
+            <a:lvl5pPr marL="1828800" algn="l" defTabSz="914400" rtl="0" eaLnBrk="1" latinLnBrk="0" hangingPunct="1">
+              <a:defRPr kumimoji="1" sz="1800" kern="1200">
+                <a:solidFill>
+                  <a:schemeClr val="dk1"/>
+                </a:solidFill>
+                <a:latin typeface="+mn-lt"/>
+                <a:ea typeface="+mn-ea"/>
+                <a:cs typeface="+mn-cs"/>
+              </a:defRPr>
+            </a:lvl5pPr>
+            <a:lvl6pPr marL="2286000" algn="l" defTabSz="914400" rtl="0" eaLnBrk="1" latinLnBrk="0" hangingPunct="1">
+              <a:defRPr kumimoji="1" sz="1800" kern="1200">
+                <a:solidFill>
+                  <a:schemeClr val="dk1"/>
+                </a:solidFill>
+                <a:latin typeface="+mn-lt"/>
+                <a:ea typeface="+mn-ea"/>
+                <a:cs typeface="+mn-cs"/>
+              </a:defRPr>
+            </a:lvl6pPr>
+            <a:lvl7pPr marL="2743200" algn="l" defTabSz="914400" rtl="0" eaLnBrk="1" latinLnBrk="0" hangingPunct="1">
+              <a:defRPr kumimoji="1" sz="1800" kern="1200">
+                <a:solidFill>
+                  <a:schemeClr val="dk1"/>
+                </a:solidFill>
+                <a:latin typeface="+mn-lt"/>
+                <a:ea typeface="+mn-ea"/>
+                <a:cs typeface="+mn-cs"/>
+              </a:defRPr>
+            </a:lvl7pPr>
+            <a:lvl8pPr marL="3200400" algn="l" defTabSz="914400" rtl="0" eaLnBrk="1" latinLnBrk="0" hangingPunct="1">
+              <a:defRPr kumimoji="1" sz="1800" kern="1200">
+                <a:solidFill>
+                  <a:schemeClr val="dk1"/>
+                </a:solidFill>
+                <a:latin typeface="+mn-lt"/>
+                <a:ea typeface="+mn-ea"/>
+                <a:cs typeface="+mn-cs"/>
+              </a:defRPr>
+            </a:lvl8pPr>
+            <a:lvl9pPr marL="3657600" algn="l" defTabSz="914400" rtl="0" eaLnBrk="1" latinLnBrk="0" hangingPunct="1">
+              <a:defRPr kumimoji="1" sz="1800" kern="1200">
+                <a:solidFill>
+                  <a:schemeClr val="dk1"/>
+                </a:solidFill>
+                <a:latin typeface="+mn-lt"/>
+                <a:ea typeface="+mn-ea"/>
+                <a:cs typeface="+mn-cs"/>
+              </a:defRPr>
+            </a:lvl9pPr>
+          </a:lstStyle>
+          <a:p>
+            <a:pPr algn="ctr"/>
+            <a:r>
+              <a:rPr kumimoji="1" lang="en-US" altLang="ja-JP" sz="1200" dirty="0"/>
+              <a:t>Canvas</a:t>
+            </a:r>
+            <a:r>
+              <a:rPr kumimoji="1" lang="ja-JP" altLang="en-US" sz="1200"/>
+              <a:t> </a:t>
+            </a:r>
+            <a:r>
+              <a:rPr lang="en-US" altLang="ja-JP" sz="1200" dirty="0"/>
+              <a:t>App</a:t>
+            </a:r>
+          </a:p>
+          <a:p>
+            <a:pPr algn="ctr"/>
+            <a:r>
+              <a:rPr kumimoji="1" lang="en-US" altLang="ja-JP" sz="1200" dirty="0"/>
+              <a:t>Custom Connector</a:t>
+            </a:r>
+            <a:endParaRPr kumimoji="1" lang="ja-JP" altLang="en-US" sz="1200" dirty="0"/>
+          </a:p>
+        </p:txBody>
+      </p:sp>
+      <p:sp>
+        <p:nvSpPr>
+          <p:cNvPr id="12" name="スマイル 11">
+            <a:extLst>
+              <a:ext uri="{FF2B5EF4-FFF2-40B4-BE49-F238E27FC236}">
+                <a16:creationId xmlns:a16="http://schemas.microsoft.com/office/drawing/2014/main" id="{79E33A21-09C5-BE13-B90E-815DD11462AE}"/>
+              </a:ext>
+            </a:extLst>
+          </p:cNvPr>
+          <p:cNvSpPr/>
+          <p:nvPr/>
+        </p:nvSpPr>
+        <p:spPr>
+          <a:xfrm>
+            <a:off x="848866" y="1121611"/>
+            <a:ext cx="576263" cy="552450"/>
+          </a:xfrm>
+          <a:prstGeom prst="smileyFace">
+            <a:avLst/>
+          </a:prstGeom>
+        </p:spPr>
+        <p:style>
+          <a:lnRef idx="1">
+            <a:schemeClr val="accent6"/>
+          </a:lnRef>
+          <a:fillRef idx="2">
+            <a:schemeClr val="accent6"/>
+          </a:fillRef>
+          <a:effectRef idx="1">
+            <a:schemeClr val="accent6"/>
+          </a:effectRef>
+          <a:fontRef idx="minor">
+            <a:schemeClr val="dk1"/>
+          </a:fontRef>
+        </p:style>
+        <p:txBody>
+          <a:bodyPr rtlCol="0" anchor="ctr"/>
+          <a:lstStyle>
+            <a:defPPr>
+              <a:defRPr lang="ja-JP"/>
+            </a:defPPr>
+            <a:lvl1pPr marL="0" algn="l" defTabSz="914400" rtl="0" eaLnBrk="1" latinLnBrk="0" hangingPunct="1">
+              <a:defRPr kumimoji="1" sz="1800" kern="1200">
+                <a:solidFill>
+                  <a:schemeClr val="dk1"/>
+                </a:solidFill>
+                <a:latin typeface="+mn-lt"/>
+                <a:ea typeface="+mn-ea"/>
+                <a:cs typeface="+mn-cs"/>
+              </a:defRPr>
+            </a:lvl1pPr>
+            <a:lvl2pPr marL="457200" algn="l" defTabSz="914400" rtl="0" eaLnBrk="1" latinLnBrk="0" hangingPunct="1">
+              <a:defRPr kumimoji="1" sz="1800" kern="1200">
+                <a:solidFill>
+                  <a:schemeClr val="dk1"/>
+                </a:solidFill>
+                <a:latin typeface="+mn-lt"/>
+                <a:ea typeface="+mn-ea"/>
+                <a:cs typeface="+mn-cs"/>
+              </a:defRPr>
+            </a:lvl2pPr>
+            <a:lvl3pPr marL="914400" algn="l" defTabSz="914400" rtl="0" eaLnBrk="1" latinLnBrk="0" hangingPunct="1">
+              <a:defRPr kumimoji="1" sz="1800" kern="1200">
+                <a:solidFill>
+                  <a:schemeClr val="dk1"/>
+                </a:solidFill>
+                <a:latin typeface="+mn-lt"/>
+                <a:ea typeface="+mn-ea"/>
+                <a:cs typeface="+mn-cs"/>
+              </a:defRPr>
+            </a:lvl3pPr>
+            <a:lvl4pPr marL="1371600" algn="l" defTabSz="914400" rtl="0" eaLnBrk="1" latinLnBrk="0" hangingPunct="1">
+              <a:defRPr kumimoji="1" sz="1800" kern="1200">
+                <a:solidFill>
+                  <a:schemeClr val="dk1"/>
+                </a:solidFill>
+                <a:latin typeface="+mn-lt"/>
+                <a:ea typeface="+mn-ea"/>
+                <a:cs typeface="+mn-cs"/>
+              </a:defRPr>
+            </a:lvl4pPr>
+            <a:lvl5pPr marL="1828800" algn="l" defTabSz="914400" rtl="0" eaLnBrk="1" latinLnBrk="0" hangingPunct="1">
+              <a:defRPr kumimoji="1" sz="1800" kern="1200">
+                <a:solidFill>
+                  <a:schemeClr val="dk1"/>
+                </a:solidFill>
+                <a:latin typeface="+mn-lt"/>
+                <a:ea typeface="+mn-ea"/>
+                <a:cs typeface="+mn-cs"/>
+              </a:defRPr>
+            </a:lvl5pPr>
+            <a:lvl6pPr marL="2286000" algn="l" defTabSz="914400" rtl="0" eaLnBrk="1" latinLnBrk="0" hangingPunct="1">
+              <a:defRPr kumimoji="1" sz="1800" kern="1200">
+                <a:solidFill>
+                  <a:schemeClr val="dk1"/>
+                </a:solidFill>
+                <a:latin typeface="+mn-lt"/>
+                <a:ea typeface="+mn-ea"/>
+                <a:cs typeface="+mn-cs"/>
+              </a:defRPr>
+            </a:lvl6pPr>
+            <a:lvl7pPr marL="2743200" algn="l" defTabSz="914400" rtl="0" eaLnBrk="1" latinLnBrk="0" hangingPunct="1">
+              <a:defRPr kumimoji="1" sz="1800" kern="1200">
+                <a:solidFill>
+                  <a:schemeClr val="dk1"/>
+                </a:solidFill>
+                <a:latin typeface="+mn-lt"/>
+                <a:ea typeface="+mn-ea"/>
+                <a:cs typeface="+mn-cs"/>
+              </a:defRPr>
+            </a:lvl7pPr>
+            <a:lvl8pPr marL="3200400" algn="l" defTabSz="914400" rtl="0" eaLnBrk="1" latinLnBrk="0" hangingPunct="1">
+              <a:defRPr kumimoji="1" sz="1800" kern="1200">
+                <a:solidFill>
+                  <a:schemeClr val="dk1"/>
+                </a:solidFill>
+                <a:latin typeface="+mn-lt"/>
+                <a:ea typeface="+mn-ea"/>
+                <a:cs typeface="+mn-cs"/>
+              </a:defRPr>
+            </a:lvl8pPr>
+            <a:lvl9pPr marL="3657600" algn="l" defTabSz="914400" rtl="0" eaLnBrk="1" latinLnBrk="0" hangingPunct="1">
+              <a:defRPr kumimoji="1" sz="1800" kern="1200">
+                <a:solidFill>
+                  <a:schemeClr val="dk1"/>
+                </a:solidFill>
+                <a:latin typeface="+mn-lt"/>
+                <a:ea typeface="+mn-ea"/>
+                <a:cs typeface="+mn-cs"/>
+              </a:defRPr>
+            </a:lvl9pPr>
+          </a:lstStyle>
+          <a:p>
+            <a:pPr algn="ctr"/>
+            <a:endParaRPr kumimoji="1" lang="ja-JP" altLang="en-US"/>
+          </a:p>
+        </p:txBody>
+      </p:sp>
+      <p:sp>
+        <p:nvSpPr>
+          <p:cNvPr id="13" name="テキスト ボックス 6">
+            <a:extLst>
+              <a:ext uri="{FF2B5EF4-FFF2-40B4-BE49-F238E27FC236}">
+                <a16:creationId xmlns:a16="http://schemas.microsoft.com/office/drawing/2014/main" id="{A9A86AE0-C496-CA90-3E32-155C2EF9C1B3}"/>
+              </a:ext>
+            </a:extLst>
+          </p:cNvPr>
+          <p:cNvSpPr txBox="1"/>
+          <p:nvPr/>
+        </p:nvSpPr>
+        <p:spPr>
+          <a:xfrm>
+            <a:off x="713979" y="1705250"/>
+            <a:ext cx="1485900" cy="369332"/>
+          </a:xfrm>
+          <a:prstGeom prst="rect">
+            <a:avLst/>
+          </a:prstGeom>
+          <a:noFill/>
+        </p:spPr>
+        <p:txBody>
+          <a:bodyPr wrap="square" rtlCol="0">
+            <a:spAutoFit/>
+          </a:bodyPr>
+          <a:lstStyle>
+            <a:defPPr>
+              <a:defRPr lang="ja-JP"/>
+            </a:defPPr>
+            <a:lvl1pPr marL="0" algn="l" defTabSz="914400" rtl="0" eaLnBrk="1" latinLnBrk="0" hangingPunct="1">
+              <a:defRPr kumimoji="1" sz="1800" kern="1200">
+                <a:solidFill>
+                  <a:schemeClr val="tx1"/>
+                </a:solidFill>
+                <a:latin typeface="+mn-lt"/>
+                <a:ea typeface="+mn-ea"/>
+                <a:cs typeface="+mn-cs"/>
+              </a:defRPr>
+            </a:lvl1pPr>
+            <a:lvl2pPr marL="457200" algn="l" defTabSz="914400" rtl="0" eaLnBrk="1" latinLnBrk="0" hangingPunct="1">
+              <a:defRPr kumimoji="1" sz="1800" kern="1200">
+                <a:solidFill>
+                  <a:schemeClr val="tx1"/>
+                </a:solidFill>
+                <a:latin typeface="+mn-lt"/>
+                <a:ea typeface="+mn-ea"/>
+                <a:cs typeface="+mn-cs"/>
+              </a:defRPr>
+            </a:lvl2pPr>
+            <a:lvl3pPr marL="914400" algn="l" defTabSz="914400" rtl="0" eaLnBrk="1" latinLnBrk="0" hangingPunct="1">
+              <a:defRPr kumimoji="1" sz="1800" kern="1200">
+                <a:solidFill>
+                  <a:schemeClr val="tx1"/>
+                </a:solidFill>
+                <a:latin typeface="+mn-lt"/>
+                <a:ea typeface="+mn-ea"/>
+                <a:cs typeface="+mn-cs"/>
+              </a:defRPr>
+            </a:lvl3pPr>
+            <a:lvl4pPr marL="1371600" algn="l" defTabSz="914400" rtl="0" eaLnBrk="1" latinLnBrk="0" hangingPunct="1">
+              <a:defRPr kumimoji="1" sz="1800" kern="1200">
+                <a:solidFill>
+                  <a:schemeClr val="tx1"/>
+                </a:solidFill>
+                <a:latin typeface="+mn-lt"/>
+                <a:ea typeface="+mn-ea"/>
+                <a:cs typeface="+mn-cs"/>
+              </a:defRPr>
+            </a:lvl4pPr>
+            <a:lvl5pPr marL="1828800" algn="l" defTabSz="914400" rtl="0" eaLnBrk="1" latinLnBrk="0" hangingPunct="1">
+              <a:defRPr kumimoji="1" sz="1800" kern="1200">
+                <a:solidFill>
+                  <a:schemeClr val="tx1"/>
+                </a:solidFill>
+                <a:latin typeface="+mn-lt"/>
+                <a:ea typeface="+mn-ea"/>
+                <a:cs typeface="+mn-cs"/>
+              </a:defRPr>
+            </a:lvl5pPr>
+            <a:lvl6pPr marL="2286000" algn="l" defTabSz="914400" rtl="0" eaLnBrk="1" latinLnBrk="0" hangingPunct="1">
+              <a:defRPr kumimoji="1" sz="1800" kern="1200">
+                <a:solidFill>
+                  <a:schemeClr val="tx1"/>
+                </a:solidFill>
+                <a:latin typeface="+mn-lt"/>
+                <a:ea typeface="+mn-ea"/>
+                <a:cs typeface="+mn-cs"/>
+              </a:defRPr>
+            </a:lvl6pPr>
+            <a:lvl7pPr marL="2743200" algn="l" defTabSz="914400" rtl="0" eaLnBrk="1" latinLnBrk="0" hangingPunct="1">
+              <a:defRPr kumimoji="1" sz="1800" kern="1200">
+                <a:solidFill>
+                  <a:schemeClr val="tx1"/>
+                </a:solidFill>
+                <a:latin typeface="+mn-lt"/>
+                <a:ea typeface="+mn-ea"/>
+                <a:cs typeface="+mn-cs"/>
+              </a:defRPr>
+            </a:lvl7pPr>
+            <a:lvl8pPr marL="3200400" algn="l" defTabSz="914400" rtl="0" eaLnBrk="1" latinLnBrk="0" hangingPunct="1">
+              <a:defRPr kumimoji="1" sz="1800" kern="1200">
+                <a:solidFill>
+                  <a:schemeClr val="tx1"/>
+                </a:solidFill>
+                <a:latin typeface="+mn-lt"/>
+                <a:ea typeface="+mn-ea"/>
+                <a:cs typeface="+mn-cs"/>
+              </a:defRPr>
+            </a:lvl8pPr>
+            <a:lvl9pPr marL="3657600" algn="l" defTabSz="914400" rtl="0" eaLnBrk="1" latinLnBrk="0" hangingPunct="1">
+              <a:defRPr kumimoji="1" sz="1800" kern="1200">
+                <a:solidFill>
+                  <a:schemeClr val="tx1"/>
+                </a:solidFill>
+                <a:latin typeface="+mn-lt"/>
+                <a:ea typeface="+mn-ea"/>
+                <a:cs typeface="+mn-cs"/>
+              </a:defRPr>
+            </a:lvl9pPr>
+          </a:lstStyle>
+          <a:p>
+            <a:r>
+              <a:rPr lang="ja-JP" altLang="en-US"/>
+              <a:t>代表者</a:t>
+            </a:r>
+            <a:endParaRPr kumimoji="1" lang="ja-JP" altLang="en-US" dirty="0"/>
+          </a:p>
+        </p:txBody>
+      </p:sp>
+      <p:sp>
+        <p:nvSpPr>
+          <p:cNvPr id="14" name="スマイル 13">
+            <a:extLst>
+              <a:ext uri="{FF2B5EF4-FFF2-40B4-BE49-F238E27FC236}">
+                <a16:creationId xmlns:a16="http://schemas.microsoft.com/office/drawing/2014/main" id="{BDA04A46-BF72-601F-CF68-1E890276685B}"/>
+              </a:ext>
+            </a:extLst>
+          </p:cNvPr>
+          <p:cNvSpPr/>
+          <p:nvPr/>
+        </p:nvSpPr>
+        <p:spPr>
+          <a:xfrm>
+            <a:off x="3805527" y="946364"/>
+            <a:ext cx="576263" cy="552450"/>
+          </a:xfrm>
+          <a:prstGeom prst="smileyFace">
+            <a:avLst/>
+          </a:prstGeom>
+        </p:spPr>
+        <p:style>
+          <a:lnRef idx="1">
+            <a:schemeClr val="accent5"/>
+          </a:lnRef>
+          <a:fillRef idx="2">
+            <a:schemeClr val="accent5"/>
+          </a:fillRef>
+          <a:effectRef idx="1">
+            <a:schemeClr val="accent5"/>
+          </a:effectRef>
+          <a:fontRef idx="minor">
+            <a:schemeClr val="dk1"/>
+          </a:fontRef>
+        </p:style>
+        <p:txBody>
+          <a:bodyPr rtlCol="0" anchor="ctr"/>
+          <a:lstStyle>
+            <a:defPPr>
+              <a:defRPr lang="ja-JP"/>
+            </a:defPPr>
+            <a:lvl1pPr marL="0" algn="l" defTabSz="914400" rtl="0" eaLnBrk="1" latinLnBrk="0" hangingPunct="1">
+              <a:defRPr kumimoji="1" sz="1800" kern="1200">
+                <a:solidFill>
+                  <a:schemeClr val="dk1"/>
+                </a:solidFill>
+                <a:latin typeface="+mn-lt"/>
+                <a:ea typeface="+mn-ea"/>
+                <a:cs typeface="+mn-cs"/>
+              </a:defRPr>
+            </a:lvl1pPr>
+            <a:lvl2pPr marL="457200" algn="l" defTabSz="914400" rtl="0" eaLnBrk="1" latinLnBrk="0" hangingPunct="1">
+              <a:defRPr kumimoji="1" sz="1800" kern="1200">
+                <a:solidFill>
+                  <a:schemeClr val="dk1"/>
+                </a:solidFill>
+                <a:latin typeface="+mn-lt"/>
+                <a:ea typeface="+mn-ea"/>
+                <a:cs typeface="+mn-cs"/>
+              </a:defRPr>
+            </a:lvl2pPr>
+            <a:lvl3pPr marL="914400" algn="l" defTabSz="914400" rtl="0" eaLnBrk="1" latinLnBrk="0" hangingPunct="1">
+              <a:defRPr kumimoji="1" sz="1800" kern="1200">
+                <a:solidFill>
+                  <a:schemeClr val="dk1"/>
+                </a:solidFill>
+                <a:latin typeface="+mn-lt"/>
+                <a:ea typeface="+mn-ea"/>
+                <a:cs typeface="+mn-cs"/>
+              </a:defRPr>
+            </a:lvl3pPr>
+            <a:lvl4pPr marL="1371600" algn="l" defTabSz="914400" rtl="0" eaLnBrk="1" latinLnBrk="0" hangingPunct="1">
+              <a:defRPr kumimoji="1" sz="1800" kern="1200">
+                <a:solidFill>
+                  <a:schemeClr val="dk1"/>
+                </a:solidFill>
+                <a:latin typeface="+mn-lt"/>
+                <a:ea typeface="+mn-ea"/>
+                <a:cs typeface="+mn-cs"/>
+              </a:defRPr>
+            </a:lvl4pPr>
+            <a:lvl5pPr marL="1828800" algn="l" defTabSz="914400" rtl="0" eaLnBrk="1" latinLnBrk="0" hangingPunct="1">
+              <a:defRPr kumimoji="1" sz="1800" kern="1200">
+                <a:solidFill>
+                  <a:schemeClr val="dk1"/>
+                </a:solidFill>
+                <a:latin typeface="+mn-lt"/>
+                <a:ea typeface="+mn-ea"/>
+                <a:cs typeface="+mn-cs"/>
+              </a:defRPr>
+            </a:lvl5pPr>
+            <a:lvl6pPr marL="2286000" algn="l" defTabSz="914400" rtl="0" eaLnBrk="1" latinLnBrk="0" hangingPunct="1">
+              <a:defRPr kumimoji="1" sz="1800" kern="1200">
+                <a:solidFill>
+                  <a:schemeClr val="dk1"/>
+                </a:solidFill>
+                <a:latin typeface="+mn-lt"/>
+                <a:ea typeface="+mn-ea"/>
+                <a:cs typeface="+mn-cs"/>
+              </a:defRPr>
+            </a:lvl6pPr>
+            <a:lvl7pPr marL="2743200" algn="l" defTabSz="914400" rtl="0" eaLnBrk="1" latinLnBrk="0" hangingPunct="1">
+              <a:defRPr kumimoji="1" sz="1800" kern="1200">
+                <a:solidFill>
+                  <a:schemeClr val="dk1"/>
+                </a:solidFill>
+                <a:latin typeface="+mn-lt"/>
+                <a:ea typeface="+mn-ea"/>
+                <a:cs typeface="+mn-cs"/>
+              </a:defRPr>
+            </a:lvl7pPr>
+            <a:lvl8pPr marL="3200400" algn="l" defTabSz="914400" rtl="0" eaLnBrk="1" latinLnBrk="0" hangingPunct="1">
+              <a:defRPr kumimoji="1" sz="1800" kern="1200">
+                <a:solidFill>
+                  <a:schemeClr val="dk1"/>
+                </a:solidFill>
+                <a:latin typeface="+mn-lt"/>
+                <a:ea typeface="+mn-ea"/>
+                <a:cs typeface="+mn-cs"/>
+              </a:defRPr>
+            </a:lvl8pPr>
+            <a:lvl9pPr marL="3657600" algn="l" defTabSz="914400" rtl="0" eaLnBrk="1" latinLnBrk="0" hangingPunct="1">
+              <a:defRPr kumimoji="1" sz="1800" kern="1200">
+                <a:solidFill>
+                  <a:schemeClr val="dk1"/>
+                </a:solidFill>
+                <a:latin typeface="+mn-lt"/>
+                <a:ea typeface="+mn-ea"/>
+                <a:cs typeface="+mn-cs"/>
+              </a:defRPr>
+            </a:lvl9pPr>
+          </a:lstStyle>
+          <a:p>
+            <a:pPr algn="ctr"/>
+            <a:endParaRPr kumimoji="1" lang="ja-JP" altLang="en-US" dirty="0"/>
+          </a:p>
+        </p:txBody>
+      </p:sp>
+      <p:cxnSp>
+        <p:nvCxnSpPr>
+          <p:cNvPr id="18" name="直線矢印コネクタ 17">
+            <a:extLst>
+              <a:ext uri="{FF2B5EF4-FFF2-40B4-BE49-F238E27FC236}">
+                <a16:creationId xmlns:a16="http://schemas.microsoft.com/office/drawing/2014/main" id="{BB0D4DFF-F5D3-7FFB-7F4C-6B20DDB77373}"/>
+              </a:ext>
+            </a:extLst>
+          </p:cNvPr>
+          <p:cNvCxnSpPr>
+            <a:cxnSpLocks/>
+          </p:cNvCxnSpPr>
+          <p:nvPr/>
+        </p:nvCxnSpPr>
+        <p:spPr>
+          <a:xfrm>
+            <a:off x="4495124" y="2967572"/>
+            <a:ext cx="1981325" cy="3632"/>
+          </a:xfrm>
+          <a:prstGeom prst="straightConnector1">
+            <a:avLst/>
+          </a:prstGeom>
+          <a:ln w="28575">
+            <a:solidFill>
+              <a:schemeClr val="accent2"/>
+            </a:solidFill>
+            <a:headEnd type="none" w="med" len="med"/>
+            <a:tailEnd type="arrow" w="med" len="med"/>
+          </a:ln>
+        </p:spPr>
+        <p:style>
+          <a:lnRef idx="1">
+            <a:schemeClr val="accent1"/>
+          </a:lnRef>
+          <a:fillRef idx="0">
+            <a:schemeClr val="accent1"/>
+          </a:fillRef>
+          <a:effectRef idx="0">
+            <a:schemeClr val="accent1"/>
+          </a:effectRef>
+          <a:fontRef idx="minor">
+            <a:schemeClr val="tx1"/>
+          </a:fontRef>
+        </p:style>
+      </p:cxnSp>
+      <p:sp>
+        <p:nvSpPr>
+          <p:cNvPr id="22" name="右矢印 21">
+            <a:extLst>
+              <a:ext uri="{FF2B5EF4-FFF2-40B4-BE49-F238E27FC236}">
+                <a16:creationId xmlns:a16="http://schemas.microsoft.com/office/drawing/2014/main" id="{BE71F3DA-46F0-D0DD-F6CA-F0DEF2D883B2}"/>
+              </a:ext>
+            </a:extLst>
+          </p:cNvPr>
+          <p:cNvSpPr/>
+          <p:nvPr/>
+        </p:nvSpPr>
+        <p:spPr>
+          <a:xfrm>
+            <a:off x="1637960" y="1282575"/>
+            <a:ext cx="1963556" cy="365154"/>
+          </a:xfrm>
+          <a:prstGeom prst="rightArrow">
+            <a:avLst/>
+          </a:prstGeom>
+        </p:spPr>
+        <p:style>
+          <a:lnRef idx="1">
+            <a:schemeClr val="accent6"/>
+          </a:lnRef>
+          <a:fillRef idx="2">
+            <a:schemeClr val="accent6"/>
+          </a:fillRef>
+          <a:effectRef idx="1">
+            <a:schemeClr val="accent6"/>
+          </a:effectRef>
+          <a:fontRef idx="minor">
+            <a:schemeClr val="dk1"/>
+          </a:fontRef>
+        </p:style>
+        <p:txBody>
+          <a:bodyPr rtlCol="0" anchor="ctr"/>
+          <a:lstStyle/>
+          <a:p>
+            <a:pPr algn="ctr"/>
+            <a:endParaRPr kumimoji="1" lang="ja-JP" altLang="en-US"/>
+          </a:p>
+        </p:txBody>
+      </p:sp>
+      <p:sp>
+        <p:nvSpPr>
+          <p:cNvPr id="23" name="テキスト ボックス 68">
+            <a:extLst>
+              <a:ext uri="{FF2B5EF4-FFF2-40B4-BE49-F238E27FC236}">
+                <a16:creationId xmlns:a16="http://schemas.microsoft.com/office/drawing/2014/main" id="{6D435088-428D-49F1-1C88-EF7798A90E7D}"/>
+              </a:ext>
+            </a:extLst>
+          </p:cNvPr>
+          <p:cNvSpPr txBox="1"/>
+          <p:nvPr/>
+        </p:nvSpPr>
+        <p:spPr>
+          <a:xfrm>
+            <a:off x="1549577" y="1079821"/>
+            <a:ext cx="2136611" cy="307777"/>
+          </a:xfrm>
+          <a:prstGeom prst="rect">
+            <a:avLst/>
+          </a:prstGeom>
+          <a:noFill/>
+        </p:spPr>
+        <p:txBody>
+          <a:bodyPr wrap="square">
+            <a:spAutoFit/>
+          </a:bodyPr>
+          <a:lstStyle>
+            <a:defPPr>
+              <a:defRPr lang="ja-JP"/>
+            </a:defPPr>
+            <a:lvl1pPr marL="0" algn="l" defTabSz="914400" rtl="0" eaLnBrk="1" latinLnBrk="0" hangingPunct="1">
+              <a:defRPr kumimoji="1" sz="1800" kern="1200">
+                <a:solidFill>
+                  <a:schemeClr val="tx1"/>
+                </a:solidFill>
+                <a:latin typeface="+mn-lt"/>
+                <a:ea typeface="+mn-ea"/>
+                <a:cs typeface="+mn-cs"/>
+              </a:defRPr>
+            </a:lvl1pPr>
+            <a:lvl2pPr marL="457200" algn="l" defTabSz="914400" rtl="0" eaLnBrk="1" latinLnBrk="0" hangingPunct="1">
+              <a:defRPr kumimoji="1" sz="1800" kern="1200">
+                <a:solidFill>
+                  <a:schemeClr val="tx1"/>
+                </a:solidFill>
+                <a:latin typeface="+mn-lt"/>
+                <a:ea typeface="+mn-ea"/>
+                <a:cs typeface="+mn-cs"/>
+              </a:defRPr>
+            </a:lvl2pPr>
+            <a:lvl3pPr marL="914400" algn="l" defTabSz="914400" rtl="0" eaLnBrk="1" latinLnBrk="0" hangingPunct="1">
+              <a:defRPr kumimoji="1" sz="1800" kern="1200">
+                <a:solidFill>
+                  <a:schemeClr val="tx1"/>
+                </a:solidFill>
+                <a:latin typeface="+mn-lt"/>
+                <a:ea typeface="+mn-ea"/>
+                <a:cs typeface="+mn-cs"/>
+              </a:defRPr>
+            </a:lvl3pPr>
+            <a:lvl4pPr marL="1371600" algn="l" defTabSz="914400" rtl="0" eaLnBrk="1" latinLnBrk="0" hangingPunct="1">
+              <a:defRPr kumimoji="1" sz="1800" kern="1200">
+                <a:solidFill>
+                  <a:schemeClr val="tx1"/>
+                </a:solidFill>
+                <a:latin typeface="+mn-lt"/>
+                <a:ea typeface="+mn-ea"/>
+                <a:cs typeface="+mn-cs"/>
+              </a:defRPr>
+            </a:lvl4pPr>
+            <a:lvl5pPr marL="1828800" algn="l" defTabSz="914400" rtl="0" eaLnBrk="1" latinLnBrk="0" hangingPunct="1">
+              <a:defRPr kumimoji="1" sz="1800" kern="1200">
+                <a:solidFill>
+                  <a:schemeClr val="tx1"/>
+                </a:solidFill>
+                <a:latin typeface="+mn-lt"/>
+                <a:ea typeface="+mn-ea"/>
+                <a:cs typeface="+mn-cs"/>
+              </a:defRPr>
+            </a:lvl5pPr>
+            <a:lvl6pPr marL="2286000" algn="l" defTabSz="914400" rtl="0" eaLnBrk="1" latinLnBrk="0" hangingPunct="1">
+              <a:defRPr kumimoji="1" sz="1800" kern="1200">
+                <a:solidFill>
+                  <a:schemeClr val="tx1"/>
+                </a:solidFill>
+                <a:latin typeface="+mn-lt"/>
+                <a:ea typeface="+mn-ea"/>
+                <a:cs typeface="+mn-cs"/>
+              </a:defRPr>
+            </a:lvl6pPr>
+            <a:lvl7pPr marL="2743200" algn="l" defTabSz="914400" rtl="0" eaLnBrk="1" latinLnBrk="0" hangingPunct="1">
+              <a:defRPr kumimoji="1" sz="1800" kern="1200">
+                <a:solidFill>
+                  <a:schemeClr val="tx1"/>
+                </a:solidFill>
+                <a:latin typeface="+mn-lt"/>
+                <a:ea typeface="+mn-ea"/>
+                <a:cs typeface="+mn-cs"/>
+              </a:defRPr>
+            </a:lvl7pPr>
+            <a:lvl8pPr marL="3200400" algn="l" defTabSz="914400" rtl="0" eaLnBrk="1" latinLnBrk="0" hangingPunct="1">
+              <a:defRPr kumimoji="1" sz="1800" kern="1200">
+                <a:solidFill>
+                  <a:schemeClr val="tx1"/>
+                </a:solidFill>
+                <a:latin typeface="+mn-lt"/>
+                <a:ea typeface="+mn-ea"/>
+                <a:cs typeface="+mn-cs"/>
+              </a:defRPr>
+            </a:lvl8pPr>
+            <a:lvl9pPr marL="3657600" algn="l" defTabSz="914400" rtl="0" eaLnBrk="1" latinLnBrk="0" hangingPunct="1">
+              <a:defRPr kumimoji="1" sz="1800" kern="1200">
+                <a:solidFill>
+                  <a:schemeClr val="tx1"/>
+                </a:solidFill>
+                <a:latin typeface="+mn-lt"/>
+                <a:ea typeface="+mn-ea"/>
+                <a:cs typeface="+mn-cs"/>
+              </a:defRPr>
+            </a:lvl9pPr>
+          </a:lstStyle>
+          <a:p>
+            <a:pPr algn="ctr"/>
+            <a:r>
+              <a:rPr lang="ja-JP" altLang="en-US" sz="1400"/>
+              <a:t>参加者をユーザー登録</a:t>
+            </a:r>
+            <a:endParaRPr kumimoji="1" lang="ja-JP" altLang="en-US" sz="1400" dirty="0"/>
+          </a:p>
+        </p:txBody>
+      </p:sp>
+      <p:sp>
+        <p:nvSpPr>
+          <p:cNvPr id="25" name="テキスト ボックス 68">
+            <a:extLst>
+              <a:ext uri="{FF2B5EF4-FFF2-40B4-BE49-F238E27FC236}">
+                <a16:creationId xmlns:a16="http://schemas.microsoft.com/office/drawing/2014/main" id="{3028CA3D-7A0C-94EF-B710-1ECB4CE1B9C5}"/>
+              </a:ext>
+            </a:extLst>
+          </p:cNvPr>
+          <p:cNvSpPr txBox="1"/>
+          <p:nvPr/>
+        </p:nvSpPr>
+        <p:spPr>
+          <a:xfrm>
+            <a:off x="1193610" y="4372954"/>
+            <a:ext cx="3188180" cy="738664"/>
+          </a:xfrm>
+          <a:prstGeom prst="rect">
+            <a:avLst/>
+          </a:prstGeom>
+          <a:noFill/>
+        </p:spPr>
+        <p:txBody>
+          <a:bodyPr wrap="square">
+            <a:spAutoFit/>
+          </a:bodyPr>
+          <a:lstStyle>
+            <a:defPPr>
+              <a:defRPr lang="ja-JP"/>
+            </a:defPPr>
+            <a:lvl1pPr marL="0" algn="l" defTabSz="914400" rtl="0" eaLnBrk="1" latinLnBrk="0" hangingPunct="1">
+              <a:defRPr kumimoji="1" sz="1800" kern="1200">
+                <a:solidFill>
+                  <a:schemeClr val="tx1"/>
+                </a:solidFill>
+                <a:latin typeface="+mn-lt"/>
+                <a:ea typeface="+mn-ea"/>
+                <a:cs typeface="+mn-cs"/>
+              </a:defRPr>
+            </a:lvl1pPr>
+            <a:lvl2pPr marL="457200" algn="l" defTabSz="914400" rtl="0" eaLnBrk="1" latinLnBrk="0" hangingPunct="1">
+              <a:defRPr kumimoji="1" sz="1800" kern="1200">
+                <a:solidFill>
+                  <a:schemeClr val="tx1"/>
+                </a:solidFill>
+                <a:latin typeface="+mn-lt"/>
+                <a:ea typeface="+mn-ea"/>
+                <a:cs typeface="+mn-cs"/>
+              </a:defRPr>
+            </a:lvl2pPr>
+            <a:lvl3pPr marL="914400" algn="l" defTabSz="914400" rtl="0" eaLnBrk="1" latinLnBrk="0" hangingPunct="1">
+              <a:defRPr kumimoji="1" sz="1800" kern="1200">
+                <a:solidFill>
+                  <a:schemeClr val="tx1"/>
+                </a:solidFill>
+                <a:latin typeface="+mn-lt"/>
+                <a:ea typeface="+mn-ea"/>
+                <a:cs typeface="+mn-cs"/>
+              </a:defRPr>
+            </a:lvl3pPr>
+            <a:lvl4pPr marL="1371600" algn="l" defTabSz="914400" rtl="0" eaLnBrk="1" latinLnBrk="0" hangingPunct="1">
+              <a:defRPr kumimoji="1" sz="1800" kern="1200">
+                <a:solidFill>
+                  <a:schemeClr val="tx1"/>
+                </a:solidFill>
+                <a:latin typeface="+mn-lt"/>
+                <a:ea typeface="+mn-ea"/>
+                <a:cs typeface="+mn-cs"/>
+              </a:defRPr>
+            </a:lvl4pPr>
+            <a:lvl5pPr marL="1828800" algn="l" defTabSz="914400" rtl="0" eaLnBrk="1" latinLnBrk="0" hangingPunct="1">
+              <a:defRPr kumimoji="1" sz="1800" kern="1200">
+                <a:solidFill>
+                  <a:schemeClr val="tx1"/>
+                </a:solidFill>
+                <a:latin typeface="+mn-lt"/>
+                <a:ea typeface="+mn-ea"/>
+                <a:cs typeface="+mn-cs"/>
+              </a:defRPr>
+            </a:lvl5pPr>
+            <a:lvl6pPr marL="2286000" algn="l" defTabSz="914400" rtl="0" eaLnBrk="1" latinLnBrk="0" hangingPunct="1">
+              <a:defRPr kumimoji="1" sz="1800" kern="1200">
+                <a:solidFill>
+                  <a:schemeClr val="tx1"/>
+                </a:solidFill>
+                <a:latin typeface="+mn-lt"/>
+                <a:ea typeface="+mn-ea"/>
+                <a:cs typeface="+mn-cs"/>
+              </a:defRPr>
+            </a:lvl6pPr>
+            <a:lvl7pPr marL="2743200" algn="l" defTabSz="914400" rtl="0" eaLnBrk="1" latinLnBrk="0" hangingPunct="1">
+              <a:defRPr kumimoji="1" sz="1800" kern="1200">
+                <a:solidFill>
+                  <a:schemeClr val="tx1"/>
+                </a:solidFill>
+                <a:latin typeface="+mn-lt"/>
+                <a:ea typeface="+mn-ea"/>
+                <a:cs typeface="+mn-cs"/>
+              </a:defRPr>
+            </a:lvl7pPr>
+            <a:lvl8pPr marL="3200400" algn="l" defTabSz="914400" rtl="0" eaLnBrk="1" latinLnBrk="0" hangingPunct="1">
+              <a:defRPr kumimoji="1" sz="1800" kern="1200">
+                <a:solidFill>
+                  <a:schemeClr val="tx1"/>
+                </a:solidFill>
+                <a:latin typeface="+mn-lt"/>
+                <a:ea typeface="+mn-ea"/>
+                <a:cs typeface="+mn-cs"/>
+              </a:defRPr>
+            </a:lvl8pPr>
+            <a:lvl9pPr marL="3657600" algn="l" defTabSz="914400" rtl="0" eaLnBrk="1" latinLnBrk="0" hangingPunct="1">
+              <a:defRPr kumimoji="1" sz="1800" kern="1200">
+                <a:solidFill>
+                  <a:schemeClr val="tx1"/>
+                </a:solidFill>
+                <a:latin typeface="+mn-lt"/>
+                <a:ea typeface="+mn-ea"/>
+                <a:cs typeface="+mn-cs"/>
+              </a:defRPr>
+            </a:lvl9pPr>
+          </a:lstStyle>
+          <a:p>
+            <a:pPr algn="ctr"/>
+            <a:r>
+              <a:rPr lang="en-US" altLang="ja-JP" sz="1400" dirty="0"/>
+              <a:t>Azure Subscription</a:t>
+            </a:r>
+            <a:r>
+              <a:rPr lang="ja-JP" altLang="en-US" sz="1400"/>
+              <a:t> をサインアップ</a:t>
+            </a:r>
+            <a:endParaRPr lang="en-US" altLang="ja-JP" sz="1400" dirty="0"/>
+          </a:p>
+          <a:p>
+            <a:pPr algn="ctr"/>
+            <a:r>
+              <a:rPr lang="ja-JP" altLang="en-US" sz="1400"/>
+              <a:t>参加</a:t>
+            </a:r>
+            <a:r>
+              <a:rPr kumimoji="1" lang="ja-JP" altLang="en-US" sz="1400"/>
+              <a:t>者を共同作成者に割り当て</a:t>
+            </a:r>
+            <a:endParaRPr kumimoji="1" lang="en-US" altLang="ja-JP" sz="1400" dirty="0"/>
+          </a:p>
+          <a:p>
+            <a:pPr algn="ctr"/>
+            <a:r>
+              <a:rPr kumimoji="1" lang="ja-JP" altLang="en-US" sz="1400"/>
+              <a:t>共有の </a:t>
+            </a:r>
+            <a:r>
+              <a:rPr kumimoji="1" lang="en-US" altLang="ja-JP" sz="1400" dirty="0"/>
+              <a:t>API</a:t>
+            </a:r>
+            <a:r>
+              <a:rPr lang="ja-JP" altLang="en-US" sz="1400"/>
+              <a:t> </a:t>
+            </a:r>
+            <a:r>
+              <a:rPr lang="en-US" altLang="ja-JP" sz="1400" dirty="0"/>
+              <a:t>Management</a:t>
+            </a:r>
+            <a:r>
+              <a:rPr lang="ja-JP" altLang="en-US" sz="1400"/>
+              <a:t> を作成</a:t>
+            </a:r>
+            <a:endParaRPr kumimoji="1" lang="ja-JP" altLang="en-US" sz="1400" dirty="0"/>
+          </a:p>
+        </p:txBody>
+      </p:sp>
+      <p:sp>
+        <p:nvSpPr>
+          <p:cNvPr id="26" name="スマイル 25">
+            <a:extLst>
+              <a:ext uri="{FF2B5EF4-FFF2-40B4-BE49-F238E27FC236}">
+                <a16:creationId xmlns:a16="http://schemas.microsoft.com/office/drawing/2014/main" id="{47BDF5AA-8A04-6EAD-ACBF-1422414538FA}"/>
+              </a:ext>
+            </a:extLst>
+          </p:cNvPr>
+          <p:cNvSpPr/>
+          <p:nvPr/>
+        </p:nvSpPr>
+        <p:spPr>
+          <a:xfrm>
+            <a:off x="3796394" y="1793086"/>
+            <a:ext cx="576263" cy="552450"/>
+          </a:xfrm>
+          <a:prstGeom prst="smileyFace">
+            <a:avLst/>
+          </a:prstGeom>
+        </p:spPr>
+        <p:style>
+          <a:lnRef idx="1">
+            <a:schemeClr val="accent4"/>
+          </a:lnRef>
+          <a:fillRef idx="2">
+            <a:schemeClr val="accent4"/>
+          </a:fillRef>
+          <a:effectRef idx="1">
+            <a:schemeClr val="accent4"/>
+          </a:effectRef>
+          <a:fontRef idx="minor">
+            <a:schemeClr val="dk1"/>
+          </a:fontRef>
+        </p:style>
+        <p:txBody>
+          <a:bodyPr rtlCol="0" anchor="ctr"/>
+          <a:lstStyle>
+            <a:defPPr>
+              <a:defRPr lang="ja-JP"/>
+            </a:defPPr>
+            <a:lvl1pPr marL="0" algn="l" defTabSz="914400" rtl="0" eaLnBrk="1" latinLnBrk="0" hangingPunct="1">
+              <a:defRPr kumimoji="1" sz="1800" kern="1200">
+                <a:solidFill>
+                  <a:schemeClr val="dk1"/>
+                </a:solidFill>
+                <a:latin typeface="+mn-lt"/>
+                <a:ea typeface="+mn-ea"/>
+                <a:cs typeface="+mn-cs"/>
+              </a:defRPr>
+            </a:lvl1pPr>
+            <a:lvl2pPr marL="457200" algn="l" defTabSz="914400" rtl="0" eaLnBrk="1" latinLnBrk="0" hangingPunct="1">
+              <a:defRPr kumimoji="1" sz="1800" kern="1200">
+                <a:solidFill>
+                  <a:schemeClr val="dk1"/>
+                </a:solidFill>
+                <a:latin typeface="+mn-lt"/>
+                <a:ea typeface="+mn-ea"/>
+                <a:cs typeface="+mn-cs"/>
+              </a:defRPr>
+            </a:lvl2pPr>
+            <a:lvl3pPr marL="914400" algn="l" defTabSz="914400" rtl="0" eaLnBrk="1" latinLnBrk="0" hangingPunct="1">
+              <a:defRPr kumimoji="1" sz="1800" kern="1200">
+                <a:solidFill>
+                  <a:schemeClr val="dk1"/>
+                </a:solidFill>
+                <a:latin typeface="+mn-lt"/>
+                <a:ea typeface="+mn-ea"/>
+                <a:cs typeface="+mn-cs"/>
+              </a:defRPr>
+            </a:lvl3pPr>
+            <a:lvl4pPr marL="1371600" algn="l" defTabSz="914400" rtl="0" eaLnBrk="1" latinLnBrk="0" hangingPunct="1">
+              <a:defRPr kumimoji="1" sz="1800" kern="1200">
+                <a:solidFill>
+                  <a:schemeClr val="dk1"/>
+                </a:solidFill>
+                <a:latin typeface="+mn-lt"/>
+                <a:ea typeface="+mn-ea"/>
+                <a:cs typeface="+mn-cs"/>
+              </a:defRPr>
+            </a:lvl4pPr>
+            <a:lvl5pPr marL="1828800" algn="l" defTabSz="914400" rtl="0" eaLnBrk="1" latinLnBrk="0" hangingPunct="1">
+              <a:defRPr kumimoji="1" sz="1800" kern="1200">
+                <a:solidFill>
+                  <a:schemeClr val="dk1"/>
+                </a:solidFill>
+                <a:latin typeface="+mn-lt"/>
+                <a:ea typeface="+mn-ea"/>
+                <a:cs typeface="+mn-cs"/>
+              </a:defRPr>
+            </a:lvl5pPr>
+            <a:lvl6pPr marL="2286000" algn="l" defTabSz="914400" rtl="0" eaLnBrk="1" latinLnBrk="0" hangingPunct="1">
+              <a:defRPr kumimoji="1" sz="1800" kern="1200">
+                <a:solidFill>
+                  <a:schemeClr val="dk1"/>
+                </a:solidFill>
+                <a:latin typeface="+mn-lt"/>
+                <a:ea typeface="+mn-ea"/>
+                <a:cs typeface="+mn-cs"/>
+              </a:defRPr>
+            </a:lvl6pPr>
+            <a:lvl7pPr marL="2743200" algn="l" defTabSz="914400" rtl="0" eaLnBrk="1" latinLnBrk="0" hangingPunct="1">
+              <a:defRPr kumimoji="1" sz="1800" kern="1200">
+                <a:solidFill>
+                  <a:schemeClr val="dk1"/>
+                </a:solidFill>
+                <a:latin typeface="+mn-lt"/>
+                <a:ea typeface="+mn-ea"/>
+                <a:cs typeface="+mn-cs"/>
+              </a:defRPr>
+            </a:lvl7pPr>
+            <a:lvl8pPr marL="3200400" algn="l" defTabSz="914400" rtl="0" eaLnBrk="1" latinLnBrk="0" hangingPunct="1">
+              <a:defRPr kumimoji="1" sz="1800" kern="1200">
+                <a:solidFill>
+                  <a:schemeClr val="dk1"/>
+                </a:solidFill>
+                <a:latin typeface="+mn-lt"/>
+                <a:ea typeface="+mn-ea"/>
+                <a:cs typeface="+mn-cs"/>
+              </a:defRPr>
+            </a:lvl8pPr>
+            <a:lvl9pPr marL="3657600" algn="l" defTabSz="914400" rtl="0" eaLnBrk="1" latinLnBrk="0" hangingPunct="1">
+              <a:defRPr kumimoji="1" sz="1800" kern="1200">
+                <a:solidFill>
+                  <a:schemeClr val="dk1"/>
+                </a:solidFill>
+                <a:latin typeface="+mn-lt"/>
+                <a:ea typeface="+mn-ea"/>
+                <a:cs typeface="+mn-cs"/>
+              </a:defRPr>
+            </a:lvl9pPr>
+          </a:lstStyle>
+          <a:p>
+            <a:pPr algn="ctr"/>
+            <a:endParaRPr kumimoji="1" lang="ja-JP" altLang="en-US" dirty="0"/>
+          </a:p>
+        </p:txBody>
+      </p:sp>
+      <p:sp>
+        <p:nvSpPr>
+          <p:cNvPr id="27" name="スマイル 26">
+            <a:extLst>
+              <a:ext uri="{FF2B5EF4-FFF2-40B4-BE49-F238E27FC236}">
+                <a16:creationId xmlns:a16="http://schemas.microsoft.com/office/drawing/2014/main" id="{36293F5E-7D6A-C8C5-B9D4-0C177DC867ED}"/>
+              </a:ext>
+            </a:extLst>
+          </p:cNvPr>
+          <p:cNvSpPr/>
+          <p:nvPr/>
+        </p:nvSpPr>
+        <p:spPr>
+          <a:xfrm>
+            <a:off x="3796394" y="2717093"/>
+            <a:ext cx="576263" cy="552450"/>
+          </a:xfrm>
+          <a:prstGeom prst="smileyFace">
+            <a:avLst/>
+          </a:prstGeom>
+        </p:spPr>
+        <p:style>
+          <a:lnRef idx="1">
+            <a:schemeClr val="accent2"/>
+          </a:lnRef>
+          <a:fillRef idx="2">
+            <a:schemeClr val="accent2"/>
+          </a:fillRef>
+          <a:effectRef idx="1">
+            <a:schemeClr val="accent2"/>
+          </a:effectRef>
+          <a:fontRef idx="minor">
+            <a:schemeClr val="dk1"/>
+          </a:fontRef>
+        </p:style>
+        <p:txBody>
+          <a:bodyPr rtlCol="0" anchor="ctr"/>
+          <a:lstStyle>
+            <a:defPPr>
+              <a:defRPr lang="ja-JP"/>
+            </a:defPPr>
+            <a:lvl1pPr marL="0" algn="l" defTabSz="914400" rtl="0" eaLnBrk="1" latinLnBrk="0" hangingPunct="1">
+              <a:defRPr kumimoji="1" sz="1800" kern="1200">
+                <a:solidFill>
+                  <a:schemeClr val="dk1"/>
+                </a:solidFill>
+                <a:latin typeface="+mn-lt"/>
+                <a:ea typeface="+mn-ea"/>
+                <a:cs typeface="+mn-cs"/>
+              </a:defRPr>
+            </a:lvl1pPr>
+            <a:lvl2pPr marL="457200" algn="l" defTabSz="914400" rtl="0" eaLnBrk="1" latinLnBrk="0" hangingPunct="1">
+              <a:defRPr kumimoji="1" sz="1800" kern="1200">
+                <a:solidFill>
+                  <a:schemeClr val="dk1"/>
+                </a:solidFill>
+                <a:latin typeface="+mn-lt"/>
+                <a:ea typeface="+mn-ea"/>
+                <a:cs typeface="+mn-cs"/>
+              </a:defRPr>
+            </a:lvl2pPr>
+            <a:lvl3pPr marL="914400" algn="l" defTabSz="914400" rtl="0" eaLnBrk="1" latinLnBrk="0" hangingPunct="1">
+              <a:defRPr kumimoji="1" sz="1800" kern="1200">
+                <a:solidFill>
+                  <a:schemeClr val="dk1"/>
+                </a:solidFill>
+                <a:latin typeface="+mn-lt"/>
+                <a:ea typeface="+mn-ea"/>
+                <a:cs typeface="+mn-cs"/>
+              </a:defRPr>
+            </a:lvl3pPr>
+            <a:lvl4pPr marL="1371600" algn="l" defTabSz="914400" rtl="0" eaLnBrk="1" latinLnBrk="0" hangingPunct="1">
+              <a:defRPr kumimoji="1" sz="1800" kern="1200">
+                <a:solidFill>
+                  <a:schemeClr val="dk1"/>
+                </a:solidFill>
+                <a:latin typeface="+mn-lt"/>
+                <a:ea typeface="+mn-ea"/>
+                <a:cs typeface="+mn-cs"/>
+              </a:defRPr>
+            </a:lvl4pPr>
+            <a:lvl5pPr marL="1828800" algn="l" defTabSz="914400" rtl="0" eaLnBrk="1" latinLnBrk="0" hangingPunct="1">
+              <a:defRPr kumimoji="1" sz="1800" kern="1200">
+                <a:solidFill>
+                  <a:schemeClr val="dk1"/>
+                </a:solidFill>
+                <a:latin typeface="+mn-lt"/>
+                <a:ea typeface="+mn-ea"/>
+                <a:cs typeface="+mn-cs"/>
+              </a:defRPr>
+            </a:lvl5pPr>
+            <a:lvl6pPr marL="2286000" algn="l" defTabSz="914400" rtl="0" eaLnBrk="1" latinLnBrk="0" hangingPunct="1">
+              <a:defRPr kumimoji="1" sz="1800" kern="1200">
+                <a:solidFill>
+                  <a:schemeClr val="dk1"/>
+                </a:solidFill>
+                <a:latin typeface="+mn-lt"/>
+                <a:ea typeface="+mn-ea"/>
+                <a:cs typeface="+mn-cs"/>
+              </a:defRPr>
+            </a:lvl6pPr>
+            <a:lvl7pPr marL="2743200" algn="l" defTabSz="914400" rtl="0" eaLnBrk="1" latinLnBrk="0" hangingPunct="1">
+              <a:defRPr kumimoji="1" sz="1800" kern="1200">
+                <a:solidFill>
+                  <a:schemeClr val="dk1"/>
+                </a:solidFill>
+                <a:latin typeface="+mn-lt"/>
+                <a:ea typeface="+mn-ea"/>
+                <a:cs typeface="+mn-cs"/>
+              </a:defRPr>
+            </a:lvl7pPr>
+            <a:lvl8pPr marL="3200400" algn="l" defTabSz="914400" rtl="0" eaLnBrk="1" latinLnBrk="0" hangingPunct="1">
+              <a:defRPr kumimoji="1" sz="1800" kern="1200">
+                <a:solidFill>
+                  <a:schemeClr val="dk1"/>
+                </a:solidFill>
+                <a:latin typeface="+mn-lt"/>
+                <a:ea typeface="+mn-ea"/>
+                <a:cs typeface="+mn-cs"/>
+              </a:defRPr>
+            </a:lvl8pPr>
+            <a:lvl9pPr marL="3657600" algn="l" defTabSz="914400" rtl="0" eaLnBrk="1" latinLnBrk="0" hangingPunct="1">
+              <a:defRPr kumimoji="1" sz="1800" kern="1200">
+                <a:solidFill>
+                  <a:schemeClr val="dk1"/>
+                </a:solidFill>
+                <a:latin typeface="+mn-lt"/>
+                <a:ea typeface="+mn-ea"/>
+                <a:cs typeface="+mn-cs"/>
+              </a:defRPr>
+            </a:lvl9pPr>
+          </a:lstStyle>
+          <a:p>
+            <a:pPr algn="ctr"/>
+            <a:endParaRPr kumimoji="1" lang="ja-JP" altLang="en-US" dirty="0"/>
+          </a:p>
+        </p:txBody>
+      </p:sp>
+      <p:sp>
+        <p:nvSpPr>
+          <p:cNvPr id="21" name="テキスト ボックス 47">
+            <a:extLst>
+              <a:ext uri="{FF2B5EF4-FFF2-40B4-BE49-F238E27FC236}">
+                <a16:creationId xmlns:a16="http://schemas.microsoft.com/office/drawing/2014/main" id="{FF4648CE-35A9-92D5-B7A6-DD1F355BE300}"/>
+              </a:ext>
+            </a:extLst>
+          </p:cNvPr>
+          <p:cNvSpPr txBox="1"/>
+          <p:nvPr/>
+        </p:nvSpPr>
+        <p:spPr>
+          <a:xfrm>
+            <a:off x="5274582" y="400697"/>
+            <a:ext cx="3128212" cy="738664"/>
+          </a:xfrm>
+          <a:prstGeom prst="rect">
+            <a:avLst/>
+          </a:prstGeom>
+          <a:noFill/>
+        </p:spPr>
+        <p:txBody>
+          <a:bodyPr wrap="square">
+            <a:spAutoFit/>
+          </a:bodyPr>
+          <a:lstStyle>
+            <a:defPPr>
+              <a:defRPr lang="ja-JP"/>
+            </a:defPPr>
+            <a:lvl1pPr marL="0" algn="l" defTabSz="914400" rtl="0" eaLnBrk="1" latinLnBrk="0" hangingPunct="1">
+              <a:defRPr kumimoji="1" sz="1800" kern="1200">
+                <a:solidFill>
+                  <a:schemeClr val="tx1"/>
+                </a:solidFill>
+                <a:latin typeface="+mn-lt"/>
+                <a:ea typeface="+mn-ea"/>
+                <a:cs typeface="+mn-cs"/>
+              </a:defRPr>
+            </a:lvl1pPr>
+            <a:lvl2pPr marL="457200" algn="l" defTabSz="914400" rtl="0" eaLnBrk="1" latinLnBrk="0" hangingPunct="1">
+              <a:defRPr kumimoji="1" sz="1800" kern="1200">
+                <a:solidFill>
+                  <a:schemeClr val="tx1"/>
+                </a:solidFill>
+                <a:latin typeface="+mn-lt"/>
+                <a:ea typeface="+mn-ea"/>
+                <a:cs typeface="+mn-cs"/>
+              </a:defRPr>
+            </a:lvl2pPr>
+            <a:lvl3pPr marL="914400" algn="l" defTabSz="914400" rtl="0" eaLnBrk="1" latinLnBrk="0" hangingPunct="1">
+              <a:defRPr kumimoji="1" sz="1800" kern="1200">
+                <a:solidFill>
+                  <a:schemeClr val="tx1"/>
+                </a:solidFill>
+                <a:latin typeface="+mn-lt"/>
+                <a:ea typeface="+mn-ea"/>
+                <a:cs typeface="+mn-cs"/>
+              </a:defRPr>
+            </a:lvl3pPr>
+            <a:lvl4pPr marL="1371600" algn="l" defTabSz="914400" rtl="0" eaLnBrk="1" latinLnBrk="0" hangingPunct="1">
+              <a:defRPr kumimoji="1" sz="1800" kern="1200">
+                <a:solidFill>
+                  <a:schemeClr val="tx1"/>
+                </a:solidFill>
+                <a:latin typeface="+mn-lt"/>
+                <a:ea typeface="+mn-ea"/>
+                <a:cs typeface="+mn-cs"/>
+              </a:defRPr>
+            </a:lvl4pPr>
+            <a:lvl5pPr marL="1828800" algn="l" defTabSz="914400" rtl="0" eaLnBrk="1" latinLnBrk="0" hangingPunct="1">
+              <a:defRPr kumimoji="1" sz="1800" kern="1200">
+                <a:solidFill>
+                  <a:schemeClr val="tx1"/>
+                </a:solidFill>
+                <a:latin typeface="+mn-lt"/>
+                <a:ea typeface="+mn-ea"/>
+                <a:cs typeface="+mn-cs"/>
+              </a:defRPr>
+            </a:lvl5pPr>
+            <a:lvl6pPr marL="2286000" algn="l" defTabSz="914400" rtl="0" eaLnBrk="1" latinLnBrk="0" hangingPunct="1">
+              <a:defRPr kumimoji="1" sz="1800" kern="1200">
+                <a:solidFill>
+                  <a:schemeClr val="tx1"/>
+                </a:solidFill>
+                <a:latin typeface="+mn-lt"/>
+                <a:ea typeface="+mn-ea"/>
+                <a:cs typeface="+mn-cs"/>
+              </a:defRPr>
+            </a:lvl6pPr>
+            <a:lvl7pPr marL="2743200" algn="l" defTabSz="914400" rtl="0" eaLnBrk="1" latinLnBrk="0" hangingPunct="1">
+              <a:defRPr kumimoji="1" sz="1800" kern="1200">
+                <a:solidFill>
+                  <a:schemeClr val="tx1"/>
+                </a:solidFill>
+                <a:latin typeface="+mn-lt"/>
+                <a:ea typeface="+mn-ea"/>
+                <a:cs typeface="+mn-cs"/>
+              </a:defRPr>
+            </a:lvl7pPr>
+            <a:lvl8pPr marL="3200400" algn="l" defTabSz="914400" rtl="0" eaLnBrk="1" latinLnBrk="0" hangingPunct="1">
+              <a:defRPr kumimoji="1" sz="1800" kern="1200">
+                <a:solidFill>
+                  <a:schemeClr val="tx1"/>
+                </a:solidFill>
+                <a:latin typeface="+mn-lt"/>
+                <a:ea typeface="+mn-ea"/>
+                <a:cs typeface="+mn-cs"/>
+              </a:defRPr>
+            </a:lvl8pPr>
+            <a:lvl9pPr marL="3657600" algn="l" defTabSz="914400" rtl="0" eaLnBrk="1" latinLnBrk="0" hangingPunct="1">
+              <a:defRPr kumimoji="1" sz="1800" kern="1200">
+                <a:solidFill>
+                  <a:schemeClr val="tx1"/>
+                </a:solidFill>
+                <a:latin typeface="+mn-lt"/>
+                <a:ea typeface="+mn-ea"/>
+                <a:cs typeface="+mn-cs"/>
+              </a:defRPr>
+            </a:lvl9pPr>
+          </a:lstStyle>
+          <a:p>
+            <a:pPr algn="ctr"/>
+            <a:r>
+              <a:rPr kumimoji="1" lang="ja-JP" altLang="en-US" sz="1400"/>
+              <a:t>参加者は</a:t>
+            </a:r>
+            <a:br>
+              <a:rPr kumimoji="1" lang="en-US" altLang="ja-JP" sz="1400" dirty="0"/>
+            </a:br>
+            <a:r>
+              <a:rPr kumimoji="1" lang="en-US" altLang="ja-JP" sz="1400" dirty="0"/>
+              <a:t>Power Apps</a:t>
+            </a:r>
+            <a:r>
+              <a:rPr kumimoji="1" lang="ja-JP" altLang="en-US" sz="1400" dirty="0"/>
+              <a:t> </a:t>
+            </a:r>
+            <a:r>
+              <a:rPr kumimoji="1" lang="en-US" altLang="ja-JP" sz="1400" dirty="0"/>
+              <a:t>Developer</a:t>
+            </a:r>
+            <a:r>
+              <a:rPr kumimoji="1" lang="ja-JP" altLang="en-US" sz="1400"/>
+              <a:t> </a:t>
+            </a:r>
+            <a:r>
+              <a:rPr kumimoji="1" lang="en-US" altLang="ja-JP" sz="1400" dirty="0"/>
+              <a:t>Plan</a:t>
+            </a:r>
+            <a:r>
+              <a:rPr kumimoji="1" lang="ja-JP" altLang="en-US" sz="1400"/>
+              <a:t> </a:t>
+            </a:r>
+            <a:br>
+              <a:rPr kumimoji="1" lang="en-US" altLang="ja-JP" sz="1400" dirty="0"/>
+            </a:br>
+            <a:r>
+              <a:rPr kumimoji="1" lang="ja-JP" altLang="en-US" sz="1400"/>
+              <a:t>にサインアップ</a:t>
+            </a:r>
+            <a:endParaRPr kumimoji="1" lang="ja-JP" altLang="en-US" sz="1400" dirty="0"/>
+          </a:p>
+        </p:txBody>
+      </p:sp>
+      <p:sp>
+        <p:nvSpPr>
+          <p:cNvPr id="41" name="四角形: 角を丸くする 48">
+            <a:extLst>
+              <a:ext uri="{FF2B5EF4-FFF2-40B4-BE49-F238E27FC236}">
+                <a16:creationId xmlns:a16="http://schemas.microsoft.com/office/drawing/2014/main" id="{11ADFB28-2CF5-964E-28B2-030000F1F85A}"/>
+              </a:ext>
+            </a:extLst>
+          </p:cNvPr>
+          <p:cNvSpPr/>
+          <p:nvPr/>
+        </p:nvSpPr>
+        <p:spPr>
+          <a:xfrm>
+            <a:off x="8177710" y="1583371"/>
+            <a:ext cx="1889335" cy="881481"/>
+          </a:xfrm>
+          <a:prstGeom prst="roundRect">
+            <a:avLst/>
+          </a:prstGeom>
+          <a:ln/>
+        </p:spPr>
+        <p:style>
+          <a:lnRef idx="2">
+            <a:schemeClr val="accent4"/>
+          </a:lnRef>
+          <a:fillRef idx="1">
+            <a:schemeClr val="lt1"/>
+          </a:fillRef>
+          <a:effectRef idx="0">
+            <a:schemeClr val="accent4"/>
+          </a:effectRef>
+          <a:fontRef idx="minor">
+            <a:schemeClr val="dk1"/>
+          </a:fontRef>
+        </p:style>
+        <p:txBody>
+          <a:bodyPr rtlCol="0" anchor="ctr"/>
+          <a:lstStyle>
+            <a:defPPr>
+              <a:defRPr lang="ja-JP"/>
+            </a:defPPr>
+            <a:lvl1pPr marL="0" algn="l" defTabSz="914400" rtl="0" eaLnBrk="1" latinLnBrk="0" hangingPunct="1">
+              <a:defRPr kumimoji="1" sz="1800" kern="1200">
+                <a:solidFill>
+                  <a:schemeClr val="dk1"/>
+                </a:solidFill>
+                <a:latin typeface="+mn-lt"/>
+                <a:ea typeface="+mn-ea"/>
+                <a:cs typeface="+mn-cs"/>
+              </a:defRPr>
+            </a:lvl1pPr>
+            <a:lvl2pPr marL="457200" algn="l" defTabSz="914400" rtl="0" eaLnBrk="1" latinLnBrk="0" hangingPunct="1">
+              <a:defRPr kumimoji="1" sz="1800" kern="1200">
+                <a:solidFill>
+                  <a:schemeClr val="dk1"/>
+                </a:solidFill>
+                <a:latin typeface="+mn-lt"/>
+                <a:ea typeface="+mn-ea"/>
+                <a:cs typeface="+mn-cs"/>
+              </a:defRPr>
+            </a:lvl2pPr>
+            <a:lvl3pPr marL="914400" algn="l" defTabSz="914400" rtl="0" eaLnBrk="1" latinLnBrk="0" hangingPunct="1">
+              <a:defRPr kumimoji="1" sz="1800" kern="1200">
+                <a:solidFill>
+                  <a:schemeClr val="dk1"/>
+                </a:solidFill>
+                <a:latin typeface="+mn-lt"/>
+                <a:ea typeface="+mn-ea"/>
+                <a:cs typeface="+mn-cs"/>
+              </a:defRPr>
+            </a:lvl3pPr>
+            <a:lvl4pPr marL="1371600" algn="l" defTabSz="914400" rtl="0" eaLnBrk="1" latinLnBrk="0" hangingPunct="1">
+              <a:defRPr kumimoji="1" sz="1800" kern="1200">
+                <a:solidFill>
+                  <a:schemeClr val="dk1"/>
+                </a:solidFill>
+                <a:latin typeface="+mn-lt"/>
+                <a:ea typeface="+mn-ea"/>
+                <a:cs typeface="+mn-cs"/>
+              </a:defRPr>
+            </a:lvl4pPr>
+            <a:lvl5pPr marL="1828800" algn="l" defTabSz="914400" rtl="0" eaLnBrk="1" latinLnBrk="0" hangingPunct="1">
+              <a:defRPr kumimoji="1" sz="1800" kern="1200">
+                <a:solidFill>
+                  <a:schemeClr val="dk1"/>
+                </a:solidFill>
+                <a:latin typeface="+mn-lt"/>
+                <a:ea typeface="+mn-ea"/>
+                <a:cs typeface="+mn-cs"/>
+              </a:defRPr>
+            </a:lvl5pPr>
+            <a:lvl6pPr marL="2286000" algn="l" defTabSz="914400" rtl="0" eaLnBrk="1" latinLnBrk="0" hangingPunct="1">
+              <a:defRPr kumimoji="1" sz="1800" kern="1200">
+                <a:solidFill>
+                  <a:schemeClr val="dk1"/>
+                </a:solidFill>
+                <a:latin typeface="+mn-lt"/>
+                <a:ea typeface="+mn-ea"/>
+                <a:cs typeface="+mn-cs"/>
+              </a:defRPr>
+            </a:lvl6pPr>
+            <a:lvl7pPr marL="2743200" algn="l" defTabSz="914400" rtl="0" eaLnBrk="1" latinLnBrk="0" hangingPunct="1">
+              <a:defRPr kumimoji="1" sz="1800" kern="1200">
+                <a:solidFill>
+                  <a:schemeClr val="dk1"/>
+                </a:solidFill>
+                <a:latin typeface="+mn-lt"/>
+                <a:ea typeface="+mn-ea"/>
+                <a:cs typeface="+mn-cs"/>
+              </a:defRPr>
+            </a:lvl7pPr>
+            <a:lvl8pPr marL="3200400" algn="l" defTabSz="914400" rtl="0" eaLnBrk="1" latinLnBrk="0" hangingPunct="1">
+              <a:defRPr kumimoji="1" sz="1800" kern="1200">
+                <a:solidFill>
+                  <a:schemeClr val="dk1"/>
+                </a:solidFill>
+                <a:latin typeface="+mn-lt"/>
+                <a:ea typeface="+mn-ea"/>
+                <a:cs typeface="+mn-cs"/>
+              </a:defRPr>
+            </a:lvl8pPr>
+            <a:lvl9pPr marL="3657600" algn="l" defTabSz="914400" rtl="0" eaLnBrk="1" latinLnBrk="0" hangingPunct="1">
+              <a:defRPr kumimoji="1" sz="1800" kern="1200">
+                <a:solidFill>
+                  <a:schemeClr val="dk1"/>
+                </a:solidFill>
+                <a:latin typeface="+mn-lt"/>
+                <a:ea typeface="+mn-ea"/>
+                <a:cs typeface="+mn-cs"/>
+              </a:defRPr>
+            </a:lvl9pPr>
+          </a:lstStyle>
+          <a:p>
+            <a:pPr algn="ctr"/>
+            <a:endParaRPr kumimoji="1" lang="ja-JP" altLang="en-US"/>
+          </a:p>
+        </p:txBody>
+      </p:sp>
+      <p:sp>
+        <p:nvSpPr>
+          <p:cNvPr id="42" name="テキスト ボックス 50">
+            <a:extLst>
+              <a:ext uri="{FF2B5EF4-FFF2-40B4-BE49-F238E27FC236}">
+                <a16:creationId xmlns:a16="http://schemas.microsoft.com/office/drawing/2014/main" id="{CB9E42FE-60B3-6D0F-4766-B2DC2B9AA406}"/>
+              </a:ext>
+            </a:extLst>
+          </p:cNvPr>
+          <p:cNvSpPr txBox="1"/>
+          <p:nvPr/>
+        </p:nvSpPr>
+        <p:spPr>
+          <a:xfrm>
+            <a:off x="7589798" y="1607736"/>
+            <a:ext cx="3128212" cy="307777"/>
+          </a:xfrm>
+          <a:prstGeom prst="rect">
+            <a:avLst/>
+          </a:prstGeom>
+          <a:noFill/>
+        </p:spPr>
+        <p:txBody>
+          <a:bodyPr wrap="square">
+            <a:spAutoFit/>
+          </a:bodyPr>
+          <a:lstStyle>
+            <a:defPPr>
+              <a:defRPr lang="ja-JP"/>
+            </a:defPPr>
+            <a:lvl1pPr marL="0" algn="l" defTabSz="914400" rtl="0" eaLnBrk="1" latinLnBrk="0" hangingPunct="1">
+              <a:defRPr kumimoji="1" sz="1800" kern="1200">
+                <a:solidFill>
+                  <a:schemeClr val="tx1"/>
+                </a:solidFill>
+                <a:latin typeface="+mn-lt"/>
+                <a:ea typeface="+mn-ea"/>
+                <a:cs typeface="+mn-cs"/>
+              </a:defRPr>
+            </a:lvl1pPr>
+            <a:lvl2pPr marL="457200" algn="l" defTabSz="914400" rtl="0" eaLnBrk="1" latinLnBrk="0" hangingPunct="1">
+              <a:defRPr kumimoji="1" sz="1800" kern="1200">
+                <a:solidFill>
+                  <a:schemeClr val="tx1"/>
+                </a:solidFill>
+                <a:latin typeface="+mn-lt"/>
+                <a:ea typeface="+mn-ea"/>
+                <a:cs typeface="+mn-cs"/>
+              </a:defRPr>
+            </a:lvl2pPr>
+            <a:lvl3pPr marL="914400" algn="l" defTabSz="914400" rtl="0" eaLnBrk="1" latinLnBrk="0" hangingPunct="1">
+              <a:defRPr kumimoji="1" sz="1800" kern="1200">
+                <a:solidFill>
+                  <a:schemeClr val="tx1"/>
+                </a:solidFill>
+                <a:latin typeface="+mn-lt"/>
+                <a:ea typeface="+mn-ea"/>
+                <a:cs typeface="+mn-cs"/>
+              </a:defRPr>
+            </a:lvl3pPr>
+            <a:lvl4pPr marL="1371600" algn="l" defTabSz="914400" rtl="0" eaLnBrk="1" latinLnBrk="0" hangingPunct="1">
+              <a:defRPr kumimoji="1" sz="1800" kern="1200">
+                <a:solidFill>
+                  <a:schemeClr val="tx1"/>
+                </a:solidFill>
+                <a:latin typeface="+mn-lt"/>
+                <a:ea typeface="+mn-ea"/>
+                <a:cs typeface="+mn-cs"/>
+              </a:defRPr>
+            </a:lvl4pPr>
+            <a:lvl5pPr marL="1828800" algn="l" defTabSz="914400" rtl="0" eaLnBrk="1" latinLnBrk="0" hangingPunct="1">
+              <a:defRPr kumimoji="1" sz="1800" kern="1200">
+                <a:solidFill>
+                  <a:schemeClr val="tx1"/>
+                </a:solidFill>
+                <a:latin typeface="+mn-lt"/>
+                <a:ea typeface="+mn-ea"/>
+                <a:cs typeface="+mn-cs"/>
+              </a:defRPr>
+            </a:lvl5pPr>
+            <a:lvl6pPr marL="2286000" algn="l" defTabSz="914400" rtl="0" eaLnBrk="1" latinLnBrk="0" hangingPunct="1">
+              <a:defRPr kumimoji="1" sz="1800" kern="1200">
+                <a:solidFill>
+                  <a:schemeClr val="tx1"/>
+                </a:solidFill>
+                <a:latin typeface="+mn-lt"/>
+                <a:ea typeface="+mn-ea"/>
+                <a:cs typeface="+mn-cs"/>
+              </a:defRPr>
+            </a:lvl6pPr>
+            <a:lvl7pPr marL="2743200" algn="l" defTabSz="914400" rtl="0" eaLnBrk="1" latinLnBrk="0" hangingPunct="1">
+              <a:defRPr kumimoji="1" sz="1800" kern="1200">
+                <a:solidFill>
+                  <a:schemeClr val="tx1"/>
+                </a:solidFill>
+                <a:latin typeface="+mn-lt"/>
+                <a:ea typeface="+mn-ea"/>
+                <a:cs typeface="+mn-cs"/>
+              </a:defRPr>
+            </a:lvl7pPr>
+            <a:lvl8pPr marL="3200400" algn="l" defTabSz="914400" rtl="0" eaLnBrk="1" latinLnBrk="0" hangingPunct="1">
+              <a:defRPr kumimoji="1" sz="1800" kern="1200">
+                <a:solidFill>
+                  <a:schemeClr val="tx1"/>
+                </a:solidFill>
+                <a:latin typeface="+mn-lt"/>
+                <a:ea typeface="+mn-ea"/>
+                <a:cs typeface="+mn-cs"/>
+              </a:defRPr>
+            </a:lvl8pPr>
+            <a:lvl9pPr marL="3657600" algn="l" defTabSz="914400" rtl="0" eaLnBrk="1" latinLnBrk="0" hangingPunct="1">
+              <a:defRPr kumimoji="1" sz="1800" kern="1200">
+                <a:solidFill>
+                  <a:schemeClr val="tx1"/>
+                </a:solidFill>
+                <a:latin typeface="+mn-lt"/>
+                <a:ea typeface="+mn-ea"/>
+                <a:cs typeface="+mn-cs"/>
+              </a:defRPr>
+            </a:lvl9pPr>
+          </a:lstStyle>
+          <a:p>
+            <a:pPr algn="ctr"/>
+            <a:r>
+              <a:rPr kumimoji="1" lang="en-US" altLang="ja-JP" sz="1400" dirty="0"/>
+              <a:t>Developer Environment</a:t>
+            </a:r>
+            <a:endParaRPr kumimoji="1" lang="ja-JP" altLang="en-US" sz="1400" dirty="0"/>
+          </a:p>
+        </p:txBody>
+      </p:sp>
+      <p:sp>
+        <p:nvSpPr>
+          <p:cNvPr id="43" name="四角形: 角を丸くする 54">
+            <a:extLst>
+              <a:ext uri="{FF2B5EF4-FFF2-40B4-BE49-F238E27FC236}">
+                <a16:creationId xmlns:a16="http://schemas.microsoft.com/office/drawing/2014/main" id="{9E295280-3D1C-5BDA-0217-2C716CE83AC5}"/>
+              </a:ext>
+            </a:extLst>
+          </p:cNvPr>
+          <p:cNvSpPr/>
+          <p:nvPr/>
+        </p:nvSpPr>
+        <p:spPr>
+          <a:xfrm>
+            <a:off x="8445053" y="1868903"/>
+            <a:ext cx="1362075" cy="529070"/>
+          </a:xfrm>
+          <a:prstGeom prst="roundRect">
+            <a:avLst/>
+          </a:prstGeom>
+        </p:spPr>
+        <p:style>
+          <a:lnRef idx="1">
+            <a:schemeClr val="accent3"/>
+          </a:lnRef>
+          <a:fillRef idx="2">
+            <a:schemeClr val="accent3"/>
+          </a:fillRef>
+          <a:effectRef idx="1">
+            <a:schemeClr val="accent3"/>
+          </a:effectRef>
+          <a:fontRef idx="minor">
+            <a:schemeClr val="dk1"/>
+          </a:fontRef>
+        </p:style>
+        <p:txBody>
+          <a:bodyPr wrap="none" rtlCol="0" anchor="ctr"/>
+          <a:lstStyle>
+            <a:defPPr>
+              <a:defRPr lang="ja-JP"/>
+            </a:defPPr>
+            <a:lvl1pPr marL="0" algn="l" defTabSz="914400" rtl="0" eaLnBrk="1" latinLnBrk="0" hangingPunct="1">
+              <a:defRPr kumimoji="1" sz="1800" kern="1200">
+                <a:solidFill>
+                  <a:schemeClr val="dk1"/>
+                </a:solidFill>
+                <a:latin typeface="+mn-lt"/>
+                <a:ea typeface="+mn-ea"/>
+                <a:cs typeface="+mn-cs"/>
+              </a:defRPr>
+            </a:lvl1pPr>
+            <a:lvl2pPr marL="457200" algn="l" defTabSz="914400" rtl="0" eaLnBrk="1" latinLnBrk="0" hangingPunct="1">
+              <a:defRPr kumimoji="1" sz="1800" kern="1200">
+                <a:solidFill>
+                  <a:schemeClr val="dk1"/>
+                </a:solidFill>
+                <a:latin typeface="+mn-lt"/>
+                <a:ea typeface="+mn-ea"/>
+                <a:cs typeface="+mn-cs"/>
+              </a:defRPr>
+            </a:lvl2pPr>
+            <a:lvl3pPr marL="914400" algn="l" defTabSz="914400" rtl="0" eaLnBrk="1" latinLnBrk="0" hangingPunct="1">
+              <a:defRPr kumimoji="1" sz="1800" kern="1200">
+                <a:solidFill>
+                  <a:schemeClr val="dk1"/>
+                </a:solidFill>
+                <a:latin typeface="+mn-lt"/>
+                <a:ea typeface="+mn-ea"/>
+                <a:cs typeface="+mn-cs"/>
+              </a:defRPr>
+            </a:lvl3pPr>
+            <a:lvl4pPr marL="1371600" algn="l" defTabSz="914400" rtl="0" eaLnBrk="1" latinLnBrk="0" hangingPunct="1">
+              <a:defRPr kumimoji="1" sz="1800" kern="1200">
+                <a:solidFill>
+                  <a:schemeClr val="dk1"/>
+                </a:solidFill>
+                <a:latin typeface="+mn-lt"/>
+                <a:ea typeface="+mn-ea"/>
+                <a:cs typeface="+mn-cs"/>
+              </a:defRPr>
+            </a:lvl4pPr>
+            <a:lvl5pPr marL="1828800" algn="l" defTabSz="914400" rtl="0" eaLnBrk="1" latinLnBrk="0" hangingPunct="1">
+              <a:defRPr kumimoji="1" sz="1800" kern="1200">
+                <a:solidFill>
+                  <a:schemeClr val="dk1"/>
+                </a:solidFill>
+                <a:latin typeface="+mn-lt"/>
+                <a:ea typeface="+mn-ea"/>
+                <a:cs typeface="+mn-cs"/>
+              </a:defRPr>
+            </a:lvl5pPr>
+            <a:lvl6pPr marL="2286000" algn="l" defTabSz="914400" rtl="0" eaLnBrk="1" latinLnBrk="0" hangingPunct="1">
+              <a:defRPr kumimoji="1" sz="1800" kern="1200">
+                <a:solidFill>
+                  <a:schemeClr val="dk1"/>
+                </a:solidFill>
+                <a:latin typeface="+mn-lt"/>
+                <a:ea typeface="+mn-ea"/>
+                <a:cs typeface="+mn-cs"/>
+              </a:defRPr>
+            </a:lvl6pPr>
+            <a:lvl7pPr marL="2743200" algn="l" defTabSz="914400" rtl="0" eaLnBrk="1" latinLnBrk="0" hangingPunct="1">
+              <a:defRPr kumimoji="1" sz="1800" kern="1200">
+                <a:solidFill>
+                  <a:schemeClr val="dk1"/>
+                </a:solidFill>
+                <a:latin typeface="+mn-lt"/>
+                <a:ea typeface="+mn-ea"/>
+                <a:cs typeface="+mn-cs"/>
+              </a:defRPr>
+            </a:lvl7pPr>
+            <a:lvl8pPr marL="3200400" algn="l" defTabSz="914400" rtl="0" eaLnBrk="1" latinLnBrk="0" hangingPunct="1">
+              <a:defRPr kumimoji="1" sz="1800" kern="1200">
+                <a:solidFill>
+                  <a:schemeClr val="dk1"/>
+                </a:solidFill>
+                <a:latin typeface="+mn-lt"/>
+                <a:ea typeface="+mn-ea"/>
+                <a:cs typeface="+mn-cs"/>
+              </a:defRPr>
+            </a:lvl8pPr>
+            <a:lvl9pPr marL="3657600" algn="l" defTabSz="914400" rtl="0" eaLnBrk="1" latinLnBrk="0" hangingPunct="1">
+              <a:defRPr kumimoji="1" sz="1800" kern="1200">
+                <a:solidFill>
+                  <a:schemeClr val="dk1"/>
+                </a:solidFill>
+                <a:latin typeface="+mn-lt"/>
+                <a:ea typeface="+mn-ea"/>
+                <a:cs typeface="+mn-cs"/>
+              </a:defRPr>
+            </a:lvl9pPr>
+          </a:lstStyle>
+          <a:p>
+            <a:pPr algn="ctr"/>
+            <a:r>
+              <a:rPr kumimoji="1" lang="en-US" altLang="ja-JP" sz="1200" dirty="0"/>
+              <a:t>Canvas </a:t>
+            </a:r>
+            <a:r>
+              <a:rPr lang="en-US" altLang="ja-JP" sz="1200" dirty="0"/>
+              <a:t>App</a:t>
+            </a:r>
+          </a:p>
+          <a:p>
+            <a:pPr algn="ctr"/>
+            <a:r>
+              <a:rPr kumimoji="1" lang="en-US" altLang="ja-JP" sz="1200" dirty="0"/>
+              <a:t>Custom Connector</a:t>
+            </a:r>
+            <a:endParaRPr kumimoji="1" lang="ja-JP" altLang="en-US" sz="1200" dirty="0"/>
+          </a:p>
+        </p:txBody>
+      </p:sp>
+      <p:sp>
+        <p:nvSpPr>
+          <p:cNvPr id="44" name="四角形: 角を丸くする 48">
+            <a:extLst>
+              <a:ext uri="{FF2B5EF4-FFF2-40B4-BE49-F238E27FC236}">
+                <a16:creationId xmlns:a16="http://schemas.microsoft.com/office/drawing/2014/main" id="{19190AFE-B4F1-BA22-546F-CB83B6686299}"/>
+              </a:ext>
+            </a:extLst>
+          </p:cNvPr>
+          <p:cNvSpPr/>
+          <p:nvPr/>
+        </p:nvSpPr>
+        <p:spPr>
+          <a:xfrm>
+            <a:off x="10074570" y="688620"/>
+            <a:ext cx="1889335" cy="881481"/>
+          </a:xfrm>
+          <a:prstGeom prst="roundRect">
+            <a:avLst/>
+          </a:prstGeom>
+          <a:ln>
+            <a:solidFill>
+              <a:schemeClr val="accent5"/>
+            </a:solidFill>
+          </a:ln>
+        </p:spPr>
+        <p:style>
+          <a:lnRef idx="2">
+            <a:schemeClr val="accent2"/>
+          </a:lnRef>
+          <a:fillRef idx="1">
+            <a:schemeClr val="lt1"/>
+          </a:fillRef>
+          <a:effectRef idx="0">
+            <a:schemeClr val="accent2"/>
+          </a:effectRef>
+          <a:fontRef idx="minor">
+            <a:schemeClr val="dk1"/>
+          </a:fontRef>
+        </p:style>
+        <p:txBody>
+          <a:bodyPr rtlCol="0" anchor="ctr"/>
+          <a:lstStyle>
+            <a:defPPr>
+              <a:defRPr lang="ja-JP"/>
+            </a:defPPr>
+            <a:lvl1pPr marL="0" algn="l" defTabSz="914400" rtl="0" eaLnBrk="1" latinLnBrk="0" hangingPunct="1">
+              <a:defRPr kumimoji="1" sz="1800" kern="1200">
+                <a:solidFill>
+                  <a:schemeClr val="dk1"/>
+                </a:solidFill>
+                <a:latin typeface="+mn-lt"/>
+                <a:ea typeface="+mn-ea"/>
+                <a:cs typeface="+mn-cs"/>
+              </a:defRPr>
+            </a:lvl1pPr>
+            <a:lvl2pPr marL="457200" algn="l" defTabSz="914400" rtl="0" eaLnBrk="1" latinLnBrk="0" hangingPunct="1">
+              <a:defRPr kumimoji="1" sz="1800" kern="1200">
+                <a:solidFill>
+                  <a:schemeClr val="dk1"/>
+                </a:solidFill>
+                <a:latin typeface="+mn-lt"/>
+                <a:ea typeface="+mn-ea"/>
+                <a:cs typeface="+mn-cs"/>
+              </a:defRPr>
+            </a:lvl2pPr>
+            <a:lvl3pPr marL="914400" algn="l" defTabSz="914400" rtl="0" eaLnBrk="1" latinLnBrk="0" hangingPunct="1">
+              <a:defRPr kumimoji="1" sz="1800" kern="1200">
+                <a:solidFill>
+                  <a:schemeClr val="dk1"/>
+                </a:solidFill>
+                <a:latin typeface="+mn-lt"/>
+                <a:ea typeface="+mn-ea"/>
+                <a:cs typeface="+mn-cs"/>
+              </a:defRPr>
+            </a:lvl3pPr>
+            <a:lvl4pPr marL="1371600" algn="l" defTabSz="914400" rtl="0" eaLnBrk="1" latinLnBrk="0" hangingPunct="1">
+              <a:defRPr kumimoji="1" sz="1800" kern="1200">
+                <a:solidFill>
+                  <a:schemeClr val="dk1"/>
+                </a:solidFill>
+                <a:latin typeface="+mn-lt"/>
+                <a:ea typeface="+mn-ea"/>
+                <a:cs typeface="+mn-cs"/>
+              </a:defRPr>
+            </a:lvl4pPr>
+            <a:lvl5pPr marL="1828800" algn="l" defTabSz="914400" rtl="0" eaLnBrk="1" latinLnBrk="0" hangingPunct="1">
+              <a:defRPr kumimoji="1" sz="1800" kern="1200">
+                <a:solidFill>
+                  <a:schemeClr val="dk1"/>
+                </a:solidFill>
+                <a:latin typeface="+mn-lt"/>
+                <a:ea typeface="+mn-ea"/>
+                <a:cs typeface="+mn-cs"/>
+              </a:defRPr>
+            </a:lvl5pPr>
+            <a:lvl6pPr marL="2286000" algn="l" defTabSz="914400" rtl="0" eaLnBrk="1" latinLnBrk="0" hangingPunct="1">
+              <a:defRPr kumimoji="1" sz="1800" kern="1200">
+                <a:solidFill>
+                  <a:schemeClr val="dk1"/>
+                </a:solidFill>
+                <a:latin typeface="+mn-lt"/>
+                <a:ea typeface="+mn-ea"/>
+                <a:cs typeface="+mn-cs"/>
+              </a:defRPr>
+            </a:lvl6pPr>
+            <a:lvl7pPr marL="2743200" algn="l" defTabSz="914400" rtl="0" eaLnBrk="1" latinLnBrk="0" hangingPunct="1">
+              <a:defRPr kumimoji="1" sz="1800" kern="1200">
+                <a:solidFill>
+                  <a:schemeClr val="dk1"/>
+                </a:solidFill>
+                <a:latin typeface="+mn-lt"/>
+                <a:ea typeface="+mn-ea"/>
+                <a:cs typeface="+mn-cs"/>
+              </a:defRPr>
+            </a:lvl7pPr>
+            <a:lvl8pPr marL="3200400" algn="l" defTabSz="914400" rtl="0" eaLnBrk="1" latinLnBrk="0" hangingPunct="1">
+              <a:defRPr kumimoji="1" sz="1800" kern="1200">
+                <a:solidFill>
+                  <a:schemeClr val="dk1"/>
+                </a:solidFill>
+                <a:latin typeface="+mn-lt"/>
+                <a:ea typeface="+mn-ea"/>
+                <a:cs typeface="+mn-cs"/>
+              </a:defRPr>
+            </a:lvl8pPr>
+            <a:lvl9pPr marL="3657600" algn="l" defTabSz="914400" rtl="0" eaLnBrk="1" latinLnBrk="0" hangingPunct="1">
+              <a:defRPr kumimoji="1" sz="1800" kern="1200">
+                <a:solidFill>
+                  <a:schemeClr val="dk1"/>
+                </a:solidFill>
+                <a:latin typeface="+mn-lt"/>
+                <a:ea typeface="+mn-ea"/>
+                <a:cs typeface="+mn-cs"/>
+              </a:defRPr>
+            </a:lvl9pPr>
+          </a:lstStyle>
+          <a:p>
+            <a:pPr algn="ctr"/>
+            <a:endParaRPr kumimoji="1" lang="ja-JP" altLang="en-US"/>
+          </a:p>
+        </p:txBody>
+      </p:sp>
+      <p:sp>
+        <p:nvSpPr>
+          <p:cNvPr id="45" name="テキスト ボックス 50">
+            <a:extLst>
+              <a:ext uri="{FF2B5EF4-FFF2-40B4-BE49-F238E27FC236}">
+                <a16:creationId xmlns:a16="http://schemas.microsoft.com/office/drawing/2014/main" id="{4AD6A70E-7553-1A6B-9A47-7B5F35383055}"/>
+              </a:ext>
+            </a:extLst>
+          </p:cNvPr>
+          <p:cNvSpPr txBox="1"/>
+          <p:nvPr/>
+        </p:nvSpPr>
+        <p:spPr>
+          <a:xfrm>
+            <a:off x="9844101" y="712985"/>
+            <a:ext cx="2350272" cy="307777"/>
+          </a:xfrm>
+          <a:prstGeom prst="rect">
+            <a:avLst/>
+          </a:prstGeom>
+          <a:noFill/>
+        </p:spPr>
+        <p:txBody>
+          <a:bodyPr wrap="square">
+            <a:spAutoFit/>
+          </a:bodyPr>
+          <a:lstStyle>
+            <a:defPPr>
+              <a:defRPr lang="ja-JP"/>
+            </a:defPPr>
+            <a:lvl1pPr marL="0" algn="l" defTabSz="914400" rtl="0" eaLnBrk="1" latinLnBrk="0" hangingPunct="1">
+              <a:defRPr kumimoji="1" sz="1800" kern="1200">
+                <a:solidFill>
+                  <a:schemeClr val="tx1"/>
+                </a:solidFill>
+                <a:latin typeface="+mn-lt"/>
+                <a:ea typeface="+mn-ea"/>
+                <a:cs typeface="+mn-cs"/>
+              </a:defRPr>
+            </a:lvl1pPr>
+            <a:lvl2pPr marL="457200" algn="l" defTabSz="914400" rtl="0" eaLnBrk="1" latinLnBrk="0" hangingPunct="1">
+              <a:defRPr kumimoji="1" sz="1800" kern="1200">
+                <a:solidFill>
+                  <a:schemeClr val="tx1"/>
+                </a:solidFill>
+                <a:latin typeface="+mn-lt"/>
+                <a:ea typeface="+mn-ea"/>
+                <a:cs typeface="+mn-cs"/>
+              </a:defRPr>
+            </a:lvl2pPr>
+            <a:lvl3pPr marL="914400" algn="l" defTabSz="914400" rtl="0" eaLnBrk="1" latinLnBrk="0" hangingPunct="1">
+              <a:defRPr kumimoji="1" sz="1800" kern="1200">
+                <a:solidFill>
+                  <a:schemeClr val="tx1"/>
+                </a:solidFill>
+                <a:latin typeface="+mn-lt"/>
+                <a:ea typeface="+mn-ea"/>
+                <a:cs typeface="+mn-cs"/>
+              </a:defRPr>
+            </a:lvl3pPr>
+            <a:lvl4pPr marL="1371600" algn="l" defTabSz="914400" rtl="0" eaLnBrk="1" latinLnBrk="0" hangingPunct="1">
+              <a:defRPr kumimoji="1" sz="1800" kern="1200">
+                <a:solidFill>
+                  <a:schemeClr val="tx1"/>
+                </a:solidFill>
+                <a:latin typeface="+mn-lt"/>
+                <a:ea typeface="+mn-ea"/>
+                <a:cs typeface="+mn-cs"/>
+              </a:defRPr>
+            </a:lvl4pPr>
+            <a:lvl5pPr marL="1828800" algn="l" defTabSz="914400" rtl="0" eaLnBrk="1" latinLnBrk="0" hangingPunct="1">
+              <a:defRPr kumimoji="1" sz="1800" kern="1200">
+                <a:solidFill>
+                  <a:schemeClr val="tx1"/>
+                </a:solidFill>
+                <a:latin typeface="+mn-lt"/>
+                <a:ea typeface="+mn-ea"/>
+                <a:cs typeface="+mn-cs"/>
+              </a:defRPr>
+            </a:lvl5pPr>
+            <a:lvl6pPr marL="2286000" algn="l" defTabSz="914400" rtl="0" eaLnBrk="1" latinLnBrk="0" hangingPunct="1">
+              <a:defRPr kumimoji="1" sz="1800" kern="1200">
+                <a:solidFill>
+                  <a:schemeClr val="tx1"/>
+                </a:solidFill>
+                <a:latin typeface="+mn-lt"/>
+                <a:ea typeface="+mn-ea"/>
+                <a:cs typeface="+mn-cs"/>
+              </a:defRPr>
+            </a:lvl6pPr>
+            <a:lvl7pPr marL="2743200" algn="l" defTabSz="914400" rtl="0" eaLnBrk="1" latinLnBrk="0" hangingPunct="1">
+              <a:defRPr kumimoji="1" sz="1800" kern="1200">
+                <a:solidFill>
+                  <a:schemeClr val="tx1"/>
+                </a:solidFill>
+                <a:latin typeface="+mn-lt"/>
+                <a:ea typeface="+mn-ea"/>
+                <a:cs typeface="+mn-cs"/>
+              </a:defRPr>
+            </a:lvl7pPr>
+            <a:lvl8pPr marL="3200400" algn="l" defTabSz="914400" rtl="0" eaLnBrk="1" latinLnBrk="0" hangingPunct="1">
+              <a:defRPr kumimoji="1" sz="1800" kern="1200">
+                <a:solidFill>
+                  <a:schemeClr val="tx1"/>
+                </a:solidFill>
+                <a:latin typeface="+mn-lt"/>
+                <a:ea typeface="+mn-ea"/>
+                <a:cs typeface="+mn-cs"/>
+              </a:defRPr>
+            </a:lvl8pPr>
+            <a:lvl9pPr marL="3657600" algn="l" defTabSz="914400" rtl="0" eaLnBrk="1" latinLnBrk="0" hangingPunct="1">
+              <a:defRPr kumimoji="1" sz="1800" kern="1200">
+                <a:solidFill>
+                  <a:schemeClr val="tx1"/>
+                </a:solidFill>
+                <a:latin typeface="+mn-lt"/>
+                <a:ea typeface="+mn-ea"/>
+                <a:cs typeface="+mn-cs"/>
+              </a:defRPr>
+            </a:lvl9pPr>
+          </a:lstStyle>
+          <a:p>
+            <a:pPr algn="ctr"/>
+            <a:r>
+              <a:rPr kumimoji="1" lang="en-US" altLang="ja-JP" sz="1400" dirty="0"/>
+              <a:t>Developer Environment</a:t>
+            </a:r>
+            <a:endParaRPr kumimoji="1" lang="ja-JP" altLang="en-US" sz="1400" dirty="0"/>
+          </a:p>
+        </p:txBody>
+      </p:sp>
+      <p:sp>
+        <p:nvSpPr>
+          <p:cNvPr id="46" name="四角形: 角を丸くする 54">
+            <a:extLst>
+              <a:ext uri="{FF2B5EF4-FFF2-40B4-BE49-F238E27FC236}">
+                <a16:creationId xmlns:a16="http://schemas.microsoft.com/office/drawing/2014/main" id="{9F791CB7-E08B-2C15-D732-1E32EAB7CE66}"/>
+              </a:ext>
+            </a:extLst>
+          </p:cNvPr>
+          <p:cNvSpPr/>
+          <p:nvPr/>
+        </p:nvSpPr>
+        <p:spPr>
+          <a:xfrm>
+            <a:off x="10341913" y="974152"/>
+            <a:ext cx="1362075" cy="529070"/>
+          </a:xfrm>
+          <a:prstGeom prst="roundRect">
+            <a:avLst/>
+          </a:prstGeom>
+        </p:spPr>
+        <p:style>
+          <a:lnRef idx="1">
+            <a:schemeClr val="accent3"/>
+          </a:lnRef>
+          <a:fillRef idx="2">
+            <a:schemeClr val="accent3"/>
+          </a:fillRef>
+          <a:effectRef idx="1">
+            <a:schemeClr val="accent3"/>
+          </a:effectRef>
+          <a:fontRef idx="minor">
+            <a:schemeClr val="dk1"/>
+          </a:fontRef>
+        </p:style>
+        <p:txBody>
+          <a:bodyPr wrap="none" rtlCol="0" anchor="ctr"/>
+          <a:lstStyle>
+            <a:defPPr>
+              <a:defRPr lang="ja-JP"/>
+            </a:defPPr>
+            <a:lvl1pPr marL="0" algn="l" defTabSz="914400" rtl="0" eaLnBrk="1" latinLnBrk="0" hangingPunct="1">
+              <a:defRPr kumimoji="1" sz="1800" kern="1200">
+                <a:solidFill>
+                  <a:schemeClr val="dk1"/>
+                </a:solidFill>
+                <a:latin typeface="+mn-lt"/>
+                <a:ea typeface="+mn-ea"/>
+                <a:cs typeface="+mn-cs"/>
+              </a:defRPr>
+            </a:lvl1pPr>
+            <a:lvl2pPr marL="457200" algn="l" defTabSz="914400" rtl="0" eaLnBrk="1" latinLnBrk="0" hangingPunct="1">
+              <a:defRPr kumimoji="1" sz="1800" kern="1200">
+                <a:solidFill>
+                  <a:schemeClr val="dk1"/>
+                </a:solidFill>
+                <a:latin typeface="+mn-lt"/>
+                <a:ea typeface="+mn-ea"/>
+                <a:cs typeface="+mn-cs"/>
+              </a:defRPr>
+            </a:lvl2pPr>
+            <a:lvl3pPr marL="914400" algn="l" defTabSz="914400" rtl="0" eaLnBrk="1" latinLnBrk="0" hangingPunct="1">
+              <a:defRPr kumimoji="1" sz="1800" kern="1200">
+                <a:solidFill>
+                  <a:schemeClr val="dk1"/>
+                </a:solidFill>
+                <a:latin typeface="+mn-lt"/>
+                <a:ea typeface="+mn-ea"/>
+                <a:cs typeface="+mn-cs"/>
+              </a:defRPr>
+            </a:lvl3pPr>
+            <a:lvl4pPr marL="1371600" algn="l" defTabSz="914400" rtl="0" eaLnBrk="1" latinLnBrk="0" hangingPunct="1">
+              <a:defRPr kumimoji="1" sz="1800" kern="1200">
+                <a:solidFill>
+                  <a:schemeClr val="dk1"/>
+                </a:solidFill>
+                <a:latin typeface="+mn-lt"/>
+                <a:ea typeface="+mn-ea"/>
+                <a:cs typeface="+mn-cs"/>
+              </a:defRPr>
+            </a:lvl4pPr>
+            <a:lvl5pPr marL="1828800" algn="l" defTabSz="914400" rtl="0" eaLnBrk="1" latinLnBrk="0" hangingPunct="1">
+              <a:defRPr kumimoji="1" sz="1800" kern="1200">
+                <a:solidFill>
+                  <a:schemeClr val="dk1"/>
+                </a:solidFill>
+                <a:latin typeface="+mn-lt"/>
+                <a:ea typeface="+mn-ea"/>
+                <a:cs typeface="+mn-cs"/>
+              </a:defRPr>
+            </a:lvl5pPr>
+            <a:lvl6pPr marL="2286000" algn="l" defTabSz="914400" rtl="0" eaLnBrk="1" latinLnBrk="0" hangingPunct="1">
+              <a:defRPr kumimoji="1" sz="1800" kern="1200">
+                <a:solidFill>
+                  <a:schemeClr val="dk1"/>
+                </a:solidFill>
+                <a:latin typeface="+mn-lt"/>
+                <a:ea typeface="+mn-ea"/>
+                <a:cs typeface="+mn-cs"/>
+              </a:defRPr>
+            </a:lvl6pPr>
+            <a:lvl7pPr marL="2743200" algn="l" defTabSz="914400" rtl="0" eaLnBrk="1" latinLnBrk="0" hangingPunct="1">
+              <a:defRPr kumimoji="1" sz="1800" kern="1200">
+                <a:solidFill>
+                  <a:schemeClr val="dk1"/>
+                </a:solidFill>
+                <a:latin typeface="+mn-lt"/>
+                <a:ea typeface="+mn-ea"/>
+                <a:cs typeface="+mn-cs"/>
+              </a:defRPr>
+            </a:lvl7pPr>
+            <a:lvl8pPr marL="3200400" algn="l" defTabSz="914400" rtl="0" eaLnBrk="1" latinLnBrk="0" hangingPunct="1">
+              <a:defRPr kumimoji="1" sz="1800" kern="1200">
+                <a:solidFill>
+                  <a:schemeClr val="dk1"/>
+                </a:solidFill>
+                <a:latin typeface="+mn-lt"/>
+                <a:ea typeface="+mn-ea"/>
+                <a:cs typeface="+mn-cs"/>
+              </a:defRPr>
+            </a:lvl8pPr>
+            <a:lvl9pPr marL="3657600" algn="l" defTabSz="914400" rtl="0" eaLnBrk="1" latinLnBrk="0" hangingPunct="1">
+              <a:defRPr kumimoji="1" sz="1800" kern="1200">
+                <a:solidFill>
+                  <a:schemeClr val="dk1"/>
+                </a:solidFill>
+                <a:latin typeface="+mn-lt"/>
+                <a:ea typeface="+mn-ea"/>
+                <a:cs typeface="+mn-cs"/>
+              </a:defRPr>
+            </a:lvl9pPr>
+          </a:lstStyle>
+          <a:p>
+            <a:pPr algn="ctr"/>
+            <a:r>
+              <a:rPr kumimoji="1" lang="en-US" altLang="ja-JP" sz="1200" dirty="0"/>
+              <a:t>Canvas </a:t>
+            </a:r>
+            <a:r>
+              <a:rPr lang="en-US" altLang="ja-JP" sz="1200" dirty="0"/>
+              <a:t>App</a:t>
+            </a:r>
+          </a:p>
+          <a:p>
+            <a:pPr algn="ctr"/>
+            <a:r>
+              <a:rPr kumimoji="1" lang="en-US" altLang="ja-JP" sz="1200" dirty="0"/>
+              <a:t>Custom Connector</a:t>
+            </a:r>
+            <a:endParaRPr kumimoji="1" lang="ja-JP" altLang="en-US" sz="1200" dirty="0"/>
+          </a:p>
+        </p:txBody>
+      </p:sp>
+      <p:cxnSp>
+        <p:nvCxnSpPr>
+          <p:cNvPr id="47" name="直線矢印コネクタ 46">
+            <a:extLst>
+              <a:ext uri="{FF2B5EF4-FFF2-40B4-BE49-F238E27FC236}">
+                <a16:creationId xmlns:a16="http://schemas.microsoft.com/office/drawing/2014/main" id="{CDB43638-1272-2444-9747-94A9E01AE124}"/>
+              </a:ext>
+            </a:extLst>
+          </p:cNvPr>
+          <p:cNvCxnSpPr>
+            <a:cxnSpLocks/>
+          </p:cNvCxnSpPr>
+          <p:nvPr/>
+        </p:nvCxnSpPr>
+        <p:spPr>
+          <a:xfrm>
+            <a:off x="4520628" y="2100636"/>
+            <a:ext cx="3861042" cy="3632"/>
+          </a:xfrm>
+          <a:prstGeom prst="straightConnector1">
+            <a:avLst/>
+          </a:prstGeom>
+          <a:ln w="28575">
+            <a:solidFill>
+              <a:schemeClr val="accent4"/>
+            </a:solidFill>
+            <a:headEnd type="none" w="med" len="med"/>
+            <a:tailEnd type="arrow" w="med" len="med"/>
+          </a:ln>
+        </p:spPr>
+        <p:style>
+          <a:lnRef idx="1">
+            <a:schemeClr val="accent1"/>
+          </a:lnRef>
+          <a:fillRef idx="0">
+            <a:schemeClr val="accent1"/>
+          </a:fillRef>
+          <a:effectRef idx="0">
+            <a:schemeClr val="accent1"/>
+          </a:effectRef>
+          <a:fontRef idx="minor">
+            <a:schemeClr val="tx1"/>
+          </a:fontRef>
+        </p:style>
+      </p:cxnSp>
+      <p:cxnSp>
+        <p:nvCxnSpPr>
+          <p:cNvPr id="48" name="直線矢印コネクタ 47">
+            <a:extLst>
+              <a:ext uri="{FF2B5EF4-FFF2-40B4-BE49-F238E27FC236}">
+                <a16:creationId xmlns:a16="http://schemas.microsoft.com/office/drawing/2014/main" id="{FD2A9C52-3EB6-85A0-12B9-BCD67111EAF5}"/>
+              </a:ext>
+            </a:extLst>
+          </p:cNvPr>
+          <p:cNvCxnSpPr>
+            <a:cxnSpLocks/>
+          </p:cNvCxnSpPr>
+          <p:nvPr/>
+        </p:nvCxnSpPr>
+        <p:spPr>
+          <a:xfrm>
+            <a:off x="4495124" y="1192311"/>
+            <a:ext cx="5824243" cy="3632"/>
+          </a:xfrm>
+          <a:prstGeom prst="straightConnector1">
+            <a:avLst/>
+          </a:prstGeom>
+          <a:ln w="28575">
+            <a:solidFill>
+              <a:schemeClr val="accent5"/>
+            </a:solidFill>
+            <a:headEnd type="none" w="med" len="med"/>
+            <a:tailEnd type="arrow" w="med" len="med"/>
+          </a:ln>
+        </p:spPr>
+        <p:style>
+          <a:lnRef idx="1">
+            <a:schemeClr val="accent1"/>
+          </a:lnRef>
+          <a:fillRef idx="0">
+            <a:schemeClr val="accent1"/>
+          </a:fillRef>
+          <a:effectRef idx="0">
+            <a:schemeClr val="accent1"/>
+          </a:effectRef>
+          <a:fontRef idx="minor">
+            <a:schemeClr val="tx1"/>
+          </a:fontRef>
+        </p:style>
+      </p:cxnSp>
+      <p:sp>
+        <p:nvSpPr>
+          <p:cNvPr id="50" name="屈折矢印 49">
+            <a:extLst>
+              <a:ext uri="{FF2B5EF4-FFF2-40B4-BE49-F238E27FC236}">
+                <a16:creationId xmlns:a16="http://schemas.microsoft.com/office/drawing/2014/main" id="{473DFFDE-0284-4F6E-DEC4-D869EAE1B071}"/>
+              </a:ext>
+            </a:extLst>
+          </p:cNvPr>
+          <p:cNvSpPr/>
+          <p:nvPr/>
+        </p:nvSpPr>
+        <p:spPr>
+          <a:xfrm rot="5400000">
+            <a:off x="1837668" y="1317094"/>
+            <a:ext cx="3443323" cy="5073342"/>
+          </a:xfrm>
+          <a:prstGeom prst="bentUpArrow">
+            <a:avLst>
+              <a:gd name="adj1" fmla="val 6685"/>
+              <a:gd name="adj2" fmla="val 7754"/>
+              <a:gd name="adj3" fmla="val 9738"/>
+            </a:avLst>
+          </a:prstGeom>
+        </p:spPr>
+        <p:style>
+          <a:lnRef idx="1">
+            <a:schemeClr val="accent6"/>
+          </a:lnRef>
+          <a:fillRef idx="2">
+            <a:schemeClr val="accent6"/>
+          </a:fillRef>
+          <a:effectRef idx="1">
+            <a:schemeClr val="accent6"/>
+          </a:effectRef>
+          <a:fontRef idx="minor">
+            <a:schemeClr val="dk1"/>
+          </a:fontRef>
+        </p:style>
+        <p:txBody>
+          <a:bodyPr rtlCol="0" anchor="ctr"/>
+          <a:lstStyle/>
+          <a:p>
+            <a:pPr algn="ctr"/>
+            <a:endParaRPr kumimoji="1" lang="ja-JP" altLang="en-US"/>
+          </a:p>
+        </p:txBody>
+      </p:sp>
+      <p:sp>
+        <p:nvSpPr>
+          <p:cNvPr id="51" name="四角形: 角を丸くする 73">
+            <a:extLst>
+              <a:ext uri="{FF2B5EF4-FFF2-40B4-BE49-F238E27FC236}">
+                <a16:creationId xmlns:a16="http://schemas.microsoft.com/office/drawing/2014/main" id="{E953E5A2-E7EA-387A-168A-5AE2DF062591}"/>
+              </a:ext>
+            </a:extLst>
+          </p:cNvPr>
+          <p:cNvSpPr/>
+          <p:nvPr/>
+        </p:nvSpPr>
+        <p:spPr>
+          <a:xfrm>
+            <a:off x="8658980" y="5320813"/>
+            <a:ext cx="1023347" cy="529070"/>
+          </a:xfrm>
+          <a:prstGeom prst="roundRect">
+            <a:avLst/>
+          </a:prstGeom>
+        </p:spPr>
+        <p:style>
+          <a:lnRef idx="1">
+            <a:schemeClr val="accent3"/>
+          </a:lnRef>
+          <a:fillRef idx="2">
+            <a:schemeClr val="accent3"/>
+          </a:fillRef>
+          <a:effectRef idx="1">
+            <a:schemeClr val="accent3"/>
+          </a:effectRef>
+          <a:fontRef idx="minor">
+            <a:schemeClr val="dk1"/>
+          </a:fontRef>
+        </p:style>
+        <p:txBody>
+          <a:bodyPr rtlCol="0" anchor="ctr"/>
+          <a:lstStyle>
+            <a:defPPr>
+              <a:defRPr lang="ja-JP"/>
+            </a:defPPr>
+            <a:lvl1pPr marL="0" algn="l" defTabSz="914400" rtl="0" eaLnBrk="1" latinLnBrk="0" hangingPunct="1">
+              <a:defRPr kumimoji="1" sz="1800" kern="1200">
+                <a:solidFill>
+                  <a:schemeClr val="dk1"/>
+                </a:solidFill>
+                <a:latin typeface="+mn-lt"/>
+                <a:ea typeface="+mn-ea"/>
+                <a:cs typeface="+mn-cs"/>
+              </a:defRPr>
+            </a:lvl1pPr>
+            <a:lvl2pPr marL="457200" algn="l" defTabSz="914400" rtl="0" eaLnBrk="1" latinLnBrk="0" hangingPunct="1">
+              <a:defRPr kumimoji="1" sz="1800" kern="1200">
+                <a:solidFill>
+                  <a:schemeClr val="dk1"/>
+                </a:solidFill>
+                <a:latin typeface="+mn-lt"/>
+                <a:ea typeface="+mn-ea"/>
+                <a:cs typeface="+mn-cs"/>
+              </a:defRPr>
+            </a:lvl2pPr>
+            <a:lvl3pPr marL="914400" algn="l" defTabSz="914400" rtl="0" eaLnBrk="1" latinLnBrk="0" hangingPunct="1">
+              <a:defRPr kumimoji="1" sz="1800" kern="1200">
+                <a:solidFill>
+                  <a:schemeClr val="dk1"/>
+                </a:solidFill>
+                <a:latin typeface="+mn-lt"/>
+                <a:ea typeface="+mn-ea"/>
+                <a:cs typeface="+mn-cs"/>
+              </a:defRPr>
+            </a:lvl3pPr>
+            <a:lvl4pPr marL="1371600" algn="l" defTabSz="914400" rtl="0" eaLnBrk="1" latinLnBrk="0" hangingPunct="1">
+              <a:defRPr kumimoji="1" sz="1800" kern="1200">
+                <a:solidFill>
+                  <a:schemeClr val="dk1"/>
+                </a:solidFill>
+                <a:latin typeface="+mn-lt"/>
+                <a:ea typeface="+mn-ea"/>
+                <a:cs typeface="+mn-cs"/>
+              </a:defRPr>
+            </a:lvl4pPr>
+            <a:lvl5pPr marL="1828800" algn="l" defTabSz="914400" rtl="0" eaLnBrk="1" latinLnBrk="0" hangingPunct="1">
+              <a:defRPr kumimoji="1" sz="1800" kern="1200">
+                <a:solidFill>
+                  <a:schemeClr val="dk1"/>
+                </a:solidFill>
+                <a:latin typeface="+mn-lt"/>
+                <a:ea typeface="+mn-ea"/>
+                <a:cs typeface="+mn-cs"/>
+              </a:defRPr>
+            </a:lvl5pPr>
+            <a:lvl6pPr marL="2286000" algn="l" defTabSz="914400" rtl="0" eaLnBrk="1" latinLnBrk="0" hangingPunct="1">
+              <a:defRPr kumimoji="1" sz="1800" kern="1200">
+                <a:solidFill>
+                  <a:schemeClr val="dk1"/>
+                </a:solidFill>
+                <a:latin typeface="+mn-lt"/>
+                <a:ea typeface="+mn-ea"/>
+                <a:cs typeface="+mn-cs"/>
+              </a:defRPr>
+            </a:lvl6pPr>
+            <a:lvl7pPr marL="2743200" algn="l" defTabSz="914400" rtl="0" eaLnBrk="1" latinLnBrk="0" hangingPunct="1">
+              <a:defRPr kumimoji="1" sz="1800" kern="1200">
+                <a:solidFill>
+                  <a:schemeClr val="dk1"/>
+                </a:solidFill>
+                <a:latin typeface="+mn-lt"/>
+                <a:ea typeface="+mn-ea"/>
+                <a:cs typeface="+mn-cs"/>
+              </a:defRPr>
+            </a:lvl7pPr>
+            <a:lvl8pPr marL="3200400" algn="l" defTabSz="914400" rtl="0" eaLnBrk="1" latinLnBrk="0" hangingPunct="1">
+              <a:defRPr kumimoji="1" sz="1800" kern="1200">
+                <a:solidFill>
+                  <a:schemeClr val="dk1"/>
+                </a:solidFill>
+                <a:latin typeface="+mn-lt"/>
+                <a:ea typeface="+mn-ea"/>
+                <a:cs typeface="+mn-cs"/>
+              </a:defRPr>
+            </a:lvl8pPr>
+            <a:lvl9pPr marL="3657600" algn="l" defTabSz="914400" rtl="0" eaLnBrk="1" latinLnBrk="0" hangingPunct="1">
+              <a:defRPr kumimoji="1" sz="1800" kern="1200">
+                <a:solidFill>
+                  <a:schemeClr val="dk1"/>
+                </a:solidFill>
+                <a:latin typeface="+mn-lt"/>
+                <a:ea typeface="+mn-ea"/>
+                <a:cs typeface="+mn-cs"/>
+              </a:defRPr>
+            </a:lvl9pPr>
+          </a:lstStyle>
+          <a:p>
+            <a:pPr algn="ctr"/>
+            <a:r>
+              <a:rPr kumimoji="1" lang="en-US" altLang="ja-JP" sz="1200" dirty="0"/>
+              <a:t>App or Data</a:t>
+            </a:r>
+            <a:endParaRPr kumimoji="1" lang="ja-JP" altLang="en-US" sz="1200" dirty="0"/>
+          </a:p>
+        </p:txBody>
+      </p:sp>
+      <p:sp>
+        <p:nvSpPr>
+          <p:cNvPr id="52" name="四角形: 角を丸くする 73">
+            <a:extLst>
+              <a:ext uri="{FF2B5EF4-FFF2-40B4-BE49-F238E27FC236}">
+                <a16:creationId xmlns:a16="http://schemas.microsoft.com/office/drawing/2014/main" id="{669E63BB-0E95-CB23-7F26-0DD7C3A7B3CD}"/>
+              </a:ext>
+            </a:extLst>
+          </p:cNvPr>
+          <p:cNvSpPr/>
+          <p:nvPr/>
+        </p:nvSpPr>
+        <p:spPr>
+          <a:xfrm>
+            <a:off x="10548315" y="5320813"/>
+            <a:ext cx="1023347" cy="529070"/>
+          </a:xfrm>
+          <a:prstGeom prst="roundRect">
+            <a:avLst/>
+          </a:prstGeom>
+        </p:spPr>
+        <p:style>
+          <a:lnRef idx="1">
+            <a:schemeClr val="accent3"/>
+          </a:lnRef>
+          <a:fillRef idx="2">
+            <a:schemeClr val="accent3"/>
+          </a:fillRef>
+          <a:effectRef idx="1">
+            <a:schemeClr val="accent3"/>
+          </a:effectRef>
+          <a:fontRef idx="minor">
+            <a:schemeClr val="dk1"/>
+          </a:fontRef>
+        </p:style>
+        <p:txBody>
+          <a:bodyPr rtlCol="0" anchor="ctr"/>
+          <a:lstStyle>
+            <a:defPPr>
+              <a:defRPr lang="ja-JP"/>
+            </a:defPPr>
+            <a:lvl1pPr marL="0" algn="l" defTabSz="914400" rtl="0" eaLnBrk="1" latinLnBrk="0" hangingPunct="1">
+              <a:defRPr kumimoji="1" sz="1800" kern="1200">
+                <a:solidFill>
+                  <a:schemeClr val="dk1"/>
+                </a:solidFill>
+                <a:latin typeface="+mn-lt"/>
+                <a:ea typeface="+mn-ea"/>
+                <a:cs typeface="+mn-cs"/>
+              </a:defRPr>
+            </a:lvl1pPr>
+            <a:lvl2pPr marL="457200" algn="l" defTabSz="914400" rtl="0" eaLnBrk="1" latinLnBrk="0" hangingPunct="1">
+              <a:defRPr kumimoji="1" sz="1800" kern="1200">
+                <a:solidFill>
+                  <a:schemeClr val="dk1"/>
+                </a:solidFill>
+                <a:latin typeface="+mn-lt"/>
+                <a:ea typeface="+mn-ea"/>
+                <a:cs typeface="+mn-cs"/>
+              </a:defRPr>
+            </a:lvl2pPr>
+            <a:lvl3pPr marL="914400" algn="l" defTabSz="914400" rtl="0" eaLnBrk="1" latinLnBrk="0" hangingPunct="1">
+              <a:defRPr kumimoji="1" sz="1800" kern="1200">
+                <a:solidFill>
+                  <a:schemeClr val="dk1"/>
+                </a:solidFill>
+                <a:latin typeface="+mn-lt"/>
+                <a:ea typeface="+mn-ea"/>
+                <a:cs typeface="+mn-cs"/>
+              </a:defRPr>
+            </a:lvl3pPr>
+            <a:lvl4pPr marL="1371600" algn="l" defTabSz="914400" rtl="0" eaLnBrk="1" latinLnBrk="0" hangingPunct="1">
+              <a:defRPr kumimoji="1" sz="1800" kern="1200">
+                <a:solidFill>
+                  <a:schemeClr val="dk1"/>
+                </a:solidFill>
+                <a:latin typeface="+mn-lt"/>
+                <a:ea typeface="+mn-ea"/>
+                <a:cs typeface="+mn-cs"/>
+              </a:defRPr>
+            </a:lvl4pPr>
+            <a:lvl5pPr marL="1828800" algn="l" defTabSz="914400" rtl="0" eaLnBrk="1" latinLnBrk="0" hangingPunct="1">
+              <a:defRPr kumimoji="1" sz="1800" kern="1200">
+                <a:solidFill>
+                  <a:schemeClr val="dk1"/>
+                </a:solidFill>
+                <a:latin typeface="+mn-lt"/>
+                <a:ea typeface="+mn-ea"/>
+                <a:cs typeface="+mn-cs"/>
+              </a:defRPr>
+            </a:lvl5pPr>
+            <a:lvl6pPr marL="2286000" algn="l" defTabSz="914400" rtl="0" eaLnBrk="1" latinLnBrk="0" hangingPunct="1">
+              <a:defRPr kumimoji="1" sz="1800" kern="1200">
+                <a:solidFill>
+                  <a:schemeClr val="dk1"/>
+                </a:solidFill>
+                <a:latin typeface="+mn-lt"/>
+                <a:ea typeface="+mn-ea"/>
+                <a:cs typeface="+mn-cs"/>
+              </a:defRPr>
+            </a:lvl6pPr>
+            <a:lvl7pPr marL="2743200" algn="l" defTabSz="914400" rtl="0" eaLnBrk="1" latinLnBrk="0" hangingPunct="1">
+              <a:defRPr kumimoji="1" sz="1800" kern="1200">
+                <a:solidFill>
+                  <a:schemeClr val="dk1"/>
+                </a:solidFill>
+                <a:latin typeface="+mn-lt"/>
+                <a:ea typeface="+mn-ea"/>
+                <a:cs typeface="+mn-cs"/>
+              </a:defRPr>
+            </a:lvl7pPr>
+            <a:lvl8pPr marL="3200400" algn="l" defTabSz="914400" rtl="0" eaLnBrk="1" latinLnBrk="0" hangingPunct="1">
+              <a:defRPr kumimoji="1" sz="1800" kern="1200">
+                <a:solidFill>
+                  <a:schemeClr val="dk1"/>
+                </a:solidFill>
+                <a:latin typeface="+mn-lt"/>
+                <a:ea typeface="+mn-ea"/>
+                <a:cs typeface="+mn-cs"/>
+              </a:defRPr>
+            </a:lvl8pPr>
+            <a:lvl9pPr marL="3657600" algn="l" defTabSz="914400" rtl="0" eaLnBrk="1" latinLnBrk="0" hangingPunct="1">
+              <a:defRPr kumimoji="1" sz="1800" kern="1200">
+                <a:solidFill>
+                  <a:schemeClr val="dk1"/>
+                </a:solidFill>
+                <a:latin typeface="+mn-lt"/>
+                <a:ea typeface="+mn-ea"/>
+                <a:cs typeface="+mn-cs"/>
+              </a:defRPr>
+            </a:lvl9pPr>
+          </a:lstStyle>
+          <a:p>
+            <a:pPr algn="ctr"/>
+            <a:r>
+              <a:rPr kumimoji="1" lang="en-US" altLang="ja-JP" sz="1200" dirty="0"/>
+              <a:t>App or Data</a:t>
+            </a:r>
+            <a:endParaRPr kumimoji="1" lang="ja-JP" altLang="en-US" sz="1200" dirty="0"/>
+          </a:p>
+        </p:txBody>
+      </p:sp>
+      <p:sp>
+        <p:nvSpPr>
+          <p:cNvPr id="53" name="テキスト ボックス 68">
+            <a:extLst>
+              <a:ext uri="{FF2B5EF4-FFF2-40B4-BE49-F238E27FC236}">
+                <a16:creationId xmlns:a16="http://schemas.microsoft.com/office/drawing/2014/main" id="{1B7A7CB7-1A74-3B91-DD00-C389018E7590}"/>
+              </a:ext>
+            </a:extLst>
+          </p:cNvPr>
+          <p:cNvSpPr txBox="1"/>
+          <p:nvPr/>
+        </p:nvSpPr>
+        <p:spPr>
+          <a:xfrm>
+            <a:off x="5807605" y="6119123"/>
+            <a:ext cx="3188180" cy="307777"/>
+          </a:xfrm>
+          <a:prstGeom prst="rect">
+            <a:avLst/>
+          </a:prstGeom>
+          <a:noFill/>
+        </p:spPr>
+        <p:txBody>
+          <a:bodyPr wrap="square">
+            <a:spAutoFit/>
+          </a:bodyPr>
+          <a:lstStyle>
+            <a:defPPr>
+              <a:defRPr lang="ja-JP"/>
+            </a:defPPr>
+            <a:lvl1pPr marL="0" algn="l" defTabSz="914400" rtl="0" eaLnBrk="1" latinLnBrk="0" hangingPunct="1">
+              <a:defRPr kumimoji="1" sz="1800" kern="1200">
+                <a:solidFill>
+                  <a:schemeClr val="tx1"/>
+                </a:solidFill>
+                <a:latin typeface="+mn-lt"/>
+                <a:ea typeface="+mn-ea"/>
+                <a:cs typeface="+mn-cs"/>
+              </a:defRPr>
+            </a:lvl1pPr>
+            <a:lvl2pPr marL="457200" algn="l" defTabSz="914400" rtl="0" eaLnBrk="1" latinLnBrk="0" hangingPunct="1">
+              <a:defRPr kumimoji="1" sz="1800" kern="1200">
+                <a:solidFill>
+                  <a:schemeClr val="tx1"/>
+                </a:solidFill>
+                <a:latin typeface="+mn-lt"/>
+                <a:ea typeface="+mn-ea"/>
+                <a:cs typeface="+mn-cs"/>
+              </a:defRPr>
+            </a:lvl2pPr>
+            <a:lvl3pPr marL="914400" algn="l" defTabSz="914400" rtl="0" eaLnBrk="1" latinLnBrk="0" hangingPunct="1">
+              <a:defRPr kumimoji="1" sz="1800" kern="1200">
+                <a:solidFill>
+                  <a:schemeClr val="tx1"/>
+                </a:solidFill>
+                <a:latin typeface="+mn-lt"/>
+                <a:ea typeface="+mn-ea"/>
+                <a:cs typeface="+mn-cs"/>
+              </a:defRPr>
+            </a:lvl3pPr>
+            <a:lvl4pPr marL="1371600" algn="l" defTabSz="914400" rtl="0" eaLnBrk="1" latinLnBrk="0" hangingPunct="1">
+              <a:defRPr kumimoji="1" sz="1800" kern="1200">
+                <a:solidFill>
+                  <a:schemeClr val="tx1"/>
+                </a:solidFill>
+                <a:latin typeface="+mn-lt"/>
+                <a:ea typeface="+mn-ea"/>
+                <a:cs typeface="+mn-cs"/>
+              </a:defRPr>
+            </a:lvl4pPr>
+            <a:lvl5pPr marL="1828800" algn="l" defTabSz="914400" rtl="0" eaLnBrk="1" latinLnBrk="0" hangingPunct="1">
+              <a:defRPr kumimoji="1" sz="1800" kern="1200">
+                <a:solidFill>
+                  <a:schemeClr val="tx1"/>
+                </a:solidFill>
+                <a:latin typeface="+mn-lt"/>
+                <a:ea typeface="+mn-ea"/>
+                <a:cs typeface="+mn-cs"/>
+              </a:defRPr>
+            </a:lvl5pPr>
+            <a:lvl6pPr marL="2286000" algn="l" defTabSz="914400" rtl="0" eaLnBrk="1" latinLnBrk="0" hangingPunct="1">
+              <a:defRPr kumimoji="1" sz="1800" kern="1200">
+                <a:solidFill>
+                  <a:schemeClr val="tx1"/>
+                </a:solidFill>
+                <a:latin typeface="+mn-lt"/>
+                <a:ea typeface="+mn-ea"/>
+                <a:cs typeface="+mn-cs"/>
+              </a:defRPr>
+            </a:lvl6pPr>
+            <a:lvl7pPr marL="2743200" algn="l" defTabSz="914400" rtl="0" eaLnBrk="1" latinLnBrk="0" hangingPunct="1">
+              <a:defRPr kumimoji="1" sz="1800" kern="1200">
+                <a:solidFill>
+                  <a:schemeClr val="tx1"/>
+                </a:solidFill>
+                <a:latin typeface="+mn-lt"/>
+                <a:ea typeface="+mn-ea"/>
+                <a:cs typeface="+mn-cs"/>
+              </a:defRPr>
+            </a:lvl7pPr>
+            <a:lvl8pPr marL="3200400" algn="l" defTabSz="914400" rtl="0" eaLnBrk="1" latinLnBrk="0" hangingPunct="1">
+              <a:defRPr kumimoji="1" sz="1800" kern="1200">
+                <a:solidFill>
+                  <a:schemeClr val="tx1"/>
+                </a:solidFill>
+                <a:latin typeface="+mn-lt"/>
+                <a:ea typeface="+mn-ea"/>
+                <a:cs typeface="+mn-cs"/>
+              </a:defRPr>
+            </a:lvl8pPr>
+            <a:lvl9pPr marL="3657600" algn="l" defTabSz="914400" rtl="0" eaLnBrk="1" latinLnBrk="0" hangingPunct="1">
+              <a:defRPr kumimoji="1" sz="1800" kern="1200">
+                <a:solidFill>
+                  <a:schemeClr val="tx1"/>
+                </a:solidFill>
+                <a:latin typeface="+mn-lt"/>
+                <a:ea typeface="+mn-ea"/>
+                <a:cs typeface="+mn-cs"/>
+              </a:defRPr>
+            </a:lvl9pPr>
+          </a:lstStyle>
+          <a:p>
+            <a:pPr algn="ctr"/>
+            <a:r>
+              <a:rPr kumimoji="1" lang="ja-JP" altLang="en-US" sz="1400"/>
+              <a:t>リソースグループ単位で分離</a:t>
+            </a:r>
+            <a:endParaRPr kumimoji="1" lang="ja-JP" altLang="en-US" sz="1400" dirty="0"/>
+          </a:p>
+        </p:txBody>
+      </p:sp>
+      <p:cxnSp>
+        <p:nvCxnSpPr>
+          <p:cNvPr id="54" name="直線矢印コネクタ 53">
+            <a:extLst>
+              <a:ext uri="{FF2B5EF4-FFF2-40B4-BE49-F238E27FC236}">
+                <a16:creationId xmlns:a16="http://schemas.microsoft.com/office/drawing/2014/main" id="{9B6315DC-4A03-34D8-6A35-5622594759EA}"/>
+              </a:ext>
+            </a:extLst>
+          </p:cNvPr>
+          <p:cNvCxnSpPr>
+            <a:cxnSpLocks/>
+          </p:cNvCxnSpPr>
+          <p:nvPr/>
+        </p:nvCxnSpPr>
+        <p:spPr>
+          <a:xfrm>
+            <a:off x="4384139" y="3307410"/>
+            <a:ext cx="2305152" cy="1987550"/>
+          </a:xfrm>
+          <a:prstGeom prst="straightConnector1">
+            <a:avLst/>
+          </a:prstGeom>
+          <a:ln w="28575">
+            <a:solidFill>
+              <a:schemeClr val="accent2"/>
+            </a:solidFill>
+            <a:headEnd type="none" w="med" len="med"/>
+            <a:tailEnd type="arrow" w="med" len="med"/>
+          </a:ln>
+        </p:spPr>
+        <p:style>
+          <a:lnRef idx="1">
+            <a:schemeClr val="accent1"/>
+          </a:lnRef>
+          <a:fillRef idx="0">
+            <a:schemeClr val="accent1"/>
+          </a:fillRef>
+          <a:effectRef idx="0">
+            <a:schemeClr val="accent1"/>
+          </a:effectRef>
+          <a:fontRef idx="minor">
+            <a:schemeClr val="tx1"/>
+          </a:fontRef>
+        </p:style>
+      </p:cxnSp>
+      <p:sp>
+        <p:nvSpPr>
+          <p:cNvPr id="57" name="四角形: 角を丸くする 48">
+            <a:extLst>
+              <a:ext uri="{FF2B5EF4-FFF2-40B4-BE49-F238E27FC236}">
+                <a16:creationId xmlns:a16="http://schemas.microsoft.com/office/drawing/2014/main" id="{4A01C8F8-DF11-3B1C-EF1C-A284DC696C2B}"/>
+              </a:ext>
+            </a:extLst>
+          </p:cNvPr>
+          <p:cNvSpPr/>
+          <p:nvPr/>
+        </p:nvSpPr>
+        <p:spPr>
+          <a:xfrm>
+            <a:off x="8203704" y="5113340"/>
+            <a:ext cx="1889335" cy="881481"/>
+          </a:xfrm>
+          <a:prstGeom prst="roundRect">
+            <a:avLst/>
+          </a:prstGeom>
+          <a:noFill/>
+          <a:ln w="28575">
+            <a:solidFill>
+              <a:schemeClr val="accent4"/>
+            </a:solidFill>
+            <a:prstDash val="solid"/>
+          </a:ln>
+        </p:spPr>
+        <p:style>
+          <a:lnRef idx="2">
+            <a:schemeClr val="accent2"/>
+          </a:lnRef>
+          <a:fillRef idx="1">
+            <a:schemeClr val="lt1"/>
+          </a:fillRef>
+          <a:effectRef idx="0">
+            <a:schemeClr val="accent2"/>
+          </a:effectRef>
+          <a:fontRef idx="minor">
+            <a:schemeClr val="dk1"/>
+          </a:fontRef>
+        </p:style>
+        <p:txBody>
+          <a:bodyPr rtlCol="0" anchor="ctr"/>
+          <a:lstStyle>
+            <a:defPPr>
+              <a:defRPr lang="ja-JP"/>
+            </a:defPPr>
+            <a:lvl1pPr marL="0" algn="l" defTabSz="914400" rtl="0" eaLnBrk="1" latinLnBrk="0" hangingPunct="1">
+              <a:defRPr kumimoji="1" sz="1800" kern="1200">
+                <a:solidFill>
+                  <a:schemeClr val="dk1"/>
+                </a:solidFill>
+                <a:latin typeface="+mn-lt"/>
+                <a:ea typeface="+mn-ea"/>
+                <a:cs typeface="+mn-cs"/>
+              </a:defRPr>
+            </a:lvl1pPr>
+            <a:lvl2pPr marL="457200" algn="l" defTabSz="914400" rtl="0" eaLnBrk="1" latinLnBrk="0" hangingPunct="1">
+              <a:defRPr kumimoji="1" sz="1800" kern="1200">
+                <a:solidFill>
+                  <a:schemeClr val="dk1"/>
+                </a:solidFill>
+                <a:latin typeface="+mn-lt"/>
+                <a:ea typeface="+mn-ea"/>
+                <a:cs typeface="+mn-cs"/>
+              </a:defRPr>
+            </a:lvl2pPr>
+            <a:lvl3pPr marL="914400" algn="l" defTabSz="914400" rtl="0" eaLnBrk="1" latinLnBrk="0" hangingPunct="1">
+              <a:defRPr kumimoji="1" sz="1800" kern="1200">
+                <a:solidFill>
+                  <a:schemeClr val="dk1"/>
+                </a:solidFill>
+                <a:latin typeface="+mn-lt"/>
+                <a:ea typeface="+mn-ea"/>
+                <a:cs typeface="+mn-cs"/>
+              </a:defRPr>
+            </a:lvl3pPr>
+            <a:lvl4pPr marL="1371600" algn="l" defTabSz="914400" rtl="0" eaLnBrk="1" latinLnBrk="0" hangingPunct="1">
+              <a:defRPr kumimoji="1" sz="1800" kern="1200">
+                <a:solidFill>
+                  <a:schemeClr val="dk1"/>
+                </a:solidFill>
+                <a:latin typeface="+mn-lt"/>
+                <a:ea typeface="+mn-ea"/>
+                <a:cs typeface="+mn-cs"/>
+              </a:defRPr>
+            </a:lvl4pPr>
+            <a:lvl5pPr marL="1828800" algn="l" defTabSz="914400" rtl="0" eaLnBrk="1" latinLnBrk="0" hangingPunct="1">
+              <a:defRPr kumimoji="1" sz="1800" kern="1200">
+                <a:solidFill>
+                  <a:schemeClr val="dk1"/>
+                </a:solidFill>
+                <a:latin typeface="+mn-lt"/>
+                <a:ea typeface="+mn-ea"/>
+                <a:cs typeface="+mn-cs"/>
+              </a:defRPr>
+            </a:lvl5pPr>
+            <a:lvl6pPr marL="2286000" algn="l" defTabSz="914400" rtl="0" eaLnBrk="1" latinLnBrk="0" hangingPunct="1">
+              <a:defRPr kumimoji="1" sz="1800" kern="1200">
+                <a:solidFill>
+                  <a:schemeClr val="dk1"/>
+                </a:solidFill>
+                <a:latin typeface="+mn-lt"/>
+                <a:ea typeface="+mn-ea"/>
+                <a:cs typeface="+mn-cs"/>
+              </a:defRPr>
+            </a:lvl6pPr>
+            <a:lvl7pPr marL="2743200" algn="l" defTabSz="914400" rtl="0" eaLnBrk="1" latinLnBrk="0" hangingPunct="1">
+              <a:defRPr kumimoji="1" sz="1800" kern="1200">
+                <a:solidFill>
+                  <a:schemeClr val="dk1"/>
+                </a:solidFill>
+                <a:latin typeface="+mn-lt"/>
+                <a:ea typeface="+mn-ea"/>
+                <a:cs typeface="+mn-cs"/>
+              </a:defRPr>
+            </a:lvl7pPr>
+            <a:lvl8pPr marL="3200400" algn="l" defTabSz="914400" rtl="0" eaLnBrk="1" latinLnBrk="0" hangingPunct="1">
+              <a:defRPr kumimoji="1" sz="1800" kern="1200">
+                <a:solidFill>
+                  <a:schemeClr val="dk1"/>
+                </a:solidFill>
+                <a:latin typeface="+mn-lt"/>
+                <a:ea typeface="+mn-ea"/>
+                <a:cs typeface="+mn-cs"/>
+              </a:defRPr>
+            </a:lvl8pPr>
+            <a:lvl9pPr marL="3657600" algn="l" defTabSz="914400" rtl="0" eaLnBrk="1" latinLnBrk="0" hangingPunct="1">
+              <a:defRPr kumimoji="1" sz="1800" kern="1200">
+                <a:solidFill>
+                  <a:schemeClr val="dk1"/>
+                </a:solidFill>
+                <a:latin typeface="+mn-lt"/>
+                <a:ea typeface="+mn-ea"/>
+                <a:cs typeface="+mn-cs"/>
+              </a:defRPr>
+            </a:lvl9pPr>
+          </a:lstStyle>
+          <a:p>
+            <a:pPr algn="ctr"/>
+            <a:endParaRPr kumimoji="1" lang="ja-JP" altLang="en-US"/>
+          </a:p>
+        </p:txBody>
+      </p:sp>
+      <p:sp>
+        <p:nvSpPr>
+          <p:cNvPr id="58" name="四角形: 角を丸くする 48">
+            <a:extLst>
+              <a:ext uri="{FF2B5EF4-FFF2-40B4-BE49-F238E27FC236}">
+                <a16:creationId xmlns:a16="http://schemas.microsoft.com/office/drawing/2014/main" id="{20DAD560-1729-6D40-EBD0-14645CFC0D7A}"/>
+              </a:ext>
+            </a:extLst>
+          </p:cNvPr>
+          <p:cNvSpPr/>
+          <p:nvPr/>
+        </p:nvSpPr>
+        <p:spPr>
+          <a:xfrm>
+            <a:off x="10132870" y="5100649"/>
+            <a:ext cx="1889335" cy="881481"/>
+          </a:xfrm>
+          <a:prstGeom prst="roundRect">
+            <a:avLst/>
+          </a:prstGeom>
+          <a:noFill/>
+          <a:ln w="28575">
+            <a:solidFill>
+              <a:schemeClr val="accent1"/>
+            </a:solidFill>
+            <a:prstDash val="solid"/>
+          </a:ln>
+        </p:spPr>
+        <p:style>
+          <a:lnRef idx="2">
+            <a:schemeClr val="accent2"/>
+          </a:lnRef>
+          <a:fillRef idx="1">
+            <a:schemeClr val="lt1"/>
+          </a:fillRef>
+          <a:effectRef idx="0">
+            <a:schemeClr val="accent2"/>
+          </a:effectRef>
+          <a:fontRef idx="minor">
+            <a:schemeClr val="dk1"/>
+          </a:fontRef>
+        </p:style>
+        <p:txBody>
+          <a:bodyPr rtlCol="0" anchor="ctr"/>
+          <a:lstStyle>
+            <a:defPPr>
+              <a:defRPr lang="ja-JP"/>
+            </a:defPPr>
+            <a:lvl1pPr marL="0" algn="l" defTabSz="914400" rtl="0" eaLnBrk="1" latinLnBrk="0" hangingPunct="1">
+              <a:defRPr kumimoji="1" sz="1800" kern="1200">
+                <a:solidFill>
+                  <a:schemeClr val="dk1"/>
+                </a:solidFill>
+                <a:latin typeface="+mn-lt"/>
+                <a:ea typeface="+mn-ea"/>
+                <a:cs typeface="+mn-cs"/>
+              </a:defRPr>
+            </a:lvl1pPr>
+            <a:lvl2pPr marL="457200" algn="l" defTabSz="914400" rtl="0" eaLnBrk="1" latinLnBrk="0" hangingPunct="1">
+              <a:defRPr kumimoji="1" sz="1800" kern="1200">
+                <a:solidFill>
+                  <a:schemeClr val="dk1"/>
+                </a:solidFill>
+                <a:latin typeface="+mn-lt"/>
+                <a:ea typeface="+mn-ea"/>
+                <a:cs typeface="+mn-cs"/>
+              </a:defRPr>
+            </a:lvl2pPr>
+            <a:lvl3pPr marL="914400" algn="l" defTabSz="914400" rtl="0" eaLnBrk="1" latinLnBrk="0" hangingPunct="1">
+              <a:defRPr kumimoji="1" sz="1800" kern="1200">
+                <a:solidFill>
+                  <a:schemeClr val="dk1"/>
+                </a:solidFill>
+                <a:latin typeface="+mn-lt"/>
+                <a:ea typeface="+mn-ea"/>
+                <a:cs typeface="+mn-cs"/>
+              </a:defRPr>
+            </a:lvl3pPr>
+            <a:lvl4pPr marL="1371600" algn="l" defTabSz="914400" rtl="0" eaLnBrk="1" latinLnBrk="0" hangingPunct="1">
+              <a:defRPr kumimoji="1" sz="1800" kern="1200">
+                <a:solidFill>
+                  <a:schemeClr val="dk1"/>
+                </a:solidFill>
+                <a:latin typeface="+mn-lt"/>
+                <a:ea typeface="+mn-ea"/>
+                <a:cs typeface="+mn-cs"/>
+              </a:defRPr>
+            </a:lvl4pPr>
+            <a:lvl5pPr marL="1828800" algn="l" defTabSz="914400" rtl="0" eaLnBrk="1" latinLnBrk="0" hangingPunct="1">
+              <a:defRPr kumimoji="1" sz="1800" kern="1200">
+                <a:solidFill>
+                  <a:schemeClr val="dk1"/>
+                </a:solidFill>
+                <a:latin typeface="+mn-lt"/>
+                <a:ea typeface="+mn-ea"/>
+                <a:cs typeface="+mn-cs"/>
+              </a:defRPr>
+            </a:lvl5pPr>
+            <a:lvl6pPr marL="2286000" algn="l" defTabSz="914400" rtl="0" eaLnBrk="1" latinLnBrk="0" hangingPunct="1">
+              <a:defRPr kumimoji="1" sz="1800" kern="1200">
+                <a:solidFill>
+                  <a:schemeClr val="dk1"/>
+                </a:solidFill>
+                <a:latin typeface="+mn-lt"/>
+                <a:ea typeface="+mn-ea"/>
+                <a:cs typeface="+mn-cs"/>
+              </a:defRPr>
+            </a:lvl6pPr>
+            <a:lvl7pPr marL="2743200" algn="l" defTabSz="914400" rtl="0" eaLnBrk="1" latinLnBrk="0" hangingPunct="1">
+              <a:defRPr kumimoji="1" sz="1800" kern="1200">
+                <a:solidFill>
+                  <a:schemeClr val="dk1"/>
+                </a:solidFill>
+                <a:latin typeface="+mn-lt"/>
+                <a:ea typeface="+mn-ea"/>
+                <a:cs typeface="+mn-cs"/>
+              </a:defRPr>
+            </a:lvl7pPr>
+            <a:lvl8pPr marL="3200400" algn="l" defTabSz="914400" rtl="0" eaLnBrk="1" latinLnBrk="0" hangingPunct="1">
+              <a:defRPr kumimoji="1" sz="1800" kern="1200">
+                <a:solidFill>
+                  <a:schemeClr val="dk1"/>
+                </a:solidFill>
+                <a:latin typeface="+mn-lt"/>
+                <a:ea typeface="+mn-ea"/>
+                <a:cs typeface="+mn-cs"/>
+              </a:defRPr>
+            </a:lvl8pPr>
+            <a:lvl9pPr marL="3657600" algn="l" defTabSz="914400" rtl="0" eaLnBrk="1" latinLnBrk="0" hangingPunct="1">
+              <a:defRPr kumimoji="1" sz="1800" kern="1200">
+                <a:solidFill>
+                  <a:schemeClr val="dk1"/>
+                </a:solidFill>
+                <a:latin typeface="+mn-lt"/>
+                <a:ea typeface="+mn-ea"/>
+                <a:cs typeface="+mn-cs"/>
+              </a:defRPr>
+            </a:lvl9pPr>
+          </a:lstStyle>
+          <a:p>
+            <a:pPr algn="ctr"/>
+            <a:endParaRPr kumimoji="1" lang="ja-JP" altLang="en-US"/>
+          </a:p>
+        </p:txBody>
+      </p:sp>
+      <p:sp>
+        <p:nvSpPr>
+          <p:cNvPr id="59" name="テキスト ボックス 47">
+            <a:extLst>
+              <a:ext uri="{FF2B5EF4-FFF2-40B4-BE49-F238E27FC236}">
+                <a16:creationId xmlns:a16="http://schemas.microsoft.com/office/drawing/2014/main" id="{FB5EB065-FF54-0E47-E225-5EF80667AB4B}"/>
+              </a:ext>
+            </a:extLst>
+          </p:cNvPr>
+          <p:cNvSpPr txBox="1"/>
+          <p:nvPr/>
+        </p:nvSpPr>
+        <p:spPr>
+          <a:xfrm>
+            <a:off x="4869776" y="1202358"/>
+            <a:ext cx="1666031" cy="307777"/>
+          </a:xfrm>
+          <a:prstGeom prst="rect">
+            <a:avLst/>
+          </a:prstGeom>
+          <a:noFill/>
+        </p:spPr>
+        <p:txBody>
+          <a:bodyPr wrap="square">
+            <a:spAutoFit/>
+          </a:bodyPr>
+          <a:lstStyle>
+            <a:defPPr>
+              <a:defRPr lang="ja-JP"/>
+            </a:defPPr>
+            <a:lvl1pPr marL="0" algn="l" defTabSz="914400" rtl="0" eaLnBrk="1" latinLnBrk="0" hangingPunct="1">
+              <a:defRPr kumimoji="1" sz="1800" kern="1200">
+                <a:solidFill>
+                  <a:schemeClr val="tx1"/>
+                </a:solidFill>
+                <a:latin typeface="+mn-lt"/>
+                <a:ea typeface="+mn-ea"/>
+                <a:cs typeface="+mn-cs"/>
+              </a:defRPr>
+            </a:lvl1pPr>
+            <a:lvl2pPr marL="457200" algn="l" defTabSz="914400" rtl="0" eaLnBrk="1" latinLnBrk="0" hangingPunct="1">
+              <a:defRPr kumimoji="1" sz="1800" kern="1200">
+                <a:solidFill>
+                  <a:schemeClr val="tx1"/>
+                </a:solidFill>
+                <a:latin typeface="+mn-lt"/>
+                <a:ea typeface="+mn-ea"/>
+                <a:cs typeface="+mn-cs"/>
+              </a:defRPr>
+            </a:lvl2pPr>
+            <a:lvl3pPr marL="914400" algn="l" defTabSz="914400" rtl="0" eaLnBrk="1" latinLnBrk="0" hangingPunct="1">
+              <a:defRPr kumimoji="1" sz="1800" kern="1200">
+                <a:solidFill>
+                  <a:schemeClr val="tx1"/>
+                </a:solidFill>
+                <a:latin typeface="+mn-lt"/>
+                <a:ea typeface="+mn-ea"/>
+                <a:cs typeface="+mn-cs"/>
+              </a:defRPr>
+            </a:lvl3pPr>
+            <a:lvl4pPr marL="1371600" algn="l" defTabSz="914400" rtl="0" eaLnBrk="1" latinLnBrk="0" hangingPunct="1">
+              <a:defRPr kumimoji="1" sz="1800" kern="1200">
+                <a:solidFill>
+                  <a:schemeClr val="tx1"/>
+                </a:solidFill>
+                <a:latin typeface="+mn-lt"/>
+                <a:ea typeface="+mn-ea"/>
+                <a:cs typeface="+mn-cs"/>
+              </a:defRPr>
+            </a:lvl4pPr>
+            <a:lvl5pPr marL="1828800" algn="l" defTabSz="914400" rtl="0" eaLnBrk="1" latinLnBrk="0" hangingPunct="1">
+              <a:defRPr kumimoji="1" sz="1800" kern="1200">
+                <a:solidFill>
+                  <a:schemeClr val="tx1"/>
+                </a:solidFill>
+                <a:latin typeface="+mn-lt"/>
+                <a:ea typeface="+mn-ea"/>
+                <a:cs typeface="+mn-cs"/>
+              </a:defRPr>
+            </a:lvl5pPr>
+            <a:lvl6pPr marL="2286000" algn="l" defTabSz="914400" rtl="0" eaLnBrk="1" latinLnBrk="0" hangingPunct="1">
+              <a:defRPr kumimoji="1" sz="1800" kern="1200">
+                <a:solidFill>
+                  <a:schemeClr val="tx1"/>
+                </a:solidFill>
+                <a:latin typeface="+mn-lt"/>
+                <a:ea typeface="+mn-ea"/>
+                <a:cs typeface="+mn-cs"/>
+              </a:defRPr>
+            </a:lvl6pPr>
+            <a:lvl7pPr marL="2743200" algn="l" defTabSz="914400" rtl="0" eaLnBrk="1" latinLnBrk="0" hangingPunct="1">
+              <a:defRPr kumimoji="1" sz="1800" kern="1200">
+                <a:solidFill>
+                  <a:schemeClr val="tx1"/>
+                </a:solidFill>
+                <a:latin typeface="+mn-lt"/>
+                <a:ea typeface="+mn-ea"/>
+                <a:cs typeface="+mn-cs"/>
+              </a:defRPr>
+            </a:lvl7pPr>
+            <a:lvl8pPr marL="3200400" algn="l" defTabSz="914400" rtl="0" eaLnBrk="1" latinLnBrk="0" hangingPunct="1">
+              <a:defRPr kumimoji="1" sz="1800" kern="1200">
+                <a:solidFill>
+                  <a:schemeClr val="tx1"/>
+                </a:solidFill>
+                <a:latin typeface="+mn-lt"/>
+                <a:ea typeface="+mn-ea"/>
+                <a:cs typeface="+mn-cs"/>
+              </a:defRPr>
+            </a:lvl8pPr>
+            <a:lvl9pPr marL="3657600" algn="l" defTabSz="914400" rtl="0" eaLnBrk="1" latinLnBrk="0" hangingPunct="1">
+              <a:defRPr kumimoji="1" sz="1800" kern="1200">
+                <a:solidFill>
+                  <a:schemeClr val="tx1"/>
+                </a:solidFill>
+                <a:latin typeface="+mn-lt"/>
+                <a:ea typeface="+mn-ea"/>
+                <a:cs typeface="+mn-cs"/>
+              </a:defRPr>
+            </a:lvl9pPr>
+          </a:lstStyle>
+          <a:p>
+            <a:pPr algn="ctr"/>
+            <a:r>
+              <a:rPr lang="ja-JP" altLang="en-US" sz="1400"/>
+              <a:t>フロント</a:t>
+            </a:r>
+            <a:r>
+              <a:rPr kumimoji="1" lang="ja-JP" altLang="en-US" sz="1400"/>
+              <a:t>開発</a:t>
+            </a:r>
+            <a:endParaRPr kumimoji="1" lang="ja-JP" altLang="en-US" sz="1400" dirty="0"/>
+          </a:p>
+        </p:txBody>
+      </p:sp>
+      <p:sp>
+        <p:nvSpPr>
+          <p:cNvPr id="69" name="テキスト ボックス 68">
+            <a:extLst>
+              <a:ext uri="{FF2B5EF4-FFF2-40B4-BE49-F238E27FC236}">
+                <a16:creationId xmlns:a16="http://schemas.microsoft.com/office/drawing/2014/main" id="{9B43B855-1114-7E9C-F340-27C10B4EA354}"/>
+              </a:ext>
+            </a:extLst>
+          </p:cNvPr>
+          <p:cNvSpPr txBox="1"/>
+          <p:nvPr/>
+        </p:nvSpPr>
+        <p:spPr>
+          <a:xfrm>
+            <a:off x="9852889" y="6056823"/>
+            <a:ext cx="2169316" cy="307777"/>
+          </a:xfrm>
+          <a:prstGeom prst="rect">
+            <a:avLst/>
+          </a:prstGeom>
+          <a:noFill/>
+        </p:spPr>
+        <p:txBody>
+          <a:bodyPr wrap="square">
+            <a:spAutoFit/>
+          </a:bodyPr>
+          <a:lstStyle>
+            <a:defPPr>
+              <a:defRPr lang="ja-JP"/>
+            </a:defPPr>
+            <a:lvl1pPr marL="0" algn="l" defTabSz="914400" rtl="0" eaLnBrk="1" latinLnBrk="0" hangingPunct="1">
+              <a:defRPr kumimoji="1" sz="1800" kern="1200">
+                <a:solidFill>
+                  <a:schemeClr val="tx1"/>
+                </a:solidFill>
+                <a:latin typeface="+mn-lt"/>
+                <a:ea typeface="+mn-ea"/>
+                <a:cs typeface="+mn-cs"/>
+              </a:defRPr>
+            </a:lvl1pPr>
+            <a:lvl2pPr marL="457200" algn="l" defTabSz="914400" rtl="0" eaLnBrk="1" latinLnBrk="0" hangingPunct="1">
+              <a:defRPr kumimoji="1" sz="1800" kern="1200">
+                <a:solidFill>
+                  <a:schemeClr val="tx1"/>
+                </a:solidFill>
+                <a:latin typeface="+mn-lt"/>
+                <a:ea typeface="+mn-ea"/>
+                <a:cs typeface="+mn-cs"/>
+              </a:defRPr>
+            </a:lvl2pPr>
+            <a:lvl3pPr marL="914400" algn="l" defTabSz="914400" rtl="0" eaLnBrk="1" latinLnBrk="0" hangingPunct="1">
+              <a:defRPr kumimoji="1" sz="1800" kern="1200">
+                <a:solidFill>
+                  <a:schemeClr val="tx1"/>
+                </a:solidFill>
+                <a:latin typeface="+mn-lt"/>
+                <a:ea typeface="+mn-ea"/>
+                <a:cs typeface="+mn-cs"/>
+              </a:defRPr>
+            </a:lvl3pPr>
+            <a:lvl4pPr marL="1371600" algn="l" defTabSz="914400" rtl="0" eaLnBrk="1" latinLnBrk="0" hangingPunct="1">
+              <a:defRPr kumimoji="1" sz="1800" kern="1200">
+                <a:solidFill>
+                  <a:schemeClr val="tx1"/>
+                </a:solidFill>
+                <a:latin typeface="+mn-lt"/>
+                <a:ea typeface="+mn-ea"/>
+                <a:cs typeface="+mn-cs"/>
+              </a:defRPr>
+            </a:lvl4pPr>
+            <a:lvl5pPr marL="1828800" algn="l" defTabSz="914400" rtl="0" eaLnBrk="1" latinLnBrk="0" hangingPunct="1">
+              <a:defRPr kumimoji="1" sz="1800" kern="1200">
+                <a:solidFill>
+                  <a:schemeClr val="tx1"/>
+                </a:solidFill>
+                <a:latin typeface="+mn-lt"/>
+                <a:ea typeface="+mn-ea"/>
+                <a:cs typeface="+mn-cs"/>
+              </a:defRPr>
+            </a:lvl5pPr>
+            <a:lvl6pPr marL="2286000" algn="l" defTabSz="914400" rtl="0" eaLnBrk="1" latinLnBrk="0" hangingPunct="1">
+              <a:defRPr kumimoji="1" sz="1800" kern="1200">
+                <a:solidFill>
+                  <a:schemeClr val="tx1"/>
+                </a:solidFill>
+                <a:latin typeface="+mn-lt"/>
+                <a:ea typeface="+mn-ea"/>
+                <a:cs typeface="+mn-cs"/>
+              </a:defRPr>
+            </a:lvl6pPr>
+            <a:lvl7pPr marL="2743200" algn="l" defTabSz="914400" rtl="0" eaLnBrk="1" latinLnBrk="0" hangingPunct="1">
+              <a:defRPr kumimoji="1" sz="1800" kern="1200">
+                <a:solidFill>
+                  <a:schemeClr val="tx1"/>
+                </a:solidFill>
+                <a:latin typeface="+mn-lt"/>
+                <a:ea typeface="+mn-ea"/>
+                <a:cs typeface="+mn-cs"/>
+              </a:defRPr>
+            </a:lvl7pPr>
+            <a:lvl8pPr marL="3200400" algn="l" defTabSz="914400" rtl="0" eaLnBrk="1" latinLnBrk="0" hangingPunct="1">
+              <a:defRPr kumimoji="1" sz="1800" kern="1200">
+                <a:solidFill>
+                  <a:schemeClr val="tx1"/>
+                </a:solidFill>
+                <a:latin typeface="+mn-lt"/>
+                <a:ea typeface="+mn-ea"/>
+                <a:cs typeface="+mn-cs"/>
+              </a:defRPr>
+            </a:lvl8pPr>
+            <a:lvl9pPr marL="3657600" algn="l" defTabSz="914400" rtl="0" eaLnBrk="1" latinLnBrk="0" hangingPunct="1">
+              <a:defRPr kumimoji="1" sz="1800" kern="1200">
+                <a:solidFill>
+                  <a:schemeClr val="tx1"/>
+                </a:solidFill>
+                <a:latin typeface="+mn-lt"/>
+                <a:ea typeface="+mn-ea"/>
+                <a:cs typeface="+mn-cs"/>
+              </a:defRPr>
+            </a:lvl9pPr>
+          </a:lstStyle>
+          <a:p>
+            <a:pPr algn="ctr"/>
+            <a:r>
+              <a:rPr lang="en-US" altLang="ja-JP" sz="1400" dirty="0"/>
+              <a:t>Azure Subscription</a:t>
+            </a:r>
+            <a:endParaRPr kumimoji="1" lang="ja-JP" altLang="en-US" sz="1400" dirty="0"/>
+          </a:p>
+        </p:txBody>
+      </p:sp>
+      <p:sp>
+        <p:nvSpPr>
+          <p:cNvPr id="76" name="テキスト ボックス 47">
+            <a:extLst>
+              <a:ext uri="{FF2B5EF4-FFF2-40B4-BE49-F238E27FC236}">
+                <a16:creationId xmlns:a16="http://schemas.microsoft.com/office/drawing/2014/main" id="{EFD50A2D-3557-EB07-C94E-14662D2542CC}"/>
+              </a:ext>
+            </a:extLst>
+          </p:cNvPr>
+          <p:cNvSpPr txBox="1"/>
+          <p:nvPr/>
+        </p:nvSpPr>
+        <p:spPr>
+          <a:xfrm>
+            <a:off x="4733205" y="1648458"/>
+            <a:ext cx="1718717" cy="307777"/>
+          </a:xfrm>
+          <a:prstGeom prst="rect">
+            <a:avLst/>
+          </a:prstGeom>
+          <a:noFill/>
+        </p:spPr>
+        <p:txBody>
+          <a:bodyPr wrap="square">
+            <a:spAutoFit/>
+          </a:bodyPr>
+          <a:lstStyle>
+            <a:defPPr>
+              <a:defRPr lang="ja-JP"/>
+            </a:defPPr>
+            <a:lvl1pPr marL="0" algn="l" defTabSz="914400" rtl="0" eaLnBrk="1" latinLnBrk="0" hangingPunct="1">
+              <a:defRPr kumimoji="1" sz="1800" kern="1200">
+                <a:solidFill>
+                  <a:schemeClr val="tx1"/>
+                </a:solidFill>
+                <a:latin typeface="+mn-lt"/>
+                <a:ea typeface="+mn-ea"/>
+                <a:cs typeface="+mn-cs"/>
+              </a:defRPr>
+            </a:lvl1pPr>
+            <a:lvl2pPr marL="457200" algn="l" defTabSz="914400" rtl="0" eaLnBrk="1" latinLnBrk="0" hangingPunct="1">
+              <a:defRPr kumimoji="1" sz="1800" kern="1200">
+                <a:solidFill>
+                  <a:schemeClr val="tx1"/>
+                </a:solidFill>
+                <a:latin typeface="+mn-lt"/>
+                <a:ea typeface="+mn-ea"/>
+                <a:cs typeface="+mn-cs"/>
+              </a:defRPr>
+            </a:lvl2pPr>
+            <a:lvl3pPr marL="914400" algn="l" defTabSz="914400" rtl="0" eaLnBrk="1" latinLnBrk="0" hangingPunct="1">
+              <a:defRPr kumimoji="1" sz="1800" kern="1200">
+                <a:solidFill>
+                  <a:schemeClr val="tx1"/>
+                </a:solidFill>
+                <a:latin typeface="+mn-lt"/>
+                <a:ea typeface="+mn-ea"/>
+                <a:cs typeface="+mn-cs"/>
+              </a:defRPr>
+            </a:lvl3pPr>
+            <a:lvl4pPr marL="1371600" algn="l" defTabSz="914400" rtl="0" eaLnBrk="1" latinLnBrk="0" hangingPunct="1">
+              <a:defRPr kumimoji="1" sz="1800" kern="1200">
+                <a:solidFill>
+                  <a:schemeClr val="tx1"/>
+                </a:solidFill>
+                <a:latin typeface="+mn-lt"/>
+                <a:ea typeface="+mn-ea"/>
+                <a:cs typeface="+mn-cs"/>
+              </a:defRPr>
+            </a:lvl4pPr>
+            <a:lvl5pPr marL="1828800" algn="l" defTabSz="914400" rtl="0" eaLnBrk="1" latinLnBrk="0" hangingPunct="1">
+              <a:defRPr kumimoji="1" sz="1800" kern="1200">
+                <a:solidFill>
+                  <a:schemeClr val="tx1"/>
+                </a:solidFill>
+                <a:latin typeface="+mn-lt"/>
+                <a:ea typeface="+mn-ea"/>
+                <a:cs typeface="+mn-cs"/>
+              </a:defRPr>
+            </a:lvl5pPr>
+            <a:lvl6pPr marL="2286000" algn="l" defTabSz="914400" rtl="0" eaLnBrk="1" latinLnBrk="0" hangingPunct="1">
+              <a:defRPr kumimoji="1" sz="1800" kern="1200">
+                <a:solidFill>
+                  <a:schemeClr val="tx1"/>
+                </a:solidFill>
+                <a:latin typeface="+mn-lt"/>
+                <a:ea typeface="+mn-ea"/>
+                <a:cs typeface="+mn-cs"/>
+              </a:defRPr>
+            </a:lvl6pPr>
+            <a:lvl7pPr marL="2743200" algn="l" defTabSz="914400" rtl="0" eaLnBrk="1" latinLnBrk="0" hangingPunct="1">
+              <a:defRPr kumimoji="1" sz="1800" kern="1200">
+                <a:solidFill>
+                  <a:schemeClr val="tx1"/>
+                </a:solidFill>
+                <a:latin typeface="+mn-lt"/>
+                <a:ea typeface="+mn-ea"/>
+                <a:cs typeface="+mn-cs"/>
+              </a:defRPr>
+            </a:lvl7pPr>
+            <a:lvl8pPr marL="3200400" algn="l" defTabSz="914400" rtl="0" eaLnBrk="1" latinLnBrk="0" hangingPunct="1">
+              <a:defRPr kumimoji="1" sz="1800" kern="1200">
+                <a:solidFill>
+                  <a:schemeClr val="tx1"/>
+                </a:solidFill>
+                <a:latin typeface="+mn-lt"/>
+                <a:ea typeface="+mn-ea"/>
+                <a:cs typeface="+mn-cs"/>
+              </a:defRPr>
+            </a:lvl8pPr>
+            <a:lvl9pPr marL="3657600" algn="l" defTabSz="914400" rtl="0" eaLnBrk="1" latinLnBrk="0" hangingPunct="1">
+              <a:defRPr kumimoji="1" sz="1800" kern="1200">
+                <a:solidFill>
+                  <a:schemeClr val="tx1"/>
+                </a:solidFill>
+                <a:latin typeface="+mn-lt"/>
+                <a:ea typeface="+mn-ea"/>
+                <a:cs typeface="+mn-cs"/>
+              </a:defRPr>
+            </a:lvl9pPr>
+          </a:lstStyle>
+          <a:p>
+            <a:pPr algn="ctr"/>
+            <a:r>
+              <a:rPr kumimoji="1" lang="ja-JP" altLang="en-US" sz="1400"/>
+              <a:t>バックエンド開発</a:t>
+            </a:r>
+            <a:endParaRPr kumimoji="1" lang="ja-JP" altLang="en-US" sz="1400" dirty="0"/>
+          </a:p>
+        </p:txBody>
+      </p:sp>
+      <p:cxnSp>
+        <p:nvCxnSpPr>
+          <p:cNvPr id="77" name="直線矢印コネクタ 76">
+            <a:extLst>
+              <a:ext uri="{FF2B5EF4-FFF2-40B4-BE49-F238E27FC236}">
+                <a16:creationId xmlns:a16="http://schemas.microsoft.com/office/drawing/2014/main" id="{C4E1D4A4-5605-5195-E5A4-5A4B75DA9B20}"/>
+              </a:ext>
+            </a:extLst>
+          </p:cNvPr>
+          <p:cNvCxnSpPr>
+            <a:cxnSpLocks/>
+          </p:cNvCxnSpPr>
+          <p:nvPr/>
+        </p:nvCxnSpPr>
+        <p:spPr>
+          <a:xfrm>
+            <a:off x="9122316" y="2538882"/>
+            <a:ext cx="1425" cy="2829694"/>
+          </a:xfrm>
+          <a:prstGeom prst="straightConnector1">
+            <a:avLst/>
+          </a:prstGeom>
+          <a:ln w="28575">
+            <a:solidFill>
+              <a:schemeClr val="accent4"/>
+            </a:solidFill>
+            <a:prstDash val="dash"/>
+            <a:headEnd type="none" w="med" len="med"/>
+            <a:tailEnd type="arrow" w="med" len="med"/>
+          </a:ln>
+        </p:spPr>
+        <p:style>
+          <a:lnRef idx="1">
+            <a:schemeClr val="accent1"/>
+          </a:lnRef>
+          <a:fillRef idx="0">
+            <a:schemeClr val="accent1"/>
+          </a:fillRef>
+          <a:effectRef idx="0">
+            <a:schemeClr val="accent1"/>
+          </a:effectRef>
+          <a:fontRef idx="minor">
+            <a:schemeClr val="tx1"/>
+          </a:fontRef>
+        </p:style>
+      </p:cxnSp>
+      <p:cxnSp>
+        <p:nvCxnSpPr>
+          <p:cNvPr id="78" name="直線矢印コネクタ 77">
+            <a:extLst>
+              <a:ext uri="{FF2B5EF4-FFF2-40B4-BE49-F238E27FC236}">
+                <a16:creationId xmlns:a16="http://schemas.microsoft.com/office/drawing/2014/main" id="{877E5F79-32A3-0D3B-A4AE-7C97D6F60F10}"/>
+              </a:ext>
+            </a:extLst>
+          </p:cNvPr>
+          <p:cNvCxnSpPr>
+            <a:cxnSpLocks/>
+          </p:cNvCxnSpPr>
+          <p:nvPr/>
+        </p:nvCxnSpPr>
+        <p:spPr>
+          <a:xfrm>
+            <a:off x="11035264" y="1549277"/>
+            <a:ext cx="2177" cy="3748799"/>
+          </a:xfrm>
+          <a:prstGeom prst="straightConnector1">
+            <a:avLst/>
+          </a:prstGeom>
+          <a:ln w="28575">
+            <a:solidFill>
+              <a:schemeClr val="accent5"/>
+            </a:solidFill>
+            <a:prstDash val="dash"/>
+            <a:headEnd type="none" w="med" len="med"/>
+            <a:tailEnd type="arrow" w="med" len="med"/>
+          </a:ln>
+        </p:spPr>
+        <p:style>
+          <a:lnRef idx="1">
+            <a:schemeClr val="accent1"/>
+          </a:lnRef>
+          <a:fillRef idx="0">
+            <a:schemeClr val="accent1"/>
+          </a:fillRef>
+          <a:effectRef idx="0">
+            <a:schemeClr val="accent1"/>
+          </a:effectRef>
+          <a:fontRef idx="minor">
+            <a:schemeClr val="tx1"/>
+          </a:fontRef>
+        </p:style>
+      </p:cxnSp>
+      <p:cxnSp>
+        <p:nvCxnSpPr>
+          <p:cNvPr id="79" name="直線矢印コネクタ 78">
+            <a:extLst>
+              <a:ext uri="{FF2B5EF4-FFF2-40B4-BE49-F238E27FC236}">
+                <a16:creationId xmlns:a16="http://schemas.microsoft.com/office/drawing/2014/main" id="{29E04C2B-D88B-8329-61C7-BC0E05DFA6EB}"/>
+              </a:ext>
+            </a:extLst>
+          </p:cNvPr>
+          <p:cNvCxnSpPr>
+            <a:cxnSpLocks/>
+          </p:cNvCxnSpPr>
+          <p:nvPr/>
+        </p:nvCxnSpPr>
+        <p:spPr>
+          <a:xfrm>
+            <a:off x="7265239" y="3418880"/>
+            <a:ext cx="846" cy="1880230"/>
+          </a:xfrm>
+          <a:prstGeom prst="straightConnector1">
+            <a:avLst/>
+          </a:prstGeom>
+          <a:ln w="28575">
+            <a:solidFill>
+              <a:schemeClr val="accent2"/>
+            </a:solidFill>
+            <a:prstDash val="dash"/>
+            <a:headEnd type="none" w="med" len="med"/>
+            <a:tailEnd type="arrow" w="med" len="med"/>
+          </a:ln>
+        </p:spPr>
+        <p:style>
+          <a:lnRef idx="1">
+            <a:schemeClr val="accent1"/>
+          </a:lnRef>
+          <a:fillRef idx="0">
+            <a:schemeClr val="accent1"/>
+          </a:fillRef>
+          <a:effectRef idx="0">
+            <a:schemeClr val="accent1"/>
+          </a:effectRef>
+          <a:fontRef idx="minor">
+            <a:schemeClr val="tx1"/>
+          </a:fontRef>
+        </p:style>
+      </p:cxnSp>
+      <p:sp>
+        <p:nvSpPr>
+          <p:cNvPr id="72" name="四角形: 角を丸くする 48">
+            <a:extLst>
+              <a:ext uri="{FF2B5EF4-FFF2-40B4-BE49-F238E27FC236}">
+                <a16:creationId xmlns:a16="http://schemas.microsoft.com/office/drawing/2014/main" id="{D26BDBB6-386F-B594-63F9-AE4F7B3F7112}"/>
+              </a:ext>
+            </a:extLst>
+          </p:cNvPr>
+          <p:cNvSpPr/>
+          <p:nvPr/>
+        </p:nvSpPr>
+        <p:spPr>
+          <a:xfrm>
+            <a:off x="6266953" y="4014525"/>
+            <a:ext cx="5740769" cy="881481"/>
+          </a:xfrm>
+          <a:prstGeom prst="roundRect">
+            <a:avLst/>
+          </a:prstGeom>
+          <a:solidFill>
+            <a:schemeClr val="bg1"/>
+          </a:solidFill>
+          <a:ln w="28575">
+            <a:solidFill>
+              <a:schemeClr val="accent6"/>
+            </a:solidFill>
+            <a:prstDash val="solid"/>
+          </a:ln>
+        </p:spPr>
+        <p:style>
+          <a:lnRef idx="2">
+            <a:schemeClr val="accent2"/>
+          </a:lnRef>
+          <a:fillRef idx="1">
+            <a:schemeClr val="lt1"/>
+          </a:fillRef>
+          <a:effectRef idx="0">
+            <a:schemeClr val="accent2"/>
+          </a:effectRef>
+          <a:fontRef idx="minor">
+            <a:schemeClr val="dk1"/>
+          </a:fontRef>
+        </p:style>
+        <p:txBody>
+          <a:bodyPr rtlCol="0" anchor="ctr"/>
+          <a:lstStyle>
+            <a:defPPr>
+              <a:defRPr lang="ja-JP"/>
+            </a:defPPr>
+            <a:lvl1pPr marL="0" algn="l" defTabSz="914400" rtl="0" eaLnBrk="1" latinLnBrk="0" hangingPunct="1">
+              <a:defRPr kumimoji="1" sz="1800" kern="1200">
+                <a:solidFill>
+                  <a:schemeClr val="dk1"/>
+                </a:solidFill>
+                <a:latin typeface="+mn-lt"/>
+                <a:ea typeface="+mn-ea"/>
+                <a:cs typeface="+mn-cs"/>
+              </a:defRPr>
+            </a:lvl1pPr>
+            <a:lvl2pPr marL="457200" algn="l" defTabSz="914400" rtl="0" eaLnBrk="1" latinLnBrk="0" hangingPunct="1">
+              <a:defRPr kumimoji="1" sz="1800" kern="1200">
+                <a:solidFill>
+                  <a:schemeClr val="dk1"/>
+                </a:solidFill>
+                <a:latin typeface="+mn-lt"/>
+                <a:ea typeface="+mn-ea"/>
+                <a:cs typeface="+mn-cs"/>
+              </a:defRPr>
+            </a:lvl2pPr>
+            <a:lvl3pPr marL="914400" algn="l" defTabSz="914400" rtl="0" eaLnBrk="1" latinLnBrk="0" hangingPunct="1">
+              <a:defRPr kumimoji="1" sz="1800" kern="1200">
+                <a:solidFill>
+                  <a:schemeClr val="dk1"/>
+                </a:solidFill>
+                <a:latin typeface="+mn-lt"/>
+                <a:ea typeface="+mn-ea"/>
+                <a:cs typeface="+mn-cs"/>
+              </a:defRPr>
+            </a:lvl3pPr>
+            <a:lvl4pPr marL="1371600" algn="l" defTabSz="914400" rtl="0" eaLnBrk="1" latinLnBrk="0" hangingPunct="1">
+              <a:defRPr kumimoji="1" sz="1800" kern="1200">
+                <a:solidFill>
+                  <a:schemeClr val="dk1"/>
+                </a:solidFill>
+                <a:latin typeface="+mn-lt"/>
+                <a:ea typeface="+mn-ea"/>
+                <a:cs typeface="+mn-cs"/>
+              </a:defRPr>
+            </a:lvl4pPr>
+            <a:lvl5pPr marL="1828800" algn="l" defTabSz="914400" rtl="0" eaLnBrk="1" latinLnBrk="0" hangingPunct="1">
+              <a:defRPr kumimoji="1" sz="1800" kern="1200">
+                <a:solidFill>
+                  <a:schemeClr val="dk1"/>
+                </a:solidFill>
+                <a:latin typeface="+mn-lt"/>
+                <a:ea typeface="+mn-ea"/>
+                <a:cs typeface="+mn-cs"/>
+              </a:defRPr>
+            </a:lvl5pPr>
+            <a:lvl6pPr marL="2286000" algn="l" defTabSz="914400" rtl="0" eaLnBrk="1" latinLnBrk="0" hangingPunct="1">
+              <a:defRPr kumimoji="1" sz="1800" kern="1200">
+                <a:solidFill>
+                  <a:schemeClr val="dk1"/>
+                </a:solidFill>
+                <a:latin typeface="+mn-lt"/>
+                <a:ea typeface="+mn-ea"/>
+                <a:cs typeface="+mn-cs"/>
+              </a:defRPr>
+            </a:lvl6pPr>
+            <a:lvl7pPr marL="2743200" algn="l" defTabSz="914400" rtl="0" eaLnBrk="1" latinLnBrk="0" hangingPunct="1">
+              <a:defRPr kumimoji="1" sz="1800" kern="1200">
+                <a:solidFill>
+                  <a:schemeClr val="dk1"/>
+                </a:solidFill>
+                <a:latin typeface="+mn-lt"/>
+                <a:ea typeface="+mn-ea"/>
+                <a:cs typeface="+mn-cs"/>
+              </a:defRPr>
+            </a:lvl7pPr>
+            <a:lvl8pPr marL="3200400" algn="l" defTabSz="914400" rtl="0" eaLnBrk="1" latinLnBrk="0" hangingPunct="1">
+              <a:defRPr kumimoji="1" sz="1800" kern="1200">
+                <a:solidFill>
+                  <a:schemeClr val="dk1"/>
+                </a:solidFill>
+                <a:latin typeface="+mn-lt"/>
+                <a:ea typeface="+mn-ea"/>
+                <a:cs typeface="+mn-cs"/>
+              </a:defRPr>
+            </a:lvl8pPr>
+            <a:lvl9pPr marL="3657600" algn="l" defTabSz="914400" rtl="0" eaLnBrk="1" latinLnBrk="0" hangingPunct="1">
+              <a:defRPr kumimoji="1" sz="1800" kern="1200">
+                <a:solidFill>
+                  <a:schemeClr val="dk1"/>
+                </a:solidFill>
+                <a:latin typeface="+mn-lt"/>
+                <a:ea typeface="+mn-ea"/>
+                <a:cs typeface="+mn-cs"/>
+              </a:defRPr>
+            </a:lvl9pPr>
+          </a:lstStyle>
+          <a:p>
+            <a:pPr algn="ctr"/>
+            <a:endParaRPr kumimoji="1" lang="ja-JP" altLang="en-US"/>
+          </a:p>
+        </p:txBody>
+      </p:sp>
+      <p:sp>
+        <p:nvSpPr>
+          <p:cNvPr id="16" name="四角形: 角を丸くする 73">
+            <a:extLst>
+              <a:ext uri="{FF2B5EF4-FFF2-40B4-BE49-F238E27FC236}">
+                <a16:creationId xmlns:a16="http://schemas.microsoft.com/office/drawing/2014/main" id="{2035157C-6D53-9847-D14D-EA78344BB10C}"/>
+              </a:ext>
+            </a:extLst>
+          </p:cNvPr>
+          <p:cNvSpPr/>
+          <p:nvPr/>
+        </p:nvSpPr>
+        <p:spPr>
+          <a:xfrm>
+            <a:off x="6756975" y="5289992"/>
+            <a:ext cx="1023347" cy="529070"/>
+          </a:xfrm>
+          <a:prstGeom prst="roundRect">
+            <a:avLst/>
+          </a:prstGeom>
+        </p:spPr>
+        <p:style>
+          <a:lnRef idx="1">
+            <a:schemeClr val="accent3"/>
+          </a:lnRef>
+          <a:fillRef idx="2">
+            <a:schemeClr val="accent3"/>
+          </a:fillRef>
+          <a:effectRef idx="1">
+            <a:schemeClr val="accent3"/>
+          </a:effectRef>
+          <a:fontRef idx="minor">
+            <a:schemeClr val="dk1"/>
+          </a:fontRef>
+        </p:style>
+        <p:txBody>
+          <a:bodyPr rtlCol="0" anchor="ctr"/>
+          <a:lstStyle>
+            <a:defPPr>
+              <a:defRPr lang="ja-JP"/>
+            </a:defPPr>
+            <a:lvl1pPr marL="0" algn="l" defTabSz="914400" rtl="0" eaLnBrk="1" latinLnBrk="0" hangingPunct="1">
+              <a:defRPr kumimoji="1" sz="1800" kern="1200">
+                <a:solidFill>
+                  <a:schemeClr val="dk1"/>
+                </a:solidFill>
+                <a:latin typeface="+mn-lt"/>
+                <a:ea typeface="+mn-ea"/>
+                <a:cs typeface="+mn-cs"/>
+              </a:defRPr>
+            </a:lvl1pPr>
+            <a:lvl2pPr marL="457200" algn="l" defTabSz="914400" rtl="0" eaLnBrk="1" latinLnBrk="0" hangingPunct="1">
+              <a:defRPr kumimoji="1" sz="1800" kern="1200">
+                <a:solidFill>
+                  <a:schemeClr val="dk1"/>
+                </a:solidFill>
+                <a:latin typeface="+mn-lt"/>
+                <a:ea typeface="+mn-ea"/>
+                <a:cs typeface="+mn-cs"/>
+              </a:defRPr>
+            </a:lvl2pPr>
+            <a:lvl3pPr marL="914400" algn="l" defTabSz="914400" rtl="0" eaLnBrk="1" latinLnBrk="0" hangingPunct="1">
+              <a:defRPr kumimoji="1" sz="1800" kern="1200">
+                <a:solidFill>
+                  <a:schemeClr val="dk1"/>
+                </a:solidFill>
+                <a:latin typeface="+mn-lt"/>
+                <a:ea typeface="+mn-ea"/>
+                <a:cs typeface="+mn-cs"/>
+              </a:defRPr>
+            </a:lvl3pPr>
+            <a:lvl4pPr marL="1371600" algn="l" defTabSz="914400" rtl="0" eaLnBrk="1" latinLnBrk="0" hangingPunct="1">
+              <a:defRPr kumimoji="1" sz="1800" kern="1200">
+                <a:solidFill>
+                  <a:schemeClr val="dk1"/>
+                </a:solidFill>
+                <a:latin typeface="+mn-lt"/>
+                <a:ea typeface="+mn-ea"/>
+                <a:cs typeface="+mn-cs"/>
+              </a:defRPr>
+            </a:lvl4pPr>
+            <a:lvl5pPr marL="1828800" algn="l" defTabSz="914400" rtl="0" eaLnBrk="1" latinLnBrk="0" hangingPunct="1">
+              <a:defRPr kumimoji="1" sz="1800" kern="1200">
+                <a:solidFill>
+                  <a:schemeClr val="dk1"/>
+                </a:solidFill>
+                <a:latin typeface="+mn-lt"/>
+                <a:ea typeface="+mn-ea"/>
+                <a:cs typeface="+mn-cs"/>
+              </a:defRPr>
+            </a:lvl5pPr>
+            <a:lvl6pPr marL="2286000" algn="l" defTabSz="914400" rtl="0" eaLnBrk="1" latinLnBrk="0" hangingPunct="1">
+              <a:defRPr kumimoji="1" sz="1800" kern="1200">
+                <a:solidFill>
+                  <a:schemeClr val="dk1"/>
+                </a:solidFill>
+                <a:latin typeface="+mn-lt"/>
+                <a:ea typeface="+mn-ea"/>
+                <a:cs typeface="+mn-cs"/>
+              </a:defRPr>
+            </a:lvl6pPr>
+            <a:lvl7pPr marL="2743200" algn="l" defTabSz="914400" rtl="0" eaLnBrk="1" latinLnBrk="0" hangingPunct="1">
+              <a:defRPr kumimoji="1" sz="1800" kern="1200">
+                <a:solidFill>
+                  <a:schemeClr val="dk1"/>
+                </a:solidFill>
+                <a:latin typeface="+mn-lt"/>
+                <a:ea typeface="+mn-ea"/>
+                <a:cs typeface="+mn-cs"/>
+              </a:defRPr>
+            </a:lvl7pPr>
+            <a:lvl8pPr marL="3200400" algn="l" defTabSz="914400" rtl="0" eaLnBrk="1" latinLnBrk="0" hangingPunct="1">
+              <a:defRPr kumimoji="1" sz="1800" kern="1200">
+                <a:solidFill>
+                  <a:schemeClr val="dk1"/>
+                </a:solidFill>
+                <a:latin typeface="+mn-lt"/>
+                <a:ea typeface="+mn-ea"/>
+                <a:cs typeface="+mn-cs"/>
+              </a:defRPr>
+            </a:lvl8pPr>
+            <a:lvl9pPr marL="3657600" algn="l" defTabSz="914400" rtl="0" eaLnBrk="1" latinLnBrk="0" hangingPunct="1">
+              <a:defRPr kumimoji="1" sz="1800" kern="1200">
+                <a:solidFill>
+                  <a:schemeClr val="dk1"/>
+                </a:solidFill>
+                <a:latin typeface="+mn-lt"/>
+                <a:ea typeface="+mn-ea"/>
+                <a:cs typeface="+mn-cs"/>
+              </a:defRPr>
+            </a:lvl9pPr>
+          </a:lstStyle>
+          <a:p>
+            <a:pPr algn="ctr"/>
+            <a:r>
+              <a:rPr kumimoji="1" lang="en-US" altLang="ja-JP" sz="1200" dirty="0"/>
+              <a:t>App or Data</a:t>
+            </a:r>
+            <a:endParaRPr kumimoji="1" lang="ja-JP" altLang="en-US" sz="1200" dirty="0"/>
+          </a:p>
+        </p:txBody>
+      </p:sp>
+      <p:sp>
+        <p:nvSpPr>
+          <p:cNvPr id="56" name="四角形: 角を丸くする 48">
+            <a:extLst>
+              <a:ext uri="{FF2B5EF4-FFF2-40B4-BE49-F238E27FC236}">
+                <a16:creationId xmlns:a16="http://schemas.microsoft.com/office/drawing/2014/main" id="{EB876F5F-DA56-348A-DD08-DE9886B5B105}"/>
+              </a:ext>
+            </a:extLst>
+          </p:cNvPr>
+          <p:cNvSpPr/>
+          <p:nvPr/>
+        </p:nvSpPr>
+        <p:spPr>
+          <a:xfrm>
+            <a:off x="6268464" y="5118620"/>
+            <a:ext cx="1889335" cy="881481"/>
+          </a:xfrm>
+          <a:prstGeom prst="roundRect">
+            <a:avLst/>
+          </a:prstGeom>
+          <a:noFill/>
+          <a:ln w="28575">
+            <a:solidFill>
+              <a:schemeClr val="accent2"/>
+            </a:solidFill>
+            <a:prstDash val="solid"/>
+          </a:ln>
+        </p:spPr>
+        <p:style>
+          <a:lnRef idx="2">
+            <a:schemeClr val="accent2"/>
+          </a:lnRef>
+          <a:fillRef idx="1">
+            <a:schemeClr val="lt1"/>
+          </a:fillRef>
+          <a:effectRef idx="0">
+            <a:schemeClr val="accent2"/>
+          </a:effectRef>
+          <a:fontRef idx="minor">
+            <a:schemeClr val="dk1"/>
+          </a:fontRef>
+        </p:style>
+        <p:txBody>
+          <a:bodyPr rtlCol="0" anchor="ctr"/>
+          <a:lstStyle>
+            <a:defPPr>
+              <a:defRPr lang="ja-JP"/>
+            </a:defPPr>
+            <a:lvl1pPr marL="0" algn="l" defTabSz="914400" rtl="0" eaLnBrk="1" latinLnBrk="0" hangingPunct="1">
+              <a:defRPr kumimoji="1" sz="1800" kern="1200">
+                <a:solidFill>
+                  <a:schemeClr val="dk1"/>
+                </a:solidFill>
+                <a:latin typeface="+mn-lt"/>
+                <a:ea typeface="+mn-ea"/>
+                <a:cs typeface="+mn-cs"/>
+              </a:defRPr>
+            </a:lvl1pPr>
+            <a:lvl2pPr marL="457200" algn="l" defTabSz="914400" rtl="0" eaLnBrk="1" latinLnBrk="0" hangingPunct="1">
+              <a:defRPr kumimoji="1" sz="1800" kern="1200">
+                <a:solidFill>
+                  <a:schemeClr val="dk1"/>
+                </a:solidFill>
+                <a:latin typeface="+mn-lt"/>
+                <a:ea typeface="+mn-ea"/>
+                <a:cs typeface="+mn-cs"/>
+              </a:defRPr>
+            </a:lvl2pPr>
+            <a:lvl3pPr marL="914400" algn="l" defTabSz="914400" rtl="0" eaLnBrk="1" latinLnBrk="0" hangingPunct="1">
+              <a:defRPr kumimoji="1" sz="1800" kern="1200">
+                <a:solidFill>
+                  <a:schemeClr val="dk1"/>
+                </a:solidFill>
+                <a:latin typeface="+mn-lt"/>
+                <a:ea typeface="+mn-ea"/>
+                <a:cs typeface="+mn-cs"/>
+              </a:defRPr>
+            </a:lvl3pPr>
+            <a:lvl4pPr marL="1371600" algn="l" defTabSz="914400" rtl="0" eaLnBrk="1" latinLnBrk="0" hangingPunct="1">
+              <a:defRPr kumimoji="1" sz="1800" kern="1200">
+                <a:solidFill>
+                  <a:schemeClr val="dk1"/>
+                </a:solidFill>
+                <a:latin typeface="+mn-lt"/>
+                <a:ea typeface="+mn-ea"/>
+                <a:cs typeface="+mn-cs"/>
+              </a:defRPr>
+            </a:lvl4pPr>
+            <a:lvl5pPr marL="1828800" algn="l" defTabSz="914400" rtl="0" eaLnBrk="1" latinLnBrk="0" hangingPunct="1">
+              <a:defRPr kumimoji="1" sz="1800" kern="1200">
+                <a:solidFill>
+                  <a:schemeClr val="dk1"/>
+                </a:solidFill>
+                <a:latin typeface="+mn-lt"/>
+                <a:ea typeface="+mn-ea"/>
+                <a:cs typeface="+mn-cs"/>
+              </a:defRPr>
+            </a:lvl5pPr>
+            <a:lvl6pPr marL="2286000" algn="l" defTabSz="914400" rtl="0" eaLnBrk="1" latinLnBrk="0" hangingPunct="1">
+              <a:defRPr kumimoji="1" sz="1800" kern="1200">
+                <a:solidFill>
+                  <a:schemeClr val="dk1"/>
+                </a:solidFill>
+                <a:latin typeface="+mn-lt"/>
+                <a:ea typeface="+mn-ea"/>
+                <a:cs typeface="+mn-cs"/>
+              </a:defRPr>
+            </a:lvl6pPr>
+            <a:lvl7pPr marL="2743200" algn="l" defTabSz="914400" rtl="0" eaLnBrk="1" latinLnBrk="0" hangingPunct="1">
+              <a:defRPr kumimoji="1" sz="1800" kern="1200">
+                <a:solidFill>
+                  <a:schemeClr val="dk1"/>
+                </a:solidFill>
+                <a:latin typeface="+mn-lt"/>
+                <a:ea typeface="+mn-ea"/>
+                <a:cs typeface="+mn-cs"/>
+              </a:defRPr>
+            </a:lvl7pPr>
+            <a:lvl8pPr marL="3200400" algn="l" defTabSz="914400" rtl="0" eaLnBrk="1" latinLnBrk="0" hangingPunct="1">
+              <a:defRPr kumimoji="1" sz="1800" kern="1200">
+                <a:solidFill>
+                  <a:schemeClr val="dk1"/>
+                </a:solidFill>
+                <a:latin typeface="+mn-lt"/>
+                <a:ea typeface="+mn-ea"/>
+                <a:cs typeface="+mn-cs"/>
+              </a:defRPr>
+            </a:lvl8pPr>
+            <a:lvl9pPr marL="3657600" algn="l" defTabSz="914400" rtl="0" eaLnBrk="1" latinLnBrk="0" hangingPunct="1">
+              <a:defRPr kumimoji="1" sz="1800" kern="1200">
+                <a:solidFill>
+                  <a:schemeClr val="dk1"/>
+                </a:solidFill>
+                <a:latin typeface="+mn-lt"/>
+                <a:ea typeface="+mn-ea"/>
+                <a:cs typeface="+mn-cs"/>
+              </a:defRPr>
+            </a:lvl9pPr>
+          </a:lstStyle>
+          <a:p>
+            <a:pPr algn="ctr"/>
+            <a:endParaRPr kumimoji="1" lang="ja-JP" altLang="en-US"/>
+          </a:p>
+        </p:txBody>
+      </p:sp>
+      <p:pic>
+        <p:nvPicPr>
+          <p:cNvPr id="74" name="グラフィックス 73">
+            <a:extLst>
+              <a:ext uri="{FF2B5EF4-FFF2-40B4-BE49-F238E27FC236}">
+                <a16:creationId xmlns:a16="http://schemas.microsoft.com/office/drawing/2014/main" id="{41B3114E-385A-7049-0634-0998262840DC}"/>
+              </a:ext>
+            </a:extLst>
+          </p:cNvPr>
+          <p:cNvPicPr>
+            <a:picLocks noChangeAspect="1"/>
+          </p:cNvPicPr>
+          <p:nvPr/>
+        </p:nvPicPr>
+        <p:blipFill>
+          <a:blip r:embed="rId4">
+            <a:extLst>
+              <a:ext uri="{28A0092B-C50C-407E-A947-70E740481C1C}">
+                <a14:useLocalDpi xmlns:a14="http://schemas.microsoft.com/office/drawing/2010/main" val="0"/>
+              </a:ext>
+              <a:ext uri="{96DAC541-7B7A-43D3-8B79-37D633B846F1}">
+                <asvg:svgBlip xmlns:asvg="http://schemas.microsoft.com/office/drawing/2016/SVG/main" r:embed="rId5"/>
+              </a:ext>
+            </a:extLst>
+          </a:blip>
+          <a:stretch>
+            <a:fillRect/>
+          </a:stretch>
+        </p:blipFill>
+        <p:spPr>
+          <a:xfrm>
+            <a:off x="6481021" y="4200325"/>
+            <a:ext cx="518156" cy="518156"/>
+          </a:xfrm>
+          <a:prstGeom prst="rect">
+            <a:avLst/>
+          </a:prstGeom>
+        </p:spPr>
+      </p:pic>
+      <p:sp>
+        <p:nvSpPr>
+          <p:cNvPr id="75" name="テキスト ボックス 74">
+            <a:extLst>
+              <a:ext uri="{FF2B5EF4-FFF2-40B4-BE49-F238E27FC236}">
+                <a16:creationId xmlns:a16="http://schemas.microsoft.com/office/drawing/2014/main" id="{0678F584-FA9F-08FF-6010-1AC8AAE094D7}"/>
+              </a:ext>
+            </a:extLst>
+          </p:cNvPr>
+          <p:cNvSpPr txBox="1"/>
+          <p:nvPr/>
+        </p:nvSpPr>
+        <p:spPr>
+          <a:xfrm>
+            <a:off x="6962244" y="4347153"/>
+            <a:ext cx="1481673" cy="276999"/>
+          </a:xfrm>
+          <a:prstGeom prst="rect">
+            <a:avLst/>
+          </a:prstGeom>
+          <a:noFill/>
+        </p:spPr>
+        <p:txBody>
+          <a:bodyPr wrap="square">
+            <a:spAutoFit/>
+          </a:bodyPr>
+          <a:lstStyle>
+            <a:defPPr>
+              <a:defRPr lang="ja-JP"/>
+            </a:defPPr>
+            <a:lvl1pPr marL="0" algn="l" defTabSz="914400" rtl="0" eaLnBrk="1" latinLnBrk="0" hangingPunct="1">
+              <a:defRPr kumimoji="1" sz="1800" kern="1200">
+                <a:solidFill>
+                  <a:schemeClr val="tx1"/>
+                </a:solidFill>
+                <a:latin typeface="+mn-lt"/>
+                <a:ea typeface="+mn-ea"/>
+                <a:cs typeface="+mn-cs"/>
+              </a:defRPr>
+            </a:lvl1pPr>
+            <a:lvl2pPr marL="457200" algn="l" defTabSz="914400" rtl="0" eaLnBrk="1" latinLnBrk="0" hangingPunct="1">
+              <a:defRPr kumimoji="1" sz="1800" kern="1200">
+                <a:solidFill>
+                  <a:schemeClr val="tx1"/>
+                </a:solidFill>
+                <a:latin typeface="+mn-lt"/>
+                <a:ea typeface="+mn-ea"/>
+                <a:cs typeface="+mn-cs"/>
+              </a:defRPr>
+            </a:lvl2pPr>
+            <a:lvl3pPr marL="914400" algn="l" defTabSz="914400" rtl="0" eaLnBrk="1" latinLnBrk="0" hangingPunct="1">
+              <a:defRPr kumimoji="1" sz="1800" kern="1200">
+                <a:solidFill>
+                  <a:schemeClr val="tx1"/>
+                </a:solidFill>
+                <a:latin typeface="+mn-lt"/>
+                <a:ea typeface="+mn-ea"/>
+                <a:cs typeface="+mn-cs"/>
+              </a:defRPr>
+            </a:lvl3pPr>
+            <a:lvl4pPr marL="1371600" algn="l" defTabSz="914400" rtl="0" eaLnBrk="1" latinLnBrk="0" hangingPunct="1">
+              <a:defRPr kumimoji="1" sz="1800" kern="1200">
+                <a:solidFill>
+                  <a:schemeClr val="tx1"/>
+                </a:solidFill>
+                <a:latin typeface="+mn-lt"/>
+                <a:ea typeface="+mn-ea"/>
+                <a:cs typeface="+mn-cs"/>
+              </a:defRPr>
+            </a:lvl4pPr>
+            <a:lvl5pPr marL="1828800" algn="l" defTabSz="914400" rtl="0" eaLnBrk="1" latinLnBrk="0" hangingPunct="1">
+              <a:defRPr kumimoji="1" sz="1800" kern="1200">
+                <a:solidFill>
+                  <a:schemeClr val="tx1"/>
+                </a:solidFill>
+                <a:latin typeface="+mn-lt"/>
+                <a:ea typeface="+mn-ea"/>
+                <a:cs typeface="+mn-cs"/>
+              </a:defRPr>
+            </a:lvl5pPr>
+            <a:lvl6pPr marL="2286000" algn="l" defTabSz="914400" rtl="0" eaLnBrk="1" latinLnBrk="0" hangingPunct="1">
+              <a:defRPr kumimoji="1" sz="1800" kern="1200">
+                <a:solidFill>
+                  <a:schemeClr val="tx1"/>
+                </a:solidFill>
+                <a:latin typeface="+mn-lt"/>
+                <a:ea typeface="+mn-ea"/>
+                <a:cs typeface="+mn-cs"/>
+              </a:defRPr>
+            </a:lvl6pPr>
+            <a:lvl7pPr marL="2743200" algn="l" defTabSz="914400" rtl="0" eaLnBrk="1" latinLnBrk="0" hangingPunct="1">
+              <a:defRPr kumimoji="1" sz="1800" kern="1200">
+                <a:solidFill>
+                  <a:schemeClr val="tx1"/>
+                </a:solidFill>
+                <a:latin typeface="+mn-lt"/>
+                <a:ea typeface="+mn-ea"/>
+                <a:cs typeface="+mn-cs"/>
+              </a:defRPr>
+            </a:lvl7pPr>
+            <a:lvl8pPr marL="3200400" algn="l" defTabSz="914400" rtl="0" eaLnBrk="1" latinLnBrk="0" hangingPunct="1">
+              <a:defRPr kumimoji="1" sz="1800" kern="1200">
+                <a:solidFill>
+                  <a:schemeClr val="tx1"/>
+                </a:solidFill>
+                <a:latin typeface="+mn-lt"/>
+                <a:ea typeface="+mn-ea"/>
+                <a:cs typeface="+mn-cs"/>
+              </a:defRPr>
+            </a:lvl8pPr>
+            <a:lvl9pPr marL="3657600" algn="l" defTabSz="914400" rtl="0" eaLnBrk="1" latinLnBrk="0" hangingPunct="1">
+              <a:defRPr kumimoji="1" sz="1800" kern="1200">
+                <a:solidFill>
+                  <a:schemeClr val="tx1"/>
+                </a:solidFill>
+                <a:latin typeface="+mn-lt"/>
+                <a:ea typeface="+mn-ea"/>
+                <a:cs typeface="+mn-cs"/>
+              </a:defRPr>
+            </a:lvl9pPr>
+          </a:lstStyle>
+          <a:p>
+            <a:pPr algn="ctr"/>
+            <a:r>
+              <a:rPr kumimoji="1" lang="en-US" altLang="ja-JP" sz="1200" dirty="0"/>
+              <a:t>API Management</a:t>
+            </a:r>
+            <a:endParaRPr lang="en-US" altLang="ja-JP" sz="1200" dirty="0"/>
+          </a:p>
+        </p:txBody>
+      </p:sp>
+      <p:sp>
+        <p:nvSpPr>
+          <p:cNvPr id="80" name="テキスト ボックス 47">
+            <a:extLst>
+              <a:ext uri="{FF2B5EF4-FFF2-40B4-BE49-F238E27FC236}">
+                <a16:creationId xmlns:a16="http://schemas.microsoft.com/office/drawing/2014/main" id="{04D261E8-ADF8-30C7-3F35-2DCFC1417EC0}"/>
+              </a:ext>
+            </a:extLst>
+          </p:cNvPr>
+          <p:cNvSpPr txBox="1"/>
+          <p:nvPr/>
+        </p:nvSpPr>
+        <p:spPr>
+          <a:xfrm>
+            <a:off x="9762833" y="2816263"/>
+            <a:ext cx="1718717" cy="307777"/>
+          </a:xfrm>
+          <a:prstGeom prst="rect">
+            <a:avLst/>
+          </a:prstGeom>
+          <a:noFill/>
+        </p:spPr>
+        <p:txBody>
+          <a:bodyPr wrap="square">
+            <a:spAutoFit/>
+          </a:bodyPr>
+          <a:lstStyle>
+            <a:defPPr>
+              <a:defRPr lang="ja-JP"/>
+            </a:defPPr>
+            <a:lvl1pPr marL="0" algn="l" defTabSz="914400" rtl="0" eaLnBrk="1" latinLnBrk="0" hangingPunct="1">
+              <a:defRPr kumimoji="1" sz="1800" kern="1200">
+                <a:solidFill>
+                  <a:schemeClr val="tx1"/>
+                </a:solidFill>
+                <a:latin typeface="+mn-lt"/>
+                <a:ea typeface="+mn-ea"/>
+                <a:cs typeface="+mn-cs"/>
+              </a:defRPr>
+            </a:lvl1pPr>
+            <a:lvl2pPr marL="457200" algn="l" defTabSz="914400" rtl="0" eaLnBrk="1" latinLnBrk="0" hangingPunct="1">
+              <a:defRPr kumimoji="1" sz="1800" kern="1200">
+                <a:solidFill>
+                  <a:schemeClr val="tx1"/>
+                </a:solidFill>
+                <a:latin typeface="+mn-lt"/>
+                <a:ea typeface="+mn-ea"/>
+                <a:cs typeface="+mn-cs"/>
+              </a:defRPr>
+            </a:lvl2pPr>
+            <a:lvl3pPr marL="914400" algn="l" defTabSz="914400" rtl="0" eaLnBrk="1" latinLnBrk="0" hangingPunct="1">
+              <a:defRPr kumimoji="1" sz="1800" kern="1200">
+                <a:solidFill>
+                  <a:schemeClr val="tx1"/>
+                </a:solidFill>
+                <a:latin typeface="+mn-lt"/>
+                <a:ea typeface="+mn-ea"/>
+                <a:cs typeface="+mn-cs"/>
+              </a:defRPr>
+            </a:lvl3pPr>
+            <a:lvl4pPr marL="1371600" algn="l" defTabSz="914400" rtl="0" eaLnBrk="1" latinLnBrk="0" hangingPunct="1">
+              <a:defRPr kumimoji="1" sz="1800" kern="1200">
+                <a:solidFill>
+                  <a:schemeClr val="tx1"/>
+                </a:solidFill>
+                <a:latin typeface="+mn-lt"/>
+                <a:ea typeface="+mn-ea"/>
+                <a:cs typeface="+mn-cs"/>
+              </a:defRPr>
+            </a:lvl4pPr>
+            <a:lvl5pPr marL="1828800" algn="l" defTabSz="914400" rtl="0" eaLnBrk="1" latinLnBrk="0" hangingPunct="1">
+              <a:defRPr kumimoji="1" sz="1800" kern="1200">
+                <a:solidFill>
+                  <a:schemeClr val="tx1"/>
+                </a:solidFill>
+                <a:latin typeface="+mn-lt"/>
+                <a:ea typeface="+mn-ea"/>
+                <a:cs typeface="+mn-cs"/>
+              </a:defRPr>
+            </a:lvl5pPr>
+            <a:lvl6pPr marL="2286000" algn="l" defTabSz="914400" rtl="0" eaLnBrk="1" latinLnBrk="0" hangingPunct="1">
+              <a:defRPr kumimoji="1" sz="1800" kern="1200">
+                <a:solidFill>
+                  <a:schemeClr val="tx1"/>
+                </a:solidFill>
+                <a:latin typeface="+mn-lt"/>
+                <a:ea typeface="+mn-ea"/>
+                <a:cs typeface="+mn-cs"/>
+              </a:defRPr>
+            </a:lvl6pPr>
+            <a:lvl7pPr marL="2743200" algn="l" defTabSz="914400" rtl="0" eaLnBrk="1" latinLnBrk="0" hangingPunct="1">
+              <a:defRPr kumimoji="1" sz="1800" kern="1200">
+                <a:solidFill>
+                  <a:schemeClr val="tx1"/>
+                </a:solidFill>
+                <a:latin typeface="+mn-lt"/>
+                <a:ea typeface="+mn-ea"/>
+                <a:cs typeface="+mn-cs"/>
+              </a:defRPr>
+            </a:lvl7pPr>
+            <a:lvl8pPr marL="3200400" algn="l" defTabSz="914400" rtl="0" eaLnBrk="1" latinLnBrk="0" hangingPunct="1">
+              <a:defRPr kumimoji="1" sz="1800" kern="1200">
+                <a:solidFill>
+                  <a:schemeClr val="tx1"/>
+                </a:solidFill>
+                <a:latin typeface="+mn-lt"/>
+                <a:ea typeface="+mn-ea"/>
+                <a:cs typeface="+mn-cs"/>
+              </a:defRPr>
+            </a:lvl8pPr>
+            <a:lvl9pPr marL="3657600" algn="l" defTabSz="914400" rtl="0" eaLnBrk="1" latinLnBrk="0" hangingPunct="1">
+              <a:defRPr kumimoji="1" sz="1800" kern="1200">
+                <a:solidFill>
+                  <a:schemeClr val="tx1"/>
+                </a:solidFill>
+                <a:latin typeface="+mn-lt"/>
+                <a:ea typeface="+mn-ea"/>
+                <a:cs typeface="+mn-cs"/>
+              </a:defRPr>
+            </a:lvl9pPr>
+          </a:lstStyle>
+          <a:p>
+            <a:pPr algn="ctr"/>
+            <a:r>
+              <a:rPr kumimoji="1" lang="en-US" altLang="ja-JP" sz="1400" dirty="0"/>
+              <a:t>API</a:t>
+            </a:r>
+            <a:r>
+              <a:rPr lang="ja-JP" altLang="en-US" sz="1400"/>
+              <a:t> 利用</a:t>
+            </a:r>
+            <a:endParaRPr kumimoji="1" lang="ja-JP" altLang="en-US" sz="1400" dirty="0"/>
+          </a:p>
+        </p:txBody>
+      </p:sp>
+    </p:spTree>
+    <p:extLst>
+      <p:ext uri="{BB962C8B-B14F-4D97-AF65-F5344CB8AC3E}">
+        <p14:creationId xmlns:p14="http://schemas.microsoft.com/office/powerpoint/2010/main" val="1771277498"/>
+      </p:ext>
+    </p:extLst>
+  </p:cSld>
+  <p:clrMapOvr>
+    <a:masterClrMapping/>
+  </p:clrMapOvr>
+</p:sld>
+</file>
+
+<file path=ppt/slides/slide3.xml><?xml version="1.0" encoding="utf-8"?>
+<p:sld xmlns:a="http://schemas.openxmlformats.org/drawingml/2006/main" xmlns:r="http://schemas.openxmlformats.org/officeDocument/2006/relationships" xmlns:p="http://schemas.openxmlformats.org/presentationml/2006/main">
+  <p:cSld>
+    <p:spTree>
+      <p:nvGrpSpPr>
+        <p:cNvPr id="1" name=""/>
+        <p:cNvGrpSpPr/>
+        <p:nvPr/>
+      </p:nvGrpSpPr>
+      <p:grpSpPr>
+        <a:xfrm>
+          <a:off x="0" y="0"/>
+          <a:ext cx="0" cy="0"/>
+          <a:chOff x="0" y="0"/>
+          <a:chExt cx="0" cy="0"/>
+        </a:xfrm>
+      </p:grpSpPr>
       <p:pic>
         <p:nvPicPr>
           <p:cNvPr id="4" name="グラフィックス 3">

--- a/docs/images/figures.pptx
+++ b/docs/images/figures.pptx
@@ -5,9 +5,27 @@
     <p:sldMasterId id="2147483648" r:id="rId1"/>
   </p:sldMasterIdLst>
   <p:sldIdLst>
-    <p:sldId id="256" r:id="rId2"/>
+    <p:sldId id="260" r:id="rId2"/>
     <p:sldId id="259" r:id="rId3"/>
-    <p:sldId id="257" r:id="rId4"/>
+    <p:sldId id="270" r:id="rId4"/>
+    <p:sldId id="257" r:id="rId5"/>
+    <p:sldId id="256" r:id="rId6"/>
+    <p:sldId id="261" r:id="rId7"/>
+    <p:sldId id="262" r:id="rId8"/>
+    <p:sldId id="263" r:id="rId9"/>
+    <p:sldId id="264" r:id="rId10"/>
+    <p:sldId id="265" r:id="rId11"/>
+    <p:sldId id="266" r:id="rId12"/>
+    <p:sldId id="267" r:id="rId13"/>
+    <p:sldId id="271" r:id="rId14"/>
+    <p:sldId id="269" r:id="rId15"/>
+    <p:sldId id="272" r:id="rId16"/>
+    <p:sldId id="273" r:id="rId17"/>
+    <p:sldId id="274" r:id="rId18"/>
+    <p:sldId id="276" r:id="rId19"/>
+    <p:sldId id="275" r:id="rId20"/>
+    <p:sldId id="277" r:id="rId21"/>
+    <p:sldId id="278" r:id="rId22"/>
   </p:sldIdLst>
   <p:sldSz cx="12192000" cy="6858000"/>
   <p:notesSz cx="6858000" cy="9144000"/>
@@ -261,7 +279,7 @@
           <a:p>
             <a:fld id="{8701E5DF-D4F1-1A4F-81CB-A9594971EC9A}" type="datetimeFigureOut">
               <a:rPr kumimoji="1" lang="ja-JP" altLang="en-US" smtClean="0"/>
-              <a:t>2022/12/26</a:t>
+              <a:t>2023/1/18</a:t>
             </a:fld>
             <a:endParaRPr kumimoji="1" lang="ja-JP" altLang="en-US"/>
           </a:p>
@@ -491,7 +509,7 @@
           <a:p>
             <a:fld id="{8701E5DF-D4F1-1A4F-81CB-A9594971EC9A}" type="datetimeFigureOut">
               <a:rPr kumimoji="1" lang="ja-JP" altLang="en-US" smtClean="0"/>
-              <a:t>2022/12/26</a:t>
+              <a:t>2023/1/18</a:t>
             </a:fld>
             <a:endParaRPr kumimoji="1" lang="ja-JP" altLang="en-US"/>
           </a:p>
@@ -731,7 +749,7 @@
           <a:p>
             <a:fld id="{8701E5DF-D4F1-1A4F-81CB-A9594971EC9A}" type="datetimeFigureOut">
               <a:rPr kumimoji="1" lang="ja-JP" altLang="en-US" smtClean="0"/>
-              <a:t>2022/12/26</a:t>
+              <a:t>2023/1/18</a:t>
             </a:fld>
             <a:endParaRPr kumimoji="1" lang="ja-JP" altLang="en-US"/>
           </a:p>
@@ -961,7 +979,7 @@
           <a:p>
             <a:fld id="{8701E5DF-D4F1-1A4F-81CB-A9594971EC9A}" type="datetimeFigureOut">
               <a:rPr kumimoji="1" lang="ja-JP" altLang="en-US" smtClean="0"/>
-              <a:t>2022/12/26</a:t>
+              <a:t>2023/1/18</a:t>
             </a:fld>
             <a:endParaRPr kumimoji="1" lang="ja-JP" altLang="en-US"/>
           </a:p>
@@ -1236,7 +1254,7 @@
           <a:p>
             <a:fld id="{8701E5DF-D4F1-1A4F-81CB-A9594971EC9A}" type="datetimeFigureOut">
               <a:rPr kumimoji="1" lang="ja-JP" altLang="en-US" smtClean="0"/>
-              <a:t>2022/12/26</a:t>
+              <a:t>2023/1/18</a:t>
             </a:fld>
             <a:endParaRPr kumimoji="1" lang="ja-JP" altLang="en-US"/>
           </a:p>
@@ -1565,7 +1583,7 @@
           <a:p>
             <a:fld id="{8701E5DF-D4F1-1A4F-81CB-A9594971EC9A}" type="datetimeFigureOut">
               <a:rPr kumimoji="1" lang="ja-JP" altLang="en-US" smtClean="0"/>
-              <a:t>2022/12/26</a:t>
+              <a:t>2023/1/18</a:t>
             </a:fld>
             <a:endParaRPr kumimoji="1" lang="ja-JP" altLang="en-US"/>
           </a:p>
@@ -2041,7 +2059,7 @@
           <a:p>
             <a:fld id="{8701E5DF-D4F1-1A4F-81CB-A9594971EC9A}" type="datetimeFigureOut">
               <a:rPr kumimoji="1" lang="ja-JP" altLang="en-US" smtClean="0"/>
-              <a:t>2022/12/26</a:t>
+              <a:t>2023/1/18</a:t>
             </a:fld>
             <a:endParaRPr kumimoji="1" lang="ja-JP" altLang="en-US"/>
           </a:p>
@@ -2182,7 +2200,7 @@
           <a:p>
             <a:fld id="{8701E5DF-D4F1-1A4F-81CB-A9594971EC9A}" type="datetimeFigureOut">
               <a:rPr kumimoji="1" lang="ja-JP" altLang="en-US" smtClean="0"/>
-              <a:t>2022/12/26</a:t>
+              <a:t>2023/1/18</a:t>
             </a:fld>
             <a:endParaRPr kumimoji="1" lang="ja-JP" altLang="en-US"/>
           </a:p>
@@ -2295,7 +2313,7 @@
           <a:p>
             <a:fld id="{8701E5DF-D4F1-1A4F-81CB-A9594971EC9A}" type="datetimeFigureOut">
               <a:rPr kumimoji="1" lang="ja-JP" altLang="en-US" smtClean="0"/>
-              <a:t>2022/12/26</a:t>
+              <a:t>2023/1/18</a:t>
             </a:fld>
             <a:endParaRPr kumimoji="1" lang="ja-JP" altLang="en-US"/>
           </a:p>
@@ -2638,7 +2656,7 @@
           <a:p>
             <a:fld id="{8701E5DF-D4F1-1A4F-81CB-A9594971EC9A}" type="datetimeFigureOut">
               <a:rPr kumimoji="1" lang="ja-JP" altLang="en-US" smtClean="0"/>
-              <a:t>2022/12/26</a:t>
+              <a:t>2023/1/18</a:t>
             </a:fld>
             <a:endParaRPr kumimoji="1" lang="ja-JP" altLang="en-US"/>
           </a:p>
@@ -2926,7 +2944,7 @@
           <a:p>
             <a:fld id="{8701E5DF-D4F1-1A4F-81CB-A9594971EC9A}" type="datetimeFigureOut">
               <a:rPr kumimoji="1" lang="ja-JP" altLang="en-US" smtClean="0"/>
-              <a:t>2022/12/26</a:t>
+              <a:t>2023/1/18</a:t>
             </a:fld>
             <a:endParaRPr kumimoji="1" lang="ja-JP" altLang="en-US"/>
           </a:p>
@@ -3199,7 +3217,7 @@
           <a:p>
             <a:fld id="{8701E5DF-D4F1-1A4F-81CB-A9594971EC9A}" type="datetimeFigureOut">
               <a:rPr kumimoji="1" lang="ja-JP" altLang="en-US" smtClean="0"/>
-              <a:t>2022/12/26</a:t>
+              <a:t>2023/1/18</a:t>
             </a:fld>
             <a:endParaRPr kumimoji="1" lang="ja-JP" altLang="en-US"/>
           </a:p>
@@ -3639,9 +3657,9 @@
           <a:p>
             <a:r>
               <a:rPr lang="en-US" altLang="ja-JP" dirty="0"/>
-              <a:t>Module 1</a:t>
-            </a:r>
-            <a:endParaRPr lang="ja-JP" altLang="en-US"/>
+              <a:t>Module 0</a:t>
+            </a:r>
+            <a:endParaRPr lang="ja-JP" altLang="en-US" dirty="0"/>
           </a:p>
         </p:txBody>
       </p:sp>
@@ -3673,7 +3691,2314 @@
     </p:spTree>
     <p:extLst>
       <p:ext uri="{BB962C8B-B14F-4D97-AF65-F5344CB8AC3E}">
-        <p14:creationId xmlns:p14="http://schemas.microsoft.com/office/powerpoint/2010/main" val="1468845572"/>
+        <p14:creationId xmlns:p14="http://schemas.microsoft.com/office/powerpoint/2010/main" val="2013214671"/>
+      </p:ext>
+    </p:extLst>
+  </p:cSld>
+  <p:clrMapOvr>
+    <a:masterClrMapping/>
+  </p:clrMapOvr>
+</p:sld>
+</file>
+
+<file path=ppt/slides/slide10.xml><?xml version="1.0" encoding="utf-8"?>
+<p:sld xmlns:a="http://schemas.openxmlformats.org/drawingml/2006/main" xmlns:r="http://schemas.openxmlformats.org/officeDocument/2006/relationships" xmlns:p="http://schemas.openxmlformats.org/presentationml/2006/main">
+  <p:cSld>
+    <p:spTree>
+      <p:nvGrpSpPr>
+        <p:cNvPr id="1" name=""/>
+        <p:cNvGrpSpPr/>
+        <p:nvPr/>
+      </p:nvGrpSpPr>
+      <p:grpSpPr>
+        <a:xfrm>
+          <a:off x="0" y="0"/>
+          <a:ext cx="0" cy="0"/>
+          <a:chOff x="0" y="0"/>
+          <a:chExt cx="0" cy="0"/>
+        </a:xfrm>
+      </p:grpSpPr>
+      <p:pic>
+        <p:nvPicPr>
+          <p:cNvPr id="3" name="図 2">
+            <a:extLst>
+              <a:ext uri="{FF2B5EF4-FFF2-40B4-BE49-F238E27FC236}">
+                <a16:creationId xmlns:a16="http://schemas.microsoft.com/office/drawing/2014/main" id="{4DB4DE5C-9ED3-F797-D64F-CF43729B84C3}"/>
+              </a:ext>
+            </a:extLst>
+          </p:cNvPr>
+          <p:cNvPicPr>
+            <a:picLocks noChangeAspect="1"/>
+          </p:cNvPicPr>
+          <p:nvPr/>
+        </p:nvPicPr>
+        <p:blipFill>
+          <a:blip r:embed="rId2"/>
+          <a:stretch>
+            <a:fillRect/>
+          </a:stretch>
+        </p:blipFill>
+        <p:spPr>
+          <a:xfrm>
+            <a:off x="211615" y="137123"/>
+            <a:ext cx="8327300" cy="4505571"/>
+          </a:xfrm>
+          <a:prstGeom prst="rect">
+            <a:avLst/>
+          </a:prstGeom>
+          <a:ln>
+            <a:noFill/>
+          </a:ln>
+          <a:effectLst>
+            <a:outerShdw blurRad="292100" dist="139700" dir="2700000" algn="tl" rotWithShape="0">
+              <a:srgbClr val="333333">
+                <a:alpha val="65000"/>
+              </a:srgbClr>
+            </a:outerShdw>
+          </a:effectLst>
+        </p:spPr>
+      </p:pic>
+      <p:sp>
+        <p:nvSpPr>
+          <p:cNvPr id="7" name="角丸四角形 36">
+            <a:extLst>
+              <a:ext uri="{FF2B5EF4-FFF2-40B4-BE49-F238E27FC236}">
+                <a16:creationId xmlns:a16="http://schemas.microsoft.com/office/drawing/2014/main" id="{E888EB54-0CD1-E350-5B08-02D70B32B2D0}"/>
+              </a:ext>
+            </a:extLst>
+          </p:cNvPr>
+          <p:cNvSpPr/>
+          <p:nvPr/>
+        </p:nvSpPr>
+        <p:spPr>
+          <a:xfrm>
+            <a:off x="211615" y="3614215"/>
+            <a:ext cx="1143425" cy="465634"/>
+          </a:xfrm>
+          <a:prstGeom prst="roundRect">
+            <a:avLst>
+              <a:gd name="adj" fmla="val 8100"/>
+            </a:avLst>
+          </a:prstGeom>
+          <a:noFill/>
+          <a:ln w="28575">
+            <a:solidFill>
+              <a:srgbClr val="FF0000"/>
+            </a:solidFill>
+          </a:ln>
+        </p:spPr>
+        <p:style>
+          <a:lnRef idx="2">
+            <a:schemeClr val="accent1">
+              <a:shade val="50000"/>
+            </a:schemeClr>
+          </a:lnRef>
+          <a:fillRef idx="1">
+            <a:schemeClr val="accent1"/>
+          </a:fillRef>
+          <a:effectRef idx="0">
+            <a:schemeClr val="accent1"/>
+          </a:effectRef>
+          <a:fontRef idx="minor">
+            <a:schemeClr val="lt1"/>
+          </a:fontRef>
+        </p:style>
+        <p:txBody>
+          <a:bodyPr rtlCol="0" anchor="ctr"/>
+          <a:lstStyle/>
+          <a:p>
+            <a:pPr algn="ctr"/>
+            <a:endParaRPr kumimoji="1" lang="ja-JP" altLang="en-US"/>
+          </a:p>
+        </p:txBody>
+      </p:sp>
+      <p:pic>
+        <p:nvPicPr>
+          <p:cNvPr id="12" name="図 11">
+            <a:extLst>
+              <a:ext uri="{FF2B5EF4-FFF2-40B4-BE49-F238E27FC236}">
+                <a16:creationId xmlns:a16="http://schemas.microsoft.com/office/drawing/2014/main" id="{F3F4EA48-DD20-D1E3-8094-E26E9B4A8865}"/>
+              </a:ext>
+            </a:extLst>
+          </p:cNvPr>
+          <p:cNvPicPr>
+            <a:picLocks noChangeAspect="1"/>
+          </p:cNvPicPr>
+          <p:nvPr/>
+        </p:nvPicPr>
+        <p:blipFill>
+          <a:blip r:embed="rId3"/>
+          <a:stretch>
+            <a:fillRect/>
+          </a:stretch>
+        </p:blipFill>
+        <p:spPr>
+          <a:xfrm>
+            <a:off x="1892503" y="2897951"/>
+            <a:ext cx="9160030" cy="3617037"/>
+          </a:xfrm>
+          <a:prstGeom prst="rect">
+            <a:avLst/>
+          </a:prstGeom>
+          <a:ln>
+            <a:noFill/>
+          </a:ln>
+          <a:effectLst>
+            <a:outerShdw blurRad="292100" dist="139700" dir="2700000" algn="tl" rotWithShape="0">
+              <a:srgbClr val="333333">
+                <a:alpha val="65000"/>
+              </a:srgbClr>
+            </a:outerShdw>
+          </a:effectLst>
+        </p:spPr>
+      </p:pic>
+      <p:sp>
+        <p:nvSpPr>
+          <p:cNvPr id="8" name="角丸四角形 36">
+            <a:extLst>
+              <a:ext uri="{FF2B5EF4-FFF2-40B4-BE49-F238E27FC236}">
+                <a16:creationId xmlns:a16="http://schemas.microsoft.com/office/drawing/2014/main" id="{2E9B2156-B6D0-9478-44D8-3674253BB709}"/>
+              </a:ext>
+            </a:extLst>
+          </p:cNvPr>
+          <p:cNvSpPr/>
+          <p:nvPr/>
+        </p:nvSpPr>
+        <p:spPr>
+          <a:xfrm>
+            <a:off x="1892503" y="6027402"/>
+            <a:ext cx="1143425" cy="384822"/>
+          </a:xfrm>
+          <a:prstGeom prst="roundRect">
+            <a:avLst>
+              <a:gd name="adj" fmla="val 8100"/>
+            </a:avLst>
+          </a:prstGeom>
+          <a:noFill/>
+          <a:ln w="28575">
+            <a:solidFill>
+              <a:srgbClr val="FF0000"/>
+            </a:solidFill>
+          </a:ln>
+        </p:spPr>
+        <p:style>
+          <a:lnRef idx="2">
+            <a:schemeClr val="accent1">
+              <a:shade val="50000"/>
+            </a:schemeClr>
+          </a:lnRef>
+          <a:fillRef idx="1">
+            <a:schemeClr val="accent1"/>
+          </a:fillRef>
+          <a:effectRef idx="0">
+            <a:schemeClr val="accent1"/>
+          </a:effectRef>
+          <a:fontRef idx="minor">
+            <a:schemeClr val="lt1"/>
+          </a:fontRef>
+        </p:style>
+        <p:txBody>
+          <a:bodyPr rtlCol="0" anchor="ctr"/>
+          <a:lstStyle/>
+          <a:p>
+            <a:pPr algn="ctr"/>
+            <a:endParaRPr kumimoji="1" lang="ja-JP" altLang="en-US"/>
+          </a:p>
+        </p:txBody>
+      </p:sp>
+      <p:sp>
+        <p:nvSpPr>
+          <p:cNvPr id="10" name="角丸四角形 36">
+            <a:extLst>
+              <a:ext uri="{FF2B5EF4-FFF2-40B4-BE49-F238E27FC236}">
+                <a16:creationId xmlns:a16="http://schemas.microsoft.com/office/drawing/2014/main" id="{F2F137AD-2A68-12BE-2456-E3ABCD3E5A3B}"/>
+              </a:ext>
+            </a:extLst>
+          </p:cNvPr>
+          <p:cNvSpPr/>
+          <p:nvPr/>
+        </p:nvSpPr>
+        <p:spPr>
+          <a:xfrm>
+            <a:off x="10219803" y="3887438"/>
+            <a:ext cx="484924" cy="384822"/>
+          </a:xfrm>
+          <a:prstGeom prst="roundRect">
+            <a:avLst>
+              <a:gd name="adj" fmla="val 8100"/>
+            </a:avLst>
+          </a:prstGeom>
+          <a:noFill/>
+          <a:ln w="28575">
+            <a:solidFill>
+              <a:srgbClr val="FF0000"/>
+            </a:solidFill>
+          </a:ln>
+        </p:spPr>
+        <p:style>
+          <a:lnRef idx="2">
+            <a:schemeClr val="accent1">
+              <a:shade val="50000"/>
+            </a:schemeClr>
+          </a:lnRef>
+          <a:fillRef idx="1">
+            <a:schemeClr val="accent1"/>
+          </a:fillRef>
+          <a:effectRef idx="0">
+            <a:schemeClr val="accent1"/>
+          </a:effectRef>
+          <a:fontRef idx="minor">
+            <a:schemeClr val="lt1"/>
+          </a:fontRef>
+        </p:style>
+        <p:txBody>
+          <a:bodyPr rtlCol="0" anchor="ctr"/>
+          <a:lstStyle/>
+          <a:p>
+            <a:pPr algn="ctr"/>
+            <a:endParaRPr kumimoji="1" lang="ja-JP" altLang="en-US"/>
+          </a:p>
+        </p:txBody>
+      </p:sp>
+    </p:spTree>
+    <p:extLst>
+      <p:ext uri="{BB962C8B-B14F-4D97-AF65-F5344CB8AC3E}">
+        <p14:creationId xmlns:p14="http://schemas.microsoft.com/office/powerpoint/2010/main" val="1912064427"/>
+      </p:ext>
+    </p:extLst>
+  </p:cSld>
+  <p:clrMapOvr>
+    <a:masterClrMapping/>
+  </p:clrMapOvr>
+</p:sld>
+</file>
+
+<file path=ppt/slides/slide11.xml><?xml version="1.0" encoding="utf-8"?>
+<p:sld xmlns:a="http://schemas.openxmlformats.org/drawingml/2006/main" xmlns:r="http://schemas.openxmlformats.org/officeDocument/2006/relationships" xmlns:p="http://schemas.openxmlformats.org/presentationml/2006/main">
+  <p:cSld>
+    <p:spTree>
+      <p:nvGrpSpPr>
+        <p:cNvPr id="1" name=""/>
+        <p:cNvGrpSpPr/>
+        <p:nvPr/>
+      </p:nvGrpSpPr>
+      <p:grpSpPr>
+        <a:xfrm>
+          <a:off x="0" y="0"/>
+          <a:ext cx="0" cy="0"/>
+          <a:chOff x="0" y="0"/>
+          <a:chExt cx="0" cy="0"/>
+        </a:xfrm>
+      </p:grpSpPr>
+      <p:pic>
+        <p:nvPicPr>
+          <p:cNvPr id="5" name="図 4">
+            <a:extLst>
+              <a:ext uri="{FF2B5EF4-FFF2-40B4-BE49-F238E27FC236}">
+                <a16:creationId xmlns:a16="http://schemas.microsoft.com/office/drawing/2014/main" id="{10BF6438-829F-A1F6-A269-3BA8CBA124DD}"/>
+              </a:ext>
+            </a:extLst>
+          </p:cNvPr>
+          <p:cNvPicPr>
+            <a:picLocks noChangeAspect="1"/>
+          </p:cNvPicPr>
+          <p:nvPr/>
+        </p:nvPicPr>
+        <p:blipFill>
+          <a:blip r:embed="rId2"/>
+          <a:stretch>
+            <a:fillRect/>
+          </a:stretch>
+        </p:blipFill>
+        <p:spPr>
+          <a:xfrm>
+            <a:off x="1057984" y="669875"/>
+            <a:ext cx="10076033" cy="5518251"/>
+          </a:xfrm>
+          <a:prstGeom prst="rect">
+            <a:avLst/>
+          </a:prstGeom>
+          <a:ln>
+            <a:noFill/>
+          </a:ln>
+          <a:effectLst>
+            <a:outerShdw blurRad="292100" dist="139700" dir="2700000" algn="tl" rotWithShape="0">
+              <a:srgbClr val="333333">
+                <a:alpha val="65000"/>
+              </a:srgbClr>
+            </a:outerShdw>
+          </a:effectLst>
+        </p:spPr>
+      </p:pic>
+      <p:sp>
+        <p:nvSpPr>
+          <p:cNvPr id="6" name="角丸四角形 36">
+            <a:extLst>
+              <a:ext uri="{FF2B5EF4-FFF2-40B4-BE49-F238E27FC236}">
+                <a16:creationId xmlns:a16="http://schemas.microsoft.com/office/drawing/2014/main" id="{F2E97228-D92A-9F4E-B1D2-38644C2F8CBE}"/>
+              </a:ext>
+            </a:extLst>
+          </p:cNvPr>
+          <p:cNvSpPr/>
+          <p:nvPr/>
+        </p:nvSpPr>
+        <p:spPr>
+          <a:xfrm>
+            <a:off x="5257440" y="669874"/>
+            <a:ext cx="1143425" cy="465634"/>
+          </a:xfrm>
+          <a:prstGeom prst="roundRect">
+            <a:avLst>
+              <a:gd name="adj" fmla="val 8100"/>
+            </a:avLst>
+          </a:prstGeom>
+          <a:noFill/>
+          <a:ln w="28575">
+            <a:solidFill>
+              <a:srgbClr val="FF0000"/>
+            </a:solidFill>
+          </a:ln>
+        </p:spPr>
+        <p:style>
+          <a:lnRef idx="2">
+            <a:schemeClr val="accent1">
+              <a:shade val="50000"/>
+            </a:schemeClr>
+          </a:lnRef>
+          <a:fillRef idx="1">
+            <a:schemeClr val="accent1"/>
+          </a:fillRef>
+          <a:effectRef idx="0">
+            <a:schemeClr val="accent1"/>
+          </a:effectRef>
+          <a:fontRef idx="minor">
+            <a:schemeClr val="lt1"/>
+          </a:fontRef>
+        </p:style>
+        <p:txBody>
+          <a:bodyPr rtlCol="0" anchor="ctr"/>
+          <a:lstStyle/>
+          <a:p>
+            <a:pPr algn="ctr"/>
+            <a:endParaRPr kumimoji="1" lang="ja-JP" altLang="en-US"/>
+          </a:p>
+        </p:txBody>
+      </p:sp>
+      <p:sp>
+        <p:nvSpPr>
+          <p:cNvPr id="7" name="角丸四角形 36">
+            <a:extLst>
+              <a:ext uri="{FF2B5EF4-FFF2-40B4-BE49-F238E27FC236}">
+                <a16:creationId xmlns:a16="http://schemas.microsoft.com/office/drawing/2014/main" id="{5A077755-98DA-7BAD-2781-B61EF470D9B3}"/>
+              </a:ext>
+            </a:extLst>
+          </p:cNvPr>
+          <p:cNvSpPr/>
+          <p:nvPr/>
+        </p:nvSpPr>
+        <p:spPr>
+          <a:xfrm>
+            <a:off x="4685727" y="1819802"/>
+            <a:ext cx="5913000" cy="607514"/>
+          </a:xfrm>
+          <a:prstGeom prst="roundRect">
+            <a:avLst>
+              <a:gd name="adj" fmla="val 8100"/>
+            </a:avLst>
+          </a:prstGeom>
+          <a:noFill/>
+          <a:ln w="28575">
+            <a:solidFill>
+              <a:srgbClr val="FF0000"/>
+            </a:solidFill>
+          </a:ln>
+        </p:spPr>
+        <p:style>
+          <a:lnRef idx="2">
+            <a:schemeClr val="accent1">
+              <a:shade val="50000"/>
+            </a:schemeClr>
+          </a:lnRef>
+          <a:fillRef idx="1">
+            <a:schemeClr val="accent1"/>
+          </a:fillRef>
+          <a:effectRef idx="0">
+            <a:schemeClr val="accent1"/>
+          </a:effectRef>
+          <a:fontRef idx="minor">
+            <a:schemeClr val="lt1"/>
+          </a:fontRef>
+        </p:style>
+        <p:txBody>
+          <a:bodyPr rtlCol="0" anchor="ctr"/>
+          <a:lstStyle/>
+          <a:p>
+            <a:pPr algn="ctr"/>
+            <a:endParaRPr kumimoji="1" lang="ja-JP" altLang="en-US"/>
+          </a:p>
+        </p:txBody>
+      </p:sp>
+      <p:sp>
+        <p:nvSpPr>
+          <p:cNvPr id="8" name="角丸四角形 36">
+            <a:extLst>
+              <a:ext uri="{FF2B5EF4-FFF2-40B4-BE49-F238E27FC236}">
+                <a16:creationId xmlns:a16="http://schemas.microsoft.com/office/drawing/2014/main" id="{3E4C591E-B76B-CD7E-4A44-5E12375E4210}"/>
+              </a:ext>
+            </a:extLst>
+          </p:cNvPr>
+          <p:cNvSpPr/>
+          <p:nvPr/>
+        </p:nvSpPr>
+        <p:spPr>
+          <a:xfrm>
+            <a:off x="1843680" y="5286209"/>
+            <a:ext cx="1714167" cy="465634"/>
+          </a:xfrm>
+          <a:prstGeom prst="roundRect">
+            <a:avLst>
+              <a:gd name="adj" fmla="val 8100"/>
+            </a:avLst>
+          </a:prstGeom>
+          <a:noFill/>
+          <a:ln w="28575">
+            <a:solidFill>
+              <a:srgbClr val="FF0000"/>
+            </a:solidFill>
+          </a:ln>
+        </p:spPr>
+        <p:style>
+          <a:lnRef idx="2">
+            <a:schemeClr val="accent1">
+              <a:shade val="50000"/>
+            </a:schemeClr>
+          </a:lnRef>
+          <a:fillRef idx="1">
+            <a:schemeClr val="accent1"/>
+          </a:fillRef>
+          <a:effectRef idx="0">
+            <a:schemeClr val="accent1"/>
+          </a:effectRef>
+          <a:fontRef idx="minor">
+            <a:schemeClr val="lt1"/>
+          </a:fontRef>
+        </p:style>
+        <p:txBody>
+          <a:bodyPr rtlCol="0" anchor="ctr"/>
+          <a:lstStyle/>
+          <a:p>
+            <a:pPr algn="ctr"/>
+            <a:endParaRPr kumimoji="1" lang="ja-JP" altLang="en-US"/>
+          </a:p>
+        </p:txBody>
+      </p:sp>
+      <p:sp>
+        <p:nvSpPr>
+          <p:cNvPr id="9" name="角丸四角形 36">
+            <a:extLst>
+              <a:ext uri="{FF2B5EF4-FFF2-40B4-BE49-F238E27FC236}">
+                <a16:creationId xmlns:a16="http://schemas.microsoft.com/office/drawing/2014/main" id="{38BF9AB2-96A8-53AC-1FFD-1579A9F84147}"/>
+              </a:ext>
+            </a:extLst>
+          </p:cNvPr>
+          <p:cNvSpPr/>
+          <p:nvPr/>
+        </p:nvSpPr>
+        <p:spPr>
+          <a:xfrm>
+            <a:off x="9268837" y="3965051"/>
+            <a:ext cx="1416667" cy="465634"/>
+          </a:xfrm>
+          <a:prstGeom prst="roundRect">
+            <a:avLst>
+              <a:gd name="adj" fmla="val 8100"/>
+            </a:avLst>
+          </a:prstGeom>
+          <a:noFill/>
+          <a:ln w="28575">
+            <a:solidFill>
+              <a:srgbClr val="FF0000"/>
+            </a:solidFill>
+          </a:ln>
+        </p:spPr>
+        <p:style>
+          <a:lnRef idx="2">
+            <a:schemeClr val="accent1">
+              <a:shade val="50000"/>
+            </a:schemeClr>
+          </a:lnRef>
+          <a:fillRef idx="1">
+            <a:schemeClr val="accent1"/>
+          </a:fillRef>
+          <a:effectRef idx="0">
+            <a:schemeClr val="accent1"/>
+          </a:effectRef>
+          <a:fontRef idx="minor">
+            <a:schemeClr val="lt1"/>
+          </a:fontRef>
+        </p:style>
+        <p:txBody>
+          <a:bodyPr rtlCol="0" anchor="ctr"/>
+          <a:lstStyle/>
+          <a:p>
+            <a:pPr algn="ctr"/>
+            <a:endParaRPr kumimoji="1" lang="ja-JP" altLang="en-US"/>
+          </a:p>
+        </p:txBody>
+      </p:sp>
+    </p:spTree>
+    <p:extLst>
+      <p:ext uri="{BB962C8B-B14F-4D97-AF65-F5344CB8AC3E}">
+        <p14:creationId xmlns:p14="http://schemas.microsoft.com/office/powerpoint/2010/main" val="2300084443"/>
+      </p:ext>
+    </p:extLst>
+  </p:cSld>
+  <p:clrMapOvr>
+    <a:masterClrMapping/>
+  </p:clrMapOvr>
+</p:sld>
+</file>
+
+<file path=ppt/slides/slide12.xml><?xml version="1.0" encoding="utf-8"?>
+<p:sld xmlns:a="http://schemas.openxmlformats.org/drawingml/2006/main" xmlns:r="http://schemas.openxmlformats.org/officeDocument/2006/relationships" xmlns:p="http://schemas.openxmlformats.org/presentationml/2006/main">
+  <p:cSld>
+    <p:spTree>
+      <p:nvGrpSpPr>
+        <p:cNvPr id="1" name=""/>
+        <p:cNvGrpSpPr/>
+        <p:nvPr/>
+      </p:nvGrpSpPr>
+      <p:grpSpPr>
+        <a:xfrm>
+          <a:off x="0" y="0"/>
+          <a:ext cx="0" cy="0"/>
+          <a:chOff x="0" y="0"/>
+          <a:chExt cx="0" cy="0"/>
+        </a:xfrm>
+      </p:grpSpPr>
+      <p:pic>
+        <p:nvPicPr>
+          <p:cNvPr id="3" name="図 2">
+            <a:extLst>
+              <a:ext uri="{FF2B5EF4-FFF2-40B4-BE49-F238E27FC236}">
+                <a16:creationId xmlns:a16="http://schemas.microsoft.com/office/drawing/2014/main" id="{55A2FB47-2F0C-87AC-7569-E8B174B46E44}"/>
+              </a:ext>
+            </a:extLst>
+          </p:cNvPr>
+          <p:cNvPicPr>
+            <a:picLocks noChangeAspect="1"/>
+          </p:cNvPicPr>
+          <p:nvPr/>
+        </p:nvPicPr>
+        <p:blipFill>
+          <a:blip r:embed="rId2"/>
+          <a:stretch>
+            <a:fillRect/>
+          </a:stretch>
+        </p:blipFill>
+        <p:spPr>
+          <a:xfrm>
+            <a:off x="1801142" y="311728"/>
+            <a:ext cx="8589716" cy="6234545"/>
+          </a:xfrm>
+          <a:prstGeom prst="rect">
+            <a:avLst/>
+          </a:prstGeom>
+          <a:ln>
+            <a:noFill/>
+          </a:ln>
+          <a:effectLst>
+            <a:outerShdw blurRad="292100" dist="139700" dir="2700000" algn="tl" rotWithShape="0">
+              <a:srgbClr val="333333">
+                <a:alpha val="65000"/>
+              </a:srgbClr>
+            </a:outerShdw>
+          </a:effectLst>
+        </p:spPr>
+      </p:pic>
+      <p:sp>
+        <p:nvSpPr>
+          <p:cNvPr id="4" name="角丸四角形 36">
+            <a:extLst>
+              <a:ext uri="{FF2B5EF4-FFF2-40B4-BE49-F238E27FC236}">
+                <a16:creationId xmlns:a16="http://schemas.microsoft.com/office/drawing/2014/main" id="{53BF4516-40E0-05B2-A0FA-C9DAA94EA791}"/>
+              </a:ext>
+            </a:extLst>
+          </p:cNvPr>
+          <p:cNvSpPr/>
+          <p:nvPr/>
+        </p:nvSpPr>
+        <p:spPr>
+          <a:xfrm>
+            <a:off x="4650394" y="2057097"/>
+            <a:ext cx="1287879" cy="423304"/>
+          </a:xfrm>
+          <a:prstGeom prst="roundRect">
+            <a:avLst>
+              <a:gd name="adj" fmla="val 8100"/>
+            </a:avLst>
+          </a:prstGeom>
+          <a:noFill/>
+          <a:ln w="28575">
+            <a:solidFill>
+              <a:srgbClr val="FF0000"/>
+            </a:solidFill>
+          </a:ln>
+        </p:spPr>
+        <p:style>
+          <a:lnRef idx="2">
+            <a:schemeClr val="accent1">
+              <a:shade val="50000"/>
+            </a:schemeClr>
+          </a:lnRef>
+          <a:fillRef idx="1">
+            <a:schemeClr val="accent1"/>
+          </a:fillRef>
+          <a:effectRef idx="0">
+            <a:schemeClr val="accent1"/>
+          </a:effectRef>
+          <a:fontRef idx="minor">
+            <a:schemeClr val="lt1"/>
+          </a:fontRef>
+        </p:style>
+        <p:txBody>
+          <a:bodyPr rtlCol="0" anchor="ctr"/>
+          <a:lstStyle/>
+          <a:p>
+            <a:pPr algn="ctr"/>
+            <a:endParaRPr kumimoji="1" lang="ja-JP" altLang="en-US"/>
+          </a:p>
+        </p:txBody>
+      </p:sp>
+      <p:sp>
+        <p:nvSpPr>
+          <p:cNvPr id="5" name="角丸四角形 36">
+            <a:extLst>
+              <a:ext uri="{FF2B5EF4-FFF2-40B4-BE49-F238E27FC236}">
+                <a16:creationId xmlns:a16="http://schemas.microsoft.com/office/drawing/2014/main" id="{D5EA96EC-A1E9-06DF-A564-3310C349A125}"/>
+              </a:ext>
+            </a:extLst>
+          </p:cNvPr>
+          <p:cNvSpPr/>
+          <p:nvPr/>
+        </p:nvSpPr>
+        <p:spPr>
+          <a:xfrm>
+            <a:off x="4650394" y="3589410"/>
+            <a:ext cx="5740464" cy="2956862"/>
+          </a:xfrm>
+          <a:prstGeom prst="roundRect">
+            <a:avLst>
+              <a:gd name="adj" fmla="val 8100"/>
+            </a:avLst>
+          </a:prstGeom>
+          <a:noFill/>
+          <a:ln w="28575">
+            <a:solidFill>
+              <a:srgbClr val="FF0000"/>
+            </a:solidFill>
+          </a:ln>
+        </p:spPr>
+        <p:style>
+          <a:lnRef idx="2">
+            <a:schemeClr val="accent1">
+              <a:shade val="50000"/>
+            </a:schemeClr>
+          </a:lnRef>
+          <a:fillRef idx="1">
+            <a:schemeClr val="accent1"/>
+          </a:fillRef>
+          <a:effectRef idx="0">
+            <a:schemeClr val="accent1"/>
+          </a:effectRef>
+          <a:fontRef idx="minor">
+            <a:schemeClr val="lt1"/>
+          </a:fontRef>
+        </p:style>
+        <p:txBody>
+          <a:bodyPr rtlCol="0" anchor="ctr"/>
+          <a:lstStyle/>
+          <a:p>
+            <a:pPr algn="ctr"/>
+            <a:endParaRPr kumimoji="1" lang="ja-JP" altLang="en-US"/>
+          </a:p>
+        </p:txBody>
+      </p:sp>
+    </p:spTree>
+    <p:extLst>
+      <p:ext uri="{BB962C8B-B14F-4D97-AF65-F5344CB8AC3E}">
+        <p14:creationId xmlns:p14="http://schemas.microsoft.com/office/powerpoint/2010/main" val="3455597920"/>
+      </p:ext>
+    </p:extLst>
+  </p:cSld>
+  <p:clrMapOvr>
+    <a:masterClrMapping/>
+  </p:clrMapOvr>
+</p:sld>
+</file>
+
+<file path=ppt/slides/slide13.xml><?xml version="1.0" encoding="utf-8"?>
+<p:sld xmlns:a="http://schemas.openxmlformats.org/drawingml/2006/main" xmlns:r="http://schemas.openxmlformats.org/officeDocument/2006/relationships" xmlns:p="http://schemas.openxmlformats.org/presentationml/2006/main">
+  <p:cSld>
+    <p:spTree>
+      <p:nvGrpSpPr>
+        <p:cNvPr id="1" name=""/>
+        <p:cNvGrpSpPr/>
+        <p:nvPr/>
+      </p:nvGrpSpPr>
+      <p:grpSpPr>
+        <a:xfrm>
+          <a:off x="0" y="0"/>
+          <a:ext cx="0" cy="0"/>
+          <a:chOff x="0" y="0"/>
+          <a:chExt cx="0" cy="0"/>
+        </a:xfrm>
+      </p:grpSpPr>
+      <p:sp>
+        <p:nvSpPr>
+          <p:cNvPr id="4" name="タイトル 3">
+            <a:extLst>
+              <a:ext uri="{FF2B5EF4-FFF2-40B4-BE49-F238E27FC236}">
+                <a16:creationId xmlns:a16="http://schemas.microsoft.com/office/drawing/2014/main" id="{B056C706-CAED-E361-B6D2-841866E6A72A}"/>
+              </a:ext>
+            </a:extLst>
+          </p:cNvPr>
+          <p:cNvSpPr>
+            <a:spLocks noGrp="1"/>
+          </p:cNvSpPr>
+          <p:nvPr>
+            <p:ph type="ctrTitle"/>
+          </p:nvPr>
+        </p:nvSpPr>
+        <p:spPr/>
+        <p:txBody>
+          <a:bodyPr/>
+          <a:lstStyle/>
+          <a:p>
+            <a:r>
+              <a:rPr lang="en-US" altLang="ja-JP" dirty="0"/>
+              <a:t>Module 1</a:t>
+            </a:r>
+            <a:endParaRPr lang="ja-JP" altLang="en-US" dirty="0"/>
+          </a:p>
+        </p:txBody>
+      </p:sp>
+      <p:sp>
+        <p:nvSpPr>
+          <p:cNvPr id="5" name="字幕 4">
+            <a:extLst>
+              <a:ext uri="{FF2B5EF4-FFF2-40B4-BE49-F238E27FC236}">
+                <a16:creationId xmlns:a16="http://schemas.microsoft.com/office/drawing/2014/main" id="{418DD1D5-C103-7EC3-5E1A-20E7A30788A7}"/>
+              </a:ext>
+            </a:extLst>
+          </p:cNvPr>
+          <p:cNvSpPr>
+            <a:spLocks noGrp="1"/>
+          </p:cNvSpPr>
+          <p:nvPr>
+            <p:ph type="subTitle" idx="1"/>
+          </p:nvPr>
+        </p:nvSpPr>
+        <p:spPr/>
+        <p:txBody>
+          <a:bodyPr/>
+          <a:lstStyle/>
+          <a:p>
+            <a:r>
+              <a:rPr lang="en-US" altLang="ja-JP" dirty="0"/>
+              <a:t>Step3</a:t>
+            </a:r>
+            <a:endParaRPr lang="ja-JP" altLang="en-US" dirty="0"/>
+          </a:p>
+        </p:txBody>
+      </p:sp>
+    </p:spTree>
+    <p:extLst>
+      <p:ext uri="{BB962C8B-B14F-4D97-AF65-F5344CB8AC3E}">
+        <p14:creationId xmlns:p14="http://schemas.microsoft.com/office/powerpoint/2010/main" val="2941177154"/>
+      </p:ext>
+    </p:extLst>
+  </p:cSld>
+  <p:clrMapOvr>
+    <a:masterClrMapping/>
+  </p:clrMapOvr>
+</p:sld>
+</file>
+
+<file path=ppt/slides/slide14.xml><?xml version="1.0" encoding="utf-8"?>
+<p:sld xmlns:a="http://schemas.openxmlformats.org/drawingml/2006/main" xmlns:r="http://schemas.openxmlformats.org/officeDocument/2006/relationships" xmlns:p="http://schemas.openxmlformats.org/presentationml/2006/main">
+  <p:cSld>
+    <p:spTree>
+      <p:nvGrpSpPr>
+        <p:cNvPr id="1" name=""/>
+        <p:cNvGrpSpPr/>
+        <p:nvPr/>
+      </p:nvGrpSpPr>
+      <p:grpSpPr>
+        <a:xfrm>
+          <a:off x="0" y="0"/>
+          <a:ext cx="0" cy="0"/>
+          <a:chOff x="0" y="0"/>
+          <a:chExt cx="0" cy="0"/>
+        </a:xfrm>
+      </p:grpSpPr>
+      <p:pic>
+        <p:nvPicPr>
+          <p:cNvPr id="3" name="図 2">
+            <a:extLst>
+              <a:ext uri="{FF2B5EF4-FFF2-40B4-BE49-F238E27FC236}">
+                <a16:creationId xmlns:a16="http://schemas.microsoft.com/office/drawing/2014/main" id="{13ED2AFE-7A7F-A6FA-2916-B26230E57A72}"/>
+              </a:ext>
+            </a:extLst>
+          </p:cNvPr>
+          <p:cNvPicPr>
+            <a:picLocks noChangeAspect="1"/>
+          </p:cNvPicPr>
+          <p:nvPr/>
+        </p:nvPicPr>
+        <p:blipFill>
+          <a:blip r:embed="rId2"/>
+          <a:stretch>
+            <a:fillRect/>
+          </a:stretch>
+        </p:blipFill>
+        <p:spPr>
+          <a:xfrm>
+            <a:off x="317107" y="202713"/>
+            <a:ext cx="8007762" cy="4381725"/>
+          </a:xfrm>
+          <a:prstGeom prst="rect">
+            <a:avLst/>
+          </a:prstGeom>
+          <a:ln>
+            <a:noFill/>
+          </a:ln>
+          <a:effectLst>
+            <a:outerShdw blurRad="292100" dist="139700" dir="2700000" algn="tl" rotWithShape="0">
+              <a:srgbClr val="333333">
+                <a:alpha val="65000"/>
+              </a:srgbClr>
+            </a:outerShdw>
+          </a:effectLst>
+        </p:spPr>
+      </p:pic>
+      <p:sp>
+        <p:nvSpPr>
+          <p:cNvPr id="4" name="角丸四角形 36">
+            <a:extLst>
+              <a:ext uri="{FF2B5EF4-FFF2-40B4-BE49-F238E27FC236}">
+                <a16:creationId xmlns:a16="http://schemas.microsoft.com/office/drawing/2014/main" id="{B285665C-1B30-9CE8-78EA-6F102B345FC1}"/>
+              </a:ext>
+            </a:extLst>
+          </p:cNvPr>
+          <p:cNvSpPr/>
+          <p:nvPr/>
+        </p:nvSpPr>
+        <p:spPr>
+          <a:xfrm>
+            <a:off x="192694" y="2083991"/>
+            <a:ext cx="1468018" cy="518014"/>
+          </a:xfrm>
+          <a:prstGeom prst="roundRect">
+            <a:avLst>
+              <a:gd name="adj" fmla="val 8100"/>
+            </a:avLst>
+          </a:prstGeom>
+          <a:noFill/>
+          <a:ln w="28575">
+            <a:solidFill>
+              <a:srgbClr val="FF0000"/>
+            </a:solidFill>
+          </a:ln>
+        </p:spPr>
+        <p:style>
+          <a:lnRef idx="2">
+            <a:schemeClr val="accent1">
+              <a:shade val="50000"/>
+            </a:schemeClr>
+          </a:lnRef>
+          <a:fillRef idx="1">
+            <a:schemeClr val="accent1"/>
+          </a:fillRef>
+          <a:effectRef idx="0">
+            <a:schemeClr val="accent1"/>
+          </a:effectRef>
+          <a:fontRef idx="minor">
+            <a:schemeClr val="lt1"/>
+          </a:fontRef>
+        </p:style>
+        <p:txBody>
+          <a:bodyPr rtlCol="0" anchor="ctr"/>
+          <a:lstStyle/>
+          <a:p>
+            <a:pPr algn="ctr"/>
+            <a:endParaRPr kumimoji="1" lang="ja-JP" altLang="en-US"/>
+          </a:p>
+        </p:txBody>
+      </p:sp>
+      <p:sp>
+        <p:nvSpPr>
+          <p:cNvPr id="5" name="角丸四角形 36">
+            <a:extLst>
+              <a:ext uri="{FF2B5EF4-FFF2-40B4-BE49-F238E27FC236}">
+                <a16:creationId xmlns:a16="http://schemas.microsoft.com/office/drawing/2014/main" id="{578CA991-C183-E1B5-2C8C-C6F9E12029ED}"/>
+              </a:ext>
+            </a:extLst>
+          </p:cNvPr>
+          <p:cNvSpPr/>
+          <p:nvPr/>
+        </p:nvSpPr>
+        <p:spPr>
+          <a:xfrm>
+            <a:off x="2731947" y="1160626"/>
+            <a:ext cx="1468018" cy="518014"/>
+          </a:xfrm>
+          <a:prstGeom prst="roundRect">
+            <a:avLst>
+              <a:gd name="adj" fmla="val 8100"/>
+            </a:avLst>
+          </a:prstGeom>
+          <a:noFill/>
+          <a:ln w="28575">
+            <a:solidFill>
+              <a:srgbClr val="FF0000"/>
+            </a:solidFill>
+          </a:ln>
+        </p:spPr>
+        <p:style>
+          <a:lnRef idx="2">
+            <a:schemeClr val="accent1">
+              <a:shade val="50000"/>
+            </a:schemeClr>
+          </a:lnRef>
+          <a:fillRef idx="1">
+            <a:schemeClr val="accent1"/>
+          </a:fillRef>
+          <a:effectRef idx="0">
+            <a:schemeClr val="accent1"/>
+          </a:effectRef>
+          <a:fontRef idx="minor">
+            <a:schemeClr val="lt1"/>
+          </a:fontRef>
+        </p:style>
+        <p:txBody>
+          <a:bodyPr rtlCol="0" anchor="ctr"/>
+          <a:lstStyle/>
+          <a:p>
+            <a:pPr algn="ctr"/>
+            <a:endParaRPr kumimoji="1" lang="ja-JP" altLang="en-US"/>
+          </a:p>
+        </p:txBody>
+      </p:sp>
+      <p:pic>
+        <p:nvPicPr>
+          <p:cNvPr id="10" name="図 9">
+            <a:extLst>
+              <a:ext uri="{FF2B5EF4-FFF2-40B4-BE49-F238E27FC236}">
+                <a16:creationId xmlns:a16="http://schemas.microsoft.com/office/drawing/2014/main" id="{AEC03539-B65D-FA16-091B-C4E355608BC1}"/>
+              </a:ext>
+            </a:extLst>
+          </p:cNvPr>
+          <p:cNvPicPr>
+            <a:picLocks noChangeAspect="1"/>
+          </p:cNvPicPr>
+          <p:nvPr/>
+        </p:nvPicPr>
+        <p:blipFill>
+          <a:blip r:embed="rId3"/>
+          <a:stretch>
+            <a:fillRect/>
+          </a:stretch>
+        </p:blipFill>
+        <p:spPr>
+          <a:xfrm>
+            <a:off x="5103234" y="2194092"/>
+            <a:ext cx="6692095" cy="4258277"/>
+          </a:xfrm>
+          <a:prstGeom prst="rect">
+            <a:avLst/>
+          </a:prstGeom>
+          <a:ln>
+            <a:noFill/>
+          </a:ln>
+          <a:effectLst>
+            <a:outerShdw blurRad="292100" dist="139700" dir="2700000" algn="tl" rotWithShape="0">
+              <a:srgbClr val="333333">
+                <a:alpha val="65000"/>
+              </a:srgbClr>
+            </a:outerShdw>
+          </a:effectLst>
+        </p:spPr>
+      </p:pic>
+      <p:sp>
+        <p:nvSpPr>
+          <p:cNvPr id="8" name="角丸四角形 36">
+            <a:extLst>
+              <a:ext uri="{FF2B5EF4-FFF2-40B4-BE49-F238E27FC236}">
+                <a16:creationId xmlns:a16="http://schemas.microsoft.com/office/drawing/2014/main" id="{2F4A577F-0BE8-DFBB-E68F-1B61401B9422}"/>
+              </a:ext>
+            </a:extLst>
+          </p:cNvPr>
+          <p:cNvSpPr/>
+          <p:nvPr/>
+        </p:nvSpPr>
+        <p:spPr>
+          <a:xfrm>
+            <a:off x="8449281" y="2742895"/>
+            <a:ext cx="1468018" cy="518014"/>
+          </a:xfrm>
+          <a:prstGeom prst="roundRect">
+            <a:avLst>
+              <a:gd name="adj" fmla="val 8100"/>
+            </a:avLst>
+          </a:prstGeom>
+          <a:noFill/>
+          <a:ln w="28575">
+            <a:solidFill>
+              <a:srgbClr val="FF0000"/>
+            </a:solidFill>
+          </a:ln>
+        </p:spPr>
+        <p:style>
+          <a:lnRef idx="2">
+            <a:schemeClr val="accent1">
+              <a:shade val="50000"/>
+            </a:schemeClr>
+          </a:lnRef>
+          <a:fillRef idx="1">
+            <a:schemeClr val="accent1"/>
+          </a:fillRef>
+          <a:effectRef idx="0">
+            <a:schemeClr val="accent1"/>
+          </a:effectRef>
+          <a:fontRef idx="minor">
+            <a:schemeClr val="lt1"/>
+          </a:fontRef>
+        </p:style>
+        <p:txBody>
+          <a:bodyPr rtlCol="0" anchor="ctr"/>
+          <a:lstStyle/>
+          <a:p>
+            <a:pPr algn="ctr"/>
+            <a:endParaRPr kumimoji="1" lang="ja-JP" altLang="en-US"/>
+          </a:p>
+        </p:txBody>
+      </p:sp>
+    </p:spTree>
+    <p:extLst>
+      <p:ext uri="{BB962C8B-B14F-4D97-AF65-F5344CB8AC3E}">
+        <p14:creationId xmlns:p14="http://schemas.microsoft.com/office/powerpoint/2010/main" val="2142590133"/>
+      </p:ext>
+    </p:extLst>
+  </p:cSld>
+  <p:clrMapOvr>
+    <a:masterClrMapping/>
+  </p:clrMapOvr>
+</p:sld>
+</file>
+
+<file path=ppt/slides/slide15.xml><?xml version="1.0" encoding="utf-8"?>
+<p:sld xmlns:a="http://schemas.openxmlformats.org/drawingml/2006/main" xmlns:r="http://schemas.openxmlformats.org/officeDocument/2006/relationships" xmlns:p="http://schemas.openxmlformats.org/presentationml/2006/main">
+  <p:cSld>
+    <p:spTree>
+      <p:nvGrpSpPr>
+        <p:cNvPr id="1" name=""/>
+        <p:cNvGrpSpPr/>
+        <p:nvPr/>
+      </p:nvGrpSpPr>
+      <p:grpSpPr>
+        <a:xfrm>
+          <a:off x="0" y="0"/>
+          <a:ext cx="0" cy="0"/>
+          <a:chOff x="0" y="0"/>
+          <a:chExt cx="0" cy="0"/>
+        </a:xfrm>
+      </p:grpSpPr>
+      <p:pic>
+        <p:nvPicPr>
+          <p:cNvPr id="15" name="図 14">
+            <a:extLst>
+              <a:ext uri="{FF2B5EF4-FFF2-40B4-BE49-F238E27FC236}">
+                <a16:creationId xmlns:a16="http://schemas.microsoft.com/office/drawing/2014/main" id="{E5D17ABA-BAB4-D58D-EB88-5005925B8658}"/>
+              </a:ext>
+            </a:extLst>
+          </p:cNvPr>
+          <p:cNvPicPr>
+            <a:picLocks noChangeAspect="1"/>
+          </p:cNvPicPr>
+          <p:nvPr/>
+        </p:nvPicPr>
+        <p:blipFill>
+          <a:blip r:embed="rId2"/>
+          <a:stretch>
+            <a:fillRect/>
+          </a:stretch>
+        </p:blipFill>
+        <p:spPr>
+          <a:xfrm>
+            <a:off x="482240" y="423320"/>
+            <a:ext cx="8002181" cy="5667768"/>
+          </a:xfrm>
+          <a:prstGeom prst="rect">
+            <a:avLst/>
+          </a:prstGeom>
+          <a:ln>
+            <a:noFill/>
+          </a:ln>
+          <a:effectLst>
+            <a:outerShdw blurRad="292100" dist="139700" dir="2700000" algn="tl" rotWithShape="0">
+              <a:srgbClr val="333333">
+                <a:alpha val="65000"/>
+              </a:srgbClr>
+            </a:outerShdw>
+          </a:effectLst>
+        </p:spPr>
+      </p:pic>
+      <p:sp>
+        <p:nvSpPr>
+          <p:cNvPr id="10" name="角丸四角形 36">
+            <a:extLst>
+              <a:ext uri="{FF2B5EF4-FFF2-40B4-BE49-F238E27FC236}">
+                <a16:creationId xmlns:a16="http://schemas.microsoft.com/office/drawing/2014/main" id="{7D825471-CEE7-144C-B685-EF789067D197}"/>
+              </a:ext>
+            </a:extLst>
+          </p:cNvPr>
+          <p:cNvSpPr/>
+          <p:nvPr/>
+        </p:nvSpPr>
+        <p:spPr>
+          <a:xfrm>
+            <a:off x="482240" y="1867860"/>
+            <a:ext cx="1334562" cy="518014"/>
+          </a:xfrm>
+          <a:prstGeom prst="roundRect">
+            <a:avLst>
+              <a:gd name="adj" fmla="val 8100"/>
+            </a:avLst>
+          </a:prstGeom>
+          <a:noFill/>
+          <a:ln w="28575">
+            <a:solidFill>
+              <a:srgbClr val="FF0000"/>
+            </a:solidFill>
+          </a:ln>
+        </p:spPr>
+        <p:style>
+          <a:lnRef idx="2">
+            <a:schemeClr val="accent1">
+              <a:shade val="50000"/>
+            </a:schemeClr>
+          </a:lnRef>
+          <a:fillRef idx="1">
+            <a:schemeClr val="accent1"/>
+          </a:fillRef>
+          <a:effectRef idx="0">
+            <a:schemeClr val="accent1"/>
+          </a:effectRef>
+          <a:fontRef idx="minor">
+            <a:schemeClr val="lt1"/>
+          </a:fontRef>
+        </p:style>
+        <p:txBody>
+          <a:bodyPr rtlCol="0" anchor="ctr"/>
+          <a:lstStyle/>
+          <a:p>
+            <a:pPr algn="ctr"/>
+            <a:endParaRPr kumimoji="1" lang="ja-JP" altLang="en-US"/>
+          </a:p>
+        </p:txBody>
+      </p:sp>
+      <p:sp>
+        <p:nvSpPr>
+          <p:cNvPr id="11" name="角丸四角形 36">
+            <a:extLst>
+              <a:ext uri="{FF2B5EF4-FFF2-40B4-BE49-F238E27FC236}">
+                <a16:creationId xmlns:a16="http://schemas.microsoft.com/office/drawing/2014/main" id="{7701C399-F167-56F6-F713-FC9D20E2E7F4}"/>
+              </a:ext>
+            </a:extLst>
+          </p:cNvPr>
+          <p:cNvSpPr/>
+          <p:nvPr/>
+        </p:nvSpPr>
+        <p:spPr>
+          <a:xfrm>
+            <a:off x="2079908" y="2843901"/>
+            <a:ext cx="1334562" cy="389192"/>
+          </a:xfrm>
+          <a:prstGeom prst="roundRect">
+            <a:avLst>
+              <a:gd name="adj" fmla="val 8100"/>
+            </a:avLst>
+          </a:prstGeom>
+          <a:noFill/>
+          <a:ln w="28575">
+            <a:solidFill>
+              <a:srgbClr val="FF0000"/>
+            </a:solidFill>
+          </a:ln>
+        </p:spPr>
+        <p:style>
+          <a:lnRef idx="2">
+            <a:schemeClr val="accent1">
+              <a:shade val="50000"/>
+            </a:schemeClr>
+          </a:lnRef>
+          <a:fillRef idx="1">
+            <a:schemeClr val="accent1"/>
+          </a:fillRef>
+          <a:effectRef idx="0">
+            <a:schemeClr val="accent1"/>
+          </a:effectRef>
+          <a:fontRef idx="minor">
+            <a:schemeClr val="lt1"/>
+          </a:fontRef>
+        </p:style>
+        <p:txBody>
+          <a:bodyPr rtlCol="0" anchor="ctr"/>
+          <a:lstStyle/>
+          <a:p>
+            <a:pPr algn="ctr"/>
+            <a:endParaRPr kumimoji="1" lang="ja-JP" altLang="en-US"/>
+          </a:p>
+        </p:txBody>
+      </p:sp>
+      <p:sp>
+        <p:nvSpPr>
+          <p:cNvPr id="16" name="角丸四角形 36">
+            <a:extLst>
+              <a:ext uri="{FF2B5EF4-FFF2-40B4-BE49-F238E27FC236}">
+                <a16:creationId xmlns:a16="http://schemas.microsoft.com/office/drawing/2014/main" id="{39575B00-3D72-6B6F-AE60-7C7E05E112BB}"/>
+              </a:ext>
+            </a:extLst>
+          </p:cNvPr>
+          <p:cNvSpPr/>
+          <p:nvPr/>
+        </p:nvSpPr>
+        <p:spPr>
+          <a:xfrm>
+            <a:off x="2079908" y="3522774"/>
+            <a:ext cx="1334562" cy="389192"/>
+          </a:xfrm>
+          <a:prstGeom prst="roundRect">
+            <a:avLst>
+              <a:gd name="adj" fmla="val 8100"/>
+            </a:avLst>
+          </a:prstGeom>
+          <a:noFill/>
+          <a:ln w="28575">
+            <a:solidFill>
+              <a:srgbClr val="FF0000"/>
+            </a:solidFill>
+          </a:ln>
+        </p:spPr>
+        <p:style>
+          <a:lnRef idx="2">
+            <a:schemeClr val="accent1">
+              <a:shade val="50000"/>
+            </a:schemeClr>
+          </a:lnRef>
+          <a:fillRef idx="1">
+            <a:schemeClr val="accent1"/>
+          </a:fillRef>
+          <a:effectRef idx="0">
+            <a:schemeClr val="accent1"/>
+          </a:effectRef>
+          <a:fontRef idx="minor">
+            <a:schemeClr val="lt1"/>
+          </a:fontRef>
+        </p:style>
+        <p:txBody>
+          <a:bodyPr rtlCol="0" anchor="ctr"/>
+          <a:lstStyle/>
+          <a:p>
+            <a:pPr algn="ctr"/>
+            <a:endParaRPr kumimoji="1" lang="ja-JP" altLang="en-US"/>
+          </a:p>
+        </p:txBody>
+      </p:sp>
+    </p:spTree>
+    <p:extLst>
+      <p:ext uri="{BB962C8B-B14F-4D97-AF65-F5344CB8AC3E}">
+        <p14:creationId xmlns:p14="http://schemas.microsoft.com/office/powerpoint/2010/main" val="2539932957"/>
+      </p:ext>
+    </p:extLst>
+  </p:cSld>
+  <p:clrMapOvr>
+    <a:masterClrMapping/>
+  </p:clrMapOvr>
+</p:sld>
+</file>
+
+<file path=ppt/slides/slide16.xml><?xml version="1.0" encoding="utf-8"?>
+<p:sld xmlns:a="http://schemas.openxmlformats.org/drawingml/2006/main" xmlns:r="http://schemas.openxmlformats.org/officeDocument/2006/relationships" xmlns:p="http://schemas.openxmlformats.org/presentationml/2006/main">
+  <p:cSld>
+    <p:spTree>
+      <p:nvGrpSpPr>
+        <p:cNvPr id="1" name=""/>
+        <p:cNvGrpSpPr/>
+        <p:nvPr/>
+      </p:nvGrpSpPr>
+      <p:grpSpPr>
+        <a:xfrm>
+          <a:off x="0" y="0"/>
+          <a:ext cx="0" cy="0"/>
+          <a:chOff x="0" y="0"/>
+          <a:chExt cx="0" cy="0"/>
+        </a:xfrm>
+      </p:grpSpPr>
+      <p:pic>
+        <p:nvPicPr>
+          <p:cNvPr id="5" name="図 4">
+            <a:extLst>
+              <a:ext uri="{FF2B5EF4-FFF2-40B4-BE49-F238E27FC236}">
+                <a16:creationId xmlns:a16="http://schemas.microsoft.com/office/drawing/2014/main" id="{A6DDCADA-6128-58BC-7ABB-1C3F37BADCA9}"/>
+              </a:ext>
+            </a:extLst>
+          </p:cNvPr>
+          <p:cNvPicPr>
+            <a:picLocks noChangeAspect="1"/>
+          </p:cNvPicPr>
+          <p:nvPr/>
+        </p:nvPicPr>
+        <p:blipFill>
+          <a:blip r:embed="rId2"/>
+          <a:stretch>
+            <a:fillRect/>
+          </a:stretch>
+        </p:blipFill>
+        <p:spPr>
+          <a:xfrm>
+            <a:off x="360743" y="245226"/>
+            <a:ext cx="5241508" cy="6234545"/>
+          </a:xfrm>
+          <a:prstGeom prst="rect">
+            <a:avLst/>
+          </a:prstGeom>
+          <a:ln>
+            <a:noFill/>
+          </a:ln>
+          <a:effectLst>
+            <a:outerShdw blurRad="292100" dist="139700" dir="2700000" algn="tl" rotWithShape="0">
+              <a:srgbClr val="333333">
+                <a:alpha val="65000"/>
+              </a:srgbClr>
+            </a:outerShdw>
+          </a:effectLst>
+        </p:spPr>
+      </p:pic>
+      <p:pic>
+        <p:nvPicPr>
+          <p:cNvPr id="7" name="図 6">
+            <a:extLst>
+              <a:ext uri="{FF2B5EF4-FFF2-40B4-BE49-F238E27FC236}">
+                <a16:creationId xmlns:a16="http://schemas.microsoft.com/office/drawing/2014/main" id="{BBD00AFB-89D7-9B1D-9DF7-A718193F7737}"/>
+              </a:ext>
+            </a:extLst>
+          </p:cNvPr>
+          <p:cNvPicPr>
+            <a:picLocks noChangeAspect="1"/>
+          </p:cNvPicPr>
+          <p:nvPr/>
+        </p:nvPicPr>
+        <p:blipFill>
+          <a:blip r:embed="rId3"/>
+          <a:stretch>
+            <a:fillRect/>
+          </a:stretch>
+        </p:blipFill>
+        <p:spPr>
+          <a:xfrm>
+            <a:off x="6066038" y="3757807"/>
+            <a:ext cx="2598077" cy="2667475"/>
+          </a:xfrm>
+          <a:prstGeom prst="rect">
+            <a:avLst/>
+          </a:prstGeom>
+          <a:ln>
+            <a:noFill/>
+          </a:ln>
+          <a:effectLst>
+            <a:outerShdw blurRad="292100" dist="139700" dir="2700000" algn="tl" rotWithShape="0">
+              <a:srgbClr val="333333">
+                <a:alpha val="65000"/>
+              </a:srgbClr>
+            </a:outerShdw>
+          </a:effectLst>
+        </p:spPr>
+      </p:pic>
+      <p:sp>
+        <p:nvSpPr>
+          <p:cNvPr id="8" name="角丸四角形 36">
+            <a:extLst>
+              <a:ext uri="{FF2B5EF4-FFF2-40B4-BE49-F238E27FC236}">
+                <a16:creationId xmlns:a16="http://schemas.microsoft.com/office/drawing/2014/main" id="{AED618D9-1E23-DBEA-ACFD-EDDC646DFC98}"/>
+              </a:ext>
+            </a:extLst>
+          </p:cNvPr>
+          <p:cNvSpPr/>
+          <p:nvPr/>
+        </p:nvSpPr>
+        <p:spPr>
+          <a:xfrm>
+            <a:off x="436760" y="2305664"/>
+            <a:ext cx="1334562" cy="518014"/>
+          </a:xfrm>
+          <a:prstGeom prst="roundRect">
+            <a:avLst>
+              <a:gd name="adj" fmla="val 8100"/>
+            </a:avLst>
+          </a:prstGeom>
+          <a:noFill/>
+          <a:ln w="28575">
+            <a:solidFill>
+              <a:srgbClr val="FF0000"/>
+            </a:solidFill>
+          </a:ln>
+        </p:spPr>
+        <p:style>
+          <a:lnRef idx="2">
+            <a:schemeClr val="accent1">
+              <a:shade val="50000"/>
+            </a:schemeClr>
+          </a:lnRef>
+          <a:fillRef idx="1">
+            <a:schemeClr val="accent1"/>
+          </a:fillRef>
+          <a:effectRef idx="0">
+            <a:schemeClr val="accent1"/>
+          </a:effectRef>
+          <a:fontRef idx="minor">
+            <a:schemeClr val="lt1"/>
+          </a:fontRef>
+        </p:style>
+        <p:txBody>
+          <a:bodyPr rtlCol="0" anchor="ctr"/>
+          <a:lstStyle/>
+          <a:p>
+            <a:pPr algn="ctr"/>
+            <a:endParaRPr kumimoji="1" lang="ja-JP" altLang="en-US"/>
+          </a:p>
+        </p:txBody>
+      </p:sp>
+      <p:sp>
+        <p:nvSpPr>
+          <p:cNvPr id="9" name="角丸四角形 36">
+            <a:extLst>
+              <a:ext uri="{FF2B5EF4-FFF2-40B4-BE49-F238E27FC236}">
+                <a16:creationId xmlns:a16="http://schemas.microsoft.com/office/drawing/2014/main" id="{17C8F243-1FD7-F81B-DD4B-0F1545CF20D7}"/>
+              </a:ext>
+            </a:extLst>
+          </p:cNvPr>
+          <p:cNvSpPr/>
+          <p:nvPr/>
+        </p:nvSpPr>
+        <p:spPr>
+          <a:xfrm>
+            <a:off x="2816971" y="3239793"/>
+            <a:ext cx="1334562" cy="518014"/>
+          </a:xfrm>
+          <a:prstGeom prst="roundRect">
+            <a:avLst>
+              <a:gd name="adj" fmla="val 8100"/>
+            </a:avLst>
+          </a:prstGeom>
+          <a:noFill/>
+          <a:ln w="28575">
+            <a:solidFill>
+              <a:srgbClr val="FF0000"/>
+            </a:solidFill>
+          </a:ln>
+        </p:spPr>
+        <p:style>
+          <a:lnRef idx="2">
+            <a:schemeClr val="accent1">
+              <a:shade val="50000"/>
+            </a:schemeClr>
+          </a:lnRef>
+          <a:fillRef idx="1">
+            <a:schemeClr val="accent1"/>
+          </a:fillRef>
+          <a:effectRef idx="0">
+            <a:schemeClr val="accent1"/>
+          </a:effectRef>
+          <a:fontRef idx="minor">
+            <a:schemeClr val="lt1"/>
+          </a:fontRef>
+        </p:style>
+        <p:txBody>
+          <a:bodyPr rtlCol="0" anchor="ctr"/>
+          <a:lstStyle/>
+          <a:p>
+            <a:pPr algn="ctr"/>
+            <a:endParaRPr kumimoji="1" lang="ja-JP" altLang="en-US"/>
+          </a:p>
+        </p:txBody>
+      </p:sp>
+      <p:sp>
+        <p:nvSpPr>
+          <p:cNvPr id="10" name="角丸四角形 36">
+            <a:extLst>
+              <a:ext uri="{FF2B5EF4-FFF2-40B4-BE49-F238E27FC236}">
+                <a16:creationId xmlns:a16="http://schemas.microsoft.com/office/drawing/2014/main" id="{E8A1F41B-5866-4735-2271-EB95A98EDFA7}"/>
+              </a:ext>
+            </a:extLst>
+          </p:cNvPr>
+          <p:cNvSpPr/>
+          <p:nvPr/>
+        </p:nvSpPr>
+        <p:spPr>
+          <a:xfrm>
+            <a:off x="3024789" y="4688979"/>
+            <a:ext cx="1334562" cy="518014"/>
+          </a:xfrm>
+          <a:prstGeom prst="roundRect">
+            <a:avLst>
+              <a:gd name="adj" fmla="val 8100"/>
+            </a:avLst>
+          </a:prstGeom>
+          <a:noFill/>
+          <a:ln w="28575">
+            <a:solidFill>
+              <a:srgbClr val="FF0000"/>
+            </a:solidFill>
+          </a:ln>
+        </p:spPr>
+        <p:style>
+          <a:lnRef idx="2">
+            <a:schemeClr val="accent1">
+              <a:shade val="50000"/>
+            </a:schemeClr>
+          </a:lnRef>
+          <a:fillRef idx="1">
+            <a:schemeClr val="accent1"/>
+          </a:fillRef>
+          <a:effectRef idx="0">
+            <a:schemeClr val="accent1"/>
+          </a:effectRef>
+          <a:fontRef idx="minor">
+            <a:schemeClr val="lt1"/>
+          </a:fontRef>
+        </p:style>
+        <p:txBody>
+          <a:bodyPr rtlCol="0" anchor="ctr"/>
+          <a:lstStyle/>
+          <a:p>
+            <a:pPr algn="ctr"/>
+            <a:endParaRPr kumimoji="1" lang="ja-JP" altLang="en-US"/>
+          </a:p>
+        </p:txBody>
+      </p:sp>
+      <p:sp>
+        <p:nvSpPr>
+          <p:cNvPr id="11" name="角丸四角形 36">
+            <a:extLst>
+              <a:ext uri="{FF2B5EF4-FFF2-40B4-BE49-F238E27FC236}">
+                <a16:creationId xmlns:a16="http://schemas.microsoft.com/office/drawing/2014/main" id="{78F156FE-5BA1-7AB8-0CCF-A7E9B2DA0F3B}"/>
+              </a:ext>
+            </a:extLst>
+          </p:cNvPr>
+          <p:cNvSpPr/>
+          <p:nvPr/>
+        </p:nvSpPr>
+        <p:spPr>
+          <a:xfrm>
+            <a:off x="6096000" y="4481161"/>
+            <a:ext cx="1334562" cy="518014"/>
+          </a:xfrm>
+          <a:prstGeom prst="roundRect">
+            <a:avLst>
+              <a:gd name="adj" fmla="val 8100"/>
+            </a:avLst>
+          </a:prstGeom>
+          <a:noFill/>
+          <a:ln w="28575">
+            <a:solidFill>
+              <a:srgbClr val="FF0000"/>
+            </a:solidFill>
+          </a:ln>
+        </p:spPr>
+        <p:style>
+          <a:lnRef idx="2">
+            <a:schemeClr val="accent1">
+              <a:shade val="50000"/>
+            </a:schemeClr>
+          </a:lnRef>
+          <a:fillRef idx="1">
+            <a:schemeClr val="accent1"/>
+          </a:fillRef>
+          <a:effectRef idx="0">
+            <a:schemeClr val="accent1"/>
+          </a:effectRef>
+          <a:fontRef idx="minor">
+            <a:schemeClr val="lt1"/>
+          </a:fontRef>
+        </p:style>
+        <p:txBody>
+          <a:bodyPr rtlCol="0" anchor="ctr"/>
+          <a:lstStyle/>
+          <a:p>
+            <a:pPr algn="ctr"/>
+            <a:endParaRPr kumimoji="1" lang="ja-JP" altLang="en-US"/>
+          </a:p>
+        </p:txBody>
+      </p:sp>
+    </p:spTree>
+    <p:extLst>
+      <p:ext uri="{BB962C8B-B14F-4D97-AF65-F5344CB8AC3E}">
+        <p14:creationId xmlns:p14="http://schemas.microsoft.com/office/powerpoint/2010/main" val="2584592046"/>
+      </p:ext>
+    </p:extLst>
+  </p:cSld>
+  <p:clrMapOvr>
+    <a:masterClrMapping/>
+  </p:clrMapOvr>
+</p:sld>
+</file>
+
+<file path=ppt/slides/slide17.xml><?xml version="1.0" encoding="utf-8"?>
+<p:sld xmlns:a="http://schemas.openxmlformats.org/drawingml/2006/main" xmlns:r="http://schemas.openxmlformats.org/officeDocument/2006/relationships" xmlns:p="http://schemas.openxmlformats.org/presentationml/2006/main">
+  <p:cSld>
+    <p:spTree>
+      <p:nvGrpSpPr>
+        <p:cNvPr id="1" name=""/>
+        <p:cNvGrpSpPr/>
+        <p:nvPr/>
+      </p:nvGrpSpPr>
+      <p:grpSpPr>
+        <a:xfrm>
+          <a:off x="0" y="0"/>
+          <a:ext cx="0" cy="0"/>
+          <a:chOff x="0" y="0"/>
+          <a:chExt cx="0" cy="0"/>
+        </a:xfrm>
+      </p:grpSpPr>
+      <p:pic>
+        <p:nvPicPr>
+          <p:cNvPr id="5" name="図 4">
+            <a:extLst>
+              <a:ext uri="{FF2B5EF4-FFF2-40B4-BE49-F238E27FC236}">
+                <a16:creationId xmlns:a16="http://schemas.microsoft.com/office/drawing/2014/main" id="{E689920C-26EF-FD40-6CA6-E186C44D14BF}"/>
+              </a:ext>
+            </a:extLst>
+          </p:cNvPr>
+          <p:cNvPicPr>
+            <a:picLocks noChangeAspect="1"/>
+          </p:cNvPicPr>
+          <p:nvPr/>
+        </p:nvPicPr>
+        <p:blipFill>
+          <a:blip r:embed="rId2"/>
+          <a:stretch>
+            <a:fillRect/>
+          </a:stretch>
+        </p:blipFill>
+        <p:spPr>
+          <a:xfrm>
+            <a:off x="242637" y="258404"/>
+            <a:ext cx="9268327" cy="4235300"/>
+          </a:xfrm>
+          <a:prstGeom prst="rect">
+            <a:avLst/>
+          </a:prstGeom>
+          <a:ln>
+            <a:noFill/>
+          </a:ln>
+          <a:effectLst>
+            <a:outerShdw blurRad="292100" dist="139700" dir="2700000" algn="tl" rotWithShape="0">
+              <a:srgbClr val="333333">
+                <a:alpha val="65000"/>
+              </a:srgbClr>
+            </a:outerShdw>
+          </a:effectLst>
+        </p:spPr>
+      </p:pic>
+      <p:pic>
+        <p:nvPicPr>
+          <p:cNvPr id="7" name="図 6">
+            <a:extLst>
+              <a:ext uri="{FF2B5EF4-FFF2-40B4-BE49-F238E27FC236}">
+                <a16:creationId xmlns:a16="http://schemas.microsoft.com/office/drawing/2014/main" id="{2A49BAE7-6ACB-055A-6462-D8D2951FD55D}"/>
+              </a:ext>
+            </a:extLst>
+          </p:cNvPr>
+          <p:cNvPicPr>
+            <a:picLocks noChangeAspect="1"/>
+          </p:cNvPicPr>
+          <p:nvPr/>
+        </p:nvPicPr>
+        <p:blipFill rotWithShape="1">
+          <a:blip r:embed="rId3"/>
+          <a:srcRect r="15496"/>
+          <a:stretch/>
+        </p:blipFill>
+        <p:spPr>
+          <a:xfrm>
+            <a:off x="6244803" y="2056724"/>
+            <a:ext cx="5792026" cy="3846933"/>
+          </a:xfrm>
+          <a:prstGeom prst="rect">
+            <a:avLst/>
+          </a:prstGeom>
+          <a:ln>
+            <a:noFill/>
+          </a:ln>
+          <a:effectLst>
+            <a:outerShdw blurRad="292100" dist="139700" dir="2700000" algn="tl" rotWithShape="0">
+              <a:srgbClr val="333333">
+                <a:alpha val="65000"/>
+              </a:srgbClr>
+            </a:outerShdw>
+          </a:effectLst>
+        </p:spPr>
+      </p:pic>
+      <p:sp>
+        <p:nvSpPr>
+          <p:cNvPr id="8" name="角丸四角形 36">
+            <a:extLst>
+              <a:ext uri="{FF2B5EF4-FFF2-40B4-BE49-F238E27FC236}">
+                <a16:creationId xmlns:a16="http://schemas.microsoft.com/office/drawing/2014/main" id="{EA99DCDE-FACD-703A-7985-AFF1CCAEA86B}"/>
+              </a:ext>
+            </a:extLst>
+          </p:cNvPr>
+          <p:cNvSpPr/>
+          <p:nvPr/>
+        </p:nvSpPr>
+        <p:spPr>
+          <a:xfrm>
+            <a:off x="292673" y="258404"/>
+            <a:ext cx="1334562" cy="518014"/>
+          </a:xfrm>
+          <a:prstGeom prst="roundRect">
+            <a:avLst>
+              <a:gd name="adj" fmla="val 8100"/>
+            </a:avLst>
+          </a:prstGeom>
+          <a:noFill/>
+          <a:ln w="28575">
+            <a:solidFill>
+              <a:srgbClr val="FF0000"/>
+            </a:solidFill>
+          </a:ln>
+        </p:spPr>
+        <p:style>
+          <a:lnRef idx="2">
+            <a:schemeClr val="accent1">
+              <a:shade val="50000"/>
+            </a:schemeClr>
+          </a:lnRef>
+          <a:fillRef idx="1">
+            <a:schemeClr val="accent1"/>
+          </a:fillRef>
+          <a:effectRef idx="0">
+            <a:schemeClr val="accent1"/>
+          </a:effectRef>
+          <a:fontRef idx="minor">
+            <a:schemeClr val="lt1"/>
+          </a:fontRef>
+        </p:style>
+        <p:txBody>
+          <a:bodyPr rtlCol="0" anchor="ctr"/>
+          <a:lstStyle/>
+          <a:p>
+            <a:pPr algn="ctr"/>
+            <a:endParaRPr kumimoji="1" lang="ja-JP" altLang="en-US"/>
+          </a:p>
+        </p:txBody>
+      </p:sp>
+      <p:sp>
+        <p:nvSpPr>
+          <p:cNvPr id="9" name="角丸四角形 36">
+            <a:extLst>
+              <a:ext uri="{FF2B5EF4-FFF2-40B4-BE49-F238E27FC236}">
+                <a16:creationId xmlns:a16="http://schemas.microsoft.com/office/drawing/2014/main" id="{D62EF49D-60C0-8DB9-FA0C-7206C79ABC38}"/>
+              </a:ext>
+            </a:extLst>
+          </p:cNvPr>
+          <p:cNvSpPr/>
+          <p:nvPr/>
+        </p:nvSpPr>
+        <p:spPr>
+          <a:xfrm>
+            <a:off x="6180854" y="2056724"/>
+            <a:ext cx="1334562" cy="518014"/>
+          </a:xfrm>
+          <a:prstGeom prst="roundRect">
+            <a:avLst>
+              <a:gd name="adj" fmla="val 8100"/>
+            </a:avLst>
+          </a:prstGeom>
+          <a:noFill/>
+          <a:ln w="28575">
+            <a:solidFill>
+              <a:srgbClr val="FF0000"/>
+            </a:solidFill>
+          </a:ln>
+        </p:spPr>
+        <p:style>
+          <a:lnRef idx="2">
+            <a:schemeClr val="accent1">
+              <a:shade val="50000"/>
+            </a:schemeClr>
+          </a:lnRef>
+          <a:fillRef idx="1">
+            <a:schemeClr val="accent1"/>
+          </a:fillRef>
+          <a:effectRef idx="0">
+            <a:schemeClr val="accent1"/>
+          </a:effectRef>
+          <a:fontRef idx="minor">
+            <a:schemeClr val="lt1"/>
+          </a:fontRef>
+        </p:style>
+        <p:txBody>
+          <a:bodyPr rtlCol="0" anchor="ctr"/>
+          <a:lstStyle/>
+          <a:p>
+            <a:pPr algn="ctr"/>
+            <a:endParaRPr kumimoji="1" lang="ja-JP" altLang="en-US"/>
+          </a:p>
+        </p:txBody>
+      </p:sp>
+    </p:spTree>
+    <p:extLst>
+      <p:ext uri="{BB962C8B-B14F-4D97-AF65-F5344CB8AC3E}">
+        <p14:creationId xmlns:p14="http://schemas.microsoft.com/office/powerpoint/2010/main" val="3239873979"/>
+      </p:ext>
+    </p:extLst>
+  </p:cSld>
+  <p:clrMapOvr>
+    <a:masterClrMapping/>
+  </p:clrMapOvr>
+</p:sld>
+</file>
+
+<file path=ppt/slides/slide18.xml><?xml version="1.0" encoding="utf-8"?>
+<p:sld xmlns:a="http://schemas.openxmlformats.org/drawingml/2006/main" xmlns:r="http://schemas.openxmlformats.org/officeDocument/2006/relationships" xmlns:p="http://schemas.openxmlformats.org/presentationml/2006/main">
+  <p:cSld>
+    <p:spTree>
+      <p:nvGrpSpPr>
+        <p:cNvPr id="1" name=""/>
+        <p:cNvGrpSpPr/>
+        <p:nvPr/>
+      </p:nvGrpSpPr>
+      <p:grpSpPr>
+        <a:xfrm>
+          <a:off x="0" y="0"/>
+          <a:ext cx="0" cy="0"/>
+          <a:chOff x="0" y="0"/>
+          <a:chExt cx="0" cy="0"/>
+        </a:xfrm>
+      </p:grpSpPr>
+      <p:pic>
+        <p:nvPicPr>
+          <p:cNvPr id="3" name="図 2">
+            <a:extLst>
+              <a:ext uri="{FF2B5EF4-FFF2-40B4-BE49-F238E27FC236}">
+                <a16:creationId xmlns:a16="http://schemas.microsoft.com/office/drawing/2014/main" id="{FD006802-3830-C5D9-43A4-8D5DDA9103DC}"/>
+              </a:ext>
+            </a:extLst>
+          </p:cNvPr>
+          <p:cNvPicPr>
+            <a:picLocks noChangeAspect="1"/>
+          </p:cNvPicPr>
+          <p:nvPr/>
+        </p:nvPicPr>
+        <p:blipFill>
+          <a:blip r:embed="rId2"/>
+          <a:stretch>
+            <a:fillRect/>
+          </a:stretch>
+        </p:blipFill>
+        <p:spPr>
+          <a:xfrm>
+            <a:off x="931064" y="3378484"/>
+            <a:ext cx="3369347" cy="2849775"/>
+          </a:xfrm>
+          <a:prstGeom prst="rect">
+            <a:avLst/>
+          </a:prstGeom>
+          <a:ln>
+            <a:noFill/>
+          </a:ln>
+          <a:effectLst>
+            <a:outerShdw blurRad="292100" dist="139700" dir="2700000" algn="tl" rotWithShape="0">
+              <a:srgbClr val="333333">
+                <a:alpha val="65000"/>
+              </a:srgbClr>
+            </a:outerShdw>
+          </a:effectLst>
+        </p:spPr>
+      </p:pic>
+      <p:pic>
+        <p:nvPicPr>
+          <p:cNvPr id="5" name="図 4">
+            <a:extLst>
+              <a:ext uri="{FF2B5EF4-FFF2-40B4-BE49-F238E27FC236}">
+                <a16:creationId xmlns:a16="http://schemas.microsoft.com/office/drawing/2014/main" id="{8A109430-0B55-0C65-DD4C-DCB18187219F}"/>
+              </a:ext>
+            </a:extLst>
+          </p:cNvPr>
+          <p:cNvPicPr>
+            <a:picLocks noChangeAspect="1"/>
+          </p:cNvPicPr>
+          <p:nvPr/>
+        </p:nvPicPr>
+        <p:blipFill>
+          <a:blip r:embed="rId3"/>
+          <a:stretch>
+            <a:fillRect/>
+          </a:stretch>
+        </p:blipFill>
+        <p:spPr>
+          <a:xfrm>
+            <a:off x="206260" y="249323"/>
+            <a:ext cx="3411332" cy="2797293"/>
+          </a:xfrm>
+          <a:prstGeom prst="rect">
+            <a:avLst/>
+          </a:prstGeom>
+          <a:ln>
+            <a:noFill/>
+          </a:ln>
+          <a:effectLst>
+            <a:outerShdw blurRad="292100" dist="139700" dir="2700000" algn="tl" rotWithShape="0">
+              <a:srgbClr val="333333">
+                <a:alpha val="65000"/>
+              </a:srgbClr>
+            </a:outerShdw>
+          </a:effectLst>
+        </p:spPr>
+      </p:pic>
+      <p:sp>
+        <p:nvSpPr>
+          <p:cNvPr id="6" name="角丸四角形 36">
+            <a:extLst>
+              <a:ext uri="{FF2B5EF4-FFF2-40B4-BE49-F238E27FC236}">
+                <a16:creationId xmlns:a16="http://schemas.microsoft.com/office/drawing/2014/main" id="{A6A72608-CFA2-6A6F-2854-9230BD8D6431}"/>
+              </a:ext>
+            </a:extLst>
+          </p:cNvPr>
+          <p:cNvSpPr/>
+          <p:nvPr/>
+        </p:nvSpPr>
+        <p:spPr>
+          <a:xfrm>
+            <a:off x="2637336" y="1760745"/>
+            <a:ext cx="1102944" cy="428111"/>
+          </a:xfrm>
+          <a:prstGeom prst="roundRect">
+            <a:avLst>
+              <a:gd name="adj" fmla="val 8100"/>
+            </a:avLst>
+          </a:prstGeom>
+          <a:noFill/>
+          <a:ln w="28575">
+            <a:solidFill>
+              <a:srgbClr val="FF0000"/>
+            </a:solidFill>
+          </a:ln>
+        </p:spPr>
+        <p:style>
+          <a:lnRef idx="2">
+            <a:schemeClr val="accent1">
+              <a:shade val="50000"/>
+            </a:schemeClr>
+          </a:lnRef>
+          <a:fillRef idx="1">
+            <a:schemeClr val="accent1"/>
+          </a:fillRef>
+          <a:effectRef idx="0">
+            <a:schemeClr val="accent1"/>
+          </a:effectRef>
+          <a:fontRef idx="minor">
+            <a:schemeClr val="lt1"/>
+          </a:fontRef>
+        </p:style>
+        <p:txBody>
+          <a:bodyPr rtlCol="0" anchor="ctr"/>
+          <a:lstStyle/>
+          <a:p>
+            <a:pPr algn="ctr"/>
+            <a:endParaRPr kumimoji="1" lang="ja-JP" altLang="en-US"/>
+          </a:p>
+        </p:txBody>
+      </p:sp>
+      <p:pic>
+        <p:nvPicPr>
+          <p:cNvPr id="8" name="図 7">
+            <a:extLst>
+              <a:ext uri="{FF2B5EF4-FFF2-40B4-BE49-F238E27FC236}">
+                <a16:creationId xmlns:a16="http://schemas.microsoft.com/office/drawing/2014/main" id="{298D65AD-95CE-26AE-AA5D-1458512CA924}"/>
+              </a:ext>
+            </a:extLst>
+          </p:cNvPr>
+          <p:cNvPicPr>
+            <a:picLocks noChangeAspect="1"/>
+          </p:cNvPicPr>
+          <p:nvPr/>
+        </p:nvPicPr>
+        <p:blipFill>
+          <a:blip r:embed="rId4"/>
+          <a:stretch>
+            <a:fillRect/>
+          </a:stretch>
+        </p:blipFill>
+        <p:spPr>
+          <a:xfrm>
+            <a:off x="4960784" y="478738"/>
+            <a:ext cx="3445296" cy="5667768"/>
+          </a:xfrm>
+          <a:prstGeom prst="rect">
+            <a:avLst/>
+          </a:prstGeom>
+          <a:ln>
+            <a:noFill/>
+          </a:ln>
+          <a:effectLst>
+            <a:outerShdw blurRad="292100" dist="139700" dir="2700000" algn="tl" rotWithShape="0">
+              <a:srgbClr val="333333">
+                <a:alpha val="65000"/>
+              </a:srgbClr>
+            </a:outerShdw>
+          </a:effectLst>
+        </p:spPr>
+      </p:pic>
+    </p:spTree>
+    <p:extLst>
+      <p:ext uri="{BB962C8B-B14F-4D97-AF65-F5344CB8AC3E}">
+        <p14:creationId xmlns:p14="http://schemas.microsoft.com/office/powerpoint/2010/main" val="3869112877"/>
+      </p:ext>
+    </p:extLst>
+  </p:cSld>
+  <p:clrMapOvr>
+    <a:masterClrMapping/>
+  </p:clrMapOvr>
+</p:sld>
+</file>
+
+<file path=ppt/slides/slide19.xml><?xml version="1.0" encoding="utf-8"?>
+<p:sld xmlns:a="http://schemas.openxmlformats.org/drawingml/2006/main" xmlns:r="http://schemas.openxmlformats.org/officeDocument/2006/relationships" xmlns:p="http://schemas.openxmlformats.org/presentationml/2006/main">
+  <p:cSld>
+    <p:spTree>
+      <p:nvGrpSpPr>
+        <p:cNvPr id="1" name=""/>
+        <p:cNvGrpSpPr/>
+        <p:nvPr/>
+      </p:nvGrpSpPr>
+      <p:grpSpPr>
+        <a:xfrm>
+          <a:off x="0" y="0"/>
+          <a:ext cx="0" cy="0"/>
+          <a:chOff x="0" y="0"/>
+          <a:chExt cx="0" cy="0"/>
+        </a:xfrm>
+      </p:grpSpPr>
+      <p:pic>
+        <p:nvPicPr>
+          <p:cNvPr id="7" name="図 6">
+            <a:extLst>
+              <a:ext uri="{FF2B5EF4-FFF2-40B4-BE49-F238E27FC236}">
+                <a16:creationId xmlns:a16="http://schemas.microsoft.com/office/drawing/2014/main" id="{9BD6D687-0B38-0372-3315-CBC2F03B8406}"/>
+              </a:ext>
+            </a:extLst>
+          </p:cNvPr>
+          <p:cNvPicPr>
+            <a:picLocks noChangeAspect="1"/>
+          </p:cNvPicPr>
+          <p:nvPr/>
+        </p:nvPicPr>
+        <p:blipFill>
+          <a:blip r:embed="rId2"/>
+          <a:stretch>
+            <a:fillRect/>
+          </a:stretch>
+        </p:blipFill>
+        <p:spPr>
+          <a:xfrm>
+            <a:off x="1354625" y="667159"/>
+            <a:ext cx="8618224" cy="5667768"/>
+          </a:xfrm>
+          <a:prstGeom prst="rect">
+            <a:avLst/>
+          </a:prstGeom>
+          <a:ln>
+            <a:noFill/>
+          </a:ln>
+          <a:effectLst>
+            <a:outerShdw blurRad="292100" dist="139700" dir="2700000" algn="tl" rotWithShape="0">
+              <a:srgbClr val="333333">
+                <a:alpha val="65000"/>
+              </a:srgbClr>
+            </a:outerShdw>
+          </a:effectLst>
+        </p:spPr>
+      </p:pic>
+      <p:sp>
+        <p:nvSpPr>
+          <p:cNvPr id="8" name="角丸四角形 36">
+            <a:extLst>
+              <a:ext uri="{FF2B5EF4-FFF2-40B4-BE49-F238E27FC236}">
+                <a16:creationId xmlns:a16="http://schemas.microsoft.com/office/drawing/2014/main" id="{4345757F-8EBA-A88A-1B4F-E19A15BC0815}"/>
+              </a:ext>
+            </a:extLst>
+          </p:cNvPr>
+          <p:cNvSpPr/>
+          <p:nvPr/>
+        </p:nvSpPr>
+        <p:spPr>
+          <a:xfrm>
+            <a:off x="1811605" y="1842230"/>
+            <a:ext cx="1102944" cy="353811"/>
+          </a:xfrm>
+          <a:prstGeom prst="roundRect">
+            <a:avLst>
+              <a:gd name="adj" fmla="val 8100"/>
+            </a:avLst>
+          </a:prstGeom>
+          <a:noFill/>
+          <a:ln w="28575">
+            <a:solidFill>
+              <a:srgbClr val="FF0000"/>
+            </a:solidFill>
+          </a:ln>
+        </p:spPr>
+        <p:style>
+          <a:lnRef idx="2">
+            <a:schemeClr val="accent1">
+              <a:shade val="50000"/>
+            </a:schemeClr>
+          </a:lnRef>
+          <a:fillRef idx="1">
+            <a:schemeClr val="accent1"/>
+          </a:fillRef>
+          <a:effectRef idx="0">
+            <a:schemeClr val="accent1"/>
+          </a:effectRef>
+          <a:fontRef idx="minor">
+            <a:schemeClr val="lt1"/>
+          </a:fontRef>
+        </p:style>
+        <p:txBody>
+          <a:bodyPr rtlCol="0" anchor="ctr"/>
+          <a:lstStyle/>
+          <a:p>
+            <a:pPr algn="ctr"/>
+            <a:endParaRPr kumimoji="1" lang="ja-JP" altLang="en-US"/>
+          </a:p>
+        </p:txBody>
+      </p:sp>
+      <p:sp>
+        <p:nvSpPr>
+          <p:cNvPr id="9" name="角丸四角形 36">
+            <a:extLst>
+              <a:ext uri="{FF2B5EF4-FFF2-40B4-BE49-F238E27FC236}">
+                <a16:creationId xmlns:a16="http://schemas.microsoft.com/office/drawing/2014/main" id="{62607217-A7E5-E659-C181-3B672876B033}"/>
+              </a:ext>
+            </a:extLst>
+          </p:cNvPr>
+          <p:cNvSpPr/>
+          <p:nvPr/>
+        </p:nvSpPr>
+        <p:spPr>
+          <a:xfrm>
+            <a:off x="5810026" y="5541394"/>
+            <a:ext cx="1987311" cy="793533"/>
+          </a:xfrm>
+          <a:prstGeom prst="roundRect">
+            <a:avLst>
+              <a:gd name="adj" fmla="val 8100"/>
+            </a:avLst>
+          </a:prstGeom>
+          <a:noFill/>
+          <a:ln w="28575">
+            <a:solidFill>
+              <a:srgbClr val="FF0000"/>
+            </a:solidFill>
+          </a:ln>
+        </p:spPr>
+        <p:style>
+          <a:lnRef idx="2">
+            <a:schemeClr val="accent1">
+              <a:shade val="50000"/>
+            </a:schemeClr>
+          </a:lnRef>
+          <a:fillRef idx="1">
+            <a:schemeClr val="accent1"/>
+          </a:fillRef>
+          <a:effectRef idx="0">
+            <a:schemeClr val="accent1"/>
+          </a:effectRef>
+          <a:fontRef idx="minor">
+            <a:schemeClr val="lt1"/>
+          </a:fontRef>
+        </p:style>
+        <p:txBody>
+          <a:bodyPr rtlCol="0" anchor="ctr"/>
+          <a:lstStyle/>
+          <a:p>
+            <a:pPr algn="ctr"/>
+            <a:endParaRPr kumimoji="1" lang="ja-JP" altLang="en-US"/>
+          </a:p>
+        </p:txBody>
+      </p:sp>
+      <p:sp>
+        <p:nvSpPr>
+          <p:cNvPr id="10" name="角丸四角形 36">
+            <a:extLst>
+              <a:ext uri="{FF2B5EF4-FFF2-40B4-BE49-F238E27FC236}">
+                <a16:creationId xmlns:a16="http://schemas.microsoft.com/office/drawing/2014/main" id="{E6FEB8D1-A038-024D-7105-4698D3C3C0ED}"/>
+              </a:ext>
+            </a:extLst>
+          </p:cNvPr>
+          <p:cNvSpPr/>
+          <p:nvPr/>
+        </p:nvSpPr>
+        <p:spPr>
+          <a:xfrm>
+            <a:off x="1225495" y="581891"/>
+            <a:ext cx="4870505" cy="482034"/>
+          </a:xfrm>
+          <a:prstGeom prst="roundRect">
+            <a:avLst>
+              <a:gd name="adj" fmla="val 8100"/>
+            </a:avLst>
+          </a:prstGeom>
+          <a:noFill/>
+          <a:ln w="28575">
+            <a:solidFill>
+              <a:srgbClr val="FF0000"/>
+            </a:solidFill>
+          </a:ln>
+        </p:spPr>
+        <p:style>
+          <a:lnRef idx="2">
+            <a:schemeClr val="accent1">
+              <a:shade val="50000"/>
+            </a:schemeClr>
+          </a:lnRef>
+          <a:fillRef idx="1">
+            <a:schemeClr val="accent1"/>
+          </a:fillRef>
+          <a:effectRef idx="0">
+            <a:schemeClr val="accent1"/>
+          </a:effectRef>
+          <a:fontRef idx="minor">
+            <a:schemeClr val="lt1"/>
+          </a:fontRef>
+        </p:style>
+        <p:txBody>
+          <a:bodyPr rtlCol="0" anchor="ctr"/>
+          <a:lstStyle/>
+          <a:p>
+            <a:pPr algn="ctr"/>
+            <a:endParaRPr kumimoji="1" lang="ja-JP" altLang="en-US"/>
+          </a:p>
+        </p:txBody>
+      </p:sp>
+    </p:spTree>
+    <p:extLst>
+      <p:ext uri="{BB962C8B-B14F-4D97-AF65-F5344CB8AC3E}">
+        <p14:creationId xmlns:p14="http://schemas.microsoft.com/office/powerpoint/2010/main" val="1273300717"/>
       </p:ext>
     </p:extLst>
   </p:cSld>
@@ -8927,7 +11252,570 @@
 </p:sld>
 </file>
 
+<file path=ppt/slides/slide20.xml><?xml version="1.0" encoding="utf-8"?>
+<p:sld xmlns:a="http://schemas.openxmlformats.org/drawingml/2006/main" xmlns:r="http://schemas.openxmlformats.org/officeDocument/2006/relationships" xmlns:p="http://schemas.openxmlformats.org/presentationml/2006/main">
+  <p:cSld>
+    <p:spTree>
+      <p:nvGrpSpPr>
+        <p:cNvPr id="1" name=""/>
+        <p:cNvGrpSpPr/>
+        <p:nvPr/>
+      </p:nvGrpSpPr>
+      <p:grpSpPr>
+        <a:xfrm>
+          <a:off x="0" y="0"/>
+          <a:ext cx="0" cy="0"/>
+          <a:chOff x="0" y="0"/>
+          <a:chExt cx="0" cy="0"/>
+        </a:xfrm>
+      </p:grpSpPr>
+      <p:pic>
+        <p:nvPicPr>
+          <p:cNvPr id="3" name="図 2">
+            <a:extLst>
+              <a:ext uri="{FF2B5EF4-FFF2-40B4-BE49-F238E27FC236}">
+                <a16:creationId xmlns:a16="http://schemas.microsoft.com/office/drawing/2014/main" id="{783F8DCC-2475-6AC4-6430-638D2A4B12B8}"/>
+              </a:ext>
+            </a:extLst>
+          </p:cNvPr>
+          <p:cNvPicPr>
+            <a:picLocks noChangeAspect="1"/>
+          </p:cNvPicPr>
+          <p:nvPr/>
+        </p:nvPicPr>
+        <p:blipFill>
+          <a:blip r:embed="rId2"/>
+          <a:stretch>
+            <a:fillRect/>
+          </a:stretch>
+        </p:blipFill>
+        <p:spPr>
+          <a:xfrm>
+            <a:off x="343046" y="329108"/>
+            <a:ext cx="8579828" cy="5667768"/>
+          </a:xfrm>
+          <a:prstGeom prst="rect">
+            <a:avLst/>
+          </a:prstGeom>
+          <a:ln>
+            <a:noFill/>
+          </a:ln>
+          <a:effectLst>
+            <a:outerShdw blurRad="292100" dist="139700" dir="2700000" algn="tl" rotWithShape="0">
+              <a:srgbClr val="333333">
+                <a:alpha val="65000"/>
+              </a:srgbClr>
+            </a:outerShdw>
+          </a:effectLst>
+        </p:spPr>
+      </p:pic>
+    </p:spTree>
+    <p:extLst>
+      <p:ext uri="{BB962C8B-B14F-4D97-AF65-F5344CB8AC3E}">
+        <p14:creationId xmlns:p14="http://schemas.microsoft.com/office/powerpoint/2010/main" val="1937151492"/>
+      </p:ext>
+    </p:extLst>
+  </p:cSld>
+  <p:clrMapOvr>
+    <a:masterClrMapping/>
+  </p:clrMapOvr>
+</p:sld>
+</file>
+
+<file path=ppt/slides/slide21.xml><?xml version="1.0" encoding="utf-8"?>
+<p:sld xmlns:a="http://schemas.openxmlformats.org/drawingml/2006/main" xmlns:r="http://schemas.openxmlformats.org/officeDocument/2006/relationships" xmlns:p="http://schemas.openxmlformats.org/presentationml/2006/main">
+  <p:cSld>
+    <p:spTree>
+      <p:nvGrpSpPr>
+        <p:cNvPr id="1" name=""/>
+        <p:cNvGrpSpPr/>
+        <p:nvPr/>
+      </p:nvGrpSpPr>
+      <p:grpSpPr>
+        <a:xfrm>
+          <a:off x="0" y="0"/>
+          <a:ext cx="0" cy="0"/>
+          <a:chOff x="0" y="0"/>
+          <a:chExt cx="0" cy="0"/>
+        </a:xfrm>
+      </p:grpSpPr>
+      <p:pic>
+        <p:nvPicPr>
+          <p:cNvPr id="3" name="図 2">
+            <a:extLst>
+              <a:ext uri="{FF2B5EF4-FFF2-40B4-BE49-F238E27FC236}">
+                <a16:creationId xmlns:a16="http://schemas.microsoft.com/office/drawing/2014/main" id="{CC15DAB3-6C73-2055-07D1-B20D0F1718AC}"/>
+              </a:ext>
+            </a:extLst>
+          </p:cNvPr>
+          <p:cNvPicPr>
+            <a:picLocks noChangeAspect="1"/>
+          </p:cNvPicPr>
+          <p:nvPr/>
+        </p:nvPicPr>
+        <p:blipFill>
+          <a:blip r:embed="rId2"/>
+          <a:stretch>
+            <a:fillRect/>
+          </a:stretch>
+        </p:blipFill>
+        <p:spPr>
+          <a:xfrm>
+            <a:off x="320200" y="227901"/>
+            <a:ext cx="4413739" cy="2330203"/>
+          </a:xfrm>
+          <a:prstGeom prst="rect">
+            <a:avLst/>
+          </a:prstGeom>
+          <a:ln>
+            <a:noFill/>
+          </a:ln>
+          <a:effectLst>
+            <a:outerShdw blurRad="292100" dist="139700" dir="2700000" algn="tl" rotWithShape="0">
+              <a:srgbClr val="333333">
+                <a:alpha val="65000"/>
+              </a:srgbClr>
+            </a:outerShdw>
+          </a:effectLst>
+        </p:spPr>
+      </p:pic>
+      <p:sp>
+        <p:nvSpPr>
+          <p:cNvPr id="4" name="角丸四角形 36">
+            <a:extLst>
+              <a:ext uri="{FF2B5EF4-FFF2-40B4-BE49-F238E27FC236}">
+                <a16:creationId xmlns:a16="http://schemas.microsoft.com/office/drawing/2014/main" id="{D5A45946-EEE0-F0E6-563B-3FB0D53CB79E}"/>
+              </a:ext>
+            </a:extLst>
+          </p:cNvPr>
+          <p:cNvSpPr/>
+          <p:nvPr/>
+        </p:nvSpPr>
+        <p:spPr>
+          <a:xfrm>
+            <a:off x="2895031" y="599470"/>
+            <a:ext cx="712694" cy="708400"/>
+          </a:xfrm>
+          <a:prstGeom prst="roundRect">
+            <a:avLst>
+              <a:gd name="adj" fmla="val 8100"/>
+            </a:avLst>
+          </a:prstGeom>
+          <a:noFill/>
+          <a:ln w="28575">
+            <a:solidFill>
+              <a:srgbClr val="FF0000"/>
+            </a:solidFill>
+          </a:ln>
+        </p:spPr>
+        <p:style>
+          <a:lnRef idx="2">
+            <a:schemeClr val="accent1">
+              <a:shade val="50000"/>
+            </a:schemeClr>
+          </a:lnRef>
+          <a:fillRef idx="1">
+            <a:schemeClr val="accent1"/>
+          </a:fillRef>
+          <a:effectRef idx="0">
+            <a:schemeClr val="accent1"/>
+          </a:effectRef>
+          <a:fontRef idx="minor">
+            <a:schemeClr val="lt1"/>
+          </a:fontRef>
+        </p:style>
+        <p:txBody>
+          <a:bodyPr rtlCol="0" anchor="ctr"/>
+          <a:lstStyle/>
+          <a:p>
+            <a:pPr algn="ctr"/>
+            <a:endParaRPr kumimoji="1" lang="ja-JP" altLang="en-US"/>
+          </a:p>
+        </p:txBody>
+      </p:sp>
+      <p:pic>
+        <p:nvPicPr>
+          <p:cNvPr id="6" name="図 5">
+            <a:extLst>
+              <a:ext uri="{FF2B5EF4-FFF2-40B4-BE49-F238E27FC236}">
+                <a16:creationId xmlns:a16="http://schemas.microsoft.com/office/drawing/2014/main" id="{55B26D0F-EA24-F6FE-34C9-FB31EDB6F869}"/>
+              </a:ext>
+            </a:extLst>
+          </p:cNvPr>
+          <p:cNvPicPr>
+            <a:picLocks noChangeAspect="1"/>
+          </p:cNvPicPr>
+          <p:nvPr/>
+        </p:nvPicPr>
+        <p:blipFill>
+          <a:blip r:embed="rId3"/>
+          <a:stretch>
+            <a:fillRect/>
+          </a:stretch>
+        </p:blipFill>
+        <p:spPr>
+          <a:xfrm>
+            <a:off x="1048840" y="1864354"/>
+            <a:ext cx="4031575" cy="4661359"/>
+          </a:xfrm>
+          <a:prstGeom prst="rect">
+            <a:avLst/>
+          </a:prstGeom>
+          <a:ln>
+            <a:noFill/>
+          </a:ln>
+          <a:effectLst>
+            <a:outerShdw blurRad="292100" dist="139700" dir="2700000" algn="tl" rotWithShape="0">
+              <a:srgbClr val="333333">
+                <a:alpha val="65000"/>
+              </a:srgbClr>
+            </a:outerShdw>
+          </a:effectLst>
+        </p:spPr>
+      </p:pic>
+      <p:pic>
+        <p:nvPicPr>
+          <p:cNvPr id="8" name="図 7">
+            <a:extLst>
+              <a:ext uri="{FF2B5EF4-FFF2-40B4-BE49-F238E27FC236}">
+                <a16:creationId xmlns:a16="http://schemas.microsoft.com/office/drawing/2014/main" id="{23C91C49-F6A1-2A28-8EA4-32E4813E9C2D}"/>
+              </a:ext>
+            </a:extLst>
+          </p:cNvPr>
+          <p:cNvPicPr>
+            <a:picLocks noChangeAspect="1"/>
+          </p:cNvPicPr>
+          <p:nvPr/>
+        </p:nvPicPr>
+        <p:blipFill>
+          <a:blip r:embed="rId4"/>
+          <a:stretch>
+            <a:fillRect/>
+          </a:stretch>
+        </p:blipFill>
+        <p:spPr>
+          <a:xfrm>
+            <a:off x="5327680" y="1864354"/>
+            <a:ext cx="3966415" cy="4684105"/>
+          </a:xfrm>
+          <a:prstGeom prst="rect">
+            <a:avLst/>
+          </a:prstGeom>
+          <a:ln>
+            <a:noFill/>
+          </a:ln>
+          <a:effectLst>
+            <a:outerShdw blurRad="292100" dist="139700" dir="2700000" algn="tl" rotWithShape="0">
+              <a:srgbClr val="333333">
+                <a:alpha val="65000"/>
+              </a:srgbClr>
+            </a:outerShdw>
+          </a:effectLst>
+        </p:spPr>
+      </p:pic>
+      <p:pic>
+        <p:nvPicPr>
+          <p:cNvPr id="10" name="図 9">
+            <a:extLst>
+              <a:ext uri="{FF2B5EF4-FFF2-40B4-BE49-F238E27FC236}">
+                <a16:creationId xmlns:a16="http://schemas.microsoft.com/office/drawing/2014/main" id="{7C574AAE-1018-5AEB-200B-14A45092B6B5}"/>
+              </a:ext>
+            </a:extLst>
+          </p:cNvPr>
+          <p:cNvPicPr>
+            <a:picLocks noChangeAspect="1"/>
+          </p:cNvPicPr>
+          <p:nvPr/>
+        </p:nvPicPr>
+        <p:blipFill rotWithShape="1">
+          <a:blip r:embed="rId5"/>
+          <a:srcRect t="2504"/>
+          <a:stretch/>
+        </p:blipFill>
+        <p:spPr>
+          <a:xfrm>
+            <a:off x="9541360" y="1911635"/>
+            <a:ext cx="4016165" cy="4566795"/>
+          </a:xfrm>
+          <a:prstGeom prst="rect">
+            <a:avLst/>
+          </a:prstGeom>
+          <a:ln>
+            <a:noFill/>
+          </a:ln>
+          <a:effectLst>
+            <a:outerShdw blurRad="292100" dist="139700" dir="2700000" algn="tl" rotWithShape="0">
+              <a:srgbClr val="333333">
+                <a:alpha val="65000"/>
+              </a:srgbClr>
+            </a:outerShdw>
+          </a:effectLst>
+        </p:spPr>
+      </p:pic>
+      <p:sp>
+        <p:nvSpPr>
+          <p:cNvPr id="11" name="角丸四角形 36">
+            <a:extLst>
+              <a:ext uri="{FF2B5EF4-FFF2-40B4-BE49-F238E27FC236}">
+                <a16:creationId xmlns:a16="http://schemas.microsoft.com/office/drawing/2014/main" id="{187FC7B5-A497-8208-FD69-4B73DEC49860}"/>
+              </a:ext>
+            </a:extLst>
+          </p:cNvPr>
+          <p:cNvSpPr/>
+          <p:nvPr/>
+        </p:nvSpPr>
+        <p:spPr>
+          <a:xfrm>
+            <a:off x="1213089" y="5770030"/>
+            <a:ext cx="1807202" cy="708400"/>
+          </a:xfrm>
+          <a:prstGeom prst="roundRect">
+            <a:avLst>
+              <a:gd name="adj" fmla="val 8100"/>
+            </a:avLst>
+          </a:prstGeom>
+          <a:noFill/>
+          <a:ln w="28575">
+            <a:solidFill>
+              <a:srgbClr val="FF0000"/>
+            </a:solidFill>
+          </a:ln>
+        </p:spPr>
+        <p:style>
+          <a:lnRef idx="2">
+            <a:schemeClr val="accent1">
+              <a:shade val="50000"/>
+            </a:schemeClr>
+          </a:lnRef>
+          <a:fillRef idx="1">
+            <a:schemeClr val="accent1"/>
+          </a:fillRef>
+          <a:effectRef idx="0">
+            <a:schemeClr val="accent1"/>
+          </a:effectRef>
+          <a:fontRef idx="minor">
+            <a:schemeClr val="lt1"/>
+          </a:fontRef>
+        </p:style>
+        <p:txBody>
+          <a:bodyPr rtlCol="0" anchor="ctr"/>
+          <a:lstStyle/>
+          <a:p>
+            <a:pPr algn="ctr"/>
+            <a:endParaRPr kumimoji="1" lang="ja-JP" altLang="en-US"/>
+          </a:p>
+        </p:txBody>
+      </p:sp>
+      <p:sp>
+        <p:nvSpPr>
+          <p:cNvPr id="12" name="角丸四角形 36">
+            <a:extLst>
+              <a:ext uri="{FF2B5EF4-FFF2-40B4-BE49-F238E27FC236}">
+                <a16:creationId xmlns:a16="http://schemas.microsoft.com/office/drawing/2014/main" id="{FAC6D3CF-8D41-1F3B-DA9E-C9761E73D750}"/>
+              </a:ext>
+            </a:extLst>
+          </p:cNvPr>
+          <p:cNvSpPr/>
+          <p:nvPr/>
+        </p:nvSpPr>
+        <p:spPr>
+          <a:xfrm>
+            <a:off x="7117896" y="5786147"/>
+            <a:ext cx="1807202" cy="708400"/>
+          </a:xfrm>
+          <a:prstGeom prst="roundRect">
+            <a:avLst>
+              <a:gd name="adj" fmla="val 8100"/>
+            </a:avLst>
+          </a:prstGeom>
+          <a:noFill/>
+          <a:ln w="28575">
+            <a:solidFill>
+              <a:srgbClr val="FF0000"/>
+            </a:solidFill>
+          </a:ln>
+        </p:spPr>
+        <p:style>
+          <a:lnRef idx="2">
+            <a:schemeClr val="accent1">
+              <a:shade val="50000"/>
+            </a:schemeClr>
+          </a:lnRef>
+          <a:fillRef idx="1">
+            <a:schemeClr val="accent1"/>
+          </a:fillRef>
+          <a:effectRef idx="0">
+            <a:schemeClr val="accent1"/>
+          </a:effectRef>
+          <a:fontRef idx="minor">
+            <a:schemeClr val="lt1"/>
+          </a:fontRef>
+        </p:style>
+        <p:txBody>
+          <a:bodyPr rtlCol="0" anchor="ctr"/>
+          <a:lstStyle/>
+          <a:p>
+            <a:pPr algn="ctr"/>
+            <a:endParaRPr kumimoji="1" lang="ja-JP" altLang="en-US"/>
+          </a:p>
+        </p:txBody>
+      </p:sp>
+      <p:sp>
+        <p:nvSpPr>
+          <p:cNvPr id="13" name="角丸四角形 36">
+            <a:extLst>
+              <a:ext uri="{FF2B5EF4-FFF2-40B4-BE49-F238E27FC236}">
+                <a16:creationId xmlns:a16="http://schemas.microsoft.com/office/drawing/2014/main" id="{E1472FD8-683A-F3E4-4F9E-5B11FD5B6D71}"/>
+              </a:ext>
+            </a:extLst>
+          </p:cNvPr>
+          <p:cNvSpPr/>
+          <p:nvPr/>
+        </p:nvSpPr>
+        <p:spPr>
+          <a:xfrm>
+            <a:off x="11454369" y="5770030"/>
+            <a:ext cx="1807202" cy="708400"/>
+          </a:xfrm>
+          <a:prstGeom prst="roundRect">
+            <a:avLst>
+              <a:gd name="adj" fmla="val 8100"/>
+            </a:avLst>
+          </a:prstGeom>
+          <a:noFill/>
+          <a:ln w="28575">
+            <a:solidFill>
+              <a:srgbClr val="FF0000"/>
+            </a:solidFill>
+          </a:ln>
+        </p:spPr>
+        <p:style>
+          <a:lnRef idx="2">
+            <a:schemeClr val="accent1">
+              <a:shade val="50000"/>
+            </a:schemeClr>
+          </a:lnRef>
+          <a:fillRef idx="1">
+            <a:schemeClr val="accent1"/>
+          </a:fillRef>
+          <a:effectRef idx="0">
+            <a:schemeClr val="accent1"/>
+          </a:effectRef>
+          <a:fontRef idx="minor">
+            <a:schemeClr val="lt1"/>
+          </a:fontRef>
+        </p:style>
+        <p:txBody>
+          <a:bodyPr rtlCol="0" anchor="ctr"/>
+          <a:lstStyle/>
+          <a:p>
+            <a:pPr algn="ctr"/>
+            <a:endParaRPr kumimoji="1" lang="ja-JP" altLang="en-US"/>
+          </a:p>
+        </p:txBody>
+      </p:sp>
+    </p:spTree>
+    <p:extLst>
+      <p:ext uri="{BB962C8B-B14F-4D97-AF65-F5344CB8AC3E}">
+        <p14:creationId xmlns:p14="http://schemas.microsoft.com/office/powerpoint/2010/main" val="4226583394"/>
+      </p:ext>
+    </p:extLst>
+  </p:cSld>
+  <p:clrMapOvr>
+    <a:masterClrMapping/>
+  </p:clrMapOvr>
+</p:sld>
+</file>
+
 <file path=ppt/slides/slide3.xml><?xml version="1.0" encoding="utf-8"?>
+<p:sld xmlns:a="http://schemas.openxmlformats.org/drawingml/2006/main" xmlns:r="http://schemas.openxmlformats.org/officeDocument/2006/relationships" xmlns:p="http://schemas.openxmlformats.org/presentationml/2006/main">
+  <p:cSld>
+    <p:spTree>
+      <p:nvGrpSpPr>
+        <p:cNvPr id="1" name=""/>
+        <p:cNvGrpSpPr/>
+        <p:nvPr/>
+      </p:nvGrpSpPr>
+      <p:grpSpPr>
+        <a:xfrm>
+          <a:off x="0" y="0"/>
+          <a:ext cx="0" cy="0"/>
+          <a:chOff x="0" y="0"/>
+          <a:chExt cx="0" cy="0"/>
+        </a:xfrm>
+      </p:grpSpPr>
+      <p:sp>
+        <p:nvSpPr>
+          <p:cNvPr id="4" name="タイトル 3">
+            <a:extLst>
+              <a:ext uri="{FF2B5EF4-FFF2-40B4-BE49-F238E27FC236}">
+                <a16:creationId xmlns:a16="http://schemas.microsoft.com/office/drawing/2014/main" id="{B056C706-CAED-E361-B6D2-841866E6A72A}"/>
+              </a:ext>
+            </a:extLst>
+          </p:cNvPr>
+          <p:cNvSpPr>
+            <a:spLocks noGrp="1"/>
+          </p:cNvSpPr>
+          <p:nvPr>
+            <p:ph type="ctrTitle"/>
+          </p:nvPr>
+        </p:nvSpPr>
+        <p:spPr/>
+        <p:txBody>
+          <a:bodyPr/>
+          <a:lstStyle/>
+          <a:p>
+            <a:r>
+              <a:rPr lang="en-US" altLang="ja-JP" dirty="0"/>
+              <a:t>Module 1</a:t>
+            </a:r>
+            <a:endParaRPr lang="ja-JP" altLang="en-US" dirty="0"/>
+          </a:p>
+        </p:txBody>
+      </p:sp>
+      <p:sp>
+        <p:nvSpPr>
+          <p:cNvPr id="5" name="字幕 4">
+            <a:extLst>
+              <a:ext uri="{FF2B5EF4-FFF2-40B4-BE49-F238E27FC236}">
+                <a16:creationId xmlns:a16="http://schemas.microsoft.com/office/drawing/2014/main" id="{418DD1D5-C103-7EC3-5E1A-20E7A30788A7}"/>
+              </a:ext>
+            </a:extLst>
+          </p:cNvPr>
+          <p:cNvSpPr>
+            <a:spLocks noGrp="1"/>
+          </p:cNvSpPr>
+          <p:nvPr>
+            <p:ph type="subTitle" idx="1"/>
+          </p:nvPr>
+        </p:nvSpPr>
+        <p:spPr/>
+        <p:txBody>
+          <a:bodyPr/>
+          <a:lstStyle/>
+          <a:p>
+            <a:r>
+              <a:rPr lang="en-US" altLang="ja-JP" dirty="0"/>
+              <a:t>Step1</a:t>
+            </a:r>
+            <a:endParaRPr lang="ja-JP" altLang="en-US" dirty="0"/>
+          </a:p>
+        </p:txBody>
+      </p:sp>
+    </p:spTree>
+    <p:extLst>
+      <p:ext uri="{BB962C8B-B14F-4D97-AF65-F5344CB8AC3E}">
+        <p14:creationId xmlns:p14="http://schemas.microsoft.com/office/powerpoint/2010/main" val="2875995149"/>
+      </p:ext>
+    </p:extLst>
+  </p:cSld>
+  <p:clrMapOvr>
+    <a:masterClrMapping/>
+  </p:clrMapOvr>
+</p:sld>
+</file>
+
+<file path=ppt/slides/slide4.xml><?xml version="1.0" encoding="utf-8"?>
 <p:sld xmlns:a="http://schemas.openxmlformats.org/drawingml/2006/main" xmlns:r="http://schemas.openxmlformats.org/officeDocument/2006/relationships" xmlns:p="http://schemas.openxmlformats.org/presentationml/2006/main">
   <p:cSld>
     <p:spTree>
@@ -10120,6 +13008,886 @@
     <p:extLst>
       <p:ext uri="{BB962C8B-B14F-4D97-AF65-F5344CB8AC3E}">
         <p14:creationId xmlns:p14="http://schemas.microsoft.com/office/powerpoint/2010/main" val="4186625433"/>
+      </p:ext>
+    </p:extLst>
+  </p:cSld>
+  <p:clrMapOvr>
+    <a:masterClrMapping/>
+  </p:clrMapOvr>
+</p:sld>
+</file>
+
+<file path=ppt/slides/slide5.xml><?xml version="1.0" encoding="utf-8"?>
+<p:sld xmlns:a="http://schemas.openxmlformats.org/drawingml/2006/main" xmlns:r="http://schemas.openxmlformats.org/officeDocument/2006/relationships" xmlns:p="http://schemas.openxmlformats.org/presentationml/2006/main">
+  <p:cSld>
+    <p:spTree>
+      <p:nvGrpSpPr>
+        <p:cNvPr id="1" name=""/>
+        <p:cNvGrpSpPr/>
+        <p:nvPr/>
+      </p:nvGrpSpPr>
+      <p:grpSpPr>
+        <a:xfrm>
+          <a:off x="0" y="0"/>
+          <a:ext cx="0" cy="0"/>
+          <a:chOff x="0" y="0"/>
+          <a:chExt cx="0" cy="0"/>
+        </a:xfrm>
+      </p:grpSpPr>
+      <p:sp>
+        <p:nvSpPr>
+          <p:cNvPr id="4" name="タイトル 3">
+            <a:extLst>
+              <a:ext uri="{FF2B5EF4-FFF2-40B4-BE49-F238E27FC236}">
+                <a16:creationId xmlns:a16="http://schemas.microsoft.com/office/drawing/2014/main" id="{B056C706-CAED-E361-B6D2-841866E6A72A}"/>
+              </a:ext>
+            </a:extLst>
+          </p:cNvPr>
+          <p:cNvSpPr>
+            <a:spLocks noGrp="1"/>
+          </p:cNvSpPr>
+          <p:nvPr>
+            <p:ph type="ctrTitle"/>
+          </p:nvPr>
+        </p:nvSpPr>
+        <p:spPr/>
+        <p:txBody>
+          <a:bodyPr/>
+          <a:lstStyle/>
+          <a:p>
+            <a:r>
+              <a:rPr lang="en-US" altLang="ja-JP" dirty="0"/>
+              <a:t>Module 1</a:t>
+            </a:r>
+            <a:endParaRPr lang="ja-JP" altLang="en-US" dirty="0"/>
+          </a:p>
+        </p:txBody>
+      </p:sp>
+      <p:sp>
+        <p:nvSpPr>
+          <p:cNvPr id="5" name="字幕 4">
+            <a:extLst>
+              <a:ext uri="{FF2B5EF4-FFF2-40B4-BE49-F238E27FC236}">
+                <a16:creationId xmlns:a16="http://schemas.microsoft.com/office/drawing/2014/main" id="{418DD1D5-C103-7EC3-5E1A-20E7A30788A7}"/>
+              </a:ext>
+            </a:extLst>
+          </p:cNvPr>
+          <p:cNvSpPr>
+            <a:spLocks noGrp="1"/>
+          </p:cNvSpPr>
+          <p:nvPr>
+            <p:ph type="subTitle" idx="1"/>
+          </p:nvPr>
+        </p:nvSpPr>
+        <p:spPr/>
+        <p:txBody>
+          <a:bodyPr/>
+          <a:lstStyle/>
+          <a:p>
+            <a:r>
+              <a:rPr lang="en-US" altLang="ja-JP" dirty="0"/>
+              <a:t>Step2</a:t>
+            </a:r>
+            <a:endParaRPr lang="ja-JP" altLang="en-US" dirty="0"/>
+          </a:p>
+        </p:txBody>
+      </p:sp>
+    </p:spTree>
+    <p:extLst>
+      <p:ext uri="{BB962C8B-B14F-4D97-AF65-F5344CB8AC3E}">
+        <p14:creationId xmlns:p14="http://schemas.microsoft.com/office/powerpoint/2010/main" val="1468845572"/>
+      </p:ext>
+    </p:extLst>
+  </p:cSld>
+  <p:clrMapOvr>
+    <a:masterClrMapping/>
+  </p:clrMapOvr>
+</p:sld>
+</file>
+
+<file path=ppt/slides/slide6.xml><?xml version="1.0" encoding="utf-8"?>
+<p:sld xmlns:a="http://schemas.openxmlformats.org/drawingml/2006/main" xmlns:r="http://schemas.openxmlformats.org/officeDocument/2006/relationships" xmlns:p="http://schemas.openxmlformats.org/presentationml/2006/main">
+  <p:cSld>
+    <p:spTree>
+      <p:nvGrpSpPr>
+        <p:cNvPr id="1" name=""/>
+        <p:cNvGrpSpPr/>
+        <p:nvPr/>
+      </p:nvGrpSpPr>
+      <p:grpSpPr>
+        <a:xfrm>
+          <a:off x="0" y="0"/>
+          <a:ext cx="0" cy="0"/>
+          <a:chOff x="0" y="0"/>
+          <a:chExt cx="0" cy="0"/>
+        </a:xfrm>
+      </p:grpSpPr>
+      <p:pic>
+        <p:nvPicPr>
+          <p:cNvPr id="7" name="図 6">
+            <a:extLst>
+              <a:ext uri="{FF2B5EF4-FFF2-40B4-BE49-F238E27FC236}">
+                <a16:creationId xmlns:a16="http://schemas.microsoft.com/office/drawing/2014/main" id="{572DCE16-3BF4-8171-5F65-569C41496E5C}"/>
+              </a:ext>
+            </a:extLst>
+          </p:cNvPr>
+          <p:cNvPicPr>
+            <a:picLocks noChangeAspect="1"/>
+          </p:cNvPicPr>
+          <p:nvPr/>
+        </p:nvPicPr>
+        <p:blipFill>
+          <a:blip r:embed="rId2"/>
+          <a:stretch>
+            <a:fillRect/>
+          </a:stretch>
+        </p:blipFill>
+        <p:spPr>
+          <a:xfrm>
+            <a:off x="554182" y="1261358"/>
+            <a:ext cx="11083636" cy="4335284"/>
+          </a:xfrm>
+          <a:prstGeom prst="rect">
+            <a:avLst/>
+          </a:prstGeom>
+          <a:ln>
+            <a:noFill/>
+          </a:ln>
+          <a:effectLst>
+            <a:outerShdw blurRad="292100" dist="139700" dir="2700000" algn="tl" rotWithShape="0">
+              <a:srgbClr val="333333">
+                <a:alpha val="65000"/>
+              </a:srgbClr>
+            </a:outerShdw>
+          </a:effectLst>
+        </p:spPr>
+      </p:pic>
+      <p:sp>
+        <p:nvSpPr>
+          <p:cNvPr id="4" name="角丸四角形 36">
+            <a:extLst>
+              <a:ext uri="{FF2B5EF4-FFF2-40B4-BE49-F238E27FC236}">
+                <a16:creationId xmlns:a16="http://schemas.microsoft.com/office/drawing/2014/main" id="{D7473EE1-3B83-A3F4-7081-3D01678B9889}"/>
+              </a:ext>
+            </a:extLst>
+          </p:cNvPr>
+          <p:cNvSpPr/>
+          <p:nvPr/>
+        </p:nvSpPr>
+        <p:spPr>
+          <a:xfrm>
+            <a:off x="7703897" y="1121437"/>
+            <a:ext cx="2451034" cy="619759"/>
+          </a:xfrm>
+          <a:prstGeom prst="roundRect">
+            <a:avLst>
+              <a:gd name="adj" fmla="val 8100"/>
+            </a:avLst>
+          </a:prstGeom>
+          <a:noFill/>
+          <a:ln w="28575">
+            <a:solidFill>
+              <a:srgbClr val="FF0000"/>
+            </a:solidFill>
+          </a:ln>
+        </p:spPr>
+        <p:style>
+          <a:lnRef idx="2">
+            <a:schemeClr val="accent1">
+              <a:shade val="50000"/>
+            </a:schemeClr>
+          </a:lnRef>
+          <a:fillRef idx="1">
+            <a:schemeClr val="accent1"/>
+          </a:fillRef>
+          <a:effectRef idx="0">
+            <a:schemeClr val="accent1"/>
+          </a:effectRef>
+          <a:fontRef idx="minor">
+            <a:schemeClr val="lt1"/>
+          </a:fontRef>
+        </p:style>
+        <p:txBody>
+          <a:bodyPr rtlCol="0" anchor="ctr"/>
+          <a:lstStyle/>
+          <a:p>
+            <a:pPr algn="ctr"/>
+            <a:endParaRPr kumimoji="1" lang="ja-JP" altLang="en-US"/>
+          </a:p>
+        </p:txBody>
+      </p:sp>
+      <p:sp>
+        <p:nvSpPr>
+          <p:cNvPr id="5" name="角丸四角形 36">
+            <a:extLst>
+              <a:ext uri="{FF2B5EF4-FFF2-40B4-BE49-F238E27FC236}">
+                <a16:creationId xmlns:a16="http://schemas.microsoft.com/office/drawing/2014/main" id="{9A4FD0D4-8641-1A6E-F47C-C2FFA642D6C2}"/>
+              </a:ext>
+            </a:extLst>
+          </p:cNvPr>
+          <p:cNvSpPr/>
+          <p:nvPr/>
+        </p:nvSpPr>
+        <p:spPr>
+          <a:xfrm>
+            <a:off x="8021983" y="4675936"/>
+            <a:ext cx="2451034" cy="512197"/>
+          </a:xfrm>
+          <a:prstGeom prst="roundRect">
+            <a:avLst>
+              <a:gd name="adj" fmla="val 8100"/>
+            </a:avLst>
+          </a:prstGeom>
+          <a:noFill/>
+          <a:ln w="28575">
+            <a:solidFill>
+              <a:srgbClr val="FF0000"/>
+            </a:solidFill>
+          </a:ln>
+        </p:spPr>
+        <p:style>
+          <a:lnRef idx="2">
+            <a:schemeClr val="accent1">
+              <a:shade val="50000"/>
+            </a:schemeClr>
+          </a:lnRef>
+          <a:fillRef idx="1">
+            <a:schemeClr val="accent1"/>
+          </a:fillRef>
+          <a:effectRef idx="0">
+            <a:schemeClr val="accent1"/>
+          </a:effectRef>
+          <a:fontRef idx="minor">
+            <a:schemeClr val="lt1"/>
+          </a:fontRef>
+        </p:style>
+        <p:txBody>
+          <a:bodyPr rtlCol="0" anchor="ctr"/>
+          <a:lstStyle/>
+          <a:p>
+            <a:pPr algn="ctr"/>
+            <a:endParaRPr kumimoji="1" lang="ja-JP" altLang="en-US"/>
+          </a:p>
+        </p:txBody>
+      </p:sp>
+    </p:spTree>
+    <p:extLst>
+      <p:ext uri="{BB962C8B-B14F-4D97-AF65-F5344CB8AC3E}">
+        <p14:creationId xmlns:p14="http://schemas.microsoft.com/office/powerpoint/2010/main" val="414206744"/>
+      </p:ext>
+    </p:extLst>
+  </p:cSld>
+  <p:clrMapOvr>
+    <a:masterClrMapping/>
+  </p:clrMapOvr>
+</p:sld>
+</file>
+
+<file path=ppt/slides/slide7.xml><?xml version="1.0" encoding="utf-8"?>
+<p:sld xmlns:a="http://schemas.openxmlformats.org/drawingml/2006/main" xmlns:r="http://schemas.openxmlformats.org/officeDocument/2006/relationships" xmlns:p="http://schemas.openxmlformats.org/presentationml/2006/main">
+  <p:cSld>
+    <p:spTree>
+      <p:nvGrpSpPr>
+        <p:cNvPr id="1" name=""/>
+        <p:cNvGrpSpPr/>
+        <p:nvPr/>
+      </p:nvGrpSpPr>
+      <p:grpSpPr>
+        <a:xfrm>
+          <a:off x="0" y="0"/>
+          <a:ext cx="0" cy="0"/>
+          <a:chOff x="0" y="0"/>
+          <a:chExt cx="0" cy="0"/>
+        </a:xfrm>
+      </p:grpSpPr>
+      <p:pic>
+        <p:nvPicPr>
+          <p:cNvPr id="8" name="図 7">
+            <a:extLst>
+              <a:ext uri="{FF2B5EF4-FFF2-40B4-BE49-F238E27FC236}">
+                <a16:creationId xmlns:a16="http://schemas.microsoft.com/office/drawing/2014/main" id="{29EE1345-3BC3-99C4-7760-E32CE27BA1A9}"/>
+              </a:ext>
+            </a:extLst>
+          </p:cNvPr>
+          <p:cNvPicPr>
+            <a:picLocks noChangeAspect="1"/>
+          </p:cNvPicPr>
+          <p:nvPr/>
+        </p:nvPicPr>
+        <p:blipFill>
+          <a:blip r:embed="rId2"/>
+          <a:stretch>
+            <a:fillRect/>
+          </a:stretch>
+        </p:blipFill>
+        <p:spPr>
+          <a:xfrm>
+            <a:off x="554182" y="828054"/>
+            <a:ext cx="11083636" cy="5201893"/>
+          </a:xfrm>
+          <a:prstGeom prst="rect">
+            <a:avLst/>
+          </a:prstGeom>
+          <a:ln>
+            <a:noFill/>
+          </a:ln>
+          <a:effectLst>
+            <a:outerShdw blurRad="292100" dist="139700" dir="2700000" algn="tl" rotWithShape="0">
+              <a:srgbClr val="333333">
+                <a:alpha val="65000"/>
+              </a:srgbClr>
+            </a:outerShdw>
+          </a:effectLst>
+        </p:spPr>
+      </p:pic>
+      <p:sp>
+        <p:nvSpPr>
+          <p:cNvPr id="4" name="角丸四角形 36">
+            <a:extLst>
+              <a:ext uri="{FF2B5EF4-FFF2-40B4-BE49-F238E27FC236}">
+                <a16:creationId xmlns:a16="http://schemas.microsoft.com/office/drawing/2014/main" id="{2D2FE78C-8D1B-A726-9B43-A71E74BD7D30}"/>
+              </a:ext>
+            </a:extLst>
+          </p:cNvPr>
+          <p:cNvSpPr/>
+          <p:nvPr/>
+        </p:nvSpPr>
+        <p:spPr>
+          <a:xfrm>
+            <a:off x="380778" y="5089180"/>
+            <a:ext cx="2025648" cy="465634"/>
+          </a:xfrm>
+          <a:prstGeom prst="roundRect">
+            <a:avLst>
+              <a:gd name="adj" fmla="val 8100"/>
+            </a:avLst>
+          </a:prstGeom>
+          <a:noFill/>
+          <a:ln w="28575">
+            <a:solidFill>
+              <a:srgbClr val="FF0000"/>
+            </a:solidFill>
+          </a:ln>
+        </p:spPr>
+        <p:style>
+          <a:lnRef idx="2">
+            <a:schemeClr val="accent1">
+              <a:shade val="50000"/>
+            </a:schemeClr>
+          </a:lnRef>
+          <a:fillRef idx="1">
+            <a:schemeClr val="accent1"/>
+          </a:fillRef>
+          <a:effectRef idx="0">
+            <a:schemeClr val="accent1"/>
+          </a:effectRef>
+          <a:fontRef idx="minor">
+            <a:schemeClr val="lt1"/>
+          </a:fontRef>
+        </p:style>
+        <p:txBody>
+          <a:bodyPr rtlCol="0" anchor="ctr"/>
+          <a:lstStyle/>
+          <a:p>
+            <a:pPr algn="ctr"/>
+            <a:endParaRPr kumimoji="1" lang="ja-JP" altLang="en-US"/>
+          </a:p>
+        </p:txBody>
+      </p:sp>
+      <p:sp>
+        <p:nvSpPr>
+          <p:cNvPr id="9" name="角丸四角形 36">
+            <a:extLst>
+              <a:ext uri="{FF2B5EF4-FFF2-40B4-BE49-F238E27FC236}">
+                <a16:creationId xmlns:a16="http://schemas.microsoft.com/office/drawing/2014/main" id="{E9F36B9D-7EBA-DE2D-3A50-278797679844}"/>
+              </a:ext>
+            </a:extLst>
+          </p:cNvPr>
+          <p:cNvSpPr/>
+          <p:nvPr/>
+        </p:nvSpPr>
+        <p:spPr>
+          <a:xfrm>
+            <a:off x="9024567" y="2094967"/>
+            <a:ext cx="2228213" cy="465634"/>
+          </a:xfrm>
+          <a:prstGeom prst="roundRect">
+            <a:avLst>
+              <a:gd name="adj" fmla="val 8100"/>
+            </a:avLst>
+          </a:prstGeom>
+          <a:noFill/>
+          <a:ln w="28575">
+            <a:solidFill>
+              <a:srgbClr val="FF0000"/>
+            </a:solidFill>
+          </a:ln>
+        </p:spPr>
+        <p:style>
+          <a:lnRef idx="2">
+            <a:schemeClr val="accent1">
+              <a:shade val="50000"/>
+            </a:schemeClr>
+          </a:lnRef>
+          <a:fillRef idx="1">
+            <a:schemeClr val="accent1"/>
+          </a:fillRef>
+          <a:effectRef idx="0">
+            <a:schemeClr val="accent1"/>
+          </a:effectRef>
+          <a:fontRef idx="minor">
+            <a:schemeClr val="lt1"/>
+          </a:fontRef>
+        </p:style>
+        <p:txBody>
+          <a:bodyPr rtlCol="0" anchor="ctr"/>
+          <a:lstStyle/>
+          <a:p>
+            <a:pPr algn="ctr"/>
+            <a:endParaRPr kumimoji="1" lang="ja-JP" altLang="en-US"/>
+          </a:p>
+        </p:txBody>
+      </p:sp>
+      <p:pic>
+        <p:nvPicPr>
+          <p:cNvPr id="13" name="図 12">
+            <a:extLst>
+              <a:ext uri="{FF2B5EF4-FFF2-40B4-BE49-F238E27FC236}">
+                <a16:creationId xmlns:a16="http://schemas.microsoft.com/office/drawing/2014/main" id="{D0545903-FE04-0FE7-1052-853FE4078F34}"/>
+              </a:ext>
+            </a:extLst>
+          </p:cNvPr>
+          <p:cNvPicPr>
+            <a:picLocks noChangeAspect="1"/>
+          </p:cNvPicPr>
+          <p:nvPr/>
+        </p:nvPicPr>
+        <p:blipFill>
+          <a:blip r:embed="rId3"/>
+          <a:stretch>
+            <a:fillRect/>
+          </a:stretch>
+        </p:blipFill>
+        <p:spPr>
+          <a:xfrm>
+            <a:off x="6915034" y="3827514"/>
+            <a:ext cx="4219066" cy="2731461"/>
+          </a:xfrm>
+          <a:prstGeom prst="rect">
+            <a:avLst/>
+          </a:prstGeom>
+          <a:ln>
+            <a:noFill/>
+          </a:ln>
+          <a:effectLst>
+            <a:outerShdw blurRad="292100" dist="139700" dir="2700000" algn="tl" rotWithShape="0">
+              <a:srgbClr val="333333">
+                <a:alpha val="65000"/>
+              </a:srgbClr>
+            </a:outerShdw>
+          </a:effectLst>
+        </p:spPr>
+      </p:pic>
+    </p:spTree>
+    <p:extLst>
+      <p:ext uri="{BB962C8B-B14F-4D97-AF65-F5344CB8AC3E}">
+        <p14:creationId xmlns:p14="http://schemas.microsoft.com/office/powerpoint/2010/main" val="725077287"/>
+      </p:ext>
+    </p:extLst>
+  </p:cSld>
+  <p:clrMapOvr>
+    <a:masterClrMapping/>
+  </p:clrMapOvr>
+</p:sld>
+</file>
+
+<file path=ppt/slides/slide8.xml><?xml version="1.0" encoding="utf-8"?>
+<p:sld xmlns:a="http://schemas.openxmlformats.org/drawingml/2006/main" xmlns:r="http://schemas.openxmlformats.org/officeDocument/2006/relationships" xmlns:p="http://schemas.openxmlformats.org/presentationml/2006/main">
+  <p:cSld>
+    <p:spTree>
+      <p:nvGrpSpPr>
+        <p:cNvPr id="1" name=""/>
+        <p:cNvGrpSpPr/>
+        <p:nvPr/>
+      </p:nvGrpSpPr>
+      <p:grpSpPr>
+        <a:xfrm>
+          <a:off x="0" y="0"/>
+          <a:ext cx="0" cy="0"/>
+          <a:chOff x="0" y="0"/>
+          <a:chExt cx="0" cy="0"/>
+        </a:xfrm>
+      </p:grpSpPr>
+      <p:pic>
+        <p:nvPicPr>
+          <p:cNvPr id="11" name="図 10">
+            <a:extLst>
+              <a:ext uri="{FF2B5EF4-FFF2-40B4-BE49-F238E27FC236}">
+                <a16:creationId xmlns:a16="http://schemas.microsoft.com/office/drawing/2014/main" id="{B511FED5-619E-8E2D-C15A-D639FD2CA1ED}"/>
+              </a:ext>
+            </a:extLst>
+          </p:cNvPr>
+          <p:cNvPicPr>
+            <a:picLocks noChangeAspect="1"/>
+          </p:cNvPicPr>
+          <p:nvPr/>
+        </p:nvPicPr>
+        <p:blipFill>
+          <a:blip r:embed="rId2"/>
+          <a:stretch>
+            <a:fillRect/>
+          </a:stretch>
+        </p:blipFill>
+        <p:spPr>
+          <a:xfrm>
+            <a:off x="344619" y="342672"/>
+            <a:ext cx="8327300" cy="1251068"/>
+          </a:xfrm>
+          <a:prstGeom prst="rect">
+            <a:avLst/>
+          </a:prstGeom>
+          <a:ln>
+            <a:noFill/>
+          </a:ln>
+          <a:effectLst>
+            <a:outerShdw blurRad="292100" dist="139700" dir="2700000" algn="tl" rotWithShape="0">
+              <a:srgbClr val="333333">
+                <a:alpha val="65000"/>
+              </a:srgbClr>
+            </a:outerShdw>
+          </a:effectLst>
+        </p:spPr>
+      </p:pic>
+      <p:sp>
+        <p:nvSpPr>
+          <p:cNvPr id="12" name="角丸四角形 36">
+            <a:extLst>
+              <a:ext uri="{FF2B5EF4-FFF2-40B4-BE49-F238E27FC236}">
+                <a16:creationId xmlns:a16="http://schemas.microsoft.com/office/drawing/2014/main" id="{1E4736B1-2C5D-46F1-6EE6-0F9071751823}"/>
+              </a:ext>
+            </a:extLst>
+          </p:cNvPr>
+          <p:cNvSpPr/>
+          <p:nvPr/>
+        </p:nvSpPr>
+        <p:spPr>
+          <a:xfrm>
+            <a:off x="3508429" y="549630"/>
+            <a:ext cx="1143425" cy="465634"/>
+          </a:xfrm>
+          <a:prstGeom prst="roundRect">
+            <a:avLst>
+              <a:gd name="adj" fmla="val 8100"/>
+            </a:avLst>
+          </a:prstGeom>
+          <a:noFill/>
+          <a:ln w="28575">
+            <a:solidFill>
+              <a:srgbClr val="FF0000"/>
+            </a:solidFill>
+          </a:ln>
+        </p:spPr>
+        <p:style>
+          <a:lnRef idx="2">
+            <a:schemeClr val="accent1">
+              <a:shade val="50000"/>
+            </a:schemeClr>
+          </a:lnRef>
+          <a:fillRef idx="1">
+            <a:schemeClr val="accent1"/>
+          </a:fillRef>
+          <a:effectRef idx="0">
+            <a:schemeClr val="accent1"/>
+          </a:effectRef>
+          <a:fontRef idx="minor">
+            <a:schemeClr val="lt1"/>
+          </a:fontRef>
+        </p:style>
+        <p:txBody>
+          <a:bodyPr rtlCol="0" anchor="ctr"/>
+          <a:lstStyle/>
+          <a:p>
+            <a:pPr algn="ctr"/>
+            <a:endParaRPr kumimoji="1" lang="ja-JP" altLang="en-US"/>
+          </a:p>
+        </p:txBody>
+      </p:sp>
+      <p:sp>
+        <p:nvSpPr>
+          <p:cNvPr id="13" name="角丸四角形 36">
+            <a:extLst>
+              <a:ext uri="{FF2B5EF4-FFF2-40B4-BE49-F238E27FC236}">
+                <a16:creationId xmlns:a16="http://schemas.microsoft.com/office/drawing/2014/main" id="{22067E90-4703-BE00-BC30-6C58557F58DB}"/>
+              </a:ext>
+            </a:extLst>
+          </p:cNvPr>
+          <p:cNvSpPr/>
+          <p:nvPr/>
+        </p:nvSpPr>
+        <p:spPr>
+          <a:xfrm>
+            <a:off x="6518329" y="554123"/>
+            <a:ext cx="1143425" cy="465634"/>
+          </a:xfrm>
+          <a:prstGeom prst="roundRect">
+            <a:avLst>
+              <a:gd name="adj" fmla="val 8100"/>
+            </a:avLst>
+          </a:prstGeom>
+          <a:noFill/>
+          <a:ln w="28575">
+            <a:solidFill>
+              <a:srgbClr val="FF0000"/>
+            </a:solidFill>
+          </a:ln>
+        </p:spPr>
+        <p:style>
+          <a:lnRef idx="2">
+            <a:schemeClr val="accent1">
+              <a:shade val="50000"/>
+            </a:schemeClr>
+          </a:lnRef>
+          <a:fillRef idx="1">
+            <a:schemeClr val="accent1"/>
+          </a:fillRef>
+          <a:effectRef idx="0">
+            <a:schemeClr val="accent1"/>
+          </a:effectRef>
+          <a:fontRef idx="minor">
+            <a:schemeClr val="lt1"/>
+          </a:fontRef>
+        </p:style>
+        <p:txBody>
+          <a:bodyPr rtlCol="0" anchor="ctr"/>
+          <a:lstStyle/>
+          <a:p>
+            <a:pPr algn="ctr"/>
+            <a:endParaRPr kumimoji="1" lang="ja-JP" altLang="en-US"/>
+          </a:p>
+        </p:txBody>
+      </p:sp>
+    </p:spTree>
+    <p:extLst>
+      <p:ext uri="{BB962C8B-B14F-4D97-AF65-F5344CB8AC3E}">
+        <p14:creationId xmlns:p14="http://schemas.microsoft.com/office/powerpoint/2010/main" val="437022107"/>
+      </p:ext>
+    </p:extLst>
+  </p:cSld>
+  <p:clrMapOvr>
+    <a:masterClrMapping/>
+  </p:clrMapOvr>
+</p:sld>
+</file>
+
+<file path=ppt/slides/slide9.xml><?xml version="1.0" encoding="utf-8"?>
+<p:sld xmlns:a="http://schemas.openxmlformats.org/drawingml/2006/main" xmlns:r="http://schemas.openxmlformats.org/officeDocument/2006/relationships" xmlns:p="http://schemas.openxmlformats.org/presentationml/2006/main">
+  <p:cSld>
+    <p:spTree>
+      <p:nvGrpSpPr>
+        <p:cNvPr id="1" name=""/>
+        <p:cNvGrpSpPr/>
+        <p:nvPr/>
+      </p:nvGrpSpPr>
+      <p:grpSpPr>
+        <a:xfrm>
+          <a:off x="0" y="0"/>
+          <a:ext cx="0" cy="0"/>
+          <a:chOff x="0" y="0"/>
+          <a:chExt cx="0" cy="0"/>
+        </a:xfrm>
+      </p:grpSpPr>
+      <p:pic>
+        <p:nvPicPr>
+          <p:cNvPr id="2" name="図 1">
+            <a:extLst>
+              <a:ext uri="{FF2B5EF4-FFF2-40B4-BE49-F238E27FC236}">
+                <a16:creationId xmlns:a16="http://schemas.microsoft.com/office/drawing/2014/main" id="{6450CEAC-04C7-FDD4-262A-9DB90D56EFC2}"/>
+              </a:ext>
+            </a:extLst>
+          </p:cNvPr>
+          <p:cNvPicPr>
+            <a:picLocks noChangeAspect="1"/>
+          </p:cNvPicPr>
+          <p:nvPr/>
+        </p:nvPicPr>
+        <p:blipFill>
+          <a:blip r:embed="rId2"/>
+          <a:stretch>
+            <a:fillRect/>
+          </a:stretch>
+        </p:blipFill>
+        <p:spPr>
+          <a:xfrm>
+            <a:off x="297072" y="220351"/>
+            <a:ext cx="9160030" cy="5012862"/>
+          </a:xfrm>
+          <a:prstGeom prst="rect">
+            <a:avLst/>
+          </a:prstGeom>
+          <a:ln>
+            <a:noFill/>
+          </a:ln>
+          <a:effectLst>
+            <a:outerShdw blurRad="292100" dist="139700" dir="2700000" algn="tl" rotWithShape="0">
+              <a:srgbClr val="333333">
+                <a:alpha val="65000"/>
+              </a:srgbClr>
+            </a:outerShdw>
+          </a:effectLst>
+        </p:spPr>
+      </p:pic>
+      <p:sp>
+        <p:nvSpPr>
+          <p:cNvPr id="5" name="角丸四角形 36">
+            <a:extLst>
+              <a:ext uri="{FF2B5EF4-FFF2-40B4-BE49-F238E27FC236}">
+                <a16:creationId xmlns:a16="http://schemas.microsoft.com/office/drawing/2014/main" id="{049A9CA8-07C3-6820-3229-F73C44F7C53B}"/>
+              </a:ext>
+            </a:extLst>
+          </p:cNvPr>
+          <p:cNvSpPr/>
+          <p:nvPr/>
+        </p:nvSpPr>
+        <p:spPr>
+          <a:xfrm>
+            <a:off x="3633120" y="1738350"/>
+            <a:ext cx="1143425" cy="465634"/>
+          </a:xfrm>
+          <a:prstGeom prst="roundRect">
+            <a:avLst>
+              <a:gd name="adj" fmla="val 8100"/>
+            </a:avLst>
+          </a:prstGeom>
+          <a:noFill/>
+          <a:ln w="28575">
+            <a:solidFill>
+              <a:srgbClr val="FF0000"/>
+            </a:solidFill>
+          </a:ln>
+        </p:spPr>
+        <p:style>
+          <a:lnRef idx="2">
+            <a:schemeClr val="accent1">
+              <a:shade val="50000"/>
+            </a:schemeClr>
+          </a:lnRef>
+          <a:fillRef idx="1">
+            <a:schemeClr val="accent1"/>
+          </a:fillRef>
+          <a:effectRef idx="0">
+            <a:schemeClr val="accent1"/>
+          </a:effectRef>
+          <a:fontRef idx="minor">
+            <a:schemeClr val="lt1"/>
+          </a:fontRef>
+        </p:style>
+        <p:txBody>
+          <a:bodyPr rtlCol="0" anchor="ctr"/>
+          <a:lstStyle/>
+          <a:p>
+            <a:pPr algn="ctr"/>
+            <a:endParaRPr kumimoji="1" lang="ja-JP" altLang="en-US"/>
+          </a:p>
+        </p:txBody>
+      </p:sp>
+      <p:pic>
+        <p:nvPicPr>
+          <p:cNvPr id="8" name="図 7">
+            <a:extLst>
+              <a:ext uri="{FF2B5EF4-FFF2-40B4-BE49-F238E27FC236}">
+                <a16:creationId xmlns:a16="http://schemas.microsoft.com/office/drawing/2014/main" id="{9412B402-8956-4A83-E25F-5C4E565F699F}"/>
+              </a:ext>
+            </a:extLst>
+          </p:cNvPr>
+          <p:cNvPicPr>
+            <a:picLocks noChangeAspect="1"/>
+          </p:cNvPicPr>
+          <p:nvPr/>
+        </p:nvPicPr>
+        <p:blipFill>
+          <a:blip r:embed="rId3"/>
+          <a:stretch>
+            <a:fillRect/>
+          </a:stretch>
+        </p:blipFill>
+        <p:spPr>
+          <a:xfrm>
+            <a:off x="4698566" y="2977215"/>
+            <a:ext cx="5925222" cy="3353603"/>
+          </a:xfrm>
+          <a:prstGeom prst="rect">
+            <a:avLst/>
+          </a:prstGeom>
+          <a:ln>
+            <a:noFill/>
+          </a:ln>
+          <a:effectLst>
+            <a:outerShdw blurRad="292100" dist="139700" dir="2700000" algn="tl" rotWithShape="0">
+              <a:srgbClr val="333333">
+                <a:alpha val="65000"/>
+              </a:srgbClr>
+            </a:outerShdw>
+          </a:effectLst>
+        </p:spPr>
+      </p:pic>
+      <p:sp>
+        <p:nvSpPr>
+          <p:cNvPr id="6" name="角丸四角形 36">
+            <a:extLst>
+              <a:ext uri="{FF2B5EF4-FFF2-40B4-BE49-F238E27FC236}">
+                <a16:creationId xmlns:a16="http://schemas.microsoft.com/office/drawing/2014/main" id="{EC7EEDC7-B071-ADC1-4598-44D04650B8D5}"/>
+              </a:ext>
+            </a:extLst>
+          </p:cNvPr>
+          <p:cNvSpPr/>
+          <p:nvPr/>
+        </p:nvSpPr>
+        <p:spPr>
+          <a:xfrm>
+            <a:off x="4879468" y="4680415"/>
+            <a:ext cx="5613164" cy="805180"/>
+          </a:xfrm>
+          <a:prstGeom prst="roundRect">
+            <a:avLst>
+              <a:gd name="adj" fmla="val 8100"/>
+            </a:avLst>
+          </a:prstGeom>
+          <a:noFill/>
+          <a:ln w="28575">
+            <a:solidFill>
+              <a:srgbClr val="FF0000"/>
+            </a:solidFill>
+          </a:ln>
+        </p:spPr>
+        <p:style>
+          <a:lnRef idx="2">
+            <a:schemeClr val="accent1">
+              <a:shade val="50000"/>
+            </a:schemeClr>
+          </a:lnRef>
+          <a:fillRef idx="1">
+            <a:schemeClr val="accent1"/>
+          </a:fillRef>
+          <a:effectRef idx="0">
+            <a:schemeClr val="accent1"/>
+          </a:effectRef>
+          <a:fontRef idx="minor">
+            <a:schemeClr val="lt1"/>
+          </a:fontRef>
+        </p:style>
+        <p:txBody>
+          <a:bodyPr rtlCol="0" anchor="ctr"/>
+          <a:lstStyle/>
+          <a:p>
+            <a:pPr algn="ctr"/>
+            <a:endParaRPr kumimoji="1" lang="ja-JP" altLang="en-US"/>
+          </a:p>
+        </p:txBody>
+      </p:sp>
+    </p:spTree>
+    <p:extLst>
+      <p:ext uri="{BB962C8B-B14F-4D97-AF65-F5344CB8AC3E}">
+        <p14:creationId xmlns:p14="http://schemas.microsoft.com/office/powerpoint/2010/main" val="4137101251"/>
       </p:ext>
     </p:extLst>
   </p:cSld>
